--- a/IS Team Updates - November 22.pptx
+++ b/IS Team Updates - November 22.pptx
@@ -5,13 +5,14 @@
     <p:sldMasterId id="2147483648" r:id="rId1"/>
   </p:sldMasterIdLst>
   <p:notesMasterIdLst>
-    <p:notesMasterId r:id="rId6"/>
+    <p:notesMasterId r:id="rId7"/>
   </p:notesMasterIdLst>
   <p:sldIdLst>
     <p:sldId id="257" r:id="rId2"/>
     <p:sldId id="259" r:id="rId3"/>
     <p:sldId id="258" r:id="rId4"/>
-    <p:sldId id="260" r:id="rId5"/>
+    <p:sldId id="256" r:id="rId5"/>
+    <p:sldId id="260" r:id="rId6"/>
   </p:sldIdLst>
   <p:sldSz cx="12192000" cy="6858000"/>
   <p:notesSz cx="6858000" cy="9144000"/>
@@ -785,7 +786,7 @@
           <a:p>
             <a:fld id="{856DE13A-4A03-4D65-A1E3-92498798F1FA}" type="slidenum">
               <a:rPr lang="en-CA" smtClean="0"/>
-              <a:t>4</a:t>
+              <a:t>5</a:t>
             </a:fld>
             <a:endParaRPr lang="en-CA"/>
           </a:p>
@@ -4718,10 +4719,10 @@
       </p:sp>
       <p:graphicFrame>
         <p:nvGraphicFramePr>
-          <p:cNvPr id="2" name="Table 1">
-            <a:extLst>
-              <a:ext uri="{FF2B5EF4-FFF2-40B4-BE49-F238E27FC236}">
-                <a16:creationId xmlns:a16="http://schemas.microsoft.com/office/drawing/2014/main" id="{62FA0A9C-3068-4074-BCA4-D23BA57D74A7}"/>
+          <p:cNvPr id="6" name="Table 5">
+            <a:extLst>
+              <a:ext uri="{FF2B5EF4-FFF2-40B4-BE49-F238E27FC236}">
+                <a16:creationId xmlns:a16="http://schemas.microsoft.com/office/drawing/2014/main" id="{74F7F999-8032-451D-B49E-1E7E897B8DD9}"/>
               </a:ext>
             </a:extLst>
           </p:cNvPr>
@@ -4731,14 +4732,14 @@
           <p:nvPr>
             <p:extLst>
               <p:ext uri="{D42A27DB-BD31-4B8C-83A1-F6EECF244321}">
-                <p14:modId xmlns:p14="http://schemas.microsoft.com/office/powerpoint/2010/main" val="27779732"/>
+                <p14:modId xmlns:p14="http://schemas.microsoft.com/office/powerpoint/2010/main" val="2300858658"/>
               </p:ext>
             </p:extLst>
           </p:nvPr>
         </p:nvGraphicFramePr>
         <p:xfrm>
-          <a:off x="945397" y="1962671"/>
-          <a:ext cx="10740325" cy="1525218"/>
+          <a:off x="867905" y="1779977"/>
+          <a:ext cx="10848814" cy="4682814"/>
         </p:xfrm>
         <a:graphic>
           <a:graphicData uri="http://schemas.openxmlformats.org/drawingml/2006/table">
@@ -4747,29 +4748,29 @@
                 <a:tableStyleId>{5C22544A-7EE6-4342-B048-85BDC9FD1C3A}</a:tableStyleId>
               </a:tblPr>
               <a:tblGrid>
-                <a:gridCol w="4671443">
+                <a:gridCol w="2526508">
                   <a:extLst>
                     <a:ext uri="{9D8B030D-6E8A-4147-A177-3AD203B41FA5}">
-                      <a16:colId xmlns:a16="http://schemas.microsoft.com/office/drawing/2014/main" val="385426453"/>
+                      <a16:colId xmlns:a16="http://schemas.microsoft.com/office/drawing/2014/main" val="1687189315"/>
                     </a:ext>
                   </a:extLst>
                 </a:gridCol>
-                <a:gridCol w="4152393">
+                <a:gridCol w="6431860">
                   <a:extLst>
                     <a:ext uri="{9D8B030D-6E8A-4147-A177-3AD203B41FA5}">
-                      <a16:colId xmlns:a16="http://schemas.microsoft.com/office/drawing/2014/main" val="1821499403"/>
+                      <a16:colId xmlns:a16="http://schemas.microsoft.com/office/drawing/2014/main" val="678130918"/>
                     </a:ext>
                   </a:extLst>
                 </a:gridCol>
-                <a:gridCol w="1916489">
+                <a:gridCol w="1890446">
                   <a:extLst>
                     <a:ext uri="{9D8B030D-6E8A-4147-A177-3AD203B41FA5}">
-                      <a16:colId xmlns:a16="http://schemas.microsoft.com/office/drawing/2014/main" val="208893591"/>
+                      <a16:colId xmlns:a16="http://schemas.microsoft.com/office/drawing/2014/main" val="1537527621"/>
                     </a:ext>
                   </a:extLst>
                 </a:gridCol>
               </a:tblGrid>
-              <a:tr h="781210">
+              <a:tr h="486827">
                 <a:tc>
                   <a:txBody>
                     <a:bodyPr/>
@@ -4777,12 +4778,12 @@
                     <a:p>
                       <a:pPr algn="l" fontAlgn="b"/>
                       <a:r>
-                        <a:rPr lang="en-CA" sz="3200" b="1" u="none" strike="noStrike" dirty="0">
+                        <a:rPr lang="en-CA" sz="2800" b="1" u="none" strike="noStrike" dirty="0">
                           <a:effectLst/>
                         </a:rPr>
                         <a:t>Speaker</a:t>
                       </a:r>
-                      <a:endParaRPr lang="en-CA" sz="3200" b="1" i="0" u="none" strike="noStrike" dirty="0">
+                      <a:endParaRPr lang="en-CA" sz="2800" b="1" i="0" u="none" strike="noStrike" dirty="0">
                         <a:solidFill>
                           <a:srgbClr val="000000"/>
                         </a:solidFill>
@@ -4800,12 +4801,12 @@
                     <a:p>
                       <a:pPr algn="l" fontAlgn="b"/>
                       <a:r>
-                        <a:rPr lang="en-CA" sz="3200" b="1" u="none" strike="noStrike" dirty="0">
+                        <a:rPr lang="en-CA" sz="2800" b="1" u="none" strike="noStrike">
                           <a:effectLst/>
                         </a:rPr>
                         <a:t>Subject</a:t>
                       </a:r>
-                      <a:endParaRPr lang="en-CA" sz="3200" b="1" i="0" u="none" strike="noStrike" dirty="0">
+                      <a:endParaRPr lang="en-CA" sz="2800" b="1" i="0" u="none" strike="noStrike">
                         <a:solidFill>
                           <a:srgbClr val="000000"/>
                         </a:solidFill>
@@ -4823,12 +4824,12 @@
                     <a:p>
                       <a:pPr algn="l" fontAlgn="b"/>
                       <a:r>
-                        <a:rPr lang="en-CA" sz="3200" b="1" u="none" strike="noStrike" dirty="0">
+                        <a:rPr lang="en-CA" sz="2800" b="1" u="none" strike="noStrike" dirty="0">
                           <a:effectLst/>
                         </a:rPr>
                         <a:t>Time</a:t>
                       </a:r>
-                      <a:endParaRPr lang="en-CA" sz="3200" b="1" i="0" u="none" strike="noStrike" dirty="0">
+                      <a:endParaRPr lang="en-CA" sz="2800" b="1" i="0" u="none" strike="noStrike" dirty="0">
                         <a:solidFill>
                           <a:srgbClr val="000000"/>
                         </a:solidFill>
@@ -4841,11 +4842,11 @@
                 </a:tc>
                 <a:extLst>
                   <a:ext uri="{0D108BD9-81ED-4DB2-BD59-A6C34878D82A}">
-                    <a16:rowId xmlns:a16="http://schemas.microsoft.com/office/drawing/2014/main" val="4164443243"/>
+                    <a16:rowId xmlns:a16="http://schemas.microsoft.com/office/drawing/2014/main" val="2760559848"/>
                   </a:ext>
                 </a:extLst>
               </a:tr>
-              <a:tr h="744008">
+              <a:tr h="463645">
                 <a:tc>
                   <a:txBody>
                     <a:bodyPr/>
@@ -4853,12 +4854,12 @@
                     <a:p>
                       <a:pPr algn="l" fontAlgn="b"/>
                       <a:r>
-                        <a:rPr lang="en-CA" sz="2800" u="none" strike="noStrike" dirty="0">
+                        <a:rPr lang="en-CA" sz="2400" u="none" strike="noStrike" dirty="0">
                           <a:effectLst/>
                         </a:rPr>
-                        <a:t>Anita Wong</a:t>
+                        <a:t>Java member</a:t>
                       </a:r>
-                      <a:endParaRPr lang="en-CA" sz="2800" b="0" i="0" u="none" strike="noStrike" dirty="0">
+                      <a:endParaRPr lang="en-CA" sz="2400" b="0" i="0" u="none" strike="noStrike" dirty="0">
                         <a:solidFill>
                           <a:srgbClr val="000000"/>
                         </a:solidFill>
@@ -4876,12 +4877,12 @@
                     <a:p>
                       <a:pPr algn="l" fontAlgn="b"/>
                       <a:r>
-                        <a:rPr lang="en-CA" sz="2800" u="none" strike="noStrike">
+                        <a:rPr lang="en-CA" sz="2400" u="none" strike="noStrike">
                           <a:effectLst/>
                         </a:rPr>
-                        <a:t>FMS Upgrade Update</a:t>
+                        <a:t>Welcome</a:t>
                       </a:r>
-                      <a:endParaRPr lang="en-CA" sz="2800" b="0" i="0" u="none" strike="noStrike">
+                      <a:endParaRPr lang="en-CA" sz="2400" b="0" i="0" u="none" strike="noStrike">
                         <a:solidFill>
                           <a:srgbClr val="000000"/>
                         </a:solidFill>
@@ -4899,12 +4900,12 @@
                     <a:p>
                       <a:pPr algn="l" fontAlgn="b"/>
                       <a:r>
-                        <a:rPr lang="en-CA" sz="2800" u="none" strike="noStrike" dirty="0">
+                        <a:rPr lang="en-CA" sz="2400" u="none" strike="noStrike">
                           <a:effectLst/>
                         </a:rPr>
                         <a:t>5 minutes</a:t>
                       </a:r>
-                      <a:endParaRPr lang="en-CA" sz="2800" b="0" i="0" u="none" strike="noStrike" dirty="0">
+                      <a:endParaRPr lang="en-CA" sz="2400" b="0" i="0" u="none" strike="noStrike">
                         <a:solidFill>
                           <a:srgbClr val="000000"/>
                         </a:solidFill>
@@ -4917,7 +4918,615 @@
                 </a:tc>
                 <a:extLst>
                   <a:ext uri="{0D108BD9-81ED-4DB2-BD59-A6C34878D82A}">
-                    <a16:rowId xmlns:a16="http://schemas.microsoft.com/office/drawing/2014/main" val="2907010386"/>
+                    <a16:rowId xmlns:a16="http://schemas.microsoft.com/office/drawing/2014/main" val="2756989235"/>
+                  </a:ext>
+                </a:extLst>
+              </a:tr>
+              <a:tr h="463645">
+                <a:tc>
+                  <a:txBody>
+                    <a:bodyPr/>
+                    <a:lstStyle/>
+                    <a:p>
+                      <a:pPr algn="l" fontAlgn="b"/>
+                      <a:r>
+                        <a:rPr lang="en-CA" sz="2400" u="none" strike="noStrike" dirty="0">
+                          <a:effectLst/>
+                        </a:rPr>
+                        <a:t>John Hynes</a:t>
+                      </a:r>
+                      <a:endParaRPr lang="en-CA" sz="2400" b="0" i="0" u="none" strike="noStrike" dirty="0">
+                        <a:solidFill>
+                          <a:srgbClr val="000000"/>
+                        </a:solidFill>
+                        <a:effectLst/>
+                        <a:latin typeface="Calibri" panose="020F0502020204030204" pitchFamily="34" charset="0"/>
+                      </a:endParaRPr>
+                    </a:p>
+                  </a:txBody>
+                  <a:tcPr marL="9525" marR="9525" marT="9525" marB="0" anchor="b"/>
+                </a:tc>
+                <a:tc>
+                  <a:txBody>
+                    <a:bodyPr/>
+                    <a:lstStyle/>
+                    <a:p>
+                      <a:pPr algn="l" fontAlgn="b"/>
+                      <a:r>
+                        <a:rPr lang="en-CA" sz="2400" u="none" strike="noStrike">
+                          <a:effectLst/>
+                        </a:rPr>
+                        <a:t>Welcome, team</a:t>
+                      </a:r>
+                      <a:endParaRPr lang="en-CA" sz="2400" b="0" i="0" u="none" strike="noStrike">
+                        <a:solidFill>
+                          <a:srgbClr val="000000"/>
+                        </a:solidFill>
+                        <a:effectLst/>
+                        <a:latin typeface="Calibri" panose="020F0502020204030204" pitchFamily="34" charset="0"/>
+                      </a:endParaRPr>
+                    </a:p>
+                  </a:txBody>
+                  <a:tcPr marL="9525" marR="9525" marT="9525" marB="0" anchor="b"/>
+                </a:tc>
+                <a:tc>
+                  <a:txBody>
+                    <a:bodyPr/>
+                    <a:lstStyle/>
+                    <a:p>
+                      <a:pPr algn="l" fontAlgn="b"/>
+                      <a:r>
+                        <a:rPr lang="en-CA" sz="2400" u="none" strike="noStrike">
+                          <a:effectLst/>
+                        </a:rPr>
+                        <a:t>5 minutes</a:t>
+                      </a:r>
+                      <a:endParaRPr lang="en-CA" sz="2400" b="0" i="0" u="none" strike="noStrike">
+                        <a:solidFill>
+                          <a:srgbClr val="000000"/>
+                        </a:solidFill>
+                        <a:effectLst/>
+                        <a:latin typeface="Calibri" panose="020F0502020204030204" pitchFamily="34" charset="0"/>
+                      </a:endParaRPr>
+                    </a:p>
+                  </a:txBody>
+                  <a:tcPr marL="9525" marR="9525" marT="9525" marB="0" anchor="b"/>
+                </a:tc>
+                <a:extLst>
+                  <a:ext uri="{0D108BD9-81ED-4DB2-BD59-A6C34878D82A}">
+                    <a16:rowId xmlns:a16="http://schemas.microsoft.com/office/drawing/2014/main" val="2061227054"/>
+                  </a:ext>
+                </a:extLst>
+              </a:tr>
+              <a:tr h="463645">
+                <a:tc>
+                  <a:txBody>
+                    <a:bodyPr/>
+                    <a:lstStyle/>
+                    <a:p>
+                      <a:pPr algn="l" fontAlgn="b"/>
+                      <a:r>
+                        <a:rPr lang="en-CA" sz="2400" u="none" strike="noStrike" dirty="0">
+                          <a:effectLst/>
+                        </a:rPr>
+                        <a:t>Alan Hummel</a:t>
+                      </a:r>
+                      <a:endParaRPr lang="en-CA" sz="2400" b="0" i="0" u="none" strike="noStrike" dirty="0">
+                        <a:solidFill>
+                          <a:srgbClr val="000000"/>
+                        </a:solidFill>
+                        <a:effectLst/>
+                        <a:latin typeface="Calibri" panose="020F0502020204030204" pitchFamily="34" charset="0"/>
+                      </a:endParaRPr>
+                    </a:p>
+                  </a:txBody>
+                  <a:tcPr marL="9525" marR="9525" marT="9525" marB="0" anchor="b"/>
+                </a:tc>
+                <a:tc>
+                  <a:txBody>
+                    <a:bodyPr/>
+                    <a:lstStyle/>
+                    <a:p>
+                      <a:pPr algn="l" fontAlgn="b"/>
+                      <a:r>
+                        <a:rPr lang="en-CA" sz="2400" u="none" strike="noStrike">
+                          <a:effectLst/>
+                        </a:rPr>
+                        <a:t>Using Git</a:t>
+                      </a:r>
+                      <a:endParaRPr lang="en-CA" sz="2400" b="0" i="0" u="none" strike="noStrike">
+                        <a:solidFill>
+                          <a:srgbClr val="000000"/>
+                        </a:solidFill>
+                        <a:effectLst/>
+                        <a:latin typeface="Calibri" panose="020F0502020204030204" pitchFamily="34" charset="0"/>
+                      </a:endParaRPr>
+                    </a:p>
+                  </a:txBody>
+                  <a:tcPr marL="9525" marR="9525" marT="9525" marB="0" anchor="b"/>
+                </a:tc>
+                <a:tc>
+                  <a:txBody>
+                    <a:bodyPr/>
+                    <a:lstStyle/>
+                    <a:p>
+                      <a:pPr algn="l" fontAlgn="b"/>
+                      <a:r>
+                        <a:rPr lang="en-CA" sz="2400" u="none" strike="noStrike">
+                          <a:effectLst/>
+                        </a:rPr>
+                        <a:t>10 minutes</a:t>
+                      </a:r>
+                      <a:endParaRPr lang="en-CA" sz="2400" b="0" i="0" u="none" strike="noStrike">
+                        <a:solidFill>
+                          <a:srgbClr val="000000"/>
+                        </a:solidFill>
+                        <a:effectLst/>
+                        <a:latin typeface="Calibri" panose="020F0502020204030204" pitchFamily="34" charset="0"/>
+                      </a:endParaRPr>
+                    </a:p>
+                  </a:txBody>
+                  <a:tcPr marL="9525" marR="9525" marT="9525" marB="0" anchor="b"/>
+                </a:tc>
+                <a:extLst>
+                  <a:ext uri="{0D108BD9-81ED-4DB2-BD59-A6C34878D82A}">
+                    <a16:rowId xmlns:a16="http://schemas.microsoft.com/office/drawing/2014/main" val="1455610762"/>
+                  </a:ext>
+                </a:extLst>
+              </a:tr>
+              <a:tr h="463645">
+                <a:tc>
+                  <a:txBody>
+                    <a:bodyPr/>
+                    <a:lstStyle/>
+                    <a:p>
+                      <a:pPr algn="l" fontAlgn="b"/>
+                      <a:r>
+                        <a:rPr lang="en-CA" sz="2400" u="none" strike="noStrike" dirty="0">
+                          <a:effectLst/>
+                        </a:rPr>
+                        <a:t>Olga Agady</a:t>
+                      </a:r>
+                      <a:endParaRPr lang="en-CA" sz="2400" b="0" i="0" u="none" strike="noStrike" dirty="0">
+                        <a:solidFill>
+                          <a:srgbClr val="000000"/>
+                        </a:solidFill>
+                        <a:effectLst/>
+                        <a:latin typeface="Calibri" panose="020F0502020204030204" pitchFamily="34" charset="0"/>
+                      </a:endParaRPr>
+                    </a:p>
+                  </a:txBody>
+                  <a:tcPr marL="9525" marR="9525" marT="9525" marB="0" anchor="b"/>
+                </a:tc>
+                <a:tc>
+                  <a:txBody>
+                    <a:bodyPr/>
+                    <a:lstStyle/>
+                    <a:p>
+                      <a:pPr algn="l" fontAlgn="b"/>
+                      <a:r>
+                        <a:rPr lang="en-CA" sz="2400" u="none" strike="noStrike" dirty="0">
+                          <a:effectLst/>
+                        </a:rPr>
+                        <a:t>Integration with Box.com</a:t>
+                      </a:r>
+                      <a:endParaRPr lang="en-CA" sz="2400" b="0" i="0" u="none" strike="noStrike" dirty="0">
+                        <a:solidFill>
+                          <a:srgbClr val="000000"/>
+                        </a:solidFill>
+                        <a:effectLst/>
+                        <a:latin typeface="Calibri" panose="020F0502020204030204" pitchFamily="34" charset="0"/>
+                      </a:endParaRPr>
+                    </a:p>
+                  </a:txBody>
+                  <a:tcPr marL="9525" marR="9525" marT="9525" marB="0" anchor="b"/>
+                </a:tc>
+                <a:tc>
+                  <a:txBody>
+                    <a:bodyPr/>
+                    <a:lstStyle/>
+                    <a:p>
+                      <a:pPr algn="l" fontAlgn="b"/>
+                      <a:r>
+                        <a:rPr lang="en-CA" sz="2400" u="none" strike="noStrike">
+                          <a:effectLst/>
+                        </a:rPr>
+                        <a:t>5 minutes</a:t>
+                      </a:r>
+                      <a:endParaRPr lang="en-CA" sz="2400" b="0" i="0" u="none" strike="noStrike">
+                        <a:solidFill>
+                          <a:srgbClr val="000000"/>
+                        </a:solidFill>
+                        <a:effectLst/>
+                        <a:latin typeface="Calibri" panose="020F0502020204030204" pitchFamily="34" charset="0"/>
+                      </a:endParaRPr>
+                    </a:p>
+                  </a:txBody>
+                  <a:tcPr marL="9525" marR="9525" marT="9525" marB="0" anchor="b"/>
+                </a:tc>
+                <a:extLst>
+                  <a:ext uri="{0D108BD9-81ED-4DB2-BD59-A6C34878D82A}">
+                    <a16:rowId xmlns:a16="http://schemas.microsoft.com/office/drawing/2014/main" val="4252439213"/>
+                  </a:ext>
+                </a:extLst>
+              </a:tr>
+              <a:tr h="463645">
+                <a:tc>
+                  <a:txBody>
+                    <a:bodyPr/>
+                    <a:lstStyle/>
+                    <a:p>
+                      <a:pPr algn="l" fontAlgn="b"/>
+                      <a:r>
+                        <a:rPr lang="en-CA" sz="2400" u="none" strike="noStrike">
+                          <a:effectLst/>
+                        </a:rPr>
+                        <a:t>Anita Wong</a:t>
+                      </a:r>
+                      <a:endParaRPr lang="en-CA" sz="2400" b="0" i="0" u="none" strike="noStrike">
+                        <a:solidFill>
+                          <a:srgbClr val="000000"/>
+                        </a:solidFill>
+                        <a:effectLst/>
+                        <a:latin typeface="Calibri" panose="020F0502020204030204" pitchFamily="34" charset="0"/>
+                      </a:endParaRPr>
+                    </a:p>
+                  </a:txBody>
+                  <a:tcPr marL="9525" marR="9525" marT="9525" marB="0" anchor="b"/>
+                </a:tc>
+                <a:tc>
+                  <a:txBody>
+                    <a:bodyPr/>
+                    <a:lstStyle/>
+                    <a:p>
+                      <a:pPr algn="l" fontAlgn="b"/>
+                      <a:r>
+                        <a:rPr lang="en-CA" sz="2400" u="none" strike="noStrike" dirty="0">
+                          <a:effectLst/>
+                        </a:rPr>
+                        <a:t>FMS Upgrade Update</a:t>
+                      </a:r>
+                      <a:endParaRPr lang="en-CA" sz="2400" b="0" i="0" u="none" strike="noStrike" dirty="0">
+                        <a:solidFill>
+                          <a:srgbClr val="000000"/>
+                        </a:solidFill>
+                        <a:effectLst/>
+                        <a:latin typeface="Calibri" panose="020F0502020204030204" pitchFamily="34" charset="0"/>
+                      </a:endParaRPr>
+                    </a:p>
+                  </a:txBody>
+                  <a:tcPr marL="9525" marR="9525" marT="9525" marB="0" anchor="b"/>
+                </a:tc>
+                <a:tc>
+                  <a:txBody>
+                    <a:bodyPr/>
+                    <a:lstStyle/>
+                    <a:p>
+                      <a:pPr algn="l" fontAlgn="b"/>
+                      <a:r>
+                        <a:rPr lang="en-CA" sz="2400" u="none" strike="noStrike">
+                          <a:effectLst/>
+                        </a:rPr>
+                        <a:t>5 minutes</a:t>
+                      </a:r>
+                      <a:endParaRPr lang="en-CA" sz="2400" b="0" i="0" u="none" strike="noStrike">
+                        <a:solidFill>
+                          <a:srgbClr val="000000"/>
+                        </a:solidFill>
+                        <a:effectLst/>
+                        <a:latin typeface="Calibri" panose="020F0502020204030204" pitchFamily="34" charset="0"/>
+                      </a:endParaRPr>
+                    </a:p>
+                  </a:txBody>
+                  <a:tcPr marL="9525" marR="9525" marT="9525" marB="0" anchor="b"/>
+                </a:tc>
+                <a:extLst>
+                  <a:ext uri="{0D108BD9-81ED-4DB2-BD59-A6C34878D82A}">
+                    <a16:rowId xmlns:a16="http://schemas.microsoft.com/office/drawing/2014/main" val="2455710005"/>
+                  </a:ext>
+                </a:extLst>
+              </a:tr>
+              <a:tr h="463645">
+                <a:tc>
+                  <a:txBody>
+                    <a:bodyPr/>
+                    <a:lstStyle/>
+                    <a:p>
+                      <a:pPr algn="l" fontAlgn="b"/>
+                      <a:r>
+                        <a:rPr lang="en-CA" sz="2400" u="none" strike="noStrike">
+                          <a:effectLst/>
+                        </a:rPr>
+                        <a:t>Senthil/Melissa</a:t>
+                      </a:r>
+                      <a:endParaRPr lang="en-CA" sz="2400" b="0" i="0" u="none" strike="noStrike">
+                        <a:solidFill>
+                          <a:srgbClr val="000000"/>
+                        </a:solidFill>
+                        <a:effectLst/>
+                        <a:latin typeface="Calibri" panose="020F0502020204030204" pitchFamily="34" charset="0"/>
+                      </a:endParaRPr>
+                    </a:p>
+                  </a:txBody>
+                  <a:tcPr marL="9525" marR="9525" marT="9525" marB="0" anchor="b"/>
+                </a:tc>
+                <a:tc>
+                  <a:txBody>
+                    <a:bodyPr/>
+                    <a:lstStyle/>
+                    <a:p>
+                      <a:pPr algn="l" fontAlgn="b"/>
+                      <a:r>
+                        <a:rPr lang="en-CA" sz="2400" u="none" strike="noStrike" dirty="0">
+                          <a:effectLst/>
+                        </a:rPr>
+                        <a:t>Digitalization Team Update</a:t>
+                      </a:r>
+                      <a:endParaRPr lang="en-CA" sz="2400" b="0" i="0" u="none" strike="noStrike" dirty="0">
+                        <a:solidFill>
+                          <a:srgbClr val="000000"/>
+                        </a:solidFill>
+                        <a:effectLst/>
+                        <a:latin typeface="Calibri" panose="020F0502020204030204" pitchFamily="34" charset="0"/>
+                      </a:endParaRPr>
+                    </a:p>
+                  </a:txBody>
+                  <a:tcPr marL="9525" marR="9525" marT="9525" marB="0" anchor="b"/>
+                </a:tc>
+                <a:tc>
+                  <a:txBody>
+                    <a:bodyPr/>
+                    <a:lstStyle/>
+                    <a:p>
+                      <a:pPr algn="l" fontAlgn="b"/>
+                      <a:r>
+                        <a:rPr lang="en-CA" sz="2400" u="none" strike="noStrike">
+                          <a:effectLst/>
+                        </a:rPr>
+                        <a:t>10 minutes</a:t>
+                      </a:r>
+                      <a:endParaRPr lang="en-CA" sz="2400" b="0" i="0" u="none" strike="noStrike">
+                        <a:solidFill>
+                          <a:srgbClr val="000000"/>
+                        </a:solidFill>
+                        <a:effectLst/>
+                        <a:latin typeface="Calibri" panose="020F0502020204030204" pitchFamily="34" charset="0"/>
+                      </a:endParaRPr>
+                    </a:p>
+                  </a:txBody>
+                  <a:tcPr marL="9525" marR="9525" marT="9525" marB="0" anchor="b"/>
+                </a:tc>
+                <a:extLst>
+                  <a:ext uri="{0D108BD9-81ED-4DB2-BD59-A6C34878D82A}">
+                    <a16:rowId xmlns:a16="http://schemas.microsoft.com/office/drawing/2014/main" val="4216602696"/>
+                  </a:ext>
+                </a:extLst>
+              </a:tr>
+              <a:tr h="463645">
+                <a:tc>
+                  <a:txBody>
+                    <a:bodyPr/>
+                    <a:lstStyle/>
+                    <a:p>
+                      <a:pPr algn="l" fontAlgn="b"/>
+                      <a:r>
+                        <a:rPr lang="en-CA" sz="2400" u="none" strike="noStrike">
+                          <a:effectLst/>
+                        </a:rPr>
+                        <a:t>Andrew</a:t>
+                      </a:r>
+                      <a:endParaRPr lang="en-CA" sz="2400" b="0" i="0" u="none" strike="noStrike">
+                        <a:solidFill>
+                          <a:srgbClr val="000000"/>
+                        </a:solidFill>
+                        <a:effectLst/>
+                        <a:latin typeface="Calibri" panose="020F0502020204030204" pitchFamily="34" charset="0"/>
+                      </a:endParaRPr>
+                    </a:p>
+                  </a:txBody>
+                  <a:tcPr marL="9525" marR="9525" marT="9525" marB="0" anchor="b"/>
+                </a:tc>
+                <a:tc>
+                  <a:txBody>
+                    <a:bodyPr/>
+                    <a:lstStyle/>
+                    <a:p>
+                      <a:pPr algn="l" fontAlgn="b"/>
+                      <a:r>
+                        <a:rPr lang="en-CA" sz="2400" u="none" strike="noStrike" dirty="0">
+                          <a:effectLst/>
+                        </a:rPr>
+                        <a:t>RA</a:t>
+                      </a:r>
+                      <a:endParaRPr lang="en-CA" sz="2400" b="0" i="0" u="none" strike="noStrike" dirty="0">
+                        <a:solidFill>
+                          <a:srgbClr val="000000"/>
+                        </a:solidFill>
+                        <a:effectLst/>
+                        <a:latin typeface="Calibri" panose="020F0502020204030204" pitchFamily="34" charset="0"/>
+                      </a:endParaRPr>
+                    </a:p>
+                  </a:txBody>
+                  <a:tcPr marL="9525" marR="9525" marT="9525" marB="0" anchor="b"/>
+                </a:tc>
+                <a:tc>
+                  <a:txBody>
+                    <a:bodyPr/>
+                    <a:lstStyle/>
+                    <a:p>
+                      <a:pPr algn="l" fontAlgn="b"/>
+                      <a:r>
+                        <a:rPr lang="en-CA" sz="2400" u="none" strike="noStrike">
+                          <a:effectLst/>
+                        </a:rPr>
+                        <a:t>5 minutes</a:t>
+                      </a:r>
+                      <a:endParaRPr lang="en-CA" sz="2400" b="0" i="0" u="none" strike="noStrike">
+                        <a:solidFill>
+                          <a:srgbClr val="000000"/>
+                        </a:solidFill>
+                        <a:effectLst/>
+                        <a:latin typeface="Calibri" panose="020F0502020204030204" pitchFamily="34" charset="0"/>
+                      </a:endParaRPr>
+                    </a:p>
+                  </a:txBody>
+                  <a:tcPr marL="9525" marR="9525" marT="9525" marB="0" anchor="b"/>
+                </a:tc>
+                <a:extLst>
+                  <a:ext uri="{0D108BD9-81ED-4DB2-BD59-A6C34878D82A}">
+                    <a16:rowId xmlns:a16="http://schemas.microsoft.com/office/drawing/2014/main" val="1968877804"/>
+                  </a:ext>
+                </a:extLst>
+              </a:tr>
+              <a:tr h="463645">
+                <a:tc>
+                  <a:txBody>
+                    <a:bodyPr/>
+                    <a:lstStyle/>
+                    <a:p>
+                      <a:pPr algn="l" fontAlgn="b"/>
+                      <a:r>
+                        <a:rPr lang="en-CA" sz="2400" u="none" strike="noStrike">
+                          <a:effectLst/>
+                        </a:rPr>
+                        <a:t>Laura</a:t>
+                      </a:r>
+                      <a:endParaRPr lang="en-CA" sz="2400" b="0" i="0" u="none" strike="noStrike">
+                        <a:solidFill>
+                          <a:srgbClr val="000000"/>
+                        </a:solidFill>
+                        <a:effectLst/>
+                        <a:latin typeface="Calibri" panose="020F0502020204030204" pitchFamily="34" charset="0"/>
+                      </a:endParaRPr>
+                    </a:p>
+                  </a:txBody>
+                  <a:tcPr marL="9525" marR="9525" marT="9525" marB="0" anchor="b"/>
+                </a:tc>
+                <a:tc>
+                  <a:txBody>
+                    <a:bodyPr/>
+                    <a:lstStyle/>
+                    <a:p>
+                      <a:pPr algn="l" fontAlgn="b"/>
+                      <a:r>
+                        <a:rPr lang="en-CA" sz="2400" u="none" strike="noStrike" dirty="0">
+                          <a:effectLst/>
+                        </a:rPr>
+                        <a:t>VBS</a:t>
+                      </a:r>
+                      <a:endParaRPr lang="en-CA" sz="2400" b="0" i="0" u="none" strike="noStrike" dirty="0">
+                        <a:solidFill>
+                          <a:srgbClr val="000000"/>
+                        </a:solidFill>
+                        <a:effectLst/>
+                        <a:latin typeface="Calibri" panose="020F0502020204030204" pitchFamily="34" charset="0"/>
+                      </a:endParaRPr>
+                    </a:p>
+                  </a:txBody>
+                  <a:tcPr marL="9525" marR="9525" marT="9525" marB="0" anchor="b"/>
+                </a:tc>
+                <a:tc>
+                  <a:txBody>
+                    <a:bodyPr/>
+                    <a:lstStyle/>
+                    <a:p>
+                      <a:pPr algn="l" fontAlgn="b"/>
+                      <a:r>
+                        <a:rPr lang="en-CA" sz="2400" u="none" strike="noStrike" dirty="0">
+                          <a:effectLst/>
+                        </a:rPr>
+                        <a:t>5 minutes</a:t>
+                      </a:r>
+                      <a:endParaRPr lang="en-CA" sz="2400" b="0" i="0" u="none" strike="noStrike" dirty="0">
+                        <a:solidFill>
+                          <a:srgbClr val="000000"/>
+                        </a:solidFill>
+                        <a:effectLst/>
+                        <a:latin typeface="Calibri" panose="020F0502020204030204" pitchFamily="34" charset="0"/>
+                      </a:endParaRPr>
+                    </a:p>
+                  </a:txBody>
+                  <a:tcPr marL="9525" marR="9525" marT="9525" marB="0" anchor="b"/>
+                </a:tc>
+                <a:extLst>
+                  <a:ext uri="{0D108BD9-81ED-4DB2-BD59-A6C34878D82A}">
+                    <a16:rowId xmlns:a16="http://schemas.microsoft.com/office/drawing/2014/main" val="238770617"/>
+                  </a:ext>
+                </a:extLst>
+              </a:tr>
+              <a:tr h="486827">
+                <a:tc>
+                  <a:txBody>
+                    <a:bodyPr/>
+                    <a:lstStyle/>
+                    <a:p>
+                      <a:pPr algn="l" fontAlgn="b"/>
+                      <a:r>
+                        <a:rPr lang="en-CA" sz="2400" u="none" strike="noStrike">
+                          <a:effectLst/>
+                        </a:rPr>
+                        <a:t>Shazi</a:t>
+                      </a:r>
+                      <a:endParaRPr lang="en-CA" sz="2400" b="0" i="0" u="none" strike="noStrike">
+                        <a:solidFill>
+                          <a:srgbClr val="000000"/>
+                        </a:solidFill>
+                        <a:effectLst/>
+                        <a:latin typeface="Calibri" panose="020F0502020204030204" pitchFamily="34" charset="0"/>
+                      </a:endParaRPr>
+                    </a:p>
+                  </a:txBody>
+                  <a:tcPr marL="9525" marR="9525" marT="9525" marB="0" anchor="b"/>
+                </a:tc>
+                <a:tc>
+                  <a:txBody>
+                    <a:bodyPr/>
+                    <a:lstStyle/>
+                    <a:p>
+                      <a:pPr algn="l" fontAlgn="b"/>
+                      <a:r>
+                        <a:rPr lang="en-CA" sz="2400" u="none" strike="noStrike">
+                          <a:effectLst/>
+                        </a:rPr>
+                        <a:t>UCS Migration Tech Team</a:t>
+                      </a:r>
+                      <a:endParaRPr lang="en-CA" sz="2400" b="0" i="0" u="none" strike="noStrike">
+                        <a:solidFill>
+                          <a:srgbClr val="000000"/>
+                        </a:solidFill>
+                        <a:effectLst/>
+                        <a:latin typeface="Calibri" panose="020F0502020204030204" pitchFamily="34" charset="0"/>
+                      </a:endParaRPr>
+                    </a:p>
+                  </a:txBody>
+                  <a:tcPr marL="9525" marR="9525" marT="9525" marB="0" anchor="b"/>
+                </a:tc>
+                <a:tc>
+                  <a:txBody>
+                    <a:bodyPr/>
+                    <a:lstStyle/>
+                    <a:p>
+                      <a:pPr algn="l" fontAlgn="b"/>
+                      <a:r>
+                        <a:rPr lang="en-CA" sz="2400" u="none" strike="noStrike" dirty="0">
+                          <a:effectLst/>
+                        </a:rPr>
+                        <a:t>5 minutes</a:t>
+                      </a:r>
+                      <a:endParaRPr lang="en-CA" sz="2400" b="0" i="0" u="none" strike="noStrike" dirty="0">
+                        <a:solidFill>
+                          <a:srgbClr val="000000"/>
+                        </a:solidFill>
+                        <a:effectLst/>
+                        <a:latin typeface="Calibri" panose="020F0502020204030204" pitchFamily="34" charset="0"/>
+                      </a:endParaRPr>
+                    </a:p>
+                  </a:txBody>
+                  <a:tcPr marL="9525" marR="9525" marT="9525" marB="0" anchor="b"/>
+                </a:tc>
+                <a:extLst>
+                  <a:ext uri="{0D108BD9-81ED-4DB2-BD59-A6C34878D82A}">
+                    <a16:rowId xmlns:a16="http://schemas.microsoft.com/office/drawing/2014/main" val="3100988991"/>
                   </a:ext>
                 </a:extLst>
               </a:tr>
@@ -4939,6 +5548,1115 @@
 </file>
 
 <file path=ppt/slides/slide4.xml><?xml version="1.0" encoding="utf-8"?>
+<p:sld xmlns:a="http://schemas.openxmlformats.org/drawingml/2006/main" xmlns:r="http://schemas.openxmlformats.org/officeDocument/2006/relationships" xmlns:p="http://schemas.openxmlformats.org/presentationml/2006/main">
+  <p:cSld>
+    <p:spTree>
+      <p:nvGrpSpPr>
+        <p:cNvPr id="1" name=""/>
+        <p:cNvGrpSpPr/>
+        <p:nvPr/>
+      </p:nvGrpSpPr>
+      <p:grpSpPr>
+        <a:xfrm>
+          <a:off x="0" y="0"/>
+          <a:ext cx="0" cy="0"/>
+          <a:chOff x="0" y="0"/>
+          <a:chExt cx="0" cy="0"/>
+        </a:xfrm>
+      </p:grpSpPr>
+      <p:pic>
+        <p:nvPicPr>
+          <p:cNvPr id="5" name="Graphic 4" descr="Man">
+            <a:extLst>
+              <a:ext uri="{FF2B5EF4-FFF2-40B4-BE49-F238E27FC236}">
+                <a16:creationId xmlns:a16="http://schemas.microsoft.com/office/drawing/2014/main" id="{E60CE0D6-1D8D-4DF7-A191-2E2C2A41081C}"/>
+              </a:ext>
+            </a:extLst>
+          </p:cNvPr>
+          <p:cNvPicPr>
+            <a:picLocks noChangeAspect="1"/>
+          </p:cNvPicPr>
+          <p:nvPr/>
+        </p:nvPicPr>
+        <p:blipFill>
+          <a:blip r:embed="rId2">
+            <a:extLst>
+              <a:ext uri="{28A0092B-C50C-407E-A947-70E740481C1C}">
+                <a14:useLocalDpi xmlns:a14="http://schemas.microsoft.com/office/drawing/2010/main" val="0"/>
+              </a:ext>
+              <a:ext uri="{96DAC541-7B7A-43D3-8B79-37D633B846F1}">
+                <asvg:svgBlip xmlns:asvg="http://schemas.microsoft.com/office/drawing/2016/SVG/main" r:embed="rId3"/>
+              </a:ext>
+            </a:extLst>
+          </a:blip>
+          <a:stretch>
+            <a:fillRect/>
+          </a:stretch>
+        </p:blipFill>
+        <p:spPr>
+          <a:xfrm>
+            <a:off x="1733341" y="4112776"/>
+            <a:ext cx="914400" cy="914400"/>
+          </a:xfrm>
+          <a:prstGeom prst="rect">
+            <a:avLst/>
+          </a:prstGeom>
+        </p:spPr>
+      </p:pic>
+      <p:pic>
+        <p:nvPicPr>
+          <p:cNvPr id="6" name="Graphic 5" descr="Man">
+            <a:extLst>
+              <a:ext uri="{FF2B5EF4-FFF2-40B4-BE49-F238E27FC236}">
+                <a16:creationId xmlns:a16="http://schemas.microsoft.com/office/drawing/2014/main" id="{813164F5-3500-4A19-96DD-D576249F7F06}"/>
+              </a:ext>
+            </a:extLst>
+          </p:cNvPr>
+          <p:cNvPicPr>
+            <a:picLocks noChangeAspect="1"/>
+          </p:cNvPicPr>
+          <p:nvPr/>
+        </p:nvPicPr>
+        <p:blipFill>
+          <a:blip r:embed="rId2">
+            <a:extLst>
+              <a:ext uri="{28A0092B-C50C-407E-A947-70E740481C1C}">
+                <a14:useLocalDpi xmlns:a14="http://schemas.microsoft.com/office/drawing/2010/main" val="0"/>
+              </a:ext>
+              <a:ext uri="{96DAC541-7B7A-43D3-8B79-37D633B846F1}">
+                <asvg:svgBlip xmlns:asvg="http://schemas.microsoft.com/office/drawing/2016/SVG/main" r:embed="rId3"/>
+              </a:ext>
+            </a:extLst>
+          </a:blip>
+          <a:stretch>
+            <a:fillRect/>
+          </a:stretch>
+        </p:blipFill>
+        <p:spPr>
+          <a:xfrm>
+            <a:off x="9091270" y="2833379"/>
+            <a:ext cx="914400" cy="914400"/>
+          </a:xfrm>
+          <a:prstGeom prst="rect">
+            <a:avLst/>
+          </a:prstGeom>
+        </p:spPr>
+      </p:pic>
+      <p:sp>
+        <p:nvSpPr>
+          <p:cNvPr id="7" name="Rectangle 6">
+            <a:extLst>
+              <a:ext uri="{FF2B5EF4-FFF2-40B4-BE49-F238E27FC236}">
+                <a16:creationId xmlns:a16="http://schemas.microsoft.com/office/drawing/2014/main" id="{D253062A-9F55-49BA-82E4-48AB505A8DB6}"/>
+              </a:ext>
+            </a:extLst>
+          </p:cNvPr>
+          <p:cNvSpPr/>
+          <p:nvPr/>
+        </p:nvSpPr>
+        <p:spPr>
+          <a:xfrm>
+            <a:off x="1182713" y="2404200"/>
+            <a:ext cx="2007197" cy="762195"/>
+          </a:xfrm>
+          <a:prstGeom prst="rect">
+            <a:avLst/>
+          </a:prstGeom>
+          <a:solidFill>
+            <a:schemeClr val="accent1">
+              <a:lumMod val="60000"/>
+              <a:lumOff val="40000"/>
+            </a:schemeClr>
+          </a:solidFill>
+        </p:spPr>
+        <p:style>
+          <a:lnRef idx="2">
+            <a:schemeClr val="accent1">
+              <a:shade val="50000"/>
+            </a:schemeClr>
+          </a:lnRef>
+          <a:fillRef idx="1">
+            <a:schemeClr val="accent1"/>
+          </a:fillRef>
+          <a:effectRef idx="0">
+            <a:schemeClr val="accent1"/>
+          </a:effectRef>
+          <a:fontRef idx="minor">
+            <a:schemeClr val="lt1"/>
+          </a:fontRef>
+        </p:style>
+        <p:txBody>
+          <a:bodyPr rtlCol="0" anchor="ctr"/>
+          <a:lstStyle/>
+          <a:p>
+            <a:pPr algn="ctr"/>
+            <a:endParaRPr lang="en-CA"/>
+          </a:p>
+        </p:txBody>
+      </p:sp>
+      <p:cxnSp>
+        <p:nvCxnSpPr>
+          <p:cNvPr id="9" name="Straight Arrow Connector 8">
+            <a:extLst>
+              <a:ext uri="{FF2B5EF4-FFF2-40B4-BE49-F238E27FC236}">
+                <a16:creationId xmlns:a16="http://schemas.microsoft.com/office/drawing/2014/main" id="{5F15FBB8-871F-4112-8FE7-1A6F86E268CA}"/>
+              </a:ext>
+            </a:extLst>
+          </p:cNvPr>
+          <p:cNvCxnSpPr>
+            <a:cxnSpLocks/>
+          </p:cNvCxnSpPr>
+          <p:nvPr/>
+        </p:nvCxnSpPr>
+        <p:spPr>
+          <a:xfrm flipV="1">
+            <a:off x="2190541" y="3227885"/>
+            <a:ext cx="0" cy="829855"/>
+          </a:xfrm>
+          <a:prstGeom prst="straightConnector1">
+            <a:avLst/>
+          </a:prstGeom>
+          <a:ln w="28575">
+            <a:tailEnd type="triangle"/>
+          </a:ln>
+        </p:spPr>
+        <p:style>
+          <a:lnRef idx="1">
+            <a:schemeClr val="accent1"/>
+          </a:lnRef>
+          <a:fillRef idx="0">
+            <a:schemeClr val="accent1"/>
+          </a:fillRef>
+          <a:effectRef idx="0">
+            <a:schemeClr val="accent1"/>
+          </a:effectRef>
+          <a:fontRef idx="minor">
+            <a:schemeClr val="tx1"/>
+          </a:fontRef>
+        </p:style>
+      </p:cxnSp>
+      <p:cxnSp>
+        <p:nvCxnSpPr>
+          <p:cNvPr id="10" name="Straight Arrow Connector 9">
+            <a:extLst>
+              <a:ext uri="{FF2B5EF4-FFF2-40B4-BE49-F238E27FC236}">
+                <a16:creationId xmlns:a16="http://schemas.microsoft.com/office/drawing/2014/main" id="{61F42D30-250A-4A81-94D4-869ADD0B4A85}"/>
+              </a:ext>
+            </a:extLst>
+          </p:cNvPr>
+          <p:cNvCxnSpPr>
+            <a:cxnSpLocks/>
+          </p:cNvCxnSpPr>
+          <p:nvPr/>
+        </p:nvCxnSpPr>
+        <p:spPr>
+          <a:xfrm flipV="1">
+            <a:off x="2879408" y="1720442"/>
+            <a:ext cx="1819808" cy="614084"/>
+          </a:xfrm>
+          <a:prstGeom prst="straightConnector1">
+            <a:avLst/>
+          </a:prstGeom>
+          <a:ln w="28575">
+            <a:tailEnd type="triangle"/>
+          </a:ln>
+        </p:spPr>
+        <p:style>
+          <a:lnRef idx="1">
+            <a:schemeClr val="accent1"/>
+          </a:lnRef>
+          <a:fillRef idx="0">
+            <a:schemeClr val="accent1"/>
+          </a:fillRef>
+          <a:effectRef idx="0">
+            <a:schemeClr val="accent1"/>
+          </a:effectRef>
+          <a:fontRef idx="minor">
+            <a:schemeClr val="tx1"/>
+          </a:fontRef>
+        </p:style>
+      </p:cxnSp>
+      <p:sp>
+        <p:nvSpPr>
+          <p:cNvPr id="12" name="Rectangle 11">
+            <a:extLst>
+              <a:ext uri="{FF2B5EF4-FFF2-40B4-BE49-F238E27FC236}">
+                <a16:creationId xmlns:a16="http://schemas.microsoft.com/office/drawing/2014/main" id="{293A1C9D-4DA0-490E-82FC-2CF3962A5314}"/>
+              </a:ext>
+            </a:extLst>
+          </p:cNvPr>
+          <p:cNvSpPr/>
+          <p:nvPr/>
+        </p:nvSpPr>
+        <p:spPr>
+          <a:xfrm>
+            <a:off x="4719744" y="1401819"/>
+            <a:ext cx="2095053" cy="738665"/>
+          </a:xfrm>
+          <a:prstGeom prst="rect">
+            <a:avLst/>
+          </a:prstGeom>
+          <a:solidFill>
+            <a:schemeClr val="accent1">
+              <a:lumMod val="60000"/>
+              <a:lumOff val="40000"/>
+            </a:schemeClr>
+          </a:solidFill>
+        </p:spPr>
+        <p:style>
+          <a:lnRef idx="2">
+            <a:schemeClr val="accent1">
+              <a:shade val="50000"/>
+            </a:schemeClr>
+          </a:lnRef>
+          <a:fillRef idx="1">
+            <a:schemeClr val="accent1"/>
+          </a:fillRef>
+          <a:effectRef idx="0">
+            <a:schemeClr val="accent1"/>
+          </a:effectRef>
+          <a:fontRef idx="minor">
+            <a:schemeClr val="lt1"/>
+          </a:fontRef>
+        </p:style>
+        <p:txBody>
+          <a:bodyPr rtlCol="0" anchor="ctr"/>
+          <a:lstStyle/>
+          <a:p>
+            <a:pPr algn="ctr"/>
+            <a:endParaRPr lang="en-CA"/>
+          </a:p>
+        </p:txBody>
+      </p:sp>
+      <p:sp>
+        <p:nvSpPr>
+          <p:cNvPr id="13" name="Rectangle 12">
+            <a:extLst>
+              <a:ext uri="{FF2B5EF4-FFF2-40B4-BE49-F238E27FC236}">
+                <a16:creationId xmlns:a16="http://schemas.microsoft.com/office/drawing/2014/main" id="{505288B0-BABE-4E7F-8FB3-D763F4181CDF}"/>
+              </a:ext>
+            </a:extLst>
+          </p:cNvPr>
+          <p:cNvSpPr/>
+          <p:nvPr/>
+        </p:nvSpPr>
+        <p:spPr>
+          <a:xfrm>
+            <a:off x="4069307" y="4057739"/>
+            <a:ext cx="1902429" cy="658698"/>
+          </a:xfrm>
+          <a:prstGeom prst="rect">
+            <a:avLst/>
+          </a:prstGeom>
+          <a:solidFill>
+            <a:schemeClr val="accent1">
+              <a:lumMod val="60000"/>
+              <a:lumOff val="40000"/>
+            </a:schemeClr>
+          </a:solidFill>
+        </p:spPr>
+        <p:style>
+          <a:lnRef idx="2">
+            <a:schemeClr val="accent1">
+              <a:shade val="50000"/>
+            </a:schemeClr>
+          </a:lnRef>
+          <a:fillRef idx="1">
+            <a:schemeClr val="accent1"/>
+          </a:fillRef>
+          <a:effectRef idx="0">
+            <a:schemeClr val="accent1"/>
+          </a:effectRef>
+          <a:fontRef idx="minor">
+            <a:schemeClr val="lt1"/>
+          </a:fontRef>
+        </p:style>
+        <p:txBody>
+          <a:bodyPr rtlCol="0" anchor="ctr"/>
+          <a:lstStyle/>
+          <a:p>
+            <a:pPr algn="ctr"/>
+            <a:endParaRPr lang="en-CA"/>
+          </a:p>
+        </p:txBody>
+      </p:sp>
+      <p:pic>
+        <p:nvPicPr>
+          <p:cNvPr id="15" name="Graphic 14" descr="Single gear">
+            <a:extLst>
+              <a:ext uri="{FF2B5EF4-FFF2-40B4-BE49-F238E27FC236}">
+                <a16:creationId xmlns:a16="http://schemas.microsoft.com/office/drawing/2014/main" id="{25E08813-43A0-4730-9C01-B9A7112DF097}"/>
+              </a:ext>
+            </a:extLst>
+          </p:cNvPr>
+          <p:cNvPicPr>
+            <a:picLocks noChangeAspect="1"/>
+          </p:cNvPicPr>
+          <p:nvPr/>
+        </p:nvPicPr>
+        <p:blipFill>
+          <a:blip r:embed="rId4">
+            <a:extLst>
+              <a:ext uri="{28A0092B-C50C-407E-A947-70E740481C1C}">
+                <a14:useLocalDpi xmlns:a14="http://schemas.microsoft.com/office/drawing/2010/main" val="0"/>
+              </a:ext>
+              <a:ext uri="{96DAC541-7B7A-43D3-8B79-37D633B846F1}">
+                <asvg:svgBlip xmlns:asvg="http://schemas.microsoft.com/office/drawing/2016/SVG/main" r:embed="rId5"/>
+              </a:ext>
+            </a:extLst>
+          </a:blip>
+          <a:stretch>
+            <a:fillRect/>
+          </a:stretch>
+        </p:blipFill>
+        <p:spPr>
+          <a:xfrm>
+            <a:off x="5267538" y="4139135"/>
+            <a:ext cx="548062" cy="548062"/>
+          </a:xfrm>
+          <a:prstGeom prst="rect">
+            <a:avLst/>
+          </a:prstGeom>
+        </p:spPr>
+      </p:pic>
+      <p:cxnSp>
+        <p:nvCxnSpPr>
+          <p:cNvPr id="16" name="Straight Arrow Connector 15">
+            <a:extLst>
+              <a:ext uri="{FF2B5EF4-FFF2-40B4-BE49-F238E27FC236}">
+                <a16:creationId xmlns:a16="http://schemas.microsoft.com/office/drawing/2014/main" id="{07052BDA-00F2-4977-91AC-4F3897F10BDD}"/>
+              </a:ext>
+            </a:extLst>
+          </p:cNvPr>
+          <p:cNvCxnSpPr>
+            <a:cxnSpLocks/>
+          </p:cNvCxnSpPr>
+          <p:nvPr/>
+        </p:nvCxnSpPr>
+        <p:spPr>
+          <a:xfrm>
+            <a:off x="7069362" y="1771151"/>
+            <a:ext cx="2165279" cy="1045777"/>
+          </a:xfrm>
+          <a:prstGeom prst="straightConnector1">
+            <a:avLst/>
+          </a:prstGeom>
+          <a:ln w="28575">
+            <a:tailEnd type="triangle"/>
+          </a:ln>
+        </p:spPr>
+        <p:style>
+          <a:lnRef idx="1">
+            <a:schemeClr val="accent1"/>
+          </a:lnRef>
+          <a:fillRef idx="0">
+            <a:schemeClr val="accent1"/>
+          </a:fillRef>
+          <a:effectRef idx="0">
+            <a:schemeClr val="accent1"/>
+          </a:effectRef>
+          <a:fontRef idx="minor">
+            <a:schemeClr val="tx1"/>
+          </a:fontRef>
+        </p:style>
+      </p:cxnSp>
+      <p:cxnSp>
+        <p:nvCxnSpPr>
+          <p:cNvPr id="18" name="Straight Arrow Connector 17">
+            <a:extLst>
+              <a:ext uri="{FF2B5EF4-FFF2-40B4-BE49-F238E27FC236}">
+                <a16:creationId xmlns:a16="http://schemas.microsoft.com/office/drawing/2014/main" id="{1951EAF5-CA06-4434-AFCB-62526B8998D6}"/>
+              </a:ext>
+            </a:extLst>
+          </p:cNvPr>
+          <p:cNvCxnSpPr>
+            <a:cxnSpLocks/>
+          </p:cNvCxnSpPr>
+          <p:nvPr/>
+        </p:nvCxnSpPr>
+        <p:spPr>
+          <a:xfrm flipH="1" flipV="1">
+            <a:off x="7001094" y="2055857"/>
+            <a:ext cx="2047250" cy="988480"/>
+          </a:xfrm>
+          <a:prstGeom prst="straightConnector1">
+            <a:avLst/>
+          </a:prstGeom>
+          <a:ln w="28575">
+            <a:tailEnd type="triangle"/>
+          </a:ln>
+        </p:spPr>
+        <p:style>
+          <a:lnRef idx="1">
+            <a:schemeClr val="accent1"/>
+          </a:lnRef>
+          <a:fillRef idx="0">
+            <a:schemeClr val="accent1"/>
+          </a:fillRef>
+          <a:effectRef idx="0">
+            <a:schemeClr val="accent1"/>
+          </a:effectRef>
+          <a:fontRef idx="minor">
+            <a:schemeClr val="tx1"/>
+          </a:fontRef>
+        </p:style>
+      </p:cxnSp>
+      <p:sp>
+        <p:nvSpPr>
+          <p:cNvPr id="24" name="TextBox 23">
+            <a:extLst>
+              <a:ext uri="{FF2B5EF4-FFF2-40B4-BE49-F238E27FC236}">
+                <a16:creationId xmlns:a16="http://schemas.microsoft.com/office/drawing/2014/main" id="{7B5BCA10-A787-4BCD-8739-AEAE076552C5}"/>
+              </a:ext>
+            </a:extLst>
+          </p:cNvPr>
+          <p:cNvSpPr txBox="1"/>
+          <p:nvPr/>
+        </p:nvSpPr>
+        <p:spPr>
+          <a:xfrm>
+            <a:off x="1598283" y="2600631"/>
+            <a:ext cx="1312433" cy="369332"/>
+          </a:xfrm>
+          <a:prstGeom prst="rect">
+            <a:avLst/>
+          </a:prstGeom>
+          <a:noFill/>
+        </p:spPr>
+        <p:txBody>
+          <a:bodyPr wrap="square" rtlCol="0">
+            <a:spAutoFit/>
+          </a:bodyPr>
+          <a:lstStyle/>
+          <a:p>
+            <a:r>
+              <a:rPr lang="en-CA" b="1" dirty="0"/>
+              <a:t>My Home</a:t>
+            </a:r>
+          </a:p>
+        </p:txBody>
+      </p:sp>
+      <p:sp>
+        <p:nvSpPr>
+          <p:cNvPr id="25" name="TextBox 24">
+            <a:extLst>
+              <a:ext uri="{FF2B5EF4-FFF2-40B4-BE49-F238E27FC236}">
+                <a16:creationId xmlns:a16="http://schemas.microsoft.com/office/drawing/2014/main" id="{86E7002A-36DC-4B88-8027-0DE24B7B6E12}"/>
+              </a:ext>
+            </a:extLst>
+          </p:cNvPr>
+          <p:cNvSpPr txBox="1"/>
+          <p:nvPr/>
+        </p:nvSpPr>
+        <p:spPr>
+          <a:xfrm>
+            <a:off x="5226733" y="1596795"/>
+            <a:ext cx="1312433" cy="369332"/>
+          </a:xfrm>
+          <a:prstGeom prst="rect">
+            <a:avLst/>
+          </a:prstGeom>
+          <a:noFill/>
+        </p:spPr>
+        <p:txBody>
+          <a:bodyPr wrap="square" rtlCol="0">
+            <a:spAutoFit/>
+          </a:bodyPr>
+          <a:lstStyle/>
+          <a:p>
+            <a:r>
+              <a:rPr lang="en-CA" b="1" dirty="0"/>
+              <a:t>Box.com</a:t>
+            </a:r>
+          </a:p>
+        </p:txBody>
+      </p:sp>
+      <p:sp>
+        <p:nvSpPr>
+          <p:cNvPr id="26" name="TextBox 25">
+            <a:extLst>
+              <a:ext uri="{FF2B5EF4-FFF2-40B4-BE49-F238E27FC236}">
+                <a16:creationId xmlns:a16="http://schemas.microsoft.com/office/drawing/2014/main" id="{0C187B27-8FE1-458C-A6F7-18D86625F7E2}"/>
+              </a:ext>
+            </a:extLst>
+          </p:cNvPr>
+          <p:cNvSpPr txBox="1"/>
+          <p:nvPr/>
+        </p:nvSpPr>
+        <p:spPr>
+          <a:xfrm>
+            <a:off x="4566404" y="4171825"/>
+            <a:ext cx="875394" cy="461665"/>
+          </a:xfrm>
+          <a:prstGeom prst="rect">
+            <a:avLst/>
+          </a:prstGeom>
+          <a:noFill/>
+        </p:spPr>
+        <p:txBody>
+          <a:bodyPr wrap="square" rtlCol="0">
+            <a:spAutoFit/>
+          </a:bodyPr>
+          <a:lstStyle/>
+          <a:p>
+            <a:r>
+              <a:rPr lang="en-CA" sz="2400" b="1" dirty="0"/>
+              <a:t>TIP</a:t>
+            </a:r>
+          </a:p>
+        </p:txBody>
+      </p:sp>
+      <p:cxnSp>
+        <p:nvCxnSpPr>
+          <p:cNvPr id="28" name="Connector: Elbow 27">
+            <a:extLst>
+              <a:ext uri="{FF2B5EF4-FFF2-40B4-BE49-F238E27FC236}">
+                <a16:creationId xmlns:a16="http://schemas.microsoft.com/office/drawing/2014/main" id="{5A80E13A-FC25-4302-B813-C90C271FE754}"/>
+              </a:ext>
+            </a:extLst>
+          </p:cNvPr>
+          <p:cNvCxnSpPr>
+            <a:cxnSpLocks/>
+          </p:cNvCxnSpPr>
+          <p:nvPr/>
+        </p:nvCxnSpPr>
+        <p:spPr>
+          <a:xfrm rot="5400000" flipH="1" flipV="1">
+            <a:off x="4482015" y="2685460"/>
+            <a:ext cx="1746855" cy="823654"/>
+          </a:xfrm>
+          <a:prstGeom prst="bentConnector3">
+            <a:avLst>
+              <a:gd name="adj1" fmla="val 50000"/>
+            </a:avLst>
+          </a:prstGeom>
+          <a:ln w="28575">
+            <a:solidFill>
+              <a:schemeClr val="accent1"/>
+            </a:solidFill>
+            <a:headEnd type="triangle"/>
+            <a:tailEnd type="triangle"/>
+          </a:ln>
+        </p:spPr>
+        <p:style>
+          <a:lnRef idx="1">
+            <a:schemeClr val="accent1"/>
+          </a:lnRef>
+          <a:fillRef idx="0">
+            <a:schemeClr val="accent1"/>
+          </a:fillRef>
+          <a:effectRef idx="0">
+            <a:schemeClr val="accent1"/>
+          </a:effectRef>
+          <a:fontRef idx="minor">
+            <a:schemeClr val="tx1"/>
+          </a:fontRef>
+        </p:style>
+      </p:cxnSp>
+      <p:sp>
+        <p:nvSpPr>
+          <p:cNvPr id="38" name="TextBox 37">
+            <a:extLst>
+              <a:ext uri="{FF2B5EF4-FFF2-40B4-BE49-F238E27FC236}">
+                <a16:creationId xmlns:a16="http://schemas.microsoft.com/office/drawing/2014/main" id="{300CED2B-D02E-4C1F-87EB-08723C53D23C}"/>
+              </a:ext>
+            </a:extLst>
+          </p:cNvPr>
+          <p:cNvSpPr txBox="1"/>
+          <p:nvPr/>
+        </p:nvSpPr>
+        <p:spPr>
+          <a:xfrm>
+            <a:off x="9091270" y="3743444"/>
+            <a:ext cx="1230081" cy="369332"/>
+          </a:xfrm>
+          <a:prstGeom prst="rect">
+            <a:avLst/>
+          </a:prstGeom>
+          <a:noFill/>
+        </p:spPr>
+        <p:txBody>
+          <a:bodyPr wrap="square" rtlCol="0">
+            <a:spAutoFit/>
+          </a:bodyPr>
+          <a:lstStyle/>
+          <a:p>
+            <a:r>
+              <a:rPr lang="en-CA" dirty="0"/>
+              <a:t>Tarion user</a:t>
+            </a:r>
+          </a:p>
+        </p:txBody>
+      </p:sp>
+      <p:sp>
+        <p:nvSpPr>
+          <p:cNvPr id="39" name="TextBox 38">
+            <a:extLst>
+              <a:ext uri="{FF2B5EF4-FFF2-40B4-BE49-F238E27FC236}">
+                <a16:creationId xmlns:a16="http://schemas.microsoft.com/office/drawing/2014/main" id="{EED11590-68BE-4C7E-B36E-71F05CC1C742}"/>
+              </a:ext>
+            </a:extLst>
+          </p:cNvPr>
+          <p:cNvSpPr txBox="1"/>
+          <p:nvPr/>
+        </p:nvSpPr>
+        <p:spPr>
+          <a:xfrm>
+            <a:off x="1461909" y="4897547"/>
+            <a:ext cx="1448807" cy="369332"/>
+          </a:xfrm>
+          <a:prstGeom prst="rect">
+            <a:avLst/>
+          </a:prstGeom>
+          <a:noFill/>
+        </p:spPr>
+        <p:txBody>
+          <a:bodyPr wrap="square" rtlCol="0">
+            <a:spAutoFit/>
+          </a:bodyPr>
+          <a:lstStyle/>
+          <a:p>
+            <a:r>
+              <a:rPr lang="en-CA" dirty="0"/>
+              <a:t>Home owner</a:t>
+            </a:r>
+          </a:p>
+        </p:txBody>
+      </p:sp>
+      <p:sp>
+        <p:nvSpPr>
+          <p:cNvPr id="40" name="TextBox 39">
+            <a:extLst>
+              <a:ext uri="{FF2B5EF4-FFF2-40B4-BE49-F238E27FC236}">
+                <a16:creationId xmlns:a16="http://schemas.microsoft.com/office/drawing/2014/main" id="{686DED4A-B7A4-4C7D-B33C-6D716406D195}"/>
+              </a:ext>
+            </a:extLst>
+          </p:cNvPr>
+          <p:cNvSpPr txBox="1"/>
+          <p:nvPr/>
+        </p:nvSpPr>
+        <p:spPr>
+          <a:xfrm>
+            <a:off x="551048" y="3570305"/>
+            <a:ext cx="2428198" cy="307777"/>
+          </a:xfrm>
+          <a:prstGeom prst="rect">
+            <a:avLst/>
+          </a:prstGeom>
+          <a:noFill/>
+        </p:spPr>
+        <p:txBody>
+          <a:bodyPr wrap="square" rtlCol="0">
+            <a:spAutoFit/>
+          </a:bodyPr>
+          <a:lstStyle/>
+          <a:p>
+            <a:r>
+              <a:rPr lang="en-CA" sz="1400" dirty="0"/>
+              <a:t>1. Upload large file</a:t>
+            </a:r>
+          </a:p>
+        </p:txBody>
+      </p:sp>
+      <p:sp>
+        <p:nvSpPr>
+          <p:cNvPr id="41" name="TextBox 40">
+            <a:extLst>
+              <a:ext uri="{FF2B5EF4-FFF2-40B4-BE49-F238E27FC236}">
+                <a16:creationId xmlns:a16="http://schemas.microsoft.com/office/drawing/2014/main" id="{359823A6-6F61-4B07-8E11-2EA93B8B8792}"/>
+              </a:ext>
+            </a:extLst>
+          </p:cNvPr>
+          <p:cNvSpPr txBox="1"/>
+          <p:nvPr/>
+        </p:nvSpPr>
+        <p:spPr>
+          <a:xfrm>
+            <a:off x="2543970" y="1614008"/>
+            <a:ext cx="2428198" cy="523220"/>
+          </a:xfrm>
+          <a:prstGeom prst="rect">
+            <a:avLst/>
+          </a:prstGeom>
+          <a:noFill/>
+        </p:spPr>
+        <p:txBody>
+          <a:bodyPr wrap="square" rtlCol="0">
+            <a:spAutoFit/>
+          </a:bodyPr>
+          <a:lstStyle/>
+          <a:p>
+            <a:r>
+              <a:rPr lang="en-CA" sz="1400" dirty="0"/>
+              <a:t>2. My Home uploads </a:t>
+            </a:r>
+          </a:p>
+          <a:p>
+            <a:r>
+              <a:rPr lang="en-CA" sz="1400" dirty="0"/>
+              <a:t>file to Box</a:t>
+            </a:r>
+          </a:p>
+        </p:txBody>
+      </p:sp>
+      <p:sp>
+        <p:nvSpPr>
+          <p:cNvPr id="42" name="TextBox 41">
+            <a:extLst>
+              <a:ext uri="{FF2B5EF4-FFF2-40B4-BE49-F238E27FC236}">
+                <a16:creationId xmlns:a16="http://schemas.microsoft.com/office/drawing/2014/main" id="{9C77BB43-5E86-4ADA-B042-554AD5A7FA1B}"/>
+              </a:ext>
+            </a:extLst>
+          </p:cNvPr>
+          <p:cNvSpPr txBox="1"/>
+          <p:nvPr/>
+        </p:nvSpPr>
+        <p:spPr>
+          <a:xfrm>
+            <a:off x="7356783" y="1227463"/>
+            <a:ext cx="2428198" cy="738664"/>
+          </a:xfrm>
+          <a:prstGeom prst="rect">
+            <a:avLst/>
+          </a:prstGeom>
+          <a:noFill/>
+        </p:spPr>
+        <p:txBody>
+          <a:bodyPr wrap="square" rtlCol="0">
+            <a:spAutoFit/>
+          </a:bodyPr>
+          <a:lstStyle/>
+          <a:p>
+            <a:r>
+              <a:rPr lang="en-CA" sz="1400" dirty="0"/>
+              <a:t>3. Box sends notification to </a:t>
+            </a:r>
+          </a:p>
+          <a:p>
+            <a:r>
+              <a:rPr lang="en-CA" sz="1400" dirty="0"/>
+              <a:t>Tarion user that file is waiting for approval</a:t>
+            </a:r>
+          </a:p>
+        </p:txBody>
+      </p:sp>
+      <p:sp>
+        <p:nvSpPr>
+          <p:cNvPr id="43" name="TextBox 42">
+            <a:extLst>
+              <a:ext uri="{FF2B5EF4-FFF2-40B4-BE49-F238E27FC236}">
+                <a16:creationId xmlns:a16="http://schemas.microsoft.com/office/drawing/2014/main" id="{E7EC7240-978C-45D3-827E-63535DBF5D18}"/>
+              </a:ext>
+            </a:extLst>
+          </p:cNvPr>
+          <p:cNvSpPr txBox="1"/>
+          <p:nvPr/>
+        </p:nvSpPr>
+        <p:spPr>
+          <a:xfrm>
+            <a:off x="7731639" y="2966275"/>
+            <a:ext cx="2428198" cy="523220"/>
+          </a:xfrm>
+          <a:prstGeom prst="rect">
+            <a:avLst/>
+          </a:prstGeom>
+          <a:noFill/>
+        </p:spPr>
+        <p:txBody>
+          <a:bodyPr wrap="square" rtlCol="0">
+            <a:spAutoFit/>
+          </a:bodyPr>
+          <a:lstStyle/>
+          <a:p>
+            <a:r>
+              <a:rPr lang="en-CA" sz="1400" dirty="0"/>
+              <a:t>4. Tarion user </a:t>
+            </a:r>
+          </a:p>
+          <a:p>
+            <a:r>
+              <a:rPr lang="en-CA" sz="1400" dirty="0"/>
+              <a:t>approves file</a:t>
+            </a:r>
+          </a:p>
+        </p:txBody>
+      </p:sp>
+      <p:sp>
+        <p:nvSpPr>
+          <p:cNvPr id="44" name="Rectangle 43">
+            <a:extLst>
+              <a:ext uri="{FF2B5EF4-FFF2-40B4-BE49-F238E27FC236}">
+                <a16:creationId xmlns:a16="http://schemas.microsoft.com/office/drawing/2014/main" id="{F1AB7CE0-2F58-417E-89A1-786A574E29A3}"/>
+              </a:ext>
+            </a:extLst>
+          </p:cNvPr>
+          <p:cNvSpPr/>
+          <p:nvPr/>
+        </p:nvSpPr>
+        <p:spPr>
+          <a:xfrm>
+            <a:off x="4069309" y="5554049"/>
+            <a:ext cx="1902428" cy="632194"/>
+          </a:xfrm>
+          <a:prstGeom prst="rect">
+            <a:avLst/>
+          </a:prstGeom>
+          <a:solidFill>
+            <a:schemeClr val="accent1">
+              <a:lumMod val="60000"/>
+              <a:lumOff val="40000"/>
+            </a:schemeClr>
+          </a:solidFill>
+        </p:spPr>
+        <p:style>
+          <a:lnRef idx="2">
+            <a:schemeClr val="accent1">
+              <a:shade val="50000"/>
+            </a:schemeClr>
+          </a:lnRef>
+          <a:fillRef idx="1">
+            <a:schemeClr val="accent1"/>
+          </a:fillRef>
+          <a:effectRef idx="0">
+            <a:schemeClr val="accent1"/>
+          </a:effectRef>
+          <a:fontRef idx="minor">
+            <a:schemeClr val="lt1"/>
+          </a:fontRef>
+        </p:style>
+        <p:txBody>
+          <a:bodyPr rtlCol="0" anchor="ctr"/>
+          <a:lstStyle/>
+          <a:p>
+            <a:pPr algn="ctr"/>
+            <a:endParaRPr lang="en-CA"/>
+          </a:p>
+        </p:txBody>
+      </p:sp>
+      <p:sp>
+        <p:nvSpPr>
+          <p:cNvPr id="46" name="TextBox 45">
+            <a:extLst>
+              <a:ext uri="{FF2B5EF4-FFF2-40B4-BE49-F238E27FC236}">
+                <a16:creationId xmlns:a16="http://schemas.microsoft.com/office/drawing/2014/main" id="{BD892AE3-491D-483A-A2FF-556EFBE9595A}"/>
+              </a:ext>
+            </a:extLst>
+          </p:cNvPr>
+          <p:cNvSpPr txBox="1"/>
+          <p:nvPr/>
+        </p:nvSpPr>
+        <p:spPr>
+          <a:xfrm>
+            <a:off x="4137669" y="5652959"/>
+            <a:ext cx="1958331" cy="369332"/>
+          </a:xfrm>
+          <a:prstGeom prst="rect">
+            <a:avLst/>
+          </a:prstGeom>
+          <a:noFill/>
+        </p:spPr>
+        <p:txBody>
+          <a:bodyPr wrap="square" rtlCol="0">
+            <a:spAutoFit/>
+          </a:bodyPr>
+          <a:lstStyle/>
+          <a:p>
+            <a:r>
+              <a:rPr lang="en-CA" b="1" dirty="0"/>
+              <a:t>Content Manager</a:t>
+            </a:r>
+          </a:p>
+        </p:txBody>
+      </p:sp>
+      <p:cxnSp>
+        <p:nvCxnSpPr>
+          <p:cNvPr id="47" name="Straight Arrow Connector 46">
+            <a:extLst>
+              <a:ext uri="{FF2B5EF4-FFF2-40B4-BE49-F238E27FC236}">
+                <a16:creationId xmlns:a16="http://schemas.microsoft.com/office/drawing/2014/main" id="{17ED486D-9894-4F50-A698-371B881E74AE}"/>
+              </a:ext>
+            </a:extLst>
+          </p:cNvPr>
+          <p:cNvCxnSpPr>
+            <a:cxnSpLocks/>
+          </p:cNvCxnSpPr>
+          <p:nvPr/>
+        </p:nvCxnSpPr>
+        <p:spPr>
+          <a:xfrm>
+            <a:off x="4969357" y="4769229"/>
+            <a:ext cx="0" cy="762651"/>
+          </a:xfrm>
+          <a:prstGeom prst="straightConnector1">
+            <a:avLst/>
+          </a:prstGeom>
+          <a:ln w="28575">
+            <a:tailEnd type="triangle"/>
+          </a:ln>
+        </p:spPr>
+        <p:style>
+          <a:lnRef idx="1">
+            <a:schemeClr val="accent1"/>
+          </a:lnRef>
+          <a:fillRef idx="0">
+            <a:schemeClr val="accent1"/>
+          </a:fillRef>
+          <a:effectRef idx="0">
+            <a:schemeClr val="accent1"/>
+          </a:effectRef>
+          <a:fontRef idx="minor">
+            <a:schemeClr val="tx1"/>
+          </a:fontRef>
+        </p:style>
+      </p:cxnSp>
+      <p:sp>
+        <p:nvSpPr>
+          <p:cNvPr id="55" name="TextBox 54">
+            <a:extLst>
+              <a:ext uri="{FF2B5EF4-FFF2-40B4-BE49-F238E27FC236}">
+                <a16:creationId xmlns:a16="http://schemas.microsoft.com/office/drawing/2014/main" id="{F2CD974B-CD4F-44E3-B5D5-6D869307E6D3}"/>
+              </a:ext>
+            </a:extLst>
+          </p:cNvPr>
+          <p:cNvSpPr txBox="1"/>
+          <p:nvPr/>
+        </p:nvSpPr>
+        <p:spPr>
+          <a:xfrm>
+            <a:off x="5037893" y="3181706"/>
+            <a:ext cx="2428198" cy="738664"/>
+          </a:xfrm>
+          <a:prstGeom prst="rect">
+            <a:avLst/>
+          </a:prstGeom>
+          <a:noFill/>
+        </p:spPr>
+        <p:txBody>
+          <a:bodyPr wrap="square" rtlCol="0">
+            <a:spAutoFit/>
+          </a:bodyPr>
+          <a:lstStyle/>
+          <a:p>
+            <a:r>
+              <a:rPr lang="en-CA" sz="1400" dirty="0"/>
+              <a:t>5. Tip is running a job which every few minutes checks for approved files. </a:t>
+            </a:r>
+          </a:p>
+        </p:txBody>
+      </p:sp>
+      <p:sp>
+        <p:nvSpPr>
+          <p:cNvPr id="56" name="TextBox 55">
+            <a:extLst>
+              <a:ext uri="{FF2B5EF4-FFF2-40B4-BE49-F238E27FC236}">
+                <a16:creationId xmlns:a16="http://schemas.microsoft.com/office/drawing/2014/main" id="{7CE8C72B-E14D-4B97-93BF-9B2C0B8E77E9}"/>
+              </a:ext>
+            </a:extLst>
+          </p:cNvPr>
+          <p:cNvSpPr txBox="1"/>
+          <p:nvPr/>
+        </p:nvSpPr>
+        <p:spPr>
+          <a:xfrm>
+            <a:off x="5199078" y="4903274"/>
+            <a:ext cx="2428198" cy="523220"/>
+          </a:xfrm>
+          <a:prstGeom prst="rect">
+            <a:avLst/>
+          </a:prstGeom>
+          <a:noFill/>
+        </p:spPr>
+        <p:txBody>
+          <a:bodyPr wrap="square" rtlCol="0">
+            <a:spAutoFit/>
+          </a:bodyPr>
+          <a:lstStyle/>
+          <a:p>
+            <a:r>
+              <a:rPr lang="en-CA" sz="1400" dirty="0"/>
+              <a:t>6. Approved files are </a:t>
+            </a:r>
+          </a:p>
+          <a:p>
+            <a:r>
+              <a:rPr lang="en-CA" sz="1400" dirty="0"/>
+              <a:t>uploaded to CM</a:t>
+            </a:r>
+          </a:p>
+        </p:txBody>
+      </p:sp>
+      <p:sp>
+        <p:nvSpPr>
+          <p:cNvPr id="82" name="TextBox 81">
+            <a:extLst>
+              <a:ext uri="{FF2B5EF4-FFF2-40B4-BE49-F238E27FC236}">
+                <a16:creationId xmlns:a16="http://schemas.microsoft.com/office/drawing/2014/main" id="{646B828C-26A0-4A74-A3F9-5616F15EE6D4}"/>
+              </a:ext>
+            </a:extLst>
+          </p:cNvPr>
+          <p:cNvSpPr txBox="1"/>
+          <p:nvPr/>
+        </p:nvSpPr>
+        <p:spPr>
+          <a:xfrm>
+            <a:off x="3535874" y="392613"/>
+            <a:ext cx="4338126" cy="523220"/>
+          </a:xfrm>
+          <a:prstGeom prst="rect">
+            <a:avLst/>
+          </a:prstGeom>
+          <a:noFill/>
+          <a:ln w="28575">
+            <a:solidFill>
+              <a:schemeClr val="accent1">
+                <a:lumMod val="75000"/>
+              </a:schemeClr>
+            </a:solidFill>
+          </a:ln>
+        </p:spPr>
+        <p:txBody>
+          <a:bodyPr wrap="square" rtlCol="0">
+            <a:spAutoFit/>
+          </a:bodyPr>
+          <a:lstStyle/>
+          <a:p>
+            <a:r>
+              <a:rPr lang="en-CA" sz="2400" b="1" dirty="0">
+                <a:solidFill>
+                  <a:schemeClr val="accent1">
+                    <a:lumMod val="75000"/>
+                  </a:schemeClr>
+                </a:solidFill>
+              </a:rPr>
+              <a:t>     </a:t>
+            </a:r>
+            <a:r>
+              <a:rPr lang="en-CA" sz="2800" b="1" dirty="0">
+                <a:solidFill>
+                  <a:schemeClr val="accent1">
+                    <a:lumMod val="75000"/>
+                  </a:schemeClr>
+                </a:solidFill>
+              </a:rPr>
+              <a:t>Integration with Box.com      </a:t>
+            </a:r>
+          </a:p>
+        </p:txBody>
+      </p:sp>
+    </p:spTree>
+    <p:extLst>
+      <p:ext uri="{BB962C8B-B14F-4D97-AF65-F5344CB8AC3E}">
+        <p14:creationId xmlns:p14="http://schemas.microsoft.com/office/powerpoint/2010/main" val="2111230753"/>
+      </p:ext>
+    </p:extLst>
+  </p:cSld>
+  <p:clrMapOvr>
+    <a:masterClrMapping/>
+  </p:clrMapOvr>
+</p:sld>
+</file>
+
+<file path=ppt/slides/slide5.xml><?xml version="1.0" encoding="utf-8"?>
 <p:sld xmlns:a="http://schemas.openxmlformats.org/drawingml/2006/main" xmlns:r="http://schemas.openxmlformats.org/officeDocument/2006/relationships" xmlns:p="http://schemas.openxmlformats.org/presentationml/2006/main">
   <p:cSld>
     <p:spTree>

--- a/IS Team Updates - November 22.pptx
+++ b/IS Team Updates - November 22.pptx
@@ -9,8 +9,8 @@
   </p:notesMasterIdLst>
   <p:sldIdLst>
     <p:sldId id="257" r:id="rId2"/>
-    <p:sldId id="259" r:id="rId3"/>
-    <p:sldId id="258" r:id="rId4"/>
+    <p:sldId id="258" r:id="rId3"/>
+    <p:sldId id="259" r:id="rId4"/>
     <p:sldId id="256" r:id="rId5"/>
     <p:sldId id="260" r:id="rId6"/>
   </p:sldIdLst>
@@ -627,7 +627,7 @@
     </p:spTree>
     <p:extLst>
       <p:ext uri="{BB962C8B-B14F-4D97-AF65-F5344CB8AC3E}">
-        <p14:creationId xmlns:p14="http://schemas.microsoft.com/office/powerpoint/2010/main" val="753535165"/>
+        <p14:creationId xmlns:p14="http://schemas.microsoft.com/office/powerpoint/2010/main" val="3615950683"/>
       </p:ext>
     </p:extLst>
   </p:cSld>
@@ -711,7 +711,7 @@
     </p:spTree>
     <p:extLst>
       <p:ext uri="{BB962C8B-B14F-4D97-AF65-F5344CB8AC3E}">
-        <p14:creationId xmlns:p14="http://schemas.microsoft.com/office/powerpoint/2010/main" val="3615950683"/>
+        <p14:creationId xmlns:p14="http://schemas.microsoft.com/office/powerpoint/2010/main" val="753535165"/>
       </p:ext>
     </p:extLst>
   </p:cSld>
@@ -4445,142 +4445,6 @@
           </a:p>
         </p:txBody>
       </p:sp>
-      <p:pic>
-        <p:nvPicPr>
-          <p:cNvPr id="3" name="Picture 2">
-            <a:extLst>
-              <a:ext uri="{FF2B5EF4-FFF2-40B4-BE49-F238E27FC236}">
-                <a16:creationId xmlns:a16="http://schemas.microsoft.com/office/drawing/2014/main" id="{C1EE7496-9102-4190-A337-4F1514F4C74F}"/>
-              </a:ext>
-            </a:extLst>
-          </p:cNvPr>
-          <p:cNvPicPr>
-            <a:picLocks noChangeAspect="1"/>
-          </p:cNvPicPr>
-          <p:nvPr/>
-        </p:nvPicPr>
-        <p:blipFill>
-          <a:blip r:embed="rId4">
-            <a:extLst>
-              <a:ext uri="{28A0092B-C50C-407E-A947-70E740481C1C}">
-                <a14:useLocalDpi xmlns:a14="http://schemas.microsoft.com/office/drawing/2010/main" val="0"/>
-              </a:ext>
-            </a:extLst>
-          </a:blip>
-          <a:stretch>
-            <a:fillRect/>
-          </a:stretch>
-        </p:blipFill>
-        <p:spPr>
-          <a:xfrm>
-            <a:off x="4184543" y="890965"/>
-            <a:ext cx="4200040" cy="5576817"/>
-          </a:xfrm>
-          <a:prstGeom prst="rect">
-            <a:avLst/>
-          </a:prstGeom>
-        </p:spPr>
-      </p:pic>
-    </p:spTree>
-    <p:extLst>
-      <p:ext uri="{BB962C8B-B14F-4D97-AF65-F5344CB8AC3E}">
-        <p14:creationId xmlns:p14="http://schemas.microsoft.com/office/powerpoint/2010/main" val="4234798870"/>
-      </p:ext>
-    </p:extLst>
-  </p:cSld>
-  <p:clrMapOvr>
-    <a:masterClrMapping/>
-  </p:clrMapOvr>
-</p:sld>
-</file>
-
-<file path=ppt/slides/slide3.xml><?xml version="1.0" encoding="utf-8"?>
-<p:sld xmlns:a="http://schemas.openxmlformats.org/drawingml/2006/main" xmlns:r="http://schemas.openxmlformats.org/officeDocument/2006/relationships" xmlns:p="http://schemas.openxmlformats.org/presentationml/2006/main">
-  <p:cSld>
-    <p:spTree>
-      <p:nvGrpSpPr>
-        <p:cNvPr id="1" name=""/>
-        <p:cNvGrpSpPr/>
-        <p:nvPr/>
-      </p:nvGrpSpPr>
-      <p:grpSpPr>
-        <a:xfrm>
-          <a:off x="0" y="0"/>
-          <a:ext cx="0" cy="0"/>
-          <a:chOff x="0" y="0"/>
-          <a:chExt cx="0" cy="0"/>
-        </a:xfrm>
-      </p:grpSpPr>
-      <p:pic>
-        <p:nvPicPr>
-          <p:cNvPr id="4" name="Picture 3"/>
-          <p:cNvPicPr>
-            <a:picLocks noChangeAspect="1"/>
-          </p:cNvPicPr>
-          <p:nvPr/>
-        </p:nvPicPr>
-        <p:blipFill>
-          <a:blip r:embed="rId3"/>
-          <a:stretch>
-            <a:fillRect/>
-          </a:stretch>
-        </p:blipFill>
-        <p:spPr>
-          <a:xfrm>
-            <a:off x="172435" y="173514"/>
-            <a:ext cx="2133785" cy="472481"/>
-          </a:xfrm>
-          <a:prstGeom prst="rect">
-            <a:avLst/>
-          </a:prstGeom>
-        </p:spPr>
-      </p:pic>
-      <p:sp>
-        <p:nvSpPr>
-          <p:cNvPr id="5" name="Rectangle 4"/>
-          <p:cNvSpPr/>
-          <p:nvPr/>
-        </p:nvSpPr>
-        <p:spPr>
-          <a:xfrm>
-            <a:off x="172435" y="654621"/>
-            <a:ext cx="11852788" cy="45719"/>
-          </a:xfrm>
-          <a:prstGeom prst="rect">
-            <a:avLst/>
-          </a:prstGeom>
-          <a:solidFill>
-            <a:srgbClr val="0070C0"/>
-          </a:solidFill>
-          <a:ln>
-            <a:noFill/>
-          </a:ln>
-        </p:spPr>
-        <p:style>
-          <a:lnRef idx="2">
-            <a:schemeClr val="accent1">
-              <a:shade val="50000"/>
-            </a:schemeClr>
-          </a:lnRef>
-          <a:fillRef idx="1">
-            <a:schemeClr val="accent1"/>
-          </a:fillRef>
-          <a:effectRef idx="0">
-            <a:schemeClr val="accent1"/>
-          </a:effectRef>
-          <a:fontRef idx="minor">
-            <a:schemeClr val="lt1"/>
-          </a:fontRef>
-        </p:style>
-        <p:txBody>
-          <a:bodyPr rtlCol="0" anchor="ctr"/>
-          <a:lstStyle/>
-          <a:p>
-            <a:pPr algn="ctr"/>
-            <a:endParaRPr lang="en-CA"/>
-          </a:p>
-        </p:txBody>
-      </p:sp>
       <p:sp>
         <p:nvSpPr>
           <p:cNvPr id="8" name="TextBox 5">
@@ -4719,10 +4583,10 @@
       </p:sp>
       <p:graphicFrame>
         <p:nvGraphicFramePr>
-          <p:cNvPr id="6" name="Table 5">
-            <a:extLst>
-              <a:ext uri="{FF2B5EF4-FFF2-40B4-BE49-F238E27FC236}">
-                <a16:creationId xmlns:a16="http://schemas.microsoft.com/office/drawing/2014/main" id="{74F7F999-8032-451D-B49E-1E7E897B8DD9}"/>
+          <p:cNvPr id="3" name="Table 2">
+            <a:extLst>
+              <a:ext uri="{FF2B5EF4-FFF2-40B4-BE49-F238E27FC236}">
+                <a16:creationId xmlns:a16="http://schemas.microsoft.com/office/drawing/2014/main" id="{FC6C7906-FB9B-49DA-BDFB-1C7DED7F27F6}"/>
               </a:ext>
             </a:extLst>
           </p:cNvPr>
@@ -4732,14 +4596,14 @@
           <p:nvPr>
             <p:extLst>
               <p:ext uri="{D42A27DB-BD31-4B8C-83A1-F6EECF244321}">
-                <p14:modId xmlns:p14="http://schemas.microsoft.com/office/powerpoint/2010/main" val="2300858658"/>
+                <p14:modId xmlns:p14="http://schemas.microsoft.com/office/powerpoint/2010/main" val="371704078"/>
               </p:ext>
             </p:extLst>
           </p:nvPr>
         </p:nvGraphicFramePr>
         <p:xfrm>
-          <a:off x="867905" y="1779977"/>
-          <a:ext cx="10848814" cy="4682814"/>
+          <a:off x="309965" y="1445054"/>
+          <a:ext cx="11715257" cy="5239433"/>
         </p:xfrm>
         <a:graphic>
           <a:graphicData uri="http://schemas.openxmlformats.org/drawingml/2006/table">
@@ -4748,29 +4612,29 @@
                 <a:tableStyleId>{5C22544A-7EE6-4342-B048-85BDC9FD1C3A}</a:tableStyleId>
               </a:tblPr>
               <a:tblGrid>
-                <a:gridCol w="2526508">
+                <a:gridCol w="2558228">
                   <a:extLst>
                     <a:ext uri="{9D8B030D-6E8A-4147-A177-3AD203B41FA5}">
-                      <a16:colId xmlns:a16="http://schemas.microsoft.com/office/drawing/2014/main" val="1687189315"/>
+                      <a16:colId xmlns:a16="http://schemas.microsoft.com/office/drawing/2014/main" val="2267207961"/>
                     </a:ext>
                   </a:extLst>
                 </a:gridCol>
-                <a:gridCol w="6431860">
+                <a:gridCol w="7076972">
                   <a:extLst>
                     <a:ext uri="{9D8B030D-6E8A-4147-A177-3AD203B41FA5}">
-                      <a16:colId xmlns:a16="http://schemas.microsoft.com/office/drawing/2014/main" val="678130918"/>
+                      <a16:colId xmlns:a16="http://schemas.microsoft.com/office/drawing/2014/main" val="3160641848"/>
                     </a:ext>
                   </a:extLst>
                 </a:gridCol>
-                <a:gridCol w="1890446">
+                <a:gridCol w="2080057">
                   <a:extLst>
                     <a:ext uri="{9D8B030D-6E8A-4147-A177-3AD203B41FA5}">
-                      <a16:colId xmlns:a16="http://schemas.microsoft.com/office/drawing/2014/main" val="1537527621"/>
+                      <a16:colId xmlns:a16="http://schemas.microsoft.com/office/drawing/2014/main" val="2306247275"/>
                     </a:ext>
                   </a:extLst>
                 </a:gridCol>
               </a:tblGrid>
-              <a:tr h="486827">
+              <a:tr h="495622">
                 <a:tc>
                   <a:txBody>
                     <a:bodyPr/>
@@ -4778,12 +4642,12 @@
                     <a:p>
                       <a:pPr algn="l" fontAlgn="b"/>
                       <a:r>
-                        <a:rPr lang="en-CA" sz="2800" b="1" u="none" strike="noStrike" dirty="0">
+                        <a:rPr lang="en-CA" sz="2400" b="1" u="none" strike="noStrike" dirty="0">
                           <a:effectLst/>
                         </a:rPr>
                         <a:t>Speaker</a:t>
                       </a:r>
-                      <a:endParaRPr lang="en-CA" sz="2800" b="1" i="0" u="none" strike="noStrike" dirty="0">
+                      <a:endParaRPr lang="en-CA" sz="2400" b="1" i="0" u="none" strike="noStrike" dirty="0">
                         <a:solidFill>
                           <a:srgbClr val="000000"/>
                         </a:solidFill>
@@ -4801,12 +4665,12 @@
                     <a:p>
                       <a:pPr algn="l" fontAlgn="b"/>
                       <a:r>
-                        <a:rPr lang="en-CA" sz="2800" b="1" u="none" strike="noStrike">
+                        <a:rPr lang="en-CA" sz="2400" b="1" u="none" strike="noStrike" dirty="0">
                           <a:effectLst/>
                         </a:rPr>
                         <a:t>Subject</a:t>
                       </a:r>
-                      <a:endParaRPr lang="en-CA" sz="2800" b="1" i="0" u="none" strike="noStrike">
+                      <a:endParaRPr lang="en-CA" sz="2400" b="1" i="0" u="none" strike="noStrike" dirty="0">
                         <a:solidFill>
                           <a:srgbClr val="000000"/>
                         </a:solidFill>
@@ -4824,12 +4688,12 @@
                     <a:p>
                       <a:pPr algn="l" fontAlgn="b"/>
                       <a:r>
-                        <a:rPr lang="en-CA" sz="2800" b="1" u="none" strike="noStrike" dirty="0">
+                        <a:rPr lang="en-CA" sz="2400" b="1" u="none" strike="noStrike" dirty="0">
                           <a:effectLst/>
                         </a:rPr>
                         <a:t>Time</a:t>
                       </a:r>
-                      <a:endParaRPr lang="en-CA" sz="2800" b="1" i="0" u="none" strike="noStrike" dirty="0">
+                      <a:endParaRPr lang="en-CA" sz="2400" b="1" i="0" u="none" strike="noStrike" dirty="0">
                         <a:solidFill>
                           <a:srgbClr val="000000"/>
                         </a:solidFill>
@@ -4842,11 +4706,11 @@
                 </a:tc>
                 <a:extLst>
                   <a:ext uri="{0D108BD9-81ED-4DB2-BD59-A6C34878D82A}">
-                    <a16:rowId xmlns:a16="http://schemas.microsoft.com/office/drawing/2014/main" val="2760559848"/>
+                    <a16:rowId xmlns:a16="http://schemas.microsoft.com/office/drawing/2014/main" val="828838374"/>
                   </a:ext>
                 </a:extLst>
               </a:tr>
-              <a:tr h="463645">
+              <a:tr h="472021">
                 <a:tc>
                   <a:txBody>
                     <a:bodyPr/>
@@ -4854,12 +4718,12 @@
                     <a:p>
                       <a:pPr algn="l" fontAlgn="b"/>
                       <a:r>
-                        <a:rPr lang="en-CA" sz="2400" u="none" strike="noStrike" dirty="0">
+                        <a:rPr lang="en-CA" sz="2000" u="none" strike="noStrike">
                           <a:effectLst/>
                         </a:rPr>
                         <a:t>Java member</a:t>
                       </a:r>
-                      <a:endParaRPr lang="en-CA" sz="2400" b="0" i="0" u="none" strike="noStrike" dirty="0">
+                      <a:endParaRPr lang="en-CA" sz="2000" b="0" i="0" u="none" strike="noStrike">
                         <a:solidFill>
                           <a:srgbClr val="000000"/>
                         </a:solidFill>
@@ -4877,12 +4741,12 @@
                     <a:p>
                       <a:pPr algn="l" fontAlgn="b"/>
                       <a:r>
-                        <a:rPr lang="en-CA" sz="2400" u="none" strike="noStrike">
+                        <a:rPr lang="en-CA" sz="2000" u="none" strike="noStrike">
                           <a:effectLst/>
                         </a:rPr>
                         <a:t>Welcome</a:t>
                       </a:r>
-                      <a:endParaRPr lang="en-CA" sz="2400" b="0" i="0" u="none" strike="noStrike">
+                      <a:endParaRPr lang="en-CA" sz="2000" b="0" i="0" u="none" strike="noStrike">
                         <a:solidFill>
                           <a:srgbClr val="000000"/>
                         </a:solidFill>
@@ -4900,12 +4764,12 @@
                     <a:p>
                       <a:pPr algn="l" fontAlgn="b"/>
                       <a:r>
-                        <a:rPr lang="en-CA" sz="2400" u="none" strike="noStrike">
+                        <a:rPr lang="en-CA" sz="2000" u="none" strike="noStrike" dirty="0">
                           <a:effectLst/>
                         </a:rPr>
                         <a:t>5 minutes</a:t>
                       </a:r>
-                      <a:endParaRPr lang="en-CA" sz="2400" b="0" i="0" u="none" strike="noStrike">
+                      <a:endParaRPr lang="en-CA" sz="2000" b="0" i="0" u="none" strike="noStrike" dirty="0">
                         <a:solidFill>
                           <a:srgbClr val="000000"/>
                         </a:solidFill>
@@ -4918,11 +4782,11 @@
                 </a:tc>
                 <a:extLst>
                   <a:ext uri="{0D108BD9-81ED-4DB2-BD59-A6C34878D82A}">
-                    <a16:rowId xmlns:a16="http://schemas.microsoft.com/office/drawing/2014/main" val="2756989235"/>
+                    <a16:rowId xmlns:a16="http://schemas.microsoft.com/office/drawing/2014/main" val="2702535241"/>
                   </a:ext>
                 </a:extLst>
               </a:tr>
-              <a:tr h="463645">
+              <a:tr h="472021">
                 <a:tc>
                   <a:txBody>
                     <a:bodyPr/>
@@ -4930,12 +4794,12 @@
                     <a:p>
                       <a:pPr algn="l" fontAlgn="b"/>
                       <a:r>
-                        <a:rPr lang="en-CA" sz="2400" u="none" strike="noStrike" dirty="0">
+                        <a:rPr lang="en-CA" sz="2000" u="none" strike="noStrike">
                           <a:effectLst/>
                         </a:rPr>
                         <a:t>John Hynes</a:t>
                       </a:r>
-                      <a:endParaRPr lang="en-CA" sz="2400" b="0" i="0" u="none" strike="noStrike" dirty="0">
+                      <a:endParaRPr lang="en-CA" sz="2000" b="0" i="0" u="none" strike="noStrike">
                         <a:solidFill>
                           <a:srgbClr val="000000"/>
                         </a:solidFill>
@@ -4953,12 +4817,12 @@
                     <a:p>
                       <a:pPr algn="l" fontAlgn="b"/>
                       <a:r>
-                        <a:rPr lang="en-CA" sz="2400" u="none" strike="noStrike">
+                        <a:rPr lang="en-CA" sz="2000" u="none" strike="noStrike">
                           <a:effectLst/>
                         </a:rPr>
                         <a:t>Welcome, team</a:t>
                       </a:r>
-                      <a:endParaRPr lang="en-CA" sz="2400" b="0" i="0" u="none" strike="noStrike">
+                      <a:endParaRPr lang="en-CA" sz="2000" b="0" i="0" u="none" strike="noStrike">
                         <a:solidFill>
                           <a:srgbClr val="000000"/>
                         </a:solidFill>
@@ -4976,12 +4840,12 @@
                     <a:p>
                       <a:pPr algn="l" fontAlgn="b"/>
                       <a:r>
-                        <a:rPr lang="en-CA" sz="2400" u="none" strike="noStrike">
+                        <a:rPr lang="en-CA" sz="2000" u="none" strike="noStrike" dirty="0">
                           <a:effectLst/>
                         </a:rPr>
                         <a:t>5 minutes</a:t>
                       </a:r>
-                      <a:endParaRPr lang="en-CA" sz="2400" b="0" i="0" u="none" strike="noStrike">
+                      <a:endParaRPr lang="en-CA" sz="2000" b="0" i="0" u="none" strike="noStrike" dirty="0">
                         <a:solidFill>
                           <a:srgbClr val="000000"/>
                         </a:solidFill>
@@ -4994,11 +4858,11 @@
                 </a:tc>
                 <a:extLst>
                   <a:ext uri="{0D108BD9-81ED-4DB2-BD59-A6C34878D82A}">
-                    <a16:rowId xmlns:a16="http://schemas.microsoft.com/office/drawing/2014/main" val="2061227054"/>
+                    <a16:rowId xmlns:a16="http://schemas.microsoft.com/office/drawing/2014/main" val="2891172841"/>
                   </a:ext>
                 </a:extLst>
               </a:tr>
-              <a:tr h="463645">
+              <a:tr h="472021">
                 <a:tc>
                   <a:txBody>
                     <a:bodyPr/>
@@ -5006,12 +4870,12 @@
                     <a:p>
                       <a:pPr algn="l" fontAlgn="b"/>
                       <a:r>
-                        <a:rPr lang="en-CA" sz="2400" u="none" strike="noStrike" dirty="0">
+                        <a:rPr lang="en-CA" sz="2000" u="none" strike="noStrike">
                           <a:effectLst/>
                         </a:rPr>
-                        <a:t>Alan Hummel</a:t>
+                        <a:t>Connie Liu</a:t>
                       </a:r>
-                      <a:endParaRPr lang="en-CA" sz="2400" b="0" i="0" u="none" strike="noStrike" dirty="0">
+                      <a:endParaRPr lang="en-CA" sz="2000" b="0" i="0" u="none" strike="noStrike">
                         <a:solidFill>
                           <a:srgbClr val="000000"/>
                         </a:solidFill>
@@ -5029,12 +4893,12 @@
                     <a:p>
                       <a:pPr algn="l" fontAlgn="b"/>
                       <a:r>
-                        <a:rPr lang="en-CA" sz="2400" u="none" strike="noStrike">
+                        <a:rPr lang="en-CA" sz="2000" u="none" strike="noStrike">
                           <a:effectLst/>
                         </a:rPr>
-                        <a:t>Using Git</a:t>
+                        <a:t>Presenting new team member</a:t>
                       </a:r>
-                      <a:endParaRPr lang="en-CA" sz="2400" b="0" i="0" u="none" strike="noStrike">
+                      <a:endParaRPr lang="en-CA" sz="2000" b="0" i="0" u="none" strike="noStrike">
                         <a:solidFill>
                           <a:srgbClr val="000000"/>
                         </a:solidFill>
@@ -5052,12 +4916,12 @@
                     <a:p>
                       <a:pPr algn="l" fontAlgn="b"/>
                       <a:r>
-                        <a:rPr lang="en-CA" sz="2400" u="none" strike="noStrike">
+                        <a:rPr lang="en-CA" sz="2000" u="none" strike="noStrike" dirty="0">
                           <a:effectLst/>
                         </a:rPr>
-                        <a:t>10 minutes</a:t>
+                        <a:t>1 minute</a:t>
                       </a:r>
-                      <a:endParaRPr lang="en-CA" sz="2400" b="0" i="0" u="none" strike="noStrike">
+                      <a:endParaRPr lang="en-CA" sz="2000" b="0" i="0" u="none" strike="noStrike" dirty="0">
                         <a:solidFill>
                           <a:srgbClr val="000000"/>
                         </a:solidFill>
@@ -5070,11 +4934,11 @@
                 </a:tc>
                 <a:extLst>
                   <a:ext uri="{0D108BD9-81ED-4DB2-BD59-A6C34878D82A}">
-                    <a16:rowId xmlns:a16="http://schemas.microsoft.com/office/drawing/2014/main" val="1455610762"/>
+                    <a16:rowId xmlns:a16="http://schemas.microsoft.com/office/drawing/2014/main" val="2144014997"/>
                   </a:ext>
                 </a:extLst>
               </a:tr>
-              <a:tr h="463645">
+              <a:tr h="472021">
                 <a:tc>
                   <a:txBody>
                     <a:bodyPr/>
@@ -5082,12 +4946,12 @@
                     <a:p>
                       <a:pPr algn="l" fontAlgn="b"/>
                       <a:r>
-                        <a:rPr lang="en-CA" sz="2400" u="none" strike="noStrike" dirty="0">
+                        <a:rPr lang="en-CA" sz="2000" u="none" strike="noStrike">
                           <a:effectLst/>
                         </a:rPr>
-                        <a:t>Olga Agady</a:t>
+                        <a:t>Alan Hummel</a:t>
                       </a:r>
-                      <a:endParaRPr lang="en-CA" sz="2400" b="0" i="0" u="none" strike="noStrike" dirty="0">
+                      <a:endParaRPr lang="en-CA" sz="2000" b="0" i="0" u="none" strike="noStrike">
                         <a:solidFill>
                           <a:srgbClr val="000000"/>
                         </a:solidFill>
@@ -5105,12 +4969,12 @@
                     <a:p>
                       <a:pPr algn="l" fontAlgn="b"/>
                       <a:r>
-                        <a:rPr lang="en-CA" sz="2400" u="none" strike="noStrike" dirty="0">
+                        <a:rPr lang="en-CA" sz="2000" u="none" strike="noStrike">
                           <a:effectLst/>
                         </a:rPr>
-                        <a:t>Integration with Box.com</a:t>
+                        <a:t>Using Git</a:t>
                       </a:r>
-                      <a:endParaRPr lang="en-CA" sz="2400" b="0" i="0" u="none" strike="noStrike" dirty="0">
+                      <a:endParaRPr lang="en-CA" sz="2000" b="0" i="0" u="none" strike="noStrike">
                         <a:solidFill>
                           <a:srgbClr val="000000"/>
                         </a:solidFill>
@@ -5128,12 +4992,12 @@
                     <a:p>
                       <a:pPr algn="l" fontAlgn="b"/>
                       <a:r>
-                        <a:rPr lang="en-CA" sz="2400" u="none" strike="noStrike">
+                        <a:rPr lang="en-CA" sz="2000" u="none" strike="noStrike" dirty="0">
                           <a:effectLst/>
                         </a:rPr>
-                        <a:t>5 minutes</a:t>
+                        <a:t>10 minutes</a:t>
                       </a:r>
-                      <a:endParaRPr lang="en-CA" sz="2400" b="0" i="0" u="none" strike="noStrike">
+                      <a:endParaRPr lang="en-CA" sz="2000" b="0" i="0" u="none" strike="noStrike" dirty="0">
                         <a:solidFill>
                           <a:srgbClr val="000000"/>
                         </a:solidFill>
@@ -5146,11 +5010,11 @@
                 </a:tc>
                 <a:extLst>
                   <a:ext uri="{0D108BD9-81ED-4DB2-BD59-A6C34878D82A}">
-                    <a16:rowId xmlns:a16="http://schemas.microsoft.com/office/drawing/2014/main" val="4252439213"/>
+                    <a16:rowId xmlns:a16="http://schemas.microsoft.com/office/drawing/2014/main" val="1452821693"/>
                   </a:ext>
                 </a:extLst>
               </a:tr>
-              <a:tr h="463645">
+              <a:tr h="472021">
                 <a:tc>
                   <a:txBody>
                     <a:bodyPr/>
@@ -5158,12 +5022,12 @@
                     <a:p>
                       <a:pPr algn="l" fontAlgn="b"/>
                       <a:r>
-                        <a:rPr lang="en-CA" sz="2400" u="none" strike="noStrike">
+                        <a:rPr lang="en-CA" sz="2000" u="none" strike="noStrike">
                           <a:effectLst/>
                         </a:rPr>
-                        <a:t>Anita Wong</a:t>
+                        <a:t>Olga Agady</a:t>
                       </a:r>
-                      <a:endParaRPr lang="en-CA" sz="2400" b="0" i="0" u="none" strike="noStrike">
+                      <a:endParaRPr lang="en-CA" sz="2000" b="0" i="0" u="none" strike="noStrike">
                         <a:solidFill>
                           <a:srgbClr val="000000"/>
                         </a:solidFill>
@@ -5181,12 +5045,12 @@
                     <a:p>
                       <a:pPr algn="l" fontAlgn="b"/>
                       <a:r>
-                        <a:rPr lang="en-CA" sz="2400" u="none" strike="noStrike" dirty="0">
+                        <a:rPr lang="en-CA" sz="2000" u="none" strike="noStrike">
                           <a:effectLst/>
                         </a:rPr>
-                        <a:t>FMS Upgrade Update</a:t>
+                        <a:t>Integration with Box.com</a:t>
                       </a:r>
-                      <a:endParaRPr lang="en-CA" sz="2400" b="0" i="0" u="none" strike="noStrike" dirty="0">
+                      <a:endParaRPr lang="en-CA" sz="2000" b="0" i="0" u="none" strike="noStrike">
                         <a:solidFill>
                           <a:srgbClr val="000000"/>
                         </a:solidFill>
@@ -5204,12 +5068,12 @@
                     <a:p>
                       <a:pPr algn="l" fontAlgn="b"/>
                       <a:r>
-                        <a:rPr lang="en-CA" sz="2400" u="none" strike="noStrike">
+                        <a:rPr lang="en-CA" sz="2000" u="none" strike="noStrike" dirty="0">
                           <a:effectLst/>
                         </a:rPr>
                         <a:t>5 minutes</a:t>
                       </a:r>
-                      <a:endParaRPr lang="en-CA" sz="2400" b="0" i="0" u="none" strike="noStrike">
+                      <a:endParaRPr lang="en-CA" sz="2000" b="0" i="0" u="none" strike="noStrike" dirty="0">
                         <a:solidFill>
                           <a:srgbClr val="000000"/>
                         </a:solidFill>
@@ -5222,11 +5086,11 @@
                 </a:tc>
                 <a:extLst>
                   <a:ext uri="{0D108BD9-81ED-4DB2-BD59-A6C34878D82A}">
-                    <a16:rowId xmlns:a16="http://schemas.microsoft.com/office/drawing/2014/main" val="2455710005"/>
+                    <a16:rowId xmlns:a16="http://schemas.microsoft.com/office/drawing/2014/main" val="400757973"/>
                   </a:ext>
                 </a:extLst>
               </a:tr>
-              <a:tr h="463645">
+              <a:tr h="472021">
                 <a:tc>
                   <a:txBody>
                     <a:bodyPr/>
@@ -5234,12 +5098,12 @@
                     <a:p>
                       <a:pPr algn="l" fontAlgn="b"/>
                       <a:r>
-                        <a:rPr lang="en-CA" sz="2400" u="none" strike="noStrike">
+                        <a:rPr lang="en-CA" sz="2000" u="none" strike="noStrike">
                           <a:effectLst/>
                         </a:rPr>
-                        <a:t>Senthil/Melissa</a:t>
+                        <a:t>Anita Wong</a:t>
                       </a:r>
-                      <a:endParaRPr lang="en-CA" sz="2400" b="0" i="0" u="none" strike="noStrike">
+                      <a:endParaRPr lang="en-CA" sz="2000" b="0" i="0" u="none" strike="noStrike">
                         <a:solidFill>
                           <a:srgbClr val="000000"/>
                         </a:solidFill>
@@ -5257,12 +5121,12 @@
                     <a:p>
                       <a:pPr algn="l" fontAlgn="b"/>
                       <a:r>
-                        <a:rPr lang="en-CA" sz="2400" u="none" strike="noStrike" dirty="0">
+                        <a:rPr lang="en-CA" sz="2000" u="none" strike="noStrike">
                           <a:effectLst/>
                         </a:rPr>
-                        <a:t>Digitalization Team Update</a:t>
+                        <a:t>FMS Upgrade Update</a:t>
                       </a:r>
-                      <a:endParaRPr lang="en-CA" sz="2400" b="0" i="0" u="none" strike="noStrike" dirty="0">
+                      <a:endParaRPr lang="en-CA" sz="2000" b="0" i="0" u="none" strike="noStrike">
                         <a:solidFill>
                           <a:srgbClr val="000000"/>
                         </a:solidFill>
@@ -5280,12 +5144,12 @@
                     <a:p>
                       <a:pPr algn="l" fontAlgn="b"/>
                       <a:r>
-                        <a:rPr lang="en-CA" sz="2400" u="none" strike="noStrike">
+                        <a:rPr lang="en-CA" sz="2000" u="none" strike="noStrike" dirty="0">
                           <a:effectLst/>
                         </a:rPr>
-                        <a:t>10 minutes</a:t>
+                        <a:t>5 minutes</a:t>
                       </a:r>
-                      <a:endParaRPr lang="en-CA" sz="2400" b="0" i="0" u="none" strike="noStrike">
+                      <a:endParaRPr lang="en-CA" sz="2000" b="0" i="0" u="none" strike="noStrike" dirty="0">
                         <a:solidFill>
                           <a:srgbClr val="000000"/>
                         </a:solidFill>
@@ -5298,11 +5162,11 @@
                 </a:tc>
                 <a:extLst>
                   <a:ext uri="{0D108BD9-81ED-4DB2-BD59-A6C34878D82A}">
-                    <a16:rowId xmlns:a16="http://schemas.microsoft.com/office/drawing/2014/main" val="4216602696"/>
+                    <a16:rowId xmlns:a16="http://schemas.microsoft.com/office/drawing/2014/main" val="1492674951"/>
                   </a:ext>
                 </a:extLst>
               </a:tr>
-              <a:tr h="463645">
+              <a:tr h="472021">
                 <a:tc>
                   <a:txBody>
                     <a:bodyPr/>
@@ -5310,12 +5174,12 @@
                     <a:p>
                       <a:pPr algn="l" fontAlgn="b"/>
                       <a:r>
-                        <a:rPr lang="en-CA" sz="2400" u="none" strike="noStrike">
+                        <a:rPr lang="en-CA" sz="2000" u="none" strike="noStrike">
                           <a:effectLst/>
                         </a:rPr>
-                        <a:t>Andrew</a:t>
+                        <a:t>Senthil/Melissa</a:t>
                       </a:r>
-                      <a:endParaRPr lang="en-CA" sz="2400" b="0" i="0" u="none" strike="noStrike">
+                      <a:endParaRPr lang="en-CA" sz="2000" b="0" i="0" u="none" strike="noStrike">
                         <a:solidFill>
                           <a:srgbClr val="000000"/>
                         </a:solidFill>
@@ -5333,12 +5197,12 @@
                     <a:p>
                       <a:pPr algn="l" fontAlgn="b"/>
                       <a:r>
-                        <a:rPr lang="en-CA" sz="2400" u="none" strike="noStrike" dirty="0">
+                        <a:rPr lang="en-CA" sz="2000" u="none" strike="noStrike">
                           <a:effectLst/>
                         </a:rPr>
-                        <a:t>RA</a:t>
+                        <a:t>Digitalization Team Update</a:t>
                       </a:r>
-                      <a:endParaRPr lang="en-CA" sz="2400" b="0" i="0" u="none" strike="noStrike" dirty="0">
+                      <a:endParaRPr lang="en-CA" sz="2000" b="0" i="0" u="none" strike="noStrike">
                         <a:solidFill>
                           <a:srgbClr val="000000"/>
                         </a:solidFill>
@@ -5356,12 +5220,12 @@
                     <a:p>
                       <a:pPr algn="l" fontAlgn="b"/>
                       <a:r>
-                        <a:rPr lang="en-CA" sz="2400" u="none" strike="noStrike">
+                        <a:rPr lang="en-CA" sz="2000" u="none" strike="noStrike" dirty="0">
                           <a:effectLst/>
                         </a:rPr>
-                        <a:t>5 minutes</a:t>
+                        <a:t>10 minutes</a:t>
                       </a:r>
-                      <a:endParaRPr lang="en-CA" sz="2400" b="0" i="0" u="none" strike="noStrike">
+                      <a:endParaRPr lang="en-CA" sz="2000" b="0" i="0" u="none" strike="noStrike" dirty="0">
                         <a:solidFill>
                           <a:srgbClr val="000000"/>
                         </a:solidFill>
@@ -5374,11 +5238,11 @@
                 </a:tc>
                 <a:extLst>
                   <a:ext uri="{0D108BD9-81ED-4DB2-BD59-A6C34878D82A}">
-                    <a16:rowId xmlns:a16="http://schemas.microsoft.com/office/drawing/2014/main" val="1968877804"/>
+                    <a16:rowId xmlns:a16="http://schemas.microsoft.com/office/drawing/2014/main" val="788210309"/>
                   </a:ext>
                 </a:extLst>
               </a:tr>
-              <a:tr h="463645">
+              <a:tr h="472021">
                 <a:tc>
                   <a:txBody>
                     <a:bodyPr/>
@@ -5386,12 +5250,12 @@
                     <a:p>
                       <a:pPr algn="l" fontAlgn="b"/>
                       <a:r>
-                        <a:rPr lang="en-CA" sz="2400" u="none" strike="noStrike">
+                        <a:rPr lang="en-CA" sz="2000" u="none" strike="noStrike">
                           <a:effectLst/>
                         </a:rPr>
-                        <a:t>Laura</a:t>
+                        <a:t>Andrew</a:t>
                       </a:r>
-                      <a:endParaRPr lang="en-CA" sz="2400" b="0" i="0" u="none" strike="noStrike">
+                      <a:endParaRPr lang="en-CA" sz="2000" b="0" i="0" u="none" strike="noStrike">
                         <a:solidFill>
                           <a:srgbClr val="000000"/>
                         </a:solidFill>
@@ -5409,12 +5273,12 @@
                     <a:p>
                       <a:pPr algn="l" fontAlgn="b"/>
                       <a:r>
-                        <a:rPr lang="en-CA" sz="2400" u="none" strike="noStrike" dirty="0">
+                        <a:rPr lang="en-CA" sz="2000" u="none" strike="noStrike">
                           <a:effectLst/>
                         </a:rPr>
-                        <a:t>VBS</a:t>
+                        <a:t>RA</a:t>
                       </a:r>
-                      <a:endParaRPr lang="en-CA" sz="2400" b="0" i="0" u="none" strike="noStrike" dirty="0">
+                      <a:endParaRPr lang="en-CA" sz="2000" b="0" i="0" u="none" strike="noStrike">
                         <a:solidFill>
                           <a:srgbClr val="000000"/>
                         </a:solidFill>
@@ -5432,12 +5296,12 @@
                     <a:p>
                       <a:pPr algn="l" fontAlgn="b"/>
                       <a:r>
-                        <a:rPr lang="en-CA" sz="2400" u="none" strike="noStrike" dirty="0">
+                        <a:rPr lang="en-CA" sz="2000" u="none" strike="noStrike" dirty="0">
                           <a:effectLst/>
                         </a:rPr>
                         <a:t>5 minutes</a:t>
                       </a:r>
-                      <a:endParaRPr lang="en-CA" sz="2400" b="0" i="0" u="none" strike="noStrike" dirty="0">
+                      <a:endParaRPr lang="en-CA" sz="2000" b="0" i="0" u="none" strike="noStrike" dirty="0">
                         <a:solidFill>
                           <a:srgbClr val="000000"/>
                         </a:solidFill>
@@ -5450,11 +5314,11 @@
                 </a:tc>
                 <a:extLst>
                   <a:ext uri="{0D108BD9-81ED-4DB2-BD59-A6C34878D82A}">
-                    <a16:rowId xmlns:a16="http://schemas.microsoft.com/office/drawing/2014/main" val="238770617"/>
+                    <a16:rowId xmlns:a16="http://schemas.microsoft.com/office/drawing/2014/main" val="4213012268"/>
                   </a:ext>
                 </a:extLst>
               </a:tr>
-              <a:tr h="486827">
+              <a:tr h="472021">
                 <a:tc>
                   <a:txBody>
                     <a:bodyPr/>
@@ -5462,12 +5326,12 @@
                     <a:p>
                       <a:pPr algn="l" fontAlgn="b"/>
                       <a:r>
-                        <a:rPr lang="en-CA" sz="2400" u="none" strike="noStrike">
+                        <a:rPr lang="en-CA" sz="2000" u="none" strike="noStrike">
                           <a:effectLst/>
                         </a:rPr>
-                        <a:t>Shazi</a:t>
+                        <a:t>Laura</a:t>
                       </a:r>
-                      <a:endParaRPr lang="en-CA" sz="2400" b="0" i="0" u="none" strike="noStrike">
+                      <a:endParaRPr lang="en-CA" sz="2000" b="0" i="0" u="none" strike="noStrike">
                         <a:solidFill>
                           <a:srgbClr val="000000"/>
                         </a:solidFill>
@@ -5485,12 +5349,12 @@
                     <a:p>
                       <a:pPr algn="l" fontAlgn="b"/>
                       <a:r>
-                        <a:rPr lang="en-CA" sz="2400" u="none" strike="noStrike">
+                        <a:rPr lang="en-CA" sz="2000" u="none" strike="noStrike">
                           <a:effectLst/>
                         </a:rPr>
-                        <a:t>UCS Migration Tech Team</a:t>
+                        <a:t>VBS</a:t>
                       </a:r>
-                      <a:endParaRPr lang="en-CA" sz="2400" b="0" i="0" u="none" strike="noStrike">
+                      <a:endParaRPr lang="en-CA" sz="2000" b="0" i="0" u="none" strike="noStrike">
                         <a:solidFill>
                           <a:srgbClr val="000000"/>
                         </a:solidFill>
@@ -5508,12 +5372,12 @@
                     <a:p>
                       <a:pPr algn="l" fontAlgn="b"/>
                       <a:r>
-                        <a:rPr lang="en-CA" sz="2400" u="none" strike="noStrike" dirty="0">
+                        <a:rPr lang="en-CA" sz="2000" u="none" strike="noStrike" dirty="0">
                           <a:effectLst/>
                         </a:rPr>
                         <a:t>5 minutes</a:t>
                       </a:r>
-                      <a:endParaRPr lang="en-CA" sz="2400" b="0" i="0" u="none" strike="noStrike" dirty="0">
+                      <a:endParaRPr lang="en-CA" sz="2000" b="0" i="0" u="none" strike="noStrike" dirty="0">
                         <a:solidFill>
                           <a:srgbClr val="000000"/>
                         </a:solidFill>
@@ -5526,7 +5390,83 @@
                 </a:tc>
                 <a:extLst>
                   <a:ext uri="{0D108BD9-81ED-4DB2-BD59-A6C34878D82A}">
-                    <a16:rowId xmlns:a16="http://schemas.microsoft.com/office/drawing/2014/main" val="3100988991"/>
+                    <a16:rowId xmlns:a16="http://schemas.microsoft.com/office/drawing/2014/main" val="211355023"/>
+                  </a:ext>
+                </a:extLst>
+              </a:tr>
+              <a:tr h="495622">
+                <a:tc>
+                  <a:txBody>
+                    <a:bodyPr/>
+                    <a:lstStyle/>
+                    <a:p>
+                      <a:pPr algn="l" fontAlgn="b"/>
+                      <a:r>
+                        <a:rPr lang="en-CA" sz="2000" u="none" strike="noStrike">
+                          <a:effectLst/>
+                        </a:rPr>
+                        <a:t>Shazi</a:t>
+                      </a:r>
+                      <a:endParaRPr lang="en-CA" sz="2000" b="0" i="0" u="none" strike="noStrike">
+                        <a:solidFill>
+                          <a:srgbClr val="000000"/>
+                        </a:solidFill>
+                        <a:effectLst/>
+                        <a:latin typeface="Calibri" panose="020F0502020204030204" pitchFamily="34" charset="0"/>
+                      </a:endParaRPr>
+                    </a:p>
+                  </a:txBody>
+                  <a:tcPr marL="9525" marR="9525" marT="9525" marB="0" anchor="b"/>
+                </a:tc>
+                <a:tc>
+                  <a:txBody>
+                    <a:bodyPr/>
+                    <a:lstStyle/>
+                    <a:p>
+                      <a:pPr algn="l" fontAlgn="b"/>
+                      <a:r>
+                        <a:rPr lang="en-CA" sz="2000" u="none" strike="noStrike">
+                          <a:effectLst/>
+                        </a:rPr>
+                        <a:t>UCS Migration Tech Team</a:t>
+                      </a:r>
+                      <a:endParaRPr lang="en-CA" sz="2000" b="0" i="0" u="none" strike="noStrike">
+                        <a:solidFill>
+                          <a:srgbClr val="000000"/>
+                        </a:solidFill>
+                        <a:effectLst/>
+                        <a:latin typeface="Calibri" panose="020F0502020204030204" pitchFamily="34" charset="0"/>
+                      </a:endParaRPr>
+                    </a:p>
+                  </a:txBody>
+                  <a:tcPr marL="9525" marR="9525" marT="9525" marB="0" anchor="b"/>
+                </a:tc>
+                <a:tc>
+                  <a:txBody>
+                    <a:bodyPr/>
+                    <a:lstStyle/>
+                    <a:p>
+                      <a:pPr algn="l" fontAlgn="b"/>
+                      <a:r>
+                        <a:rPr lang="en-CA" sz="2000" u="none" strike="noStrike" dirty="0">
+                          <a:effectLst/>
+                        </a:rPr>
+                        <a:t>5 minutes</a:t>
+                      </a:r>
+                      <a:endParaRPr lang="en-CA" sz="2000" b="0" i="0" u="none" strike="noStrike" dirty="0">
+                        <a:solidFill>
+                          <a:srgbClr val="000000"/>
+                        </a:solidFill>
+                        <a:effectLst/>
+                        <a:latin typeface="Calibri" panose="020F0502020204030204" pitchFamily="34" charset="0"/>
+                      </a:endParaRPr>
+                    </a:p>
+                  </a:txBody>
+                  <a:tcPr marL="9525" marR="9525" marT="9525" marB="0" anchor="b"/>
+                </a:tc>
+                <a:extLst>
+                  <a:ext uri="{0D108BD9-81ED-4DB2-BD59-A6C34878D82A}">
+                    <a16:rowId xmlns:a16="http://schemas.microsoft.com/office/drawing/2014/main" val="261875958"/>
                   </a:ext>
                 </a:extLst>
               </a:tr>
@@ -5538,6 +5478,142 @@
     <p:extLst>
       <p:ext uri="{BB962C8B-B14F-4D97-AF65-F5344CB8AC3E}">
         <p14:creationId xmlns:p14="http://schemas.microsoft.com/office/powerpoint/2010/main" val="382270361"/>
+      </p:ext>
+    </p:extLst>
+  </p:cSld>
+  <p:clrMapOvr>
+    <a:masterClrMapping/>
+  </p:clrMapOvr>
+</p:sld>
+</file>
+
+<file path=ppt/slides/slide3.xml><?xml version="1.0" encoding="utf-8"?>
+<p:sld xmlns:a="http://schemas.openxmlformats.org/drawingml/2006/main" xmlns:r="http://schemas.openxmlformats.org/officeDocument/2006/relationships" xmlns:p="http://schemas.openxmlformats.org/presentationml/2006/main">
+  <p:cSld>
+    <p:spTree>
+      <p:nvGrpSpPr>
+        <p:cNvPr id="1" name=""/>
+        <p:cNvGrpSpPr/>
+        <p:nvPr/>
+      </p:nvGrpSpPr>
+      <p:grpSpPr>
+        <a:xfrm>
+          <a:off x="0" y="0"/>
+          <a:ext cx="0" cy="0"/>
+          <a:chOff x="0" y="0"/>
+          <a:chExt cx="0" cy="0"/>
+        </a:xfrm>
+      </p:grpSpPr>
+      <p:pic>
+        <p:nvPicPr>
+          <p:cNvPr id="4" name="Picture 3"/>
+          <p:cNvPicPr>
+            <a:picLocks noChangeAspect="1"/>
+          </p:cNvPicPr>
+          <p:nvPr/>
+        </p:nvPicPr>
+        <p:blipFill>
+          <a:blip r:embed="rId3"/>
+          <a:stretch>
+            <a:fillRect/>
+          </a:stretch>
+        </p:blipFill>
+        <p:spPr>
+          <a:xfrm>
+            <a:off x="172435" y="173514"/>
+            <a:ext cx="2133785" cy="472481"/>
+          </a:xfrm>
+          <a:prstGeom prst="rect">
+            <a:avLst/>
+          </a:prstGeom>
+        </p:spPr>
+      </p:pic>
+      <p:sp>
+        <p:nvSpPr>
+          <p:cNvPr id="5" name="Rectangle 4"/>
+          <p:cNvSpPr/>
+          <p:nvPr/>
+        </p:nvSpPr>
+        <p:spPr>
+          <a:xfrm>
+            <a:off x="172435" y="654621"/>
+            <a:ext cx="11852788" cy="45719"/>
+          </a:xfrm>
+          <a:prstGeom prst="rect">
+            <a:avLst/>
+          </a:prstGeom>
+          <a:solidFill>
+            <a:srgbClr val="0070C0"/>
+          </a:solidFill>
+          <a:ln>
+            <a:noFill/>
+          </a:ln>
+        </p:spPr>
+        <p:style>
+          <a:lnRef idx="2">
+            <a:schemeClr val="accent1">
+              <a:shade val="50000"/>
+            </a:schemeClr>
+          </a:lnRef>
+          <a:fillRef idx="1">
+            <a:schemeClr val="accent1"/>
+          </a:fillRef>
+          <a:effectRef idx="0">
+            <a:schemeClr val="accent1"/>
+          </a:effectRef>
+          <a:fontRef idx="minor">
+            <a:schemeClr val="lt1"/>
+          </a:fontRef>
+        </p:style>
+        <p:txBody>
+          <a:bodyPr rtlCol="0" anchor="ctr"/>
+          <a:lstStyle/>
+          <a:p>
+            <a:pPr algn="ctr"/>
+            <a:endParaRPr lang="en-CA"/>
+          </a:p>
+        </p:txBody>
+      </p:sp>
+      <p:pic>
+        <p:nvPicPr>
+          <p:cNvPr id="3" name="Picture 2">
+            <a:extLst>
+              <a:ext uri="{FF2B5EF4-FFF2-40B4-BE49-F238E27FC236}">
+                <a16:creationId xmlns:a16="http://schemas.microsoft.com/office/drawing/2014/main" id="{C1EE7496-9102-4190-A337-4F1514F4C74F}"/>
+              </a:ext>
+            </a:extLst>
+          </p:cNvPr>
+          <p:cNvPicPr>
+            <a:picLocks noChangeAspect="1"/>
+          </p:cNvPicPr>
+          <p:nvPr/>
+        </p:nvPicPr>
+        <p:blipFill>
+          <a:blip r:embed="rId4">
+            <a:extLst>
+              <a:ext uri="{28A0092B-C50C-407E-A947-70E740481C1C}">
+                <a14:useLocalDpi xmlns:a14="http://schemas.microsoft.com/office/drawing/2010/main" val="0"/>
+              </a:ext>
+            </a:extLst>
+          </a:blip>
+          <a:stretch>
+            <a:fillRect/>
+          </a:stretch>
+        </p:blipFill>
+        <p:spPr>
+          <a:xfrm>
+            <a:off x="4184543" y="890965"/>
+            <a:ext cx="4200040" cy="5576817"/>
+          </a:xfrm>
+          <a:prstGeom prst="rect">
+            <a:avLst/>
+          </a:prstGeom>
+        </p:spPr>
+      </p:pic>
+    </p:spTree>
+    <p:extLst>
+      <p:ext uri="{BB962C8B-B14F-4D97-AF65-F5344CB8AC3E}">
+        <p14:creationId xmlns:p14="http://schemas.microsoft.com/office/powerpoint/2010/main" val="4234798870"/>
       </p:ext>
     </p:extLst>
   </p:cSld>

--- a/IS Team Updates - November 22.pptx
+++ b/IS Team Updates - November 22.pptx
@@ -5,27 +5,28 @@
     <p:sldMasterId id="2147483648" r:id="rId1"/>
   </p:sldMasterIdLst>
   <p:notesMasterIdLst>
-    <p:notesMasterId r:id="rId20"/>
+    <p:notesMasterId r:id="rId21"/>
   </p:notesMasterIdLst>
   <p:sldIdLst>
     <p:sldId id="257" r:id="rId2"/>
     <p:sldId id="258" r:id="rId3"/>
     <p:sldId id="259" r:id="rId4"/>
-    <p:sldId id="261" r:id="rId5"/>
-    <p:sldId id="281" r:id="rId6"/>
-    <p:sldId id="282" r:id="rId7"/>
-    <p:sldId id="274" r:id="rId8"/>
-    <p:sldId id="271" r:id="rId9"/>
-    <p:sldId id="273" r:id="rId10"/>
-    <p:sldId id="272" r:id="rId11"/>
-    <p:sldId id="270" r:id="rId12"/>
-    <p:sldId id="276" r:id="rId13"/>
-    <p:sldId id="275" r:id="rId14"/>
-    <p:sldId id="278" r:id="rId15"/>
-    <p:sldId id="280" r:id="rId16"/>
-    <p:sldId id="283" r:id="rId17"/>
-    <p:sldId id="256" r:id="rId18"/>
-    <p:sldId id="260" r:id="rId19"/>
+    <p:sldId id="284" r:id="rId5"/>
+    <p:sldId id="261" r:id="rId6"/>
+    <p:sldId id="281" r:id="rId7"/>
+    <p:sldId id="282" r:id="rId8"/>
+    <p:sldId id="274" r:id="rId9"/>
+    <p:sldId id="271" r:id="rId10"/>
+    <p:sldId id="273" r:id="rId11"/>
+    <p:sldId id="272" r:id="rId12"/>
+    <p:sldId id="270" r:id="rId13"/>
+    <p:sldId id="276" r:id="rId14"/>
+    <p:sldId id="275" r:id="rId15"/>
+    <p:sldId id="278" r:id="rId16"/>
+    <p:sldId id="280" r:id="rId17"/>
+    <p:sldId id="283" r:id="rId18"/>
+    <p:sldId id="256" r:id="rId19"/>
+    <p:sldId id="260" r:id="rId20"/>
   </p:sldIdLst>
   <p:sldSz cx="12192000" cy="6858000"/>
   <p:notesSz cx="6858000" cy="9144000"/>
@@ -638,8 +639,45 @@
           <a:p>
             <a:r>
               <a:rPr lang="en-CA" dirty="0"/>
-              <a:t>- Remote Repository Operations</a:t>
-            </a:r>
+              <a:t>-   Each commit is a new “snapshot”.</a:t>
+            </a:r>
+          </a:p>
+          <a:p>
+            <a:pPr marL="171450" indent="-171450">
+              <a:buFontTx/>
+              <a:buChar char="-"/>
+            </a:pPr>
+            <a:r>
+              <a:rPr lang="en-CA" dirty="0"/>
+              <a:t>Each of these “features” are “branches” in a version control/GIT.</a:t>
+            </a:r>
+          </a:p>
+          <a:p>
+            <a:pPr marL="171450" indent="-171450">
+              <a:buFontTx/>
+              <a:buChar char="-"/>
+            </a:pPr>
+            <a:r>
+              <a:rPr lang="en-CA" dirty="0"/>
+              <a:t>The “newest” commit in a branch is the HEAD of that branch.</a:t>
+            </a:r>
+          </a:p>
+          <a:p>
+            <a:pPr marL="171450" indent="-171450">
+              <a:buFontTx/>
+              <a:buChar char="-"/>
+            </a:pPr>
+            <a:r>
+              <a:rPr lang="en-CA" dirty="0"/>
+              <a:t>Each of this versions are “Tags”. (Immutable)</a:t>
+            </a:r>
+          </a:p>
+          <a:p>
+            <a:pPr marL="171450" indent="-171450">
+              <a:buFontTx/>
+              <a:buChar char="-"/>
+            </a:pPr>
+            <a:endParaRPr lang="en-CA" dirty="0"/>
           </a:p>
         </p:txBody>
       </p:sp>
@@ -669,7 +707,7 @@
     </p:spTree>
     <p:extLst>
       <p:ext uri="{BB962C8B-B14F-4D97-AF65-F5344CB8AC3E}">
-        <p14:creationId xmlns:p14="http://schemas.microsoft.com/office/powerpoint/2010/main" val="1948573466"/>
+        <p14:creationId xmlns:p14="http://schemas.microsoft.com/office/powerpoint/2010/main" val="3165871446"/>
       </p:ext>
     </p:extLst>
   </p:cSld>
@@ -723,86 +761,10 @@
           <a:bodyPr/>
           <a:lstStyle/>
           <a:p>
-            <a:pPr marL="228600" indent="-228600">
-              <a:buAutoNum type="arabicPeriod"/>
-            </a:pPr>
             <a:r>
               <a:rPr lang="en-CA" dirty="0"/>
-              <a:t>You clone the Git repository as a working copy.  Remote add (share on </a:t>
-            </a:r>
-            <a:r>
-              <a:rPr lang="en-CA" dirty="0" err="1"/>
-              <a:t>Katalon</a:t>
-            </a:r>
-            <a:r>
-              <a:rPr lang="en-CA" dirty="0"/>
-              <a:t>) is done only the first time when you’re creating the project at the repository at the first time. The first time you’re cloning the repository (assuming you’re not the person who added it). After you clone it, you’ll have a Working Copy at your machine.</a:t>
-            </a:r>
-          </a:p>
-          <a:p>
-            <a:pPr marL="228600" marR="0" lvl="0" indent="-228600" algn="l" defTabSz="914400" rtl="0" eaLnBrk="1" fontAlgn="auto" latinLnBrk="0" hangingPunct="1">
-              <a:lnSpc>
-                <a:spcPct val="100000"/>
-              </a:lnSpc>
-              <a:spcBef>
-                <a:spcPts val="0"/>
-              </a:spcBef>
-              <a:spcAft>
-                <a:spcPts val="0"/>
-              </a:spcAft>
-              <a:buClrTx/>
-              <a:buSzTx/>
-              <a:buFontTx/>
-              <a:buAutoNum type="arabicPeriod"/>
-              <a:tabLst/>
-              <a:defRPr/>
-            </a:pPr>
-            <a:r>
-              <a:rPr lang="en-CA" dirty="0"/>
-              <a:t>You Update (pull), taking other developers changes.</a:t>
-            </a:r>
-          </a:p>
-          <a:p>
-            <a:pPr marL="228600" indent="-228600">
-              <a:buAutoNum type="arabicPeriod"/>
-            </a:pPr>
-            <a:r>
-              <a:rPr lang="en-CA" dirty="0"/>
-              <a:t>You modify the working copy by ADDING/EDITING or DELETING files.</a:t>
-            </a:r>
-          </a:p>
-          <a:p>
-            <a:pPr marL="228600" indent="-228600">
-              <a:buAutoNum type="arabicPeriod"/>
-            </a:pPr>
-            <a:r>
-              <a:rPr lang="en-CA" dirty="0"/>
-              <a:t>Review the changes before committing</a:t>
-            </a:r>
-          </a:p>
-          <a:p>
-            <a:pPr marL="228600" indent="-228600">
-              <a:buAutoNum type="arabicPeriod"/>
-            </a:pPr>
-            <a:r>
-              <a:rPr lang="en-CA" dirty="0"/>
-              <a:t>Commit the changes if everything is fine, changes go into repository.</a:t>
-            </a:r>
-          </a:p>
-          <a:p>
-            <a:pPr marL="228600" indent="-228600">
-              <a:buAutoNum type="arabicPeriod"/>
-            </a:pPr>
-            <a:r>
-              <a:rPr lang="en-CA" dirty="0"/>
-              <a:t>After committing something is wrong, you can either correct the errors by merging commits on the same file, or push to the remote repository or return to modifying the working copy until it is okay.</a:t>
-            </a:r>
-          </a:p>
-          <a:p>
-            <a:pPr marL="228600" indent="-228600">
-              <a:buAutoNum type="arabicPeriod"/>
-            </a:pPr>
-            <a:endParaRPr lang="en-CA" dirty="0"/>
+              <a:t>- Remote Repository Operations</a:t>
+            </a:r>
           </a:p>
         </p:txBody>
       </p:sp>
@@ -832,7 +794,7 @@
     </p:spTree>
     <p:extLst>
       <p:ext uri="{BB962C8B-B14F-4D97-AF65-F5344CB8AC3E}">
-        <p14:creationId xmlns:p14="http://schemas.microsoft.com/office/powerpoint/2010/main" val="1346656714"/>
+        <p14:creationId xmlns:p14="http://schemas.microsoft.com/office/powerpoint/2010/main" val="1948573466"/>
       </p:ext>
     </p:extLst>
   </p:cSld>
@@ -886,6 +848,85 @@
           <a:bodyPr/>
           <a:lstStyle/>
           <a:p>
+            <a:pPr marL="228600" indent="-228600">
+              <a:buAutoNum type="arabicPeriod"/>
+            </a:pPr>
+            <a:r>
+              <a:rPr lang="en-CA" dirty="0"/>
+              <a:t>You clone the Git repository as a working copy.  Remote add (share on </a:t>
+            </a:r>
+            <a:r>
+              <a:rPr lang="en-CA" dirty="0" err="1"/>
+              <a:t>Katalon</a:t>
+            </a:r>
+            <a:r>
+              <a:rPr lang="en-CA" dirty="0"/>
+              <a:t>) is done only the first time when you’re creating the project at the repository at the first time. The first time you’re cloning the repository (assuming you’re not the person who added it). After you clone it, you’ll have a Working Copy at your machine.</a:t>
+            </a:r>
+          </a:p>
+          <a:p>
+            <a:pPr marL="228600" marR="0" lvl="0" indent="-228600" algn="l" defTabSz="914400" rtl="0" eaLnBrk="1" fontAlgn="auto" latinLnBrk="0" hangingPunct="1">
+              <a:lnSpc>
+                <a:spcPct val="100000"/>
+              </a:lnSpc>
+              <a:spcBef>
+                <a:spcPts val="0"/>
+              </a:spcBef>
+              <a:spcAft>
+                <a:spcPts val="0"/>
+              </a:spcAft>
+              <a:buClrTx/>
+              <a:buSzTx/>
+              <a:buFontTx/>
+              <a:buAutoNum type="arabicPeriod"/>
+              <a:tabLst/>
+              <a:defRPr/>
+            </a:pPr>
+            <a:r>
+              <a:rPr lang="en-CA" dirty="0"/>
+              <a:t>You Update (pull), taking other developers changes.</a:t>
+            </a:r>
+          </a:p>
+          <a:p>
+            <a:pPr marL="228600" indent="-228600">
+              <a:buAutoNum type="arabicPeriod"/>
+            </a:pPr>
+            <a:r>
+              <a:rPr lang="en-CA" dirty="0"/>
+              <a:t>You modify the working copy by ADDING/EDITING or DELETING files.</a:t>
+            </a:r>
+          </a:p>
+          <a:p>
+            <a:pPr marL="228600" indent="-228600">
+              <a:buAutoNum type="arabicPeriod"/>
+            </a:pPr>
+            <a:r>
+              <a:rPr lang="en-CA" dirty="0"/>
+              <a:t>Review the changes before committing</a:t>
+            </a:r>
+          </a:p>
+          <a:p>
+            <a:pPr marL="228600" indent="-228600">
+              <a:buAutoNum type="arabicPeriod"/>
+            </a:pPr>
+            <a:r>
+              <a:rPr lang="en-CA" dirty="0"/>
+              <a:t>Commit the changes if everything is fine, changes go into repository.</a:t>
+            </a:r>
+          </a:p>
+          <a:p>
+            <a:pPr marL="228600" indent="-228600">
+              <a:buAutoNum type="arabicPeriod"/>
+            </a:pPr>
+            <a:r>
+              <a:rPr lang="en-CA" dirty="0"/>
+              <a:t>After committing something is wrong, you can either correct the errors by merging commits on the same file, or push to the remote repository or return to modifying the working copy until it is okay.</a:t>
+            </a:r>
+          </a:p>
+          <a:p>
+            <a:pPr marL="228600" indent="-228600">
+              <a:buAutoNum type="arabicPeriod"/>
+            </a:pPr>
             <a:endParaRPr lang="en-CA" dirty="0"/>
           </a:p>
         </p:txBody>
@@ -907,7 +948,7 @@
           <a:p>
             <a:fld id="{856DE13A-4A03-4D65-A1E3-92498798F1FA}" type="slidenum">
               <a:rPr lang="en-CA" smtClean="0"/>
-              <a:t>16</a:t>
+              <a:t>15</a:t>
             </a:fld>
             <a:endParaRPr lang="en-CA"/>
           </a:p>
@@ -916,7 +957,7 @@
     </p:spTree>
     <p:extLst>
       <p:ext uri="{BB962C8B-B14F-4D97-AF65-F5344CB8AC3E}">
-        <p14:creationId xmlns:p14="http://schemas.microsoft.com/office/powerpoint/2010/main" val="3379270499"/>
+        <p14:creationId xmlns:p14="http://schemas.microsoft.com/office/powerpoint/2010/main" val="1346656714"/>
       </p:ext>
     </p:extLst>
   </p:cSld>
@@ -991,7 +1032,91 @@
           <a:p>
             <a:fld id="{856DE13A-4A03-4D65-A1E3-92498798F1FA}" type="slidenum">
               <a:rPr lang="en-CA" smtClean="0"/>
-              <a:t>18</a:t>
+              <a:t>17</a:t>
+            </a:fld>
+            <a:endParaRPr lang="en-CA"/>
+          </a:p>
+        </p:txBody>
+      </p:sp>
+    </p:spTree>
+    <p:extLst>
+      <p:ext uri="{BB962C8B-B14F-4D97-AF65-F5344CB8AC3E}">
+        <p14:creationId xmlns:p14="http://schemas.microsoft.com/office/powerpoint/2010/main" val="3379270499"/>
+      </p:ext>
+    </p:extLst>
+  </p:cSld>
+  <p:clrMapOvr>
+    <a:masterClrMapping/>
+  </p:clrMapOvr>
+</p:notes>
+</file>
+
+<file path=ppt/notesSlides/notesSlide14.xml><?xml version="1.0" encoding="utf-8"?>
+<p:notes xmlns:a="http://schemas.openxmlformats.org/drawingml/2006/main" xmlns:r="http://schemas.openxmlformats.org/officeDocument/2006/relationships" xmlns:p="http://schemas.openxmlformats.org/presentationml/2006/main">
+  <p:cSld>
+    <p:spTree>
+      <p:nvGrpSpPr>
+        <p:cNvPr id="1" name=""/>
+        <p:cNvGrpSpPr/>
+        <p:nvPr/>
+      </p:nvGrpSpPr>
+      <p:grpSpPr>
+        <a:xfrm>
+          <a:off x="0" y="0"/>
+          <a:ext cx="0" cy="0"/>
+          <a:chOff x="0" y="0"/>
+          <a:chExt cx="0" cy="0"/>
+        </a:xfrm>
+      </p:grpSpPr>
+      <p:sp>
+        <p:nvSpPr>
+          <p:cNvPr id="2" name="Slide Image Placeholder 1"/>
+          <p:cNvSpPr>
+            <a:spLocks noGrp="1" noRot="1" noChangeAspect="1"/>
+          </p:cNvSpPr>
+          <p:nvPr>
+            <p:ph type="sldImg"/>
+          </p:nvPr>
+        </p:nvSpPr>
+        <p:spPr/>
+      </p:sp>
+      <p:sp>
+        <p:nvSpPr>
+          <p:cNvPr id="3" name="Notes Placeholder 2"/>
+          <p:cNvSpPr>
+            <a:spLocks noGrp="1"/>
+          </p:cNvSpPr>
+          <p:nvPr>
+            <p:ph type="body" idx="1"/>
+          </p:nvPr>
+        </p:nvSpPr>
+        <p:spPr/>
+        <p:txBody>
+          <a:bodyPr/>
+          <a:lstStyle/>
+          <a:p>
+            <a:endParaRPr lang="en-CA" dirty="0"/>
+          </a:p>
+        </p:txBody>
+      </p:sp>
+      <p:sp>
+        <p:nvSpPr>
+          <p:cNvPr id="4" name="Slide Number Placeholder 3"/>
+          <p:cNvSpPr>
+            <a:spLocks noGrp="1"/>
+          </p:cNvSpPr>
+          <p:nvPr>
+            <p:ph type="sldNum" sz="quarter" idx="5"/>
+          </p:nvPr>
+        </p:nvSpPr>
+        <p:spPr/>
+        <p:txBody>
+          <a:bodyPr/>
+          <a:lstStyle/>
+          <a:p>
+            <a:fld id="{856DE13A-4A03-4D65-A1E3-92498798F1FA}" type="slidenum">
+              <a:rPr lang="en-CA" smtClean="0"/>
+              <a:t>19</a:t>
             </a:fld>
             <a:endParaRPr lang="en-CA"/>
           </a:p>
@@ -1252,7 +1377,7 @@
     </p:spTree>
     <p:extLst>
       <p:ext uri="{BB962C8B-B14F-4D97-AF65-F5344CB8AC3E}">
-        <p14:creationId xmlns:p14="http://schemas.microsoft.com/office/powerpoint/2010/main" val="509167487"/>
+        <p14:creationId xmlns:p14="http://schemas.microsoft.com/office/powerpoint/2010/main" val="3760612581"/>
       </p:ext>
     </p:extLst>
   </p:cSld>
@@ -1306,10 +1431,7 @@
           <a:bodyPr/>
           <a:lstStyle/>
           <a:p>
-            <a:r>
-              <a:rPr lang="en-CA" dirty="0"/>
-              <a:t>- Opposing to a file system. </a:t>
-            </a:r>
+            <a:endParaRPr lang="en-CA" dirty="0"/>
           </a:p>
         </p:txBody>
       </p:sp>
@@ -1339,7 +1461,7 @@
     </p:spTree>
     <p:extLst>
       <p:ext uri="{BB962C8B-B14F-4D97-AF65-F5344CB8AC3E}">
-        <p14:creationId xmlns:p14="http://schemas.microsoft.com/office/powerpoint/2010/main" val="3976128564"/>
+        <p14:creationId xmlns:p14="http://schemas.microsoft.com/office/powerpoint/2010/main" val="509167487"/>
       </p:ext>
     </p:extLst>
   </p:cSld>
@@ -1426,7 +1548,7 @@
     </p:spTree>
     <p:extLst>
       <p:ext uri="{BB962C8B-B14F-4D97-AF65-F5344CB8AC3E}">
-        <p14:creationId xmlns:p14="http://schemas.microsoft.com/office/powerpoint/2010/main" val="3819074033"/>
+        <p14:creationId xmlns:p14="http://schemas.microsoft.com/office/powerpoint/2010/main" val="3976128564"/>
       </p:ext>
     </p:extLst>
   </p:cSld>
@@ -1480,51 +1602,10 @@
           <a:bodyPr/>
           <a:lstStyle/>
           <a:p>
-            <a:pPr marL="171450" indent="-171450">
-              <a:buFontTx/>
-              <a:buChar char="-"/>
-            </a:pPr>
             <a:r>
               <a:rPr lang="en-CA" dirty="0"/>
-              <a:t>Each repository represents a “Project”.</a:t>
-            </a:r>
-          </a:p>
-          <a:p>
-            <a:pPr marL="171450" marR="0" lvl="0" indent="-171450" algn="l" defTabSz="914400" rtl="0" eaLnBrk="1" fontAlgn="auto" latinLnBrk="0" hangingPunct="1">
-              <a:lnSpc>
-                <a:spcPct val="100000"/>
-              </a:lnSpc>
-              <a:spcBef>
-                <a:spcPts val="0"/>
-              </a:spcBef>
-              <a:spcAft>
-                <a:spcPts val="0"/>
-              </a:spcAft>
-              <a:buClrTx/>
-              <a:buSzTx/>
-              <a:buFontTx/>
-              <a:buChar char="-"/>
-              <a:tabLst/>
-              <a:defRPr/>
-            </a:pPr>
-            <a:r>
-              <a:rPr lang="en-CA" dirty="0"/>
-              <a:t>You should only commit changes after you attain a “stable” result. </a:t>
-            </a:r>
-          </a:p>
-          <a:p>
-            <a:pPr marL="0" indent="0">
-              <a:buFontTx/>
-              <a:buNone/>
-            </a:pPr>
-            <a:endParaRPr lang="en-CA" dirty="0"/>
-          </a:p>
-          <a:p>
-            <a:pPr marL="171450" indent="-171450">
-              <a:buFontTx/>
-              <a:buChar char="-"/>
-            </a:pPr>
-            <a:endParaRPr lang="en-CA" dirty="0"/>
+              <a:t>- Opposing to a file system. </a:t>
+            </a:r>
           </a:p>
         </p:txBody>
       </p:sp>
@@ -1554,7 +1635,7 @@
     </p:spTree>
     <p:extLst>
       <p:ext uri="{BB962C8B-B14F-4D97-AF65-F5344CB8AC3E}">
-        <p14:creationId xmlns:p14="http://schemas.microsoft.com/office/powerpoint/2010/main" val="4107904412"/>
+        <p14:creationId xmlns:p14="http://schemas.microsoft.com/office/powerpoint/2010/main" val="3819074033"/>
       </p:ext>
     </p:extLst>
   </p:cSld>
@@ -1608,79 +1689,42 @@
           <a:bodyPr/>
           <a:lstStyle/>
           <a:p>
-            <a:r>
-              <a:rPr lang="en-CA" dirty="0"/>
-              <a:t>- Each collaborator has his/her own repository.</a:t>
-            </a:r>
-          </a:p>
-          <a:p>
             <a:pPr marL="171450" indent="-171450">
               <a:buFontTx/>
               <a:buChar char="-"/>
             </a:pPr>
             <a:r>
               <a:rPr lang="en-CA" dirty="0"/>
-              <a:t>Developers can work off-line on their own sandboxes and commit whenever they want it to.</a:t>
-            </a:r>
-          </a:p>
-          <a:p>
-            <a:pPr marL="171450" indent="-171450">
+              <a:t>Each repository represents a “Project”.</a:t>
+            </a:r>
+          </a:p>
+          <a:p>
+            <a:pPr marL="171450" marR="0" lvl="0" indent="-171450" algn="l" defTabSz="914400" rtl="0" eaLnBrk="1" fontAlgn="auto" latinLnBrk="0" hangingPunct="1">
+              <a:lnSpc>
+                <a:spcPct val="100000"/>
+              </a:lnSpc>
+              <a:spcBef>
+                <a:spcPts val="0"/>
+              </a:spcBef>
+              <a:spcAft>
+                <a:spcPts val="0"/>
+              </a:spcAft>
+              <a:buClrTx/>
+              <a:buSzTx/>
               <a:buFontTx/>
               <a:buChar char="-"/>
+              <a:tabLst/>
+              <a:defRPr/>
             </a:pPr>
             <a:r>
               <a:rPr lang="en-CA" dirty="0"/>
-              <a:t>And push only after they attain a desirable result.</a:t>
+              <a:t>You should only commit changes after you attain a “stable” result. </a:t>
             </a:r>
           </a:p>
           <a:p>
             <a:pPr marL="0" indent="0">
               <a:buFontTx/>
               <a:buNone/>
-            </a:pPr>
-            <a:endParaRPr lang="en-CA" dirty="0"/>
-          </a:p>
-          <a:p>
-            <a:pPr marL="0" indent="0">
-              <a:buFontTx/>
-              <a:buNone/>
-            </a:pPr>
-            <a:endParaRPr lang="en-CA" dirty="0"/>
-          </a:p>
-          <a:p>
-            <a:pPr marL="0" indent="0">
-              <a:buFontTx/>
-              <a:buNone/>
-            </a:pPr>
-            <a:r>
-              <a:rPr lang="en-CA" dirty="0"/>
-              <a:t>Advantages vs the “non-distributed” are:</a:t>
-            </a:r>
-          </a:p>
-          <a:p>
-            <a:pPr marL="171450" indent="-171450">
-              <a:buFontTx/>
-              <a:buChar char="-"/>
-            </a:pPr>
-            <a:r>
-              <a:rPr lang="en-CA" dirty="0"/>
-              <a:t>That you can take as many “snapshots” and commits you want, being that stable or not.</a:t>
-            </a:r>
-          </a:p>
-          <a:p>
-            <a:pPr marL="171450" indent="-171450">
-              <a:buFontTx/>
-              <a:buChar char="-"/>
-            </a:pPr>
-            <a:r>
-              <a:rPr lang="en-CA" dirty="0"/>
-              <a:t>Reduces the iterations of mistakes committed into the main server repository.</a:t>
-            </a:r>
-          </a:p>
-          <a:p>
-            <a:pPr marL="171450" indent="-171450">
-              <a:buFontTx/>
-              <a:buChar char="-"/>
             </a:pPr>
             <a:endParaRPr lang="en-CA" dirty="0"/>
           </a:p>
@@ -1719,7 +1763,7 @@
     </p:spTree>
     <p:extLst>
       <p:ext uri="{BB962C8B-B14F-4D97-AF65-F5344CB8AC3E}">
-        <p14:creationId xmlns:p14="http://schemas.microsoft.com/office/powerpoint/2010/main" val="2752450863"/>
+        <p14:creationId xmlns:p14="http://schemas.microsoft.com/office/powerpoint/2010/main" val="4107904412"/>
       </p:ext>
     </p:extLst>
   </p:cSld>
@@ -1775,7 +1819,7 @@
           <a:p>
             <a:r>
               <a:rPr lang="en-CA" dirty="0"/>
-              <a:t>-   Each commit is a new “snapshot”.</a:t>
+              <a:t>- Each collaborator has his/her own repository.</a:t>
             </a:r>
           </a:p>
           <a:p>
@@ -1785,7 +1829,7 @@
             </a:pPr>
             <a:r>
               <a:rPr lang="en-CA" dirty="0"/>
-              <a:t>Each of these “features” are “branches” in a version control/GIT.</a:t>
+              <a:t>Developers can work off-line on their own sandboxes and commit whenever they want it to.</a:t>
             </a:r>
           </a:p>
           <a:p>
@@ -1795,7 +1839,31 @@
             </a:pPr>
             <a:r>
               <a:rPr lang="en-CA" dirty="0"/>
-              <a:t>The “newest” commit in a branch is the HEAD of that branch.</a:t>
+              <a:t>And push only after they attain a desirable result.</a:t>
+            </a:r>
+          </a:p>
+          <a:p>
+            <a:pPr marL="0" indent="0">
+              <a:buFontTx/>
+              <a:buNone/>
+            </a:pPr>
+            <a:endParaRPr lang="en-CA" dirty="0"/>
+          </a:p>
+          <a:p>
+            <a:pPr marL="0" indent="0">
+              <a:buFontTx/>
+              <a:buNone/>
+            </a:pPr>
+            <a:endParaRPr lang="en-CA" dirty="0"/>
+          </a:p>
+          <a:p>
+            <a:pPr marL="0" indent="0">
+              <a:buFontTx/>
+              <a:buNone/>
+            </a:pPr>
+            <a:r>
+              <a:rPr lang="en-CA" dirty="0"/>
+              <a:t>Advantages vs the “non-distributed” are:</a:t>
             </a:r>
           </a:p>
           <a:p>
@@ -1805,8 +1873,25 @@
             </a:pPr>
             <a:r>
               <a:rPr lang="en-CA" dirty="0"/>
-              <a:t>Each of this versions are “Tags”. (Immutable)</a:t>
-            </a:r>
+              <a:t>That you can take as many “snapshots” and commits you want, being that stable or not.</a:t>
+            </a:r>
+          </a:p>
+          <a:p>
+            <a:pPr marL="171450" indent="-171450">
+              <a:buFontTx/>
+              <a:buChar char="-"/>
+            </a:pPr>
+            <a:r>
+              <a:rPr lang="en-CA" dirty="0"/>
+              <a:t>Reduces the iterations of mistakes committed into the main server repository.</a:t>
+            </a:r>
+          </a:p>
+          <a:p>
+            <a:pPr marL="171450" indent="-171450">
+              <a:buFontTx/>
+              <a:buChar char="-"/>
+            </a:pPr>
+            <a:endParaRPr lang="en-CA" dirty="0"/>
           </a:p>
           <a:p>
             <a:pPr marL="171450" indent="-171450">
@@ -1834,7 +1919,7 @@
           <a:p>
             <a:fld id="{856DE13A-4A03-4D65-A1E3-92498798F1FA}" type="slidenum">
               <a:rPr lang="en-CA" smtClean="0"/>
-              <a:t>12</a:t>
+              <a:t>9</a:t>
             </a:fld>
             <a:endParaRPr lang="en-CA"/>
           </a:p>
@@ -1843,7 +1928,7 @@
     </p:spTree>
     <p:extLst>
       <p:ext uri="{BB962C8B-B14F-4D97-AF65-F5344CB8AC3E}">
-        <p14:creationId xmlns:p14="http://schemas.microsoft.com/office/powerpoint/2010/main" val="3165871446"/>
+        <p14:creationId xmlns:p14="http://schemas.microsoft.com/office/powerpoint/2010/main" val="2752450863"/>
       </p:ext>
     </p:extLst>
   </p:cSld>
@@ -5501,8 +5586,8 @@
         </p:nvSpPr>
         <p:spPr>
           <a:xfrm>
-            <a:off x="172435" y="779426"/>
-            <a:ext cx="5200143" cy="707886"/>
+            <a:off x="172435" y="865993"/>
+            <a:ext cx="7614905" cy="707886"/>
           </a:xfrm>
           <a:prstGeom prst="rect">
             <a:avLst/>
@@ -5524,41 +5609,17 @@
                   </a:schemeClr>
                 </a:solidFill>
               </a:rPr>
-              <a:t>Advantages of using Git</a:t>
-            </a:r>
-          </a:p>
-        </p:txBody>
-      </p:sp>
-      <p:pic>
-        <p:nvPicPr>
-          <p:cNvPr id="26" name="Picture 25"/>
-          <p:cNvPicPr>
-            <a:picLocks noChangeAspect="1"/>
-          </p:cNvPicPr>
-          <p:nvPr/>
-        </p:nvPicPr>
-        <p:blipFill>
-          <a:blip r:embed="rId3"/>
-          <a:stretch>
-            <a:fillRect/>
-          </a:stretch>
-        </p:blipFill>
-        <p:spPr>
-          <a:xfrm>
-            <a:off x="9445775" y="907901"/>
-            <a:ext cx="2347163" cy="3101609"/>
-          </a:xfrm>
-          <a:prstGeom prst="rect">
-            <a:avLst/>
-          </a:prstGeom>
-        </p:spPr>
-      </p:pic>
+              <a:t>Distributed Version Control System</a:t>
+            </a:r>
+          </a:p>
+        </p:txBody>
+      </p:sp>
       <p:sp>
         <p:nvSpPr>
           <p:cNvPr id="22" name="Rectangle 21">
             <a:extLst>
               <a:ext uri="{FF2B5EF4-FFF2-40B4-BE49-F238E27FC236}">
-                <a16:creationId xmlns:a16="http://schemas.microsoft.com/office/drawing/2014/main" id="{40AD4F5D-555D-42E8-A4FA-0CF75DFA8D6F}"/>
+                <a16:creationId xmlns:a16="http://schemas.microsoft.com/office/drawing/2014/main" id="{488775EB-0491-4A3B-A212-1569FC1770D3}"/>
               </a:ext>
             </a:extLst>
           </p:cNvPr>
@@ -5567,8 +5628,8 @@
         </p:nvSpPr>
         <p:spPr>
           <a:xfrm>
-            <a:off x="736371" y="2460700"/>
-            <a:ext cx="4369029" cy="523220"/>
+            <a:off x="736371" y="2155896"/>
+            <a:ext cx="9200109" cy="523220"/>
           </a:xfrm>
           <a:prstGeom prst="rect">
             <a:avLst/>
@@ -5588,17 +5649,17 @@
                   </a:schemeClr>
                 </a:solidFill>
               </a:rPr>
-              <a:t>It’s faster for branching.</a:t>
-            </a:r>
-          </a:p>
-        </p:txBody>
-      </p:sp>
-      <p:sp>
-        <p:nvSpPr>
-          <p:cNvPr id="23" name="Flowchart: Connector 22">
-            <a:extLst>
-              <a:ext uri="{FF2B5EF4-FFF2-40B4-BE49-F238E27FC236}">
-                <a16:creationId xmlns:a16="http://schemas.microsoft.com/office/drawing/2014/main" id="{E47F2897-2779-423E-8B0C-288477B604E4}"/>
+              <a:t>Local fully mirrors a Remote repository.</a:t>
+            </a:r>
+          </a:p>
+        </p:txBody>
+      </p:sp>
+      <p:sp>
+        <p:nvSpPr>
+          <p:cNvPr id="7" name="Flowchart: Connector 6">
+            <a:extLst>
+              <a:ext uri="{FF2B5EF4-FFF2-40B4-BE49-F238E27FC236}">
+                <a16:creationId xmlns:a16="http://schemas.microsoft.com/office/drawing/2014/main" id="{45E51739-31D3-4149-8194-60550DBD7276}"/>
               </a:ext>
             </a:extLst>
           </p:cNvPr>
@@ -5607,7 +5668,7 @@
         </p:nvSpPr>
         <p:spPr>
           <a:xfrm>
-            <a:off x="496161" y="2647116"/>
+            <a:off x="496161" y="2342312"/>
             <a:ext cx="190353" cy="174302"/>
           </a:xfrm>
           <a:prstGeom prst="flowChartConnector">
@@ -5650,10 +5711,10 @@
       </p:sp>
       <p:sp>
         <p:nvSpPr>
-          <p:cNvPr id="24" name="Rectangle 23">
-            <a:extLst>
-              <a:ext uri="{FF2B5EF4-FFF2-40B4-BE49-F238E27FC236}">
-                <a16:creationId xmlns:a16="http://schemas.microsoft.com/office/drawing/2014/main" id="{4612D7BD-38AD-4098-ACCD-560A6D4C870F}"/>
+          <p:cNvPr id="8" name="Rectangle 7">
+            <a:extLst>
+              <a:ext uri="{FF2B5EF4-FFF2-40B4-BE49-F238E27FC236}">
+                <a16:creationId xmlns:a16="http://schemas.microsoft.com/office/drawing/2014/main" id="{4DA529B9-FE02-4125-82CC-55AB2AA28897}"/>
               </a:ext>
             </a:extLst>
           </p:cNvPr>
@@ -5662,8 +5723,8 @@
         </p:nvSpPr>
         <p:spPr>
           <a:xfrm>
-            <a:off x="736371" y="3146969"/>
-            <a:ext cx="5664429" cy="523220"/>
+            <a:off x="736371" y="2842165"/>
+            <a:ext cx="4369029" cy="523220"/>
           </a:xfrm>
           <a:prstGeom prst="rect">
             <a:avLst/>
@@ -5683,17 +5744,17 @@
                   </a:schemeClr>
                 </a:solidFill>
               </a:rPr>
-              <a:t>It is secure (SHA-1 cryptography).</a:t>
-            </a:r>
-          </a:p>
-        </p:txBody>
-      </p:sp>
-      <p:sp>
-        <p:nvSpPr>
-          <p:cNvPr id="25" name="Flowchart: Connector 24">
-            <a:extLst>
-              <a:ext uri="{FF2B5EF4-FFF2-40B4-BE49-F238E27FC236}">
-                <a16:creationId xmlns:a16="http://schemas.microsoft.com/office/drawing/2014/main" id="{80432FCC-0BDD-427B-A754-E82B5FF01E59}"/>
+              <a:t>Can work off-line.</a:t>
+            </a:r>
+          </a:p>
+        </p:txBody>
+      </p:sp>
+      <p:sp>
+        <p:nvSpPr>
+          <p:cNvPr id="10" name="Flowchart: Connector 9">
+            <a:extLst>
+              <a:ext uri="{FF2B5EF4-FFF2-40B4-BE49-F238E27FC236}">
+                <a16:creationId xmlns:a16="http://schemas.microsoft.com/office/drawing/2014/main" id="{823D2660-DAEE-4933-A1F7-D02DC4983DE9}"/>
               </a:ext>
             </a:extLst>
           </p:cNvPr>
@@ -5702,7 +5763,7 @@
         </p:nvSpPr>
         <p:spPr>
           <a:xfrm>
-            <a:off x="496161" y="3333385"/>
+            <a:off x="496161" y="3028581"/>
             <a:ext cx="190353" cy="174302"/>
           </a:xfrm>
           <a:prstGeom prst="flowChartConnector">
@@ -5743,12 +5804,48 @@
           </a:p>
         </p:txBody>
       </p:sp>
-      <p:sp>
-        <p:nvSpPr>
-          <p:cNvPr id="31" name="Rectangle 30">
-            <a:extLst>
-              <a:ext uri="{FF2B5EF4-FFF2-40B4-BE49-F238E27FC236}">
-                <a16:creationId xmlns:a16="http://schemas.microsoft.com/office/drawing/2014/main" id="{7F625E9F-C9B4-4C2F-9CF0-3A47DCCC40E4}"/>
+      <p:pic>
+        <p:nvPicPr>
+          <p:cNvPr id="3" name="Picture 2">
+            <a:extLst>
+              <a:ext uri="{FF2B5EF4-FFF2-40B4-BE49-F238E27FC236}">
+                <a16:creationId xmlns:a16="http://schemas.microsoft.com/office/drawing/2014/main" id="{3DDFEA45-52B7-4A45-92EE-07CB56384673}"/>
+              </a:ext>
+            </a:extLst>
+          </p:cNvPr>
+          <p:cNvPicPr>
+            <a:picLocks noChangeAspect="1"/>
+          </p:cNvPicPr>
+          <p:nvPr/>
+        </p:nvPicPr>
+        <p:blipFill>
+          <a:blip r:embed="rId3">
+            <a:extLst>
+              <a:ext uri="{28A0092B-C50C-407E-A947-70E740481C1C}">
+                <a14:useLocalDpi xmlns:a14="http://schemas.microsoft.com/office/drawing/2010/main" val="0"/>
+              </a:ext>
+            </a:extLst>
+          </a:blip>
+          <a:stretch>
+            <a:fillRect/>
+          </a:stretch>
+        </p:blipFill>
+        <p:spPr>
+          <a:xfrm>
+            <a:off x="10515600" y="824882"/>
+            <a:ext cx="1265922" cy="1265922"/>
+          </a:xfrm>
+          <a:prstGeom prst="rect">
+            <a:avLst/>
+          </a:prstGeom>
+        </p:spPr>
+      </p:pic>
+      <p:sp>
+        <p:nvSpPr>
+          <p:cNvPr id="12" name="Rectangle 11">
+            <a:extLst>
+              <a:ext uri="{FF2B5EF4-FFF2-40B4-BE49-F238E27FC236}">
+                <a16:creationId xmlns:a16="http://schemas.microsoft.com/office/drawing/2014/main" id="{18591DC3-080F-4E3A-B03A-817AA824DC47}"/>
               </a:ext>
             </a:extLst>
           </p:cNvPr>
@@ -5757,8 +5854,8 @@
         </p:nvSpPr>
         <p:spPr>
           <a:xfrm>
-            <a:off x="736371" y="3869008"/>
-            <a:ext cx="8407629" cy="523220"/>
+            <a:off x="736371" y="3564204"/>
+            <a:ext cx="8026629" cy="523220"/>
           </a:xfrm>
           <a:prstGeom prst="rect">
             <a:avLst/>
@@ -5778,17 +5875,17 @@
                   </a:schemeClr>
                 </a:solidFill>
               </a:rPr>
-              <a:t>Lightweight. (Doesn’t require a lot of processing power)</a:t>
-            </a:r>
-          </a:p>
-        </p:txBody>
-      </p:sp>
-      <p:sp>
-        <p:nvSpPr>
-          <p:cNvPr id="32" name="Flowchart: Connector 31">
-            <a:extLst>
-              <a:ext uri="{FF2B5EF4-FFF2-40B4-BE49-F238E27FC236}">
-                <a16:creationId xmlns:a16="http://schemas.microsoft.com/office/drawing/2014/main" id="{8824DF2B-C9ED-4BE7-B1F8-98D84B43D898}"/>
+              <a:t>Allow the creation of branches (On-line or Off-line). </a:t>
+            </a:r>
+          </a:p>
+        </p:txBody>
+      </p:sp>
+      <p:sp>
+        <p:nvSpPr>
+          <p:cNvPr id="13" name="Flowchart: Connector 12">
+            <a:extLst>
+              <a:ext uri="{FF2B5EF4-FFF2-40B4-BE49-F238E27FC236}">
+                <a16:creationId xmlns:a16="http://schemas.microsoft.com/office/drawing/2014/main" id="{B663E216-DBE2-4F0E-9590-C45F82D3D7F2}"/>
               </a:ext>
             </a:extLst>
           </p:cNvPr>
@@ -5797,7 +5894,7 @@
         </p:nvSpPr>
         <p:spPr>
           <a:xfrm>
-            <a:off x="496161" y="4055424"/>
+            <a:off x="496161" y="3750620"/>
             <a:ext cx="190353" cy="174302"/>
           </a:xfrm>
           <a:prstGeom prst="flowChartConnector">
@@ -5840,10 +5937,10 @@
       </p:sp>
       <p:sp>
         <p:nvSpPr>
-          <p:cNvPr id="33" name="Rectangle 32">
-            <a:extLst>
-              <a:ext uri="{FF2B5EF4-FFF2-40B4-BE49-F238E27FC236}">
-                <a16:creationId xmlns:a16="http://schemas.microsoft.com/office/drawing/2014/main" id="{909AA301-2854-4468-83A2-6D1B46D23440}"/>
+          <p:cNvPr id="14" name="Rectangle 13">
+            <a:extLst>
+              <a:ext uri="{FF2B5EF4-FFF2-40B4-BE49-F238E27FC236}">
+                <a16:creationId xmlns:a16="http://schemas.microsoft.com/office/drawing/2014/main" id="{42CF9A82-BF3C-4430-9317-F7D624149545}"/>
               </a:ext>
             </a:extLst>
           </p:cNvPr>
@@ -5852,7 +5949,7 @@
         </p:nvSpPr>
         <p:spPr>
           <a:xfrm>
-            <a:off x="736371" y="4631018"/>
+            <a:off x="736371" y="4326214"/>
             <a:ext cx="6261329" cy="523220"/>
           </a:xfrm>
           <a:prstGeom prst="rect">
@@ -5873,17 +5970,17 @@
                   </a:schemeClr>
                 </a:solidFill>
               </a:rPr>
-              <a:t>Free and Open Source.</a:t>
-            </a:r>
-          </a:p>
-        </p:txBody>
-      </p:sp>
-      <p:sp>
-        <p:nvSpPr>
-          <p:cNvPr id="34" name="Flowchart: Connector 33">
-            <a:extLst>
-              <a:ext uri="{FF2B5EF4-FFF2-40B4-BE49-F238E27FC236}">
-                <a16:creationId xmlns:a16="http://schemas.microsoft.com/office/drawing/2014/main" id="{DD10713F-087F-4398-AA43-600E7124BE48}"/>
+              <a:t>Allow checking logs (On-line or Off-line).</a:t>
+            </a:r>
+          </a:p>
+        </p:txBody>
+      </p:sp>
+      <p:sp>
+        <p:nvSpPr>
+          <p:cNvPr id="15" name="Flowchart: Connector 14">
+            <a:extLst>
+              <a:ext uri="{FF2B5EF4-FFF2-40B4-BE49-F238E27FC236}">
+                <a16:creationId xmlns:a16="http://schemas.microsoft.com/office/drawing/2014/main" id="{1F32BEBC-1D5B-472D-8D8A-1A647756CED4}"/>
               </a:ext>
             </a:extLst>
           </p:cNvPr>
@@ -5892,7 +5989,7 @@
         </p:nvSpPr>
         <p:spPr>
           <a:xfrm>
-            <a:off x="496161" y="4817434"/>
+            <a:off x="496161" y="4512630"/>
             <a:ext cx="190353" cy="174302"/>
           </a:xfrm>
           <a:prstGeom prst="flowChartConnector">
@@ -5933,46 +6030,10 @@
           </a:p>
         </p:txBody>
       </p:sp>
-      <p:pic>
-        <p:nvPicPr>
-          <p:cNvPr id="35" name="Picture 34">
-            <a:extLst>
-              <a:ext uri="{FF2B5EF4-FFF2-40B4-BE49-F238E27FC236}">
-                <a16:creationId xmlns:a16="http://schemas.microsoft.com/office/drawing/2014/main" id="{B010624D-7F01-477A-885C-8B4B44CB1F58}"/>
-              </a:ext>
-            </a:extLst>
-          </p:cNvPr>
-          <p:cNvPicPr>
-            <a:picLocks noChangeAspect="1"/>
-          </p:cNvPicPr>
-          <p:nvPr/>
-        </p:nvPicPr>
-        <p:blipFill>
-          <a:blip r:embed="rId4">
-            <a:extLst>
-              <a:ext uri="{28A0092B-C50C-407E-A947-70E740481C1C}">
-                <a14:useLocalDpi xmlns:a14="http://schemas.microsoft.com/office/drawing/2010/main" val="0"/>
-              </a:ext>
-            </a:extLst>
-          </a:blip>
-          <a:stretch>
-            <a:fillRect/>
-          </a:stretch>
-        </p:blipFill>
-        <p:spPr>
-          <a:xfrm>
-            <a:off x="10527016" y="5317138"/>
-            <a:ext cx="1265922" cy="1265922"/>
-          </a:xfrm>
-          <a:prstGeom prst="rect">
-            <a:avLst/>
-          </a:prstGeom>
-        </p:spPr>
-      </p:pic>
     </p:spTree>
     <p:extLst>
       <p:ext uri="{BB962C8B-B14F-4D97-AF65-F5344CB8AC3E}">
-        <p14:creationId xmlns:p14="http://schemas.microsoft.com/office/powerpoint/2010/main" val="4173852155"/>
+        <p14:creationId xmlns:p14="http://schemas.microsoft.com/office/powerpoint/2010/main" val="3379171089"/>
       </p:ext>
     </p:extLst>
   </p:cSld>
@@ -6077,8 +6138,8 @@
         </p:nvSpPr>
         <p:spPr>
           <a:xfrm>
-            <a:off x="172435" y="857360"/>
-            <a:ext cx="3912226" cy="707886"/>
+            <a:off x="172435" y="779426"/>
+            <a:ext cx="5200143" cy="707886"/>
           </a:xfrm>
           <a:prstGeom prst="rect">
             <a:avLst/>
@@ -6100,41 +6161,29 @@
                   </a:schemeClr>
                 </a:solidFill>
               </a:rPr>
-              <a:t>Git Terminologies</a:t>
+              <a:t>Advantages of using Git</a:t>
             </a:r>
           </a:p>
         </p:txBody>
       </p:sp>
       <p:pic>
         <p:nvPicPr>
-          <p:cNvPr id="9" name="Picture 8">
-            <a:extLst>
-              <a:ext uri="{FF2B5EF4-FFF2-40B4-BE49-F238E27FC236}">
-                <a16:creationId xmlns:a16="http://schemas.microsoft.com/office/drawing/2014/main" id="{0D40F1FB-7664-44D6-B653-2CF2EC4A3E57}"/>
-              </a:ext>
-            </a:extLst>
-          </p:cNvPr>
+          <p:cNvPr id="26" name="Picture 25"/>
           <p:cNvPicPr>
             <a:picLocks noChangeAspect="1"/>
           </p:cNvPicPr>
           <p:nvPr/>
         </p:nvPicPr>
         <p:blipFill>
-          <a:blip r:embed="rId3" cstate="print">
-            <a:extLst>
-              <a:ext uri="{28A0092B-C50C-407E-A947-70E740481C1C}">
-                <a14:useLocalDpi xmlns:a14="http://schemas.microsoft.com/office/drawing/2010/main" val="0"/>
-              </a:ext>
-            </a:extLst>
-          </a:blip>
+          <a:blip r:embed="rId3"/>
           <a:stretch>
             <a:fillRect/>
           </a:stretch>
         </p:blipFill>
         <p:spPr>
           <a:xfrm>
-            <a:off x="308803" y="5585936"/>
-            <a:ext cx="1098550" cy="1098550"/>
+            <a:off x="9445775" y="907901"/>
+            <a:ext cx="2347163" cy="3101609"/>
           </a:xfrm>
           <a:prstGeom prst="rect">
             <a:avLst/>
@@ -6143,10 +6192,10 @@
       </p:pic>
       <p:sp>
         <p:nvSpPr>
-          <p:cNvPr id="23" name="Rectangle 22">
-            <a:extLst>
-              <a:ext uri="{FF2B5EF4-FFF2-40B4-BE49-F238E27FC236}">
-                <a16:creationId xmlns:a16="http://schemas.microsoft.com/office/drawing/2014/main" id="{06253804-8DC0-47CE-A26B-FF8E53C8456F}"/>
+          <p:cNvPr id="22" name="Rectangle 21">
+            <a:extLst>
+              <a:ext uri="{FF2B5EF4-FFF2-40B4-BE49-F238E27FC236}">
+                <a16:creationId xmlns:a16="http://schemas.microsoft.com/office/drawing/2014/main" id="{40AD4F5D-555D-42E8-A4FA-0CF75DFA8D6F}"/>
               </a:ext>
             </a:extLst>
           </p:cNvPr>
@@ -6155,7 +6204,7 @@
         </p:nvSpPr>
         <p:spPr>
           <a:xfrm>
-            <a:off x="736371" y="1724100"/>
+            <a:off x="736371" y="2460700"/>
             <a:ext cx="4369029" cy="523220"/>
           </a:xfrm>
           <a:prstGeom prst="rect">
@@ -6176,17 +6225,17 @@
                   </a:schemeClr>
                 </a:solidFill>
               </a:rPr>
-              <a:t>Local Repository.</a:t>
-            </a:r>
-          </a:p>
-        </p:txBody>
-      </p:sp>
-      <p:sp>
-        <p:nvSpPr>
-          <p:cNvPr id="24" name="Flowchart: Connector 23">
-            <a:extLst>
-              <a:ext uri="{FF2B5EF4-FFF2-40B4-BE49-F238E27FC236}">
-                <a16:creationId xmlns:a16="http://schemas.microsoft.com/office/drawing/2014/main" id="{EB68DEF9-F42F-4022-95EE-3C0A06A88608}"/>
+              <a:t>It’s faster for branching.</a:t>
+            </a:r>
+          </a:p>
+        </p:txBody>
+      </p:sp>
+      <p:sp>
+        <p:nvSpPr>
+          <p:cNvPr id="23" name="Flowchart: Connector 22">
+            <a:extLst>
+              <a:ext uri="{FF2B5EF4-FFF2-40B4-BE49-F238E27FC236}">
+                <a16:creationId xmlns:a16="http://schemas.microsoft.com/office/drawing/2014/main" id="{E47F2897-2779-423E-8B0C-288477B604E4}"/>
               </a:ext>
             </a:extLst>
           </p:cNvPr>
@@ -6195,7 +6244,7 @@
         </p:nvSpPr>
         <p:spPr>
           <a:xfrm>
-            <a:off x="496161" y="1910516"/>
+            <a:off x="496161" y="2647116"/>
             <a:ext cx="190353" cy="174302"/>
           </a:xfrm>
           <a:prstGeom prst="flowChartConnector">
@@ -6238,10 +6287,10 @@
       </p:sp>
       <p:sp>
         <p:nvSpPr>
-          <p:cNvPr id="25" name="Rectangle 24">
-            <a:extLst>
-              <a:ext uri="{FF2B5EF4-FFF2-40B4-BE49-F238E27FC236}">
-                <a16:creationId xmlns:a16="http://schemas.microsoft.com/office/drawing/2014/main" id="{4D91222C-75DD-4EE9-9B91-66E20809E223}"/>
+          <p:cNvPr id="24" name="Rectangle 23">
+            <a:extLst>
+              <a:ext uri="{FF2B5EF4-FFF2-40B4-BE49-F238E27FC236}">
+                <a16:creationId xmlns:a16="http://schemas.microsoft.com/office/drawing/2014/main" id="{4612D7BD-38AD-4098-ACCD-560A6D4C870F}"/>
               </a:ext>
             </a:extLst>
           </p:cNvPr>
@@ -6250,8 +6299,8 @@
         </p:nvSpPr>
         <p:spPr>
           <a:xfrm>
-            <a:off x="749071" y="2479172"/>
-            <a:ext cx="7798029" cy="523220"/>
+            <a:off x="736371" y="3146969"/>
+            <a:ext cx="5664429" cy="523220"/>
           </a:xfrm>
           <a:prstGeom prst="rect">
             <a:avLst/>
@@ -6271,17 +6320,17 @@
                   </a:schemeClr>
                 </a:solidFill>
               </a:rPr>
-              <a:t>Working Directory and Staging Area or Index.</a:t>
-            </a:r>
-          </a:p>
-        </p:txBody>
-      </p:sp>
-      <p:sp>
-        <p:nvSpPr>
-          <p:cNvPr id="31" name="Flowchart: Connector 30">
-            <a:extLst>
-              <a:ext uri="{FF2B5EF4-FFF2-40B4-BE49-F238E27FC236}">
-                <a16:creationId xmlns:a16="http://schemas.microsoft.com/office/drawing/2014/main" id="{10D38AF6-FA36-41B9-A485-242D207AC522}"/>
+              <a:t>It is secure (SHA-1 cryptography).</a:t>
+            </a:r>
+          </a:p>
+        </p:txBody>
+      </p:sp>
+      <p:sp>
+        <p:nvSpPr>
+          <p:cNvPr id="25" name="Flowchart: Connector 24">
+            <a:extLst>
+              <a:ext uri="{FF2B5EF4-FFF2-40B4-BE49-F238E27FC236}">
+                <a16:creationId xmlns:a16="http://schemas.microsoft.com/office/drawing/2014/main" id="{80432FCC-0BDD-427B-A754-E82B5FF01E59}"/>
               </a:ext>
             </a:extLst>
           </p:cNvPr>
@@ -6290,7 +6339,7 @@
         </p:nvSpPr>
         <p:spPr>
           <a:xfrm>
-            <a:off x="508861" y="2665588"/>
+            <a:off x="496161" y="3333385"/>
             <a:ext cx="190353" cy="174302"/>
           </a:xfrm>
           <a:prstGeom prst="flowChartConnector">
@@ -6333,10 +6382,10 @@
       </p:sp>
       <p:sp>
         <p:nvSpPr>
-          <p:cNvPr id="10" name="Rectangle 9">
-            <a:extLst>
-              <a:ext uri="{FF2B5EF4-FFF2-40B4-BE49-F238E27FC236}">
-                <a16:creationId xmlns:a16="http://schemas.microsoft.com/office/drawing/2014/main" id="{76B355CD-6705-426F-BF20-B76EC41946D6}"/>
+          <p:cNvPr id="31" name="Rectangle 30">
+            <a:extLst>
+              <a:ext uri="{FF2B5EF4-FFF2-40B4-BE49-F238E27FC236}">
+                <a16:creationId xmlns:a16="http://schemas.microsoft.com/office/drawing/2014/main" id="{7F625E9F-C9B4-4C2F-9CF0-3A47DCCC40E4}"/>
               </a:ext>
             </a:extLst>
           </p:cNvPr>
@@ -6345,12 +6394,61 @@
         </p:nvSpPr>
         <p:spPr>
           <a:xfrm>
-            <a:off x="3721100" y="3161246"/>
-            <a:ext cx="4521200" cy="647700"/>
+            <a:off x="736371" y="3869008"/>
+            <a:ext cx="8407629" cy="523220"/>
           </a:xfrm>
           <a:prstGeom prst="rect">
             <a:avLst/>
           </a:prstGeom>
+        </p:spPr>
+        <p:txBody>
+          <a:bodyPr wrap="square">
+            <a:spAutoFit/>
+          </a:bodyPr>
+          <a:lstStyle/>
+          <a:p>
+            <a:r>
+              <a:rPr lang="en-CA" sz="2800" b="1" dirty="0">
+                <a:solidFill>
+                  <a:schemeClr val="accent1">
+                    <a:lumMod val="50000"/>
+                  </a:schemeClr>
+                </a:solidFill>
+              </a:rPr>
+              <a:t>Lightweight. (Doesn’t require a lot of processing power)</a:t>
+            </a:r>
+          </a:p>
+        </p:txBody>
+      </p:sp>
+      <p:sp>
+        <p:nvSpPr>
+          <p:cNvPr id="32" name="Flowchart: Connector 31">
+            <a:extLst>
+              <a:ext uri="{FF2B5EF4-FFF2-40B4-BE49-F238E27FC236}">
+                <a16:creationId xmlns:a16="http://schemas.microsoft.com/office/drawing/2014/main" id="{8824DF2B-C9ED-4BE7-B1F8-98D84B43D898}"/>
+              </a:ext>
+            </a:extLst>
+          </p:cNvPr>
+          <p:cNvSpPr/>
+          <p:nvPr/>
+        </p:nvSpPr>
+        <p:spPr>
+          <a:xfrm>
+            <a:off x="496161" y="4055424"/>
+            <a:ext cx="190353" cy="174302"/>
+          </a:xfrm>
+          <a:prstGeom prst="flowChartConnector">
+            <a:avLst/>
+          </a:prstGeom>
+          <a:solidFill>
+            <a:schemeClr val="accent4">
+              <a:lumMod val="60000"/>
+              <a:lumOff val="40000"/>
+            </a:schemeClr>
+          </a:solidFill>
+          <a:ln>
+            <a:noFill/>
+          </a:ln>
         </p:spPr>
         <p:style>
           <a:lnRef idx="2">
@@ -6373,19 +6471,16 @@
           <a:lstStyle/>
           <a:p>
             <a:pPr algn="ctr"/>
-            <a:r>
-              <a:rPr lang="en-CA" dirty="0"/>
-              <a:t>Working Directory</a:t>
-            </a:r>
-          </a:p>
-        </p:txBody>
-      </p:sp>
-      <p:sp>
-        <p:nvSpPr>
-          <p:cNvPr id="32" name="Rectangle 31">
-            <a:extLst>
-              <a:ext uri="{FF2B5EF4-FFF2-40B4-BE49-F238E27FC236}">
-                <a16:creationId xmlns:a16="http://schemas.microsoft.com/office/drawing/2014/main" id="{6F5CF91B-89C7-4237-BD37-A088AF4D322A}"/>
+            <a:endParaRPr lang="en-CA"/>
+          </a:p>
+        </p:txBody>
+      </p:sp>
+      <p:sp>
+        <p:nvSpPr>
+          <p:cNvPr id="33" name="Rectangle 32">
+            <a:extLst>
+              <a:ext uri="{FF2B5EF4-FFF2-40B4-BE49-F238E27FC236}">
+                <a16:creationId xmlns:a16="http://schemas.microsoft.com/office/drawing/2014/main" id="{909AA301-2854-4468-83A2-6D1B46D23440}"/>
               </a:ext>
             </a:extLst>
           </p:cNvPr>
@@ -6394,12 +6489,61 @@
         </p:nvSpPr>
         <p:spPr>
           <a:xfrm>
-            <a:off x="3721100" y="4457374"/>
-            <a:ext cx="4521200" cy="647700"/>
+            <a:off x="736371" y="4631018"/>
+            <a:ext cx="6261329" cy="523220"/>
           </a:xfrm>
           <a:prstGeom prst="rect">
             <a:avLst/>
           </a:prstGeom>
+        </p:spPr>
+        <p:txBody>
+          <a:bodyPr wrap="square">
+            <a:spAutoFit/>
+          </a:bodyPr>
+          <a:lstStyle/>
+          <a:p>
+            <a:r>
+              <a:rPr lang="en-CA" sz="2800" b="1" dirty="0">
+                <a:solidFill>
+                  <a:schemeClr val="accent1">
+                    <a:lumMod val="50000"/>
+                  </a:schemeClr>
+                </a:solidFill>
+              </a:rPr>
+              <a:t>Free and Open Source.</a:t>
+            </a:r>
+          </a:p>
+        </p:txBody>
+      </p:sp>
+      <p:sp>
+        <p:nvSpPr>
+          <p:cNvPr id="34" name="Flowchart: Connector 33">
+            <a:extLst>
+              <a:ext uri="{FF2B5EF4-FFF2-40B4-BE49-F238E27FC236}">
+                <a16:creationId xmlns:a16="http://schemas.microsoft.com/office/drawing/2014/main" id="{DD10713F-087F-4398-AA43-600E7124BE48}"/>
+              </a:ext>
+            </a:extLst>
+          </p:cNvPr>
+          <p:cNvSpPr/>
+          <p:nvPr/>
+        </p:nvSpPr>
+        <p:spPr>
+          <a:xfrm>
+            <a:off x="496161" y="4817434"/>
+            <a:ext cx="190353" cy="174302"/>
+          </a:xfrm>
+          <a:prstGeom prst="flowChartConnector">
+            <a:avLst/>
+          </a:prstGeom>
+          <a:solidFill>
+            <a:schemeClr val="accent4">
+              <a:lumMod val="60000"/>
+              <a:lumOff val="40000"/>
+            </a:schemeClr>
+          </a:solidFill>
+          <a:ln>
+            <a:noFill/>
+          </a:ln>
         </p:spPr>
         <p:style>
           <a:lnRef idx="2">
@@ -6422,232 +6566,50 @@
           <a:lstStyle/>
           <a:p>
             <a:pPr algn="ctr"/>
-            <a:r>
-              <a:rPr lang="en-CA" dirty="0"/>
-              <a:t>Staging Area</a:t>
-            </a:r>
-          </a:p>
-        </p:txBody>
-      </p:sp>
-      <p:sp>
-        <p:nvSpPr>
-          <p:cNvPr id="33" name="Rectangle 32">
-            <a:extLst>
-              <a:ext uri="{FF2B5EF4-FFF2-40B4-BE49-F238E27FC236}">
-                <a16:creationId xmlns:a16="http://schemas.microsoft.com/office/drawing/2014/main" id="{08092EF3-B96F-494F-85DB-3F44E43DC666}"/>
-              </a:ext>
-            </a:extLst>
-          </p:cNvPr>
-          <p:cNvSpPr/>
-          <p:nvPr/>
-        </p:nvSpPr>
-        <p:spPr>
-          <a:xfrm>
-            <a:off x="3721100" y="5753502"/>
-            <a:ext cx="4521200" cy="647700"/>
+            <a:endParaRPr lang="en-CA"/>
+          </a:p>
+        </p:txBody>
+      </p:sp>
+      <p:pic>
+        <p:nvPicPr>
+          <p:cNvPr id="35" name="Picture 34">
+            <a:extLst>
+              <a:ext uri="{FF2B5EF4-FFF2-40B4-BE49-F238E27FC236}">
+                <a16:creationId xmlns:a16="http://schemas.microsoft.com/office/drawing/2014/main" id="{B010624D-7F01-477A-885C-8B4B44CB1F58}"/>
+              </a:ext>
+            </a:extLst>
+          </p:cNvPr>
+          <p:cNvPicPr>
+            <a:picLocks noChangeAspect="1"/>
+          </p:cNvPicPr>
+          <p:nvPr/>
+        </p:nvPicPr>
+        <p:blipFill>
+          <a:blip r:embed="rId4">
+            <a:extLst>
+              <a:ext uri="{28A0092B-C50C-407E-A947-70E740481C1C}">
+                <a14:useLocalDpi xmlns:a14="http://schemas.microsoft.com/office/drawing/2010/main" val="0"/>
+              </a:ext>
+            </a:extLst>
+          </a:blip>
+          <a:stretch>
+            <a:fillRect/>
+          </a:stretch>
+        </p:blipFill>
+        <p:spPr>
+          <a:xfrm>
+            <a:off x="10527016" y="5317138"/>
+            <a:ext cx="1265922" cy="1265922"/>
           </a:xfrm>
           <a:prstGeom prst="rect">
             <a:avLst/>
           </a:prstGeom>
         </p:spPr>
-        <p:style>
-          <a:lnRef idx="2">
-            <a:schemeClr val="accent1">
-              <a:shade val="50000"/>
-            </a:schemeClr>
-          </a:lnRef>
-          <a:fillRef idx="1">
-            <a:schemeClr val="accent1"/>
-          </a:fillRef>
-          <a:effectRef idx="0">
-            <a:schemeClr val="accent1"/>
-          </a:effectRef>
-          <a:fontRef idx="minor">
-            <a:schemeClr val="lt1"/>
-          </a:fontRef>
-        </p:style>
-        <p:txBody>
-          <a:bodyPr rtlCol="0" anchor="ctr"/>
-          <a:lstStyle/>
-          <a:p>
-            <a:pPr algn="ctr"/>
-            <a:r>
-              <a:rPr lang="en-CA" dirty="0"/>
-              <a:t>Git Repository</a:t>
-            </a:r>
-          </a:p>
-        </p:txBody>
-      </p:sp>
-      <p:cxnSp>
-        <p:nvCxnSpPr>
-          <p:cNvPr id="12" name="Straight Arrow Connector 11">
-            <a:extLst>
-              <a:ext uri="{FF2B5EF4-FFF2-40B4-BE49-F238E27FC236}">
-                <a16:creationId xmlns:a16="http://schemas.microsoft.com/office/drawing/2014/main" id="{5AF18125-2067-45D0-B7A7-4FC9324BC85F}"/>
-              </a:ext>
-            </a:extLst>
-          </p:cNvPr>
-          <p:cNvCxnSpPr>
-            <a:stCxn id="10" idx="2"/>
-            <a:endCxn id="32" idx="0"/>
-          </p:cNvCxnSpPr>
-          <p:nvPr/>
-        </p:nvCxnSpPr>
-        <p:spPr>
-          <a:xfrm>
-            <a:off x="5981700" y="3808946"/>
-            <a:ext cx="0" cy="648428"/>
-          </a:xfrm>
-          <a:prstGeom prst="straightConnector1">
-            <a:avLst/>
-          </a:prstGeom>
-          <a:ln w="57150">
-            <a:tailEnd type="triangle"/>
-          </a:ln>
-        </p:spPr>
-        <p:style>
-          <a:lnRef idx="1">
-            <a:schemeClr val="accent1"/>
-          </a:lnRef>
-          <a:fillRef idx="0">
-            <a:schemeClr val="accent1"/>
-          </a:fillRef>
-          <a:effectRef idx="0">
-            <a:schemeClr val="accent1"/>
-          </a:effectRef>
-          <a:fontRef idx="minor">
-            <a:schemeClr val="tx1"/>
-          </a:fontRef>
-        </p:style>
-      </p:cxnSp>
-      <p:cxnSp>
-        <p:nvCxnSpPr>
-          <p:cNvPr id="16" name="Straight Arrow Connector 15">
-            <a:extLst>
-              <a:ext uri="{FF2B5EF4-FFF2-40B4-BE49-F238E27FC236}">
-                <a16:creationId xmlns:a16="http://schemas.microsoft.com/office/drawing/2014/main" id="{4AB261B6-D16A-406E-A553-A1F3C107FE14}"/>
-              </a:ext>
-            </a:extLst>
-          </p:cNvPr>
-          <p:cNvCxnSpPr>
-            <a:stCxn id="32" idx="2"/>
-            <a:endCxn id="33" idx="0"/>
-          </p:cNvCxnSpPr>
-          <p:nvPr/>
-        </p:nvCxnSpPr>
-        <p:spPr>
-          <a:xfrm>
-            <a:off x="5981700" y="5105074"/>
-            <a:ext cx="0" cy="648428"/>
-          </a:xfrm>
-          <a:prstGeom prst="straightConnector1">
-            <a:avLst/>
-          </a:prstGeom>
-          <a:ln w="57150">
-            <a:tailEnd type="triangle"/>
-          </a:ln>
-        </p:spPr>
-        <p:style>
-          <a:lnRef idx="1">
-            <a:schemeClr val="accent1"/>
-          </a:lnRef>
-          <a:fillRef idx="0">
-            <a:schemeClr val="accent1"/>
-          </a:fillRef>
-          <a:effectRef idx="0">
-            <a:schemeClr val="accent1"/>
-          </a:effectRef>
-          <a:fontRef idx="minor">
-            <a:schemeClr val="tx1"/>
-          </a:fontRef>
-        </p:style>
-      </p:cxnSp>
-      <p:sp>
-        <p:nvSpPr>
-          <p:cNvPr id="34" name="Rectangle 33">
-            <a:extLst>
-              <a:ext uri="{FF2B5EF4-FFF2-40B4-BE49-F238E27FC236}">
-                <a16:creationId xmlns:a16="http://schemas.microsoft.com/office/drawing/2014/main" id="{9B307C9A-7FC7-451A-BBA6-1B80DF95CBD3}"/>
-              </a:ext>
-            </a:extLst>
-          </p:cNvPr>
-          <p:cNvSpPr/>
-          <p:nvPr/>
-        </p:nvSpPr>
-        <p:spPr>
-          <a:xfrm>
-            <a:off x="6399109" y="3955534"/>
-            <a:ext cx="1932092" cy="369332"/>
-          </a:xfrm>
-          <a:prstGeom prst="rect">
-            <a:avLst/>
-          </a:prstGeom>
-        </p:spPr>
-        <p:txBody>
-          <a:bodyPr wrap="square">
-            <a:spAutoFit/>
-          </a:bodyPr>
-          <a:lstStyle/>
-          <a:p>
-            <a:r>
-              <a:rPr lang="en-CA" b="1" dirty="0">
-                <a:solidFill>
-                  <a:schemeClr val="accent1">
-                    <a:lumMod val="50000"/>
-                  </a:schemeClr>
-                </a:solidFill>
-              </a:rPr>
-              <a:t>Git add operation</a:t>
-            </a:r>
-            <a:endParaRPr lang="en-CA" dirty="0"/>
-          </a:p>
-        </p:txBody>
-      </p:sp>
-      <p:sp>
-        <p:nvSpPr>
-          <p:cNvPr id="36" name="Rectangle 35">
-            <a:extLst>
-              <a:ext uri="{FF2B5EF4-FFF2-40B4-BE49-F238E27FC236}">
-                <a16:creationId xmlns:a16="http://schemas.microsoft.com/office/drawing/2014/main" id="{29482AEE-34E4-476E-8BDC-15DD3801AB95}"/>
-              </a:ext>
-            </a:extLst>
-          </p:cNvPr>
-          <p:cNvSpPr/>
-          <p:nvPr/>
-        </p:nvSpPr>
-        <p:spPr>
-          <a:xfrm>
-            <a:off x="6399109" y="5237582"/>
-            <a:ext cx="2274992" cy="369332"/>
-          </a:xfrm>
-          <a:prstGeom prst="rect">
-            <a:avLst/>
-          </a:prstGeom>
-        </p:spPr>
-        <p:txBody>
-          <a:bodyPr wrap="square">
-            <a:spAutoFit/>
-          </a:bodyPr>
-          <a:lstStyle/>
-          <a:p>
-            <a:r>
-              <a:rPr lang="en-CA" b="1" dirty="0">
-                <a:solidFill>
-                  <a:schemeClr val="accent1">
-                    <a:lumMod val="50000"/>
-                  </a:schemeClr>
-                </a:solidFill>
-              </a:rPr>
-              <a:t>Git commit operation</a:t>
-            </a:r>
-            <a:endParaRPr lang="en-CA" dirty="0"/>
-          </a:p>
-        </p:txBody>
-      </p:sp>
+      </p:pic>
     </p:spTree>
     <p:extLst>
       <p:ext uri="{BB962C8B-B14F-4D97-AF65-F5344CB8AC3E}">
-        <p14:creationId xmlns:p14="http://schemas.microsoft.com/office/powerpoint/2010/main" val="3171775885"/>
+        <p14:creationId xmlns:p14="http://schemas.microsoft.com/office/powerpoint/2010/main" val="4173852155"/>
       </p:ext>
     </p:extLst>
   </p:cSld>
@@ -6683,7 +6645,7 @@
           <p:nvPr/>
         </p:nvPicPr>
         <p:blipFill>
-          <a:blip r:embed="rId3"/>
+          <a:blip r:embed="rId2"/>
           <a:stretch>
             <a:fillRect/>
           </a:stretch>
@@ -6752,8 +6714,8 @@
         </p:nvSpPr>
         <p:spPr>
           <a:xfrm>
-            <a:off x="172435" y="801464"/>
-            <a:ext cx="6298519" cy="584775"/>
+            <a:off x="172435" y="857360"/>
+            <a:ext cx="3912226" cy="707886"/>
           </a:xfrm>
           <a:prstGeom prst="rect">
             <a:avLst/>
@@ -6768,22 +6730,15 @@
           <a:p>
             <a:pPr algn="ctr"/>
             <a:r>
-              <a:rPr lang="en-CA" sz="3200" b="1" dirty="0">
+              <a:rPr lang="en-CA" sz="4000" b="1" dirty="0">
                 <a:solidFill>
                   <a:schemeClr val="accent1">
                     <a:lumMod val="50000"/>
                   </a:schemeClr>
                 </a:solidFill>
               </a:rPr>
-              <a:t>Git Terminologies / Representations</a:t>
-            </a:r>
-            <a:endParaRPr lang="en-CA" b="1" dirty="0">
-              <a:solidFill>
-                <a:schemeClr val="accent1">
-                  <a:lumMod val="50000"/>
-                </a:schemeClr>
-              </a:solidFill>
-            </a:endParaRPr>
+              <a:t>Git Terminologies</a:t>
+            </a:r>
           </a:p>
         </p:txBody>
       </p:sp>
@@ -6802,7 +6757,7 @@
           <p:nvPr/>
         </p:nvPicPr>
         <p:blipFill>
-          <a:blip r:embed="rId4" cstate="print">
+          <a:blip r:embed="rId3" cstate="print">
             <a:extLst>
               <a:ext uri="{28A0092B-C50C-407E-A947-70E740481C1C}">
                 <a14:useLocalDpi xmlns:a14="http://schemas.microsoft.com/office/drawing/2010/main" val="0"/>
@@ -6815,7 +6770,7 @@
         </p:blipFill>
         <p:spPr>
           <a:xfrm>
-            <a:off x="10926673" y="5654104"/>
+            <a:off x="308803" y="5585936"/>
             <a:ext cx="1098550" cy="1098550"/>
           </a:xfrm>
           <a:prstGeom prst="rect">
@@ -6837,8 +6792,8 @@
         </p:nvSpPr>
         <p:spPr>
           <a:xfrm>
-            <a:off x="736371" y="2181300"/>
-            <a:ext cx="2040697" cy="523220"/>
+            <a:off x="736371" y="1724100"/>
+            <a:ext cx="4369029" cy="523220"/>
           </a:xfrm>
           <a:prstGeom prst="rect">
             <a:avLst/>
@@ -6858,7 +6813,7 @@
                   </a:schemeClr>
                 </a:solidFill>
               </a:rPr>
-              <a:t>Tags</a:t>
+              <a:t>Local Repository.</a:t>
             </a:r>
           </a:p>
         </p:txBody>
@@ -6877,7 +6832,7 @@
         </p:nvSpPr>
         <p:spPr>
           <a:xfrm>
-            <a:off x="496161" y="2367716"/>
+            <a:off x="496161" y="1910516"/>
             <a:ext cx="190353" cy="174302"/>
           </a:xfrm>
           <a:prstGeom prst="flowChartConnector">
@@ -6920,10 +6875,10 @@
       </p:sp>
       <p:sp>
         <p:nvSpPr>
-          <p:cNvPr id="14" name="Rectangle 13">
-            <a:extLst>
-              <a:ext uri="{FF2B5EF4-FFF2-40B4-BE49-F238E27FC236}">
-                <a16:creationId xmlns:a16="http://schemas.microsoft.com/office/drawing/2014/main" id="{7163CFDA-4A97-49B7-941C-7882D90168B3}"/>
+          <p:cNvPr id="25" name="Rectangle 24">
+            <a:extLst>
+              <a:ext uri="{FF2B5EF4-FFF2-40B4-BE49-F238E27FC236}">
+                <a16:creationId xmlns:a16="http://schemas.microsoft.com/office/drawing/2014/main" id="{4D91222C-75DD-4EE9-9B91-66E20809E223}"/>
               </a:ext>
             </a:extLst>
           </p:cNvPr>
@@ -6932,8 +6887,8 @@
         </p:nvSpPr>
         <p:spPr>
           <a:xfrm>
-            <a:off x="736371" y="4434474"/>
-            <a:ext cx="2527529" cy="523220"/>
+            <a:off x="749071" y="2479172"/>
+            <a:ext cx="7798029" cy="523220"/>
           </a:xfrm>
           <a:prstGeom prst="rect">
             <a:avLst/>
@@ -6953,17 +6908,17 @@
                   </a:schemeClr>
                 </a:solidFill>
               </a:rPr>
-              <a:t>HEAD</a:t>
-            </a:r>
-          </a:p>
-        </p:txBody>
-      </p:sp>
-      <p:sp>
-        <p:nvSpPr>
-          <p:cNvPr id="15" name="Flowchart: Connector 14">
-            <a:extLst>
-              <a:ext uri="{FF2B5EF4-FFF2-40B4-BE49-F238E27FC236}">
-                <a16:creationId xmlns:a16="http://schemas.microsoft.com/office/drawing/2014/main" id="{54926CED-96DC-4BB2-89B7-66FAA6C4C894}"/>
+              <a:t>Working Directory and Staging Area or Index.</a:t>
+            </a:r>
+          </a:p>
+        </p:txBody>
+      </p:sp>
+      <p:sp>
+        <p:nvSpPr>
+          <p:cNvPr id="31" name="Flowchart: Connector 30">
+            <a:extLst>
+              <a:ext uri="{FF2B5EF4-FFF2-40B4-BE49-F238E27FC236}">
+                <a16:creationId xmlns:a16="http://schemas.microsoft.com/office/drawing/2014/main" id="{10D38AF6-FA36-41B9-A485-242D207AC522}"/>
               </a:ext>
             </a:extLst>
           </p:cNvPr>
@@ -6972,7 +6927,7 @@
         </p:nvSpPr>
         <p:spPr>
           <a:xfrm>
-            <a:off x="496161" y="4620890"/>
+            <a:off x="508861" y="2665588"/>
             <a:ext cx="190353" cy="174302"/>
           </a:xfrm>
           <a:prstGeom prst="flowChartConnector">
@@ -7013,111 +6968,26 @@
           </a:p>
         </p:txBody>
       </p:sp>
-      <p:pic>
-        <p:nvPicPr>
-          <p:cNvPr id="3" name="Picture 2">
-            <a:extLst>
-              <a:ext uri="{FF2B5EF4-FFF2-40B4-BE49-F238E27FC236}">
-                <a16:creationId xmlns:a16="http://schemas.microsoft.com/office/drawing/2014/main" id="{5C2F752E-DC57-45ED-A6E1-FF19CE19B487}"/>
-              </a:ext>
-            </a:extLst>
-          </p:cNvPr>
-          <p:cNvPicPr>
-            <a:picLocks noChangeAspect="1"/>
-          </p:cNvPicPr>
-          <p:nvPr/>
-        </p:nvPicPr>
-        <p:blipFill>
-          <a:blip r:embed="rId5">
-            <a:extLst>
-              <a:ext uri="{28A0092B-C50C-407E-A947-70E740481C1C}">
-                <a14:useLocalDpi xmlns:a14="http://schemas.microsoft.com/office/drawing/2010/main" val="0"/>
-              </a:ext>
-            </a:extLst>
-          </a:blip>
-          <a:stretch>
-            <a:fillRect/>
-          </a:stretch>
-        </p:blipFill>
-        <p:spPr>
-          <a:xfrm>
-            <a:off x="2777068" y="1311382"/>
-            <a:ext cx="7387771" cy="5546618"/>
+      <p:sp>
+        <p:nvSpPr>
+          <p:cNvPr id="10" name="Rectangle 9">
+            <a:extLst>
+              <a:ext uri="{FF2B5EF4-FFF2-40B4-BE49-F238E27FC236}">
+                <a16:creationId xmlns:a16="http://schemas.microsoft.com/office/drawing/2014/main" id="{76B355CD-6705-426F-BF20-B76EC41946D6}"/>
+              </a:ext>
+            </a:extLst>
+          </p:cNvPr>
+          <p:cNvSpPr/>
+          <p:nvPr/>
+        </p:nvSpPr>
+        <p:spPr>
+          <a:xfrm>
+            <a:off x="3721100" y="3161246"/>
+            <a:ext cx="4521200" cy="647700"/>
           </a:xfrm>
           <a:prstGeom prst="rect">
             <a:avLst/>
           </a:prstGeom>
-        </p:spPr>
-      </p:pic>
-      <p:sp>
-        <p:nvSpPr>
-          <p:cNvPr id="21" name="Rectangle 20">
-            <a:extLst>
-              <a:ext uri="{FF2B5EF4-FFF2-40B4-BE49-F238E27FC236}">
-                <a16:creationId xmlns:a16="http://schemas.microsoft.com/office/drawing/2014/main" id="{70970EAF-23A1-4E3E-BB4A-05910373311D}"/>
-              </a:ext>
-            </a:extLst>
-          </p:cNvPr>
-          <p:cNvSpPr/>
-          <p:nvPr/>
-        </p:nvSpPr>
-        <p:spPr>
-          <a:xfrm>
-            <a:off x="761771" y="2930351"/>
-            <a:ext cx="3111729" cy="523220"/>
-          </a:xfrm>
-          <a:prstGeom prst="rect">
-            <a:avLst/>
-          </a:prstGeom>
-        </p:spPr>
-        <p:txBody>
-          <a:bodyPr wrap="square">
-            <a:spAutoFit/>
-          </a:bodyPr>
-          <a:lstStyle/>
-          <a:p>
-            <a:r>
-              <a:rPr lang="en-CA" sz="2800" b="1" dirty="0">
-                <a:solidFill>
-                  <a:schemeClr val="accent1">
-                    <a:lumMod val="50000"/>
-                  </a:schemeClr>
-                </a:solidFill>
-              </a:rPr>
-              <a:t>Commits</a:t>
-            </a:r>
-          </a:p>
-        </p:txBody>
-      </p:sp>
-      <p:sp>
-        <p:nvSpPr>
-          <p:cNvPr id="22" name="Flowchart: Connector 21">
-            <a:extLst>
-              <a:ext uri="{FF2B5EF4-FFF2-40B4-BE49-F238E27FC236}">
-                <a16:creationId xmlns:a16="http://schemas.microsoft.com/office/drawing/2014/main" id="{D22C18F5-4F15-4070-827B-FAF0E79491E9}"/>
-              </a:ext>
-            </a:extLst>
-          </p:cNvPr>
-          <p:cNvSpPr/>
-          <p:nvPr/>
-        </p:nvSpPr>
-        <p:spPr>
-          <a:xfrm>
-            <a:off x="521561" y="3116767"/>
-            <a:ext cx="190353" cy="174302"/>
-          </a:xfrm>
-          <a:prstGeom prst="flowChartConnector">
-            <a:avLst/>
-          </a:prstGeom>
-          <a:solidFill>
-            <a:schemeClr val="accent4">
-              <a:lumMod val="60000"/>
-              <a:lumOff val="40000"/>
-            </a:schemeClr>
-          </a:solidFill>
-          <a:ln>
-            <a:noFill/>
-          </a:ln>
         </p:spPr>
         <p:style>
           <a:lnRef idx="2">
@@ -7140,16 +7010,19 @@
           <a:lstStyle/>
           <a:p>
             <a:pPr algn="ctr"/>
-            <a:endParaRPr lang="en-CA"/>
-          </a:p>
-        </p:txBody>
-      </p:sp>
-      <p:sp>
-        <p:nvSpPr>
-          <p:cNvPr id="26" name="Rectangle 25">
-            <a:extLst>
-              <a:ext uri="{FF2B5EF4-FFF2-40B4-BE49-F238E27FC236}">
-                <a16:creationId xmlns:a16="http://schemas.microsoft.com/office/drawing/2014/main" id="{FA247C39-CD90-491F-A298-5606A6EBA2C5}"/>
+            <a:r>
+              <a:rPr lang="en-CA" dirty="0"/>
+              <a:t>Working Directory</a:t>
+            </a:r>
+          </a:p>
+        </p:txBody>
+      </p:sp>
+      <p:sp>
+        <p:nvSpPr>
+          <p:cNvPr id="32" name="Rectangle 31">
+            <a:extLst>
+              <a:ext uri="{FF2B5EF4-FFF2-40B4-BE49-F238E27FC236}">
+                <a16:creationId xmlns:a16="http://schemas.microsoft.com/office/drawing/2014/main" id="{6F5CF91B-89C7-4237-BD37-A088AF4D322A}"/>
               </a:ext>
             </a:extLst>
           </p:cNvPr>
@@ -7158,61 +7031,12 @@
         </p:nvSpPr>
         <p:spPr>
           <a:xfrm>
-            <a:off x="749071" y="3685423"/>
-            <a:ext cx="2527529" cy="523220"/>
+            <a:off x="3721100" y="4457374"/>
+            <a:ext cx="4521200" cy="647700"/>
           </a:xfrm>
           <a:prstGeom prst="rect">
             <a:avLst/>
           </a:prstGeom>
-        </p:spPr>
-        <p:txBody>
-          <a:bodyPr wrap="square">
-            <a:spAutoFit/>
-          </a:bodyPr>
-          <a:lstStyle/>
-          <a:p>
-            <a:r>
-              <a:rPr lang="en-CA" sz="2800" b="1" dirty="0">
-                <a:solidFill>
-                  <a:schemeClr val="accent1">
-                    <a:lumMod val="50000"/>
-                  </a:schemeClr>
-                </a:solidFill>
-              </a:rPr>
-              <a:t>Branches</a:t>
-            </a:r>
-          </a:p>
-        </p:txBody>
-      </p:sp>
-      <p:sp>
-        <p:nvSpPr>
-          <p:cNvPr id="27" name="Flowchart: Connector 26">
-            <a:extLst>
-              <a:ext uri="{FF2B5EF4-FFF2-40B4-BE49-F238E27FC236}">
-                <a16:creationId xmlns:a16="http://schemas.microsoft.com/office/drawing/2014/main" id="{E002EDF9-1EA5-4F98-B2BD-DD56DC5E6BF7}"/>
-              </a:ext>
-            </a:extLst>
-          </p:cNvPr>
-          <p:cNvSpPr/>
-          <p:nvPr/>
-        </p:nvSpPr>
-        <p:spPr>
-          <a:xfrm>
-            <a:off x="508861" y="3871839"/>
-            <a:ext cx="190353" cy="174302"/>
-          </a:xfrm>
-          <a:prstGeom prst="flowChartConnector">
-            <a:avLst/>
-          </a:prstGeom>
-          <a:solidFill>
-            <a:schemeClr val="accent4">
-              <a:lumMod val="60000"/>
-              <a:lumOff val="40000"/>
-            </a:schemeClr>
-          </a:solidFill>
-          <a:ln>
-            <a:noFill/>
-          </a:ln>
         </p:spPr>
         <p:style>
           <a:lnRef idx="2">
@@ -7235,16 +7059,19 @@
           <a:lstStyle/>
           <a:p>
             <a:pPr algn="ctr"/>
-            <a:endParaRPr lang="en-CA"/>
-          </a:p>
-        </p:txBody>
-      </p:sp>
-      <p:sp>
-        <p:nvSpPr>
-          <p:cNvPr id="28" name="Rectangle 27">
-            <a:extLst>
-              <a:ext uri="{FF2B5EF4-FFF2-40B4-BE49-F238E27FC236}">
-                <a16:creationId xmlns:a16="http://schemas.microsoft.com/office/drawing/2014/main" id="{F71101DD-5D2A-4E5D-B1D6-D5CAA470FE7D}"/>
+            <a:r>
+              <a:rPr lang="en-CA" dirty="0"/>
+              <a:t>Staging Area</a:t>
+            </a:r>
+          </a:p>
+        </p:txBody>
+      </p:sp>
+      <p:sp>
+        <p:nvSpPr>
+          <p:cNvPr id="33" name="Rectangle 32">
+            <a:extLst>
+              <a:ext uri="{FF2B5EF4-FFF2-40B4-BE49-F238E27FC236}">
+                <a16:creationId xmlns:a16="http://schemas.microsoft.com/office/drawing/2014/main" id="{08092EF3-B96F-494F-85DB-3F44E43DC666}"/>
               </a:ext>
             </a:extLst>
           </p:cNvPr>
@@ -7253,61 +7080,12 @@
         </p:nvSpPr>
         <p:spPr>
           <a:xfrm>
-            <a:off x="761771" y="5183525"/>
-            <a:ext cx="2527529" cy="523220"/>
+            <a:off x="3721100" y="5753502"/>
+            <a:ext cx="4521200" cy="647700"/>
           </a:xfrm>
           <a:prstGeom prst="rect">
             <a:avLst/>
           </a:prstGeom>
-        </p:spPr>
-        <p:txBody>
-          <a:bodyPr wrap="square">
-            <a:spAutoFit/>
-          </a:bodyPr>
-          <a:lstStyle/>
-          <a:p>
-            <a:r>
-              <a:rPr lang="en-CA" sz="2800" b="1" dirty="0">
-                <a:solidFill>
-                  <a:schemeClr val="accent1">
-                    <a:lumMod val="50000"/>
-                  </a:schemeClr>
-                </a:solidFill>
-              </a:rPr>
-              <a:t>Master / Trunk</a:t>
-            </a:r>
-          </a:p>
-        </p:txBody>
-      </p:sp>
-      <p:sp>
-        <p:nvSpPr>
-          <p:cNvPr id="29" name="Flowchart: Connector 28">
-            <a:extLst>
-              <a:ext uri="{FF2B5EF4-FFF2-40B4-BE49-F238E27FC236}">
-                <a16:creationId xmlns:a16="http://schemas.microsoft.com/office/drawing/2014/main" id="{33729FC6-5791-49C1-B7A6-599BA3AD14DB}"/>
-              </a:ext>
-            </a:extLst>
-          </p:cNvPr>
-          <p:cNvSpPr/>
-          <p:nvPr/>
-        </p:nvSpPr>
-        <p:spPr>
-          <a:xfrm>
-            <a:off x="521561" y="5369941"/>
-            <a:ext cx="190353" cy="174302"/>
-          </a:xfrm>
-          <a:prstGeom prst="flowChartConnector">
-            <a:avLst/>
-          </a:prstGeom>
-          <a:solidFill>
-            <a:schemeClr val="accent4">
-              <a:lumMod val="60000"/>
-              <a:lumOff val="40000"/>
-            </a:schemeClr>
-          </a:solidFill>
-          <a:ln>
-            <a:noFill/>
-          </a:ln>
         </p:spPr>
         <p:style>
           <a:lnRef idx="2">
@@ -7330,16 +7108,103 @@
           <a:lstStyle/>
           <a:p>
             <a:pPr algn="ctr"/>
-            <a:endParaRPr lang="en-CA"/>
-          </a:p>
-        </p:txBody>
-      </p:sp>
-      <p:sp>
-        <p:nvSpPr>
-          <p:cNvPr id="30" name="Rectangle 29">
-            <a:extLst>
-              <a:ext uri="{FF2B5EF4-FFF2-40B4-BE49-F238E27FC236}">
-                <a16:creationId xmlns:a16="http://schemas.microsoft.com/office/drawing/2014/main" id="{2E701AED-7318-483E-AA4A-84886EA14E31}"/>
+            <a:r>
+              <a:rPr lang="en-CA" dirty="0"/>
+              <a:t>Git Repository</a:t>
+            </a:r>
+          </a:p>
+        </p:txBody>
+      </p:sp>
+      <p:cxnSp>
+        <p:nvCxnSpPr>
+          <p:cNvPr id="12" name="Straight Arrow Connector 11">
+            <a:extLst>
+              <a:ext uri="{FF2B5EF4-FFF2-40B4-BE49-F238E27FC236}">
+                <a16:creationId xmlns:a16="http://schemas.microsoft.com/office/drawing/2014/main" id="{5AF18125-2067-45D0-B7A7-4FC9324BC85F}"/>
+              </a:ext>
+            </a:extLst>
+          </p:cNvPr>
+          <p:cNvCxnSpPr>
+            <a:stCxn id="10" idx="2"/>
+            <a:endCxn id="32" idx="0"/>
+          </p:cNvCxnSpPr>
+          <p:nvPr/>
+        </p:nvCxnSpPr>
+        <p:spPr>
+          <a:xfrm>
+            <a:off x="5981700" y="3808946"/>
+            <a:ext cx="0" cy="648428"/>
+          </a:xfrm>
+          <a:prstGeom prst="straightConnector1">
+            <a:avLst/>
+          </a:prstGeom>
+          <a:ln w="57150">
+            <a:tailEnd type="triangle"/>
+          </a:ln>
+        </p:spPr>
+        <p:style>
+          <a:lnRef idx="1">
+            <a:schemeClr val="accent1"/>
+          </a:lnRef>
+          <a:fillRef idx="0">
+            <a:schemeClr val="accent1"/>
+          </a:fillRef>
+          <a:effectRef idx="0">
+            <a:schemeClr val="accent1"/>
+          </a:effectRef>
+          <a:fontRef idx="minor">
+            <a:schemeClr val="tx1"/>
+          </a:fontRef>
+        </p:style>
+      </p:cxnSp>
+      <p:cxnSp>
+        <p:nvCxnSpPr>
+          <p:cNvPr id="16" name="Straight Arrow Connector 15">
+            <a:extLst>
+              <a:ext uri="{FF2B5EF4-FFF2-40B4-BE49-F238E27FC236}">
+                <a16:creationId xmlns:a16="http://schemas.microsoft.com/office/drawing/2014/main" id="{4AB261B6-D16A-406E-A553-A1F3C107FE14}"/>
+              </a:ext>
+            </a:extLst>
+          </p:cNvPr>
+          <p:cNvCxnSpPr>
+            <a:stCxn id="32" idx="2"/>
+            <a:endCxn id="33" idx="0"/>
+          </p:cNvCxnSpPr>
+          <p:nvPr/>
+        </p:nvCxnSpPr>
+        <p:spPr>
+          <a:xfrm>
+            <a:off x="5981700" y="5105074"/>
+            <a:ext cx="0" cy="648428"/>
+          </a:xfrm>
+          <a:prstGeom prst="straightConnector1">
+            <a:avLst/>
+          </a:prstGeom>
+          <a:ln w="57150">
+            <a:tailEnd type="triangle"/>
+          </a:ln>
+        </p:spPr>
+        <p:style>
+          <a:lnRef idx="1">
+            <a:schemeClr val="accent1"/>
+          </a:lnRef>
+          <a:fillRef idx="0">
+            <a:schemeClr val="accent1"/>
+          </a:fillRef>
+          <a:effectRef idx="0">
+            <a:schemeClr val="accent1"/>
+          </a:effectRef>
+          <a:fontRef idx="minor">
+            <a:schemeClr val="tx1"/>
+          </a:fontRef>
+        </p:style>
+      </p:cxnSp>
+      <p:sp>
+        <p:nvSpPr>
+          <p:cNvPr id="34" name="Rectangle 33">
+            <a:extLst>
+              <a:ext uri="{FF2B5EF4-FFF2-40B4-BE49-F238E27FC236}">
+                <a16:creationId xmlns:a16="http://schemas.microsoft.com/office/drawing/2014/main" id="{9B307C9A-7FC7-451A-BBA6-1B80DF95CBD3}"/>
               </a:ext>
             </a:extLst>
           </p:cNvPr>
@@ -7348,8 +7213,8 @@
         </p:nvSpPr>
         <p:spPr>
           <a:xfrm>
-            <a:off x="763396" y="5932576"/>
-            <a:ext cx="2527529" cy="523220"/>
+            <a:off x="6399109" y="3955534"/>
+            <a:ext cx="1932092" cy="369332"/>
           </a:xfrm>
           <a:prstGeom prst="rect">
             <a:avLst/>
@@ -7362,24 +7227,25 @@
           <a:lstStyle/>
           <a:p>
             <a:r>
-              <a:rPr lang="en-CA" sz="2800" b="1" dirty="0">
+              <a:rPr lang="en-CA" b="1" dirty="0">
                 <a:solidFill>
                   <a:schemeClr val="accent1">
                     <a:lumMod val="50000"/>
                   </a:schemeClr>
                 </a:solidFill>
               </a:rPr>
-              <a:t>Merge</a:t>
-            </a:r>
-          </a:p>
-        </p:txBody>
-      </p:sp>
-      <p:sp>
-        <p:nvSpPr>
-          <p:cNvPr id="32" name="Flowchart: Connector 31">
-            <a:extLst>
-              <a:ext uri="{FF2B5EF4-FFF2-40B4-BE49-F238E27FC236}">
-                <a16:creationId xmlns:a16="http://schemas.microsoft.com/office/drawing/2014/main" id="{3348BED3-706F-4832-B978-6FBE125EAB3F}"/>
+              <a:t>Git add operation</a:t>
+            </a:r>
+            <a:endParaRPr lang="en-CA" dirty="0"/>
+          </a:p>
+        </p:txBody>
+      </p:sp>
+      <p:sp>
+        <p:nvSpPr>
+          <p:cNvPr id="36" name="Rectangle 35">
+            <a:extLst>
+              <a:ext uri="{FF2B5EF4-FFF2-40B4-BE49-F238E27FC236}">
+                <a16:creationId xmlns:a16="http://schemas.microsoft.com/office/drawing/2014/main" id="{29482AEE-34E4-476E-8BDC-15DD3801AB95}"/>
               </a:ext>
             </a:extLst>
           </p:cNvPr>
@@ -7388,51 +7254,37 @@
         </p:nvSpPr>
         <p:spPr>
           <a:xfrm>
-            <a:off x="523186" y="6118992"/>
-            <a:ext cx="190353" cy="174302"/>
-          </a:xfrm>
-          <a:prstGeom prst="flowChartConnector">
-            <a:avLst/>
-          </a:prstGeom>
-          <a:solidFill>
-            <a:schemeClr val="accent4">
-              <a:lumMod val="60000"/>
-              <a:lumOff val="40000"/>
-            </a:schemeClr>
-          </a:solidFill>
-          <a:ln>
-            <a:noFill/>
-          </a:ln>
-        </p:spPr>
-        <p:style>
-          <a:lnRef idx="2">
-            <a:schemeClr val="accent1">
-              <a:shade val="50000"/>
-            </a:schemeClr>
-          </a:lnRef>
-          <a:fillRef idx="1">
-            <a:schemeClr val="accent1"/>
-          </a:fillRef>
-          <a:effectRef idx="0">
-            <a:schemeClr val="accent1"/>
-          </a:effectRef>
-          <a:fontRef idx="minor">
-            <a:schemeClr val="lt1"/>
-          </a:fontRef>
-        </p:style>
-        <p:txBody>
-          <a:bodyPr rtlCol="0" anchor="ctr"/>
-          <a:lstStyle/>
-          <a:p>
-            <a:pPr algn="ctr"/>
-            <a:endParaRPr lang="en-CA"/>
+            <a:off x="6399109" y="5237582"/>
+            <a:ext cx="2274992" cy="369332"/>
+          </a:xfrm>
+          <a:prstGeom prst="rect">
+            <a:avLst/>
+          </a:prstGeom>
+        </p:spPr>
+        <p:txBody>
+          <a:bodyPr wrap="square">
+            <a:spAutoFit/>
+          </a:bodyPr>
+          <a:lstStyle/>
+          <a:p>
+            <a:r>
+              <a:rPr lang="en-CA" b="1" dirty="0">
+                <a:solidFill>
+                  <a:schemeClr val="accent1">
+                    <a:lumMod val="50000"/>
+                  </a:schemeClr>
+                </a:solidFill>
+              </a:rPr>
+              <a:t>Git commit operation</a:t>
+            </a:r>
+            <a:endParaRPr lang="en-CA" dirty="0"/>
           </a:p>
         </p:txBody>
       </p:sp>
     </p:spTree>
     <p:extLst>
       <p:ext uri="{BB962C8B-B14F-4D97-AF65-F5344CB8AC3E}">
-        <p14:creationId xmlns:p14="http://schemas.microsoft.com/office/powerpoint/2010/main" val="2251672614"/>
+        <p14:creationId xmlns:p14="http://schemas.microsoft.com/office/powerpoint/2010/main" val="3171775885"/>
       </p:ext>
     </p:extLst>
   </p:cSld>
@@ -7537,8 +7389,8 @@
         </p:nvSpPr>
         <p:spPr>
           <a:xfrm>
-            <a:off x="251088" y="777438"/>
-            <a:ext cx="6025624" cy="707886"/>
+            <a:off x="172435" y="801464"/>
+            <a:ext cx="6298519" cy="584775"/>
           </a:xfrm>
           <a:prstGeom prst="rect">
             <a:avLst/>
@@ -7553,15 +7405,22 @@
           <a:p>
             <a:pPr algn="ctr"/>
             <a:r>
-              <a:rPr lang="en-CA" sz="4000" b="1" dirty="0">
+              <a:rPr lang="en-CA" sz="3200" b="1" dirty="0">
                 <a:solidFill>
                   <a:schemeClr val="accent1">
                     <a:lumMod val="50000"/>
                   </a:schemeClr>
                 </a:solidFill>
               </a:rPr>
-              <a:t>Git Terminologies / Remote</a:t>
-            </a:r>
+              <a:t>Git Terminologies / Representations</a:t>
+            </a:r>
+            <a:endParaRPr lang="en-CA" b="1" dirty="0">
+              <a:solidFill>
+                <a:schemeClr val="accent1">
+                  <a:lumMod val="50000"/>
+                </a:schemeClr>
+              </a:solidFill>
+            </a:endParaRPr>
           </a:p>
         </p:txBody>
       </p:sp>
@@ -7593,7 +7452,7 @@
         </p:blipFill>
         <p:spPr>
           <a:xfrm>
-            <a:off x="10765411" y="824882"/>
+            <a:off x="10926673" y="5654104"/>
             <a:ext cx="1098550" cy="1098550"/>
           </a:xfrm>
           <a:prstGeom prst="rect">
@@ -7603,10 +7462,10 @@
       </p:pic>
       <p:sp>
         <p:nvSpPr>
-          <p:cNvPr id="21" name="Rectangle 20">
-            <a:extLst>
-              <a:ext uri="{FF2B5EF4-FFF2-40B4-BE49-F238E27FC236}">
-                <a16:creationId xmlns:a16="http://schemas.microsoft.com/office/drawing/2014/main" id="{0495A8BA-3199-4EF2-B4B2-7B2663CCFFFA}"/>
+          <p:cNvPr id="23" name="Rectangle 22">
+            <a:extLst>
+              <a:ext uri="{FF2B5EF4-FFF2-40B4-BE49-F238E27FC236}">
+                <a16:creationId xmlns:a16="http://schemas.microsoft.com/office/drawing/2014/main" id="{06253804-8DC0-47CE-A26B-FF8E53C8456F}"/>
               </a:ext>
             </a:extLst>
           </p:cNvPr>
@@ -7615,8 +7474,8 @@
         </p:nvSpPr>
         <p:spPr>
           <a:xfrm>
-            <a:off x="749071" y="4139797"/>
-            <a:ext cx="1879829" cy="523220"/>
+            <a:off x="736371" y="2181300"/>
+            <a:ext cx="2040697" cy="523220"/>
           </a:xfrm>
           <a:prstGeom prst="rect">
             <a:avLst/>
@@ -7636,17 +7495,17 @@
                   </a:schemeClr>
                 </a:solidFill>
               </a:rPr>
-              <a:t>Clone</a:t>
-            </a:r>
-          </a:p>
-        </p:txBody>
-      </p:sp>
-      <p:sp>
-        <p:nvSpPr>
-          <p:cNvPr id="22" name="Flowchart: Connector 21">
-            <a:extLst>
-              <a:ext uri="{FF2B5EF4-FFF2-40B4-BE49-F238E27FC236}">
-                <a16:creationId xmlns:a16="http://schemas.microsoft.com/office/drawing/2014/main" id="{13347C43-8B26-46DB-BE79-D9F243D7D4F7}"/>
+              <a:t>Tags</a:t>
+            </a:r>
+          </a:p>
+        </p:txBody>
+      </p:sp>
+      <p:sp>
+        <p:nvSpPr>
+          <p:cNvPr id="24" name="Flowchart: Connector 23">
+            <a:extLst>
+              <a:ext uri="{FF2B5EF4-FFF2-40B4-BE49-F238E27FC236}">
+                <a16:creationId xmlns:a16="http://schemas.microsoft.com/office/drawing/2014/main" id="{EB68DEF9-F42F-4022-95EE-3C0A06A88608}"/>
               </a:ext>
             </a:extLst>
           </p:cNvPr>
@@ -7655,7 +7514,7 @@
         </p:nvSpPr>
         <p:spPr>
           <a:xfrm>
-            <a:off x="508861" y="4326213"/>
+            <a:off x="496161" y="2367716"/>
             <a:ext cx="190353" cy="174302"/>
           </a:xfrm>
           <a:prstGeom prst="flowChartConnector">
@@ -7698,10 +7557,10 @@
       </p:sp>
       <p:sp>
         <p:nvSpPr>
-          <p:cNvPr id="39" name="Rectangle 38">
-            <a:extLst>
-              <a:ext uri="{FF2B5EF4-FFF2-40B4-BE49-F238E27FC236}">
-                <a16:creationId xmlns:a16="http://schemas.microsoft.com/office/drawing/2014/main" id="{E817FEE5-2B41-4D04-9D8C-AEE724A86E3C}"/>
+          <p:cNvPr id="14" name="Rectangle 13">
+            <a:extLst>
+              <a:ext uri="{FF2B5EF4-FFF2-40B4-BE49-F238E27FC236}">
+                <a16:creationId xmlns:a16="http://schemas.microsoft.com/office/drawing/2014/main" id="{7163CFDA-4A97-49B7-941C-7882D90168B3}"/>
               </a:ext>
             </a:extLst>
           </p:cNvPr>
@@ -7710,8 +7569,8 @@
         </p:nvSpPr>
         <p:spPr>
           <a:xfrm>
-            <a:off x="749071" y="2652548"/>
-            <a:ext cx="3111729" cy="523220"/>
+            <a:off x="736371" y="4434474"/>
+            <a:ext cx="2527529" cy="523220"/>
           </a:xfrm>
           <a:prstGeom prst="rect">
             <a:avLst/>
@@ -7731,17 +7590,17 @@
                   </a:schemeClr>
                 </a:solidFill>
               </a:rPr>
-              <a:t>Pull</a:t>
-            </a:r>
-          </a:p>
-        </p:txBody>
-      </p:sp>
-      <p:sp>
-        <p:nvSpPr>
-          <p:cNvPr id="40" name="Flowchart: Connector 39">
-            <a:extLst>
-              <a:ext uri="{FF2B5EF4-FFF2-40B4-BE49-F238E27FC236}">
-                <a16:creationId xmlns:a16="http://schemas.microsoft.com/office/drawing/2014/main" id="{86EBFED9-86F5-44A6-AAA1-196A7ED99DE0}"/>
+              <a:t>HEAD</a:t>
+            </a:r>
+          </a:p>
+        </p:txBody>
+      </p:sp>
+      <p:sp>
+        <p:nvSpPr>
+          <p:cNvPr id="15" name="Flowchart: Connector 14">
+            <a:extLst>
+              <a:ext uri="{FF2B5EF4-FFF2-40B4-BE49-F238E27FC236}">
+                <a16:creationId xmlns:a16="http://schemas.microsoft.com/office/drawing/2014/main" id="{54926CED-96DC-4BB2-89B7-66FAA6C4C894}"/>
               </a:ext>
             </a:extLst>
           </p:cNvPr>
@@ -7750,7 +7609,7 @@
         </p:nvSpPr>
         <p:spPr>
           <a:xfrm>
-            <a:off x="508861" y="2838964"/>
+            <a:off x="496161" y="4620890"/>
             <a:ext cx="190353" cy="174302"/>
           </a:xfrm>
           <a:prstGeom prst="flowChartConnector">
@@ -7791,12 +7650,48 @@
           </a:p>
         </p:txBody>
       </p:sp>
-      <p:sp>
-        <p:nvSpPr>
-          <p:cNvPr id="41" name="Rectangle 40">
-            <a:extLst>
-              <a:ext uri="{FF2B5EF4-FFF2-40B4-BE49-F238E27FC236}">
-                <a16:creationId xmlns:a16="http://schemas.microsoft.com/office/drawing/2014/main" id="{918D817C-6B2C-4BD5-A0E8-D96D5859C24B}"/>
+      <p:pic>
+        <p:nvPicPr>
+          <p:cNvPr id="3" name="Picture 2">
+            <a:extLst>
+              <a:ext uri="{FF2B5EF4-FFF2-40B4-BE49-F238E27FC236}">
+                <a16:creationId xmlns:a16="http://schemas.microsoft.com/office/drawing/2014/main" id="{5C2F752E-DC57-45ED-A6E1-FF19CE19B487}"/>
+              </a:ext>
+            </a:extLst>
+          </p:cNvPr>
+          <p:cNvPicPr>
+            <a:picLocks noChangeAspect="1"/>
+          </p:cNvPicPr>
+          <p:nvPr/>
+        </p:nvPicPr>
+        <p:blipFill>
+          <a:blip r:embed="rId5">
+            <a:extLst>
+              <a:ext uri="{28A0092B-C50C-407E-A947-70E740481C1C}">
+                <a14:useLocalDpi xmlns:a14="http://schemas.microsoft.com/office/drawing/2010/main" val="0"/>
+              </a:ext>
+            </a:extLst>
+          </a:blip>
+          <a:stretch>
+            <a:fillRect/>
+          </a:stretch>
+        </p:blipFill>
+        <p:spPr>
+          <a:xfrm>
+            <a:off x="2777068" y="1311382"/>
+            <a:ext cx="7387771" cy="5546618"/>
+          </a:xfrm>
+          <a:prstGeom prst="rect">
+            <a:avLst/>
+          </a:prstGeom>
+        </p:spPr>
+      </p:pic>
+      <p:sp>
+        <p:nvSpPr>
+          <p:cNvPr id="21" name="Rectangle 20">
+            <a:extLst>
+              <a:ext uri="{FF2B5EF4-FFF2-40B4-BE49-F238E27FC236}">
+                <a16:creationId xmlns:a16="http://schemas.microsoft.com/office/drawing/2014/main" id="{70970EAF-23A1-4E3E-BB4A-05910373311D}"/>
               </a:ext>
             </a:extLst>
           </p:cNvPr>
@@ -7805,8 +7700,8 @@
         </p:nvSpPr>
         <p:spPr>
           <a:xfrm>
-            <a:off x="736371" y="3407620"/>
-            <a:ext cx="2527529" cy="523220"/>
+            <a:off x="761771" y="2930351"/>
+            <a:ext cx="3111729" cy="523220"/>
           </a:xfrm>
           <a:prstGeom prst="rect">
             <a:avLst/>
@@ -7826,17 +7721,17 @@
                   </a:schemeClr>
                 </a:solidFill>
               </a:rPr>
-              <a:t>Push</a:t>
-            </a:r>
-          </a:p>
-        </p:txBody>
-      </p:sp>
-      <p:sp>
-        <p:nvSpPr>
-          <p:cNvPr id="42" name="Flowchart: Connector 41">
-            <a:extLst>
-              <a:ext uri="{FF2B5EF4-FFF2-40B4-BE49-F238E27FC236}">
-                <a16:creationId xmlns:a16="http://schemas.microsoft.com/office/drawing/2014/main" id="{9695BDA1-B460-4DE4-B6E8-36A1DCDB432B}"/>
+              <a:t>Commits</a:t>
+            </a:r>
+          </a:p>
+        </p:txBody>
+      </p:sp>
+      <p:sp>
+        <p:nvSpPr>
+          <p:cNvPr id="22" name="Flowchart: Connector 21">
+            <a:extLst>
+              <a:ext uri="{FF2B5EF4-FFF2-40B4-BE49-F238E27FC236}">
+                <a16:creationId xmlns:a16="http://schemas.microsoft.com/office/drawing/2014/main" id="{D22C18F5-4F15-4070-827B-FAF0E79491E9}"/>
               </a:ext>
             </a:extLst>
           </p:cNvPr>
@@ -7845,7 +7740,7 @@
         </p:nvSpPr>
         <p:spPr>
           <a:xfrm>
-            <a:off x="496161" y="3594036"/>
+            <a:off x="521561" y="3116767"/>
             <a:ext cx="190353" cy="174302"/>
           </a:xfrm>
           <a:prstGeom prst="flowChartConnector">
@@ -7886,10 +7781,295 @@
           </a:p>
         </p:txBody>
       </p:sp>
+      <p:sp>
+        <p:nvSpPr>
+          <p:cNvPr id="26" name="Rectangle 25">
+            <a:extLst>
+              <a:ext uri="{FF2B5EF4-FFF2-40B4-BE49-F238E27FC236}">
+                <a16:creationId xmlns:a16="http://schemas.microsoft.com/office/drawing/2014/main" id="{FA247C39-CD90-491F-A298-5606A6EBA2C5}"/>
+              </a:ext>
+            </a:extLst>
+          </p:cNvPr>
+          <p:cNvSpPr/>
+          <p:nvPr/>
+        </p:nvSpPr>
+        <p:spPr>
+          <a:xfrm>
+            <a:off x="749071" y="3685423"/>
+            <a:ext cx="2527529" cy="523220"/>
+          </a:xfrm>
+          <a:prstGeom prst="rect">
+            <a:avLst/>
+          </a:prstGeom>
+        </p:spPr>
+        <p:txBody>
+          <a:bodyPr wrap="square">
+            <a:spAutoFit/>
+          </a:bodyPr>
+          <a:lstStyle/>
+          <a:p>
+            <a:r>
+              <a:rPr lang="en-CA" sz="2800" b="1" dirty="0">
+                <a:solidFill>
+                  <a:schemeClr val="accent1">
+                    <a:lumMod val="50000"/>
+                  </a:schemeClr>
+                </a:solidFill>
+              </a:rPr>
+              <a:t>Branches</a:t>
+            </a:r>
+          </a:p>
+        </p:txBody>
+      </p:sp>
+      <p:sp>
+        <p:nvSpPr>
+          <p:cNvPr id="27" name="Flowchart: Connector 26">
+            <a:extLst>
+              <a:ext uri="{FF2B5EF4-FFF2-40B4-BE49-F238E27FC236}">
+                <a16:creationId xmlns:a16="http://schemas.microsoft.com/office/drawing/2014/main" id="{E002EDF9-1EA5-4F98-B2BD-DD56DC5E6BF7}"/>
+              </a:ext>
+            </a:extLst>
+          </p:cNvPr>
+          <p:cNvSpPr/>
+          <p:nvPr/>
+        </p:nvSpPr>
+        <p:spPr>
+          <a:xfrm>
+            <a:off x="508861" y="3871839"/>
+            <a:ext cx="190353" cy="174302"/>
+          </a:xfrm>
+          <a:prstGeom prst="flowChartConnector">
+            <a:avLst/>
+          </a:prstGeom>
+          <a:solidFill>
+            <a:schemeClr val="accent4">
+              <a:lumMod val="60000"/>
+              <a:lumOff val="40000"/>
+            </a:schemeClr>
+          </a:solidFill>
+          <a:ln>
+            <a:noFill/>
+          </a:ln>
+        </p:spPr>
+        <p:style>
+          <a:lnRef idx="2">
+            <a:schemeClr val="accent1">
+              <a:shade val="50000"/>
+            </a:schemeClr>
+          </a:lnRef>
+          <a:fillRef idx="1">
+            <a:schemeClr val="accent1"/>
+          </a:fillRef>
+          <a:effectRef idx="0">
+            <a:schemeClr val="accent1"/>
+          </a:effectRef>
+          <a:fontRef idx="minor">
+            <a:schemeClr val="lt1"/>
+          </a:fontRef>
+        </p:style>
+        <p:txBody>
+          <a:bodyPr rtlCol="0" anchor="ctr"/>
+          <a:lstStyle/>
+          <a:p>
+            <a:pPr algn="ctr"/>
+            <a:endParaRPr lang="en-CA"/>
+          </a:p>
+        </p:txBody>
+      </p:sp>
+      <p:sp>
+        <p:nvSpPr>
+          <p:cNvPr id="28" name="Rectangle 27">
+            <a:extLst>
+              <a:ext uri="{FF2B5EF4-FFF2-40B4-BE49-F238E27FC236}">
+                <a16:creationId xmlns:a16="http://schemas.microsoft.com/office/drawing/2014/main" id="{F71101DD-5D2A-4E5D-B1D6-D5CAA470FE7D}"/>
+              </a:ext>
+            </a:extLst>
+          </p:cNvPr>
+          <p:cNvSpPr/>
+          <p:nvPr/>
+        </p:nvSpPr>
+        <p:spPr>
+          <a:xfrm>
+            <a:off x="761771" y="5183525"/>
+            <a:ext cx="2527529" cy="523220"/>
+          </a:xfrm>
+          <a:prstGeom prst="rect">
+            <a:avLst/>
+          </a:prstGeom>
+        </p:spPr>
+        <p:txBody>
+          <a:bodyPr wrap="square">
+            <a:spAutoFit/>
+          </a:bodyPr>
+          <a:lstStyle/>
+          <a:p>
+            <a:r>
+              <a:rPr lang="en-CA" sz="2800" b="1" dirty="0">
+                <a:solidFill>
+                  <a:schemeClr val="accent1">
+                    <a:lumMod val="50000"/>
+                  </a:schemeClr>
+                </a:solidFill>
+              </a:rPr>
+              <a:t>Master / Trunk</a:t>
+            </a:r>
+          </a:p>
+        </p:txBody>
+      </p:sp>
+      <p:sp>
+        <p:nvSpPr>
+          <p:cNvPr id="29" name="Flowchart: Connector 28">
+            <a:extLst>
+              <a:ext uri="{FF2B5EF4-FFF2-40B4-BE49-F238E27FC236}">
+                <a16:creationId xmlns:a16="http://schemas.microsoft.com/office/drawing/2014/main" id="{33729FC6-5791-49C1-B7A6-599BA3AD14DB}"/>
+              </a:ext>
+            </a:extLst>
+          </p:cNvPr>
+          <p:cNvSpPr/>
+          <p:nvPr/>
+        </p:nvSpPr>
+        <p:spPr>
+          <a:xfrm>
+            <a:off x="521561" y="5369941"/>
+            <a:ext cx="190353" cy="174302"/>
+          </a:xfrm>
+          <a:prstGeom prst="flowChartConnector">
+            <a:avLst/>
+          </a:prstGeom>
+          <a:solidFill>
+            <a:schemeClr val="accent4">
+              <a:lumMod val="60000"/>
+              <a:lumOff val="40000"/>
+            </a:schemeClr>
+          </a:solidFill>
+          <a:ln>
+            <a:noFill/>
+          </a:ln>
+        </p:spPr>
+        <p:style>
+          <a:lnRef idx="2">
+            <a:schemeClr val="accent1">
+              <a:shade val="50000"/>
+            </a:schemeClr>
+          </a:lnRef>
+          <a:fillRef idx="1">
+            <a:schemeClr val="accent1"/>
+          </a:fillRef>
+          <a:effectRef idx="0">
+            <a:schemeClr val="accent1"/>
+          </a:effectRef>
+          <a:fontRef idx="minor">
+            <a:schemeClr val="lt1"/>
+          </a:fontRef>
+        </p:style>
+        <p:txBody>
+          <a:bodyPr rtlCol="0" anchor="ctr"/>
+          <a:lstStyle/>
+          <a:p>
+            <a:pPr algn="ctr"/>
+            <a:endParaRPr lang="en-CA"/>
+          </a:p>
+        </p:txBody>
+      </p:sp>
+      <p:sp>
+        <p:nvSpPr>
+          <p:cNvPr id="30" name="Rectangle 29">
+            <a:extLst>
+              <a:ext uri="{FF2B5EF4-FFF2-40B4-BE49-F238E27FC236}">
+                <a16:creationId xmlns:a16="http://schemas.microsoft.com/office/drawing/2014/main" id="{2E701AED-7318-483E-AA4A-84886EA14E31}"/>
+              </a:ext>
+            </a:extLst>
+          </p:cNvPr>
+          <p:cNvSpPr/>
+          <p:nvPr/>
+        </p:nvSpPr>
+        <p:spPr>
+          <a:xfrm>
+            <a:off x="763396" y="5932576"/>
+            <a:ext cx="2527529" cy="523220"/>
+          </a:xfrm>
+          <a:prstGeom prst="rect">
+            <a:avLst/>
+          </a:prstGeom>
+        </p:spPr>
+        <p:txBody>
+          <a:bodyPr wrap="square">
+            <a:spAutoFit/>
+          </a:bodyPr>
+          <a:lstStyle/>
+          <a:p>
+            <a:r>
+              <a:rPr lang="en-CA" sz="2800" b="1" dirty="0">
+                <a:solidFill>
+                  <a:schemeClr val="accent1">
+                    <a:lumMod val="50000"/>
+                  </a:schemeClr>
+                </a:solidFill>
+              </a:rPr>
+              <a:t>Merge</a:t>
+            </a:r>
+          </a:p>
+        </p:txBody>
+      </p:sp>
+      <p:sp>
+        <p:nvSpPr>
+          <p:cNvPr id="32" name="Flowchart: Connector 31">
+            <a:extLst>
+              <a:ext uri="{FF2B5EF4-FFF2-40B4-BE49-F238E27FC236}">
+                <a16:creationId xmlns:a16="http://schemas.microsoft.com/office/drawing/2014/main" id="{3348BED3-706F-4832-B978-6FBE125EAB3F}"/>
+              </a:ext>
+            </a:extLst>
+          </p:cNvPr>
+          <p:cNvSpPr/>
+          <p:nvPr/>
+        </p:nvSpPr>
+        <p:spPr>
+          <a:xfrm>
+            <a:off x="523186" y="6118992"/>
+            <a:ext cx="190353" cy="174302"/>
+          </a:xfrm>
+          <a:prstGeom prst="flowChartConnector">
+            <a:avLst/>
+          </a:prstGeom>
+          <a:solidFill>
+            <a:schemeClr val="accent4">
+              <a:lumMod val="60000"/>
+              <a:lumOff val="40000"/>
+            </a:schemeClr>
+          </a:solidFill>
+          <a:ln>
+            <a:noFill/>
+          </a:ln>
+        </p:spPr>
+        <p:style>
+          <a:lnRef idx="2">
+            <a:schemeClr val="accent1">
+              <a:shade val="50000"/>
+            </a:schemeClr>
+          </a:lnRef>
+          <a:fillRef idx="1">
+            <a:schemeClr val="accent1"/>
+          </a:fillRef>
+          <a:effectRef idx="0">
+            <a:schemeClr val="accent1"/>
+          </a:effectRef>
+          <a:fontRef idx="minor">
+            <a:schemeClr val="lt1"/>
+          </a:fontRef>
+        </p:style>
+        <p:txBody>
+          <a:bodyPr rtlCol="0" anchor="ctr"/>
+          <a:lstStyle/>
+          <a:p>
+            <a:pPr algn="ctr"/>
+            <a:endParaRPr lang="en-CA"/>
+          </a:p>
+        </p:txBody>
+      </p:sp>
     </p:spTree>
     <p:extLst>
       <p:ext uri="{BB962C8B-B14F-4D97-AF65-F5344CB8AC3E}">
-        <p14:creationId xmlns:p14="http://schemas.microsoft.com/office/powerpoint/2010/main" val="1029688720"/>
+        <p14:creationId xmlns:p14="http://schemas.microsoft.com/office/powerpoint/2010/main" val="2251672614"/>
       </p:ext>
     </p:extLst>
   </p:cSld>
@@ -7994,8 +8174,8 @@
         </p:nvSpPr>
         <p:spPr>
           <a:xfrm>
-            <a:off x="147910" y="827226"/>
-            <a:ext cx="2117054" cy="584775"/>
+            <a:off x="251088" y="777438"/>
+            <a:ext cx="6025624" cy="707886"/>
           </a:xfrm>
           <a:prstGeom prst="rect">
             <a:avLst/>
@@ -8010,22 +8190,15 @@
           <a:p>
             <a:pPr algn="ctr"/>
             <a:r>
-              <a:rPr lang="en-CA" sz="3200" b="1" dirty="0">
+              <a:rPr lang="en-CA" sz="4000" b="1" dirty="0">
                 <a:solidFill>
                   <a:schemeClr val="accent1">
                     <a:lumMod val="50000"/>
                   </a:schemeClr>
                 </a:solidFill>
               </a:rPr>
-              <a:t>Git Routine</a:t>
-            </a:r>
-            <a:endParaRPr lang="en-CA" b="1" dirty="0">
-              <a:solidFill>
-                <a:schemeClr val="accent1">
-                  <a:lumMod val="50000"/>
-                </a:schemeClr>
-              </a:solidFill>
-            </a:endParaRPr>
+              <a:t>Git Terminologies / Remote</a:t>
+            </a:r>
           </a:p>
         </p:txBody>
       </p:sp>
@@ -8057,7 +8230,7 @@
         </p:blipFill>
         <p:spPr>
           <a:xfrm>
-            <a:off x="10926673" y="5654104"/>
+            <a:off x="10765411" y="824882"/>
             <a:ext cx="1098550" cy="1098550"/>
           </a:xfrm>
           <a:prstGeom prst="rect">
@@ -8065,48 +8238,52 @@
           </a:prstGeom>
         </p:spPr>
       </p:pic>
-      <p:pic>
-        <p:nvPicPr>
-          <p:cNvPr id="7" name="Picture 6">
-            <a:extLst>
-              <a:ext uri="{FF2B5EF4-FFF2-40B4-BE49-F238E27FC236}">
-                <a16:creationId xmlns:a16="http://schemas.microsoft.com/office/drawing/2014/main" id="{35CAC8EE-1329-4511-BFC8-BA5CA964B296}"/>
-              </a:ext>
-            </a:extLst>
-          </p:cNvPr>
-          <p:cNvPicPr>
-            <a:picLocks noChangeAspect="1"/>
-          </p:cNvPicPr>
-          <p:nvPr/>
-        </p:nvPicPr>
-        <p:blipFill>
-          <a:blip r:embed="rId5">
-            <a:extLst>
-              <a:ext uri="{28A0092B-C50C-407E-A947-70E740481C1C}">
-                <a14:useLocalDpi xmlns:a14="http://schemas.microsoft.com/office/drawing/2010/main" val="0"/>
-              </a:ext>
-            </a:extLst>
-          </a:blip>
-          <a:stretch>
-            <a:fillRect/>
-          </a:stretch>
-        </p:blipFill>
-        <p:spPr>
-          <a:xfrm>
-            <a:off x="713494" y="1447011"/>
-            <a:ext cx="985884" cy="985884"/>
+      <p:sp>
+        <p:nvSpPr>
+          <p:cNvPr id="21" name="Rectangle 20">
+            <a:extLst>
+              <a:ext uri="{FF2B5EF4-FFF2-40B4-BE49-F238E27FC236}">
+                <a16:creationId xmlns:a16="http://schemas.microsoft.com/office/drawing/2014/main" id="{0495A8BA-3199-4EF2-B4B2-7B2663CCFFFA}"/>
+              </a:ext>
+            </a:extLst>
+          </p:cNvPr>
+          <p:cNvSpPr/>
+          <p:nvPr/>
+        </p:nvSpPr>
+        <p:spPr>
+          <a:xfrm>
+            <a:off x="749071" y="4139797"/>
+            <a:ext cx="1879829" cy="523220"/>
           </a:xfrm>
           <a:prstGeom prst="rect">
             <a:avLst/>
           </a:prstGeom>
         </p:spPr>
-      </p:pic>
-      <p:sp>
-        <p:nvSpPr>
-          <p:cNvPr id="8" name="Cloud 7">
-            <a:extLst>
-              <a:ext uri="{FF2B5EF4-FFF2-40B4-BE49-F238E27FC236}">
-                <a16:creationId xmlns:a16="http://schemas.microsoft.com/office/drawing/2014/main" id="{64FE69B9-757E-4775-845E-23455CF1F54C}"/>
+        <p:txBody>
+          <a:bodyPr wrap="square">
+            <a:spAutoFit/>
+          </a:bodyPr>
+          <a:lstStyle/>
+          <a:p>
+            <a:r>
+              <a:rPr lang="en-CA" sz="2800" b="1" dirty="0">
+                <a:solidFill>
+                  <a:schemeClr val="accent1">
+                    <a:lumMod val="50000"/>
+                  </a:schemeClr>
+                </a:solidFill>
+              </a:rPr>
+              <a:t>Clone</a:t>
+            </a:r>
+          </a:p>
+        </p:txBody>
+      </p:sp>
+      <p:sp>
+        <p:nvSpPr>
+          <p:cNvPr id="22" name="Flowchart: Connector 21">
+            <a:extLst>
+              <a:ext uri="{FF2B5EF4-FFF2-40B4-BE49-F238E27FC236}">
+                <a16:creationId xmlns:a16="http://schemas.microsoft.com/office/drawing/2014/main" id="{13347C43-8B26-46DB-BE79-D9F243D7D4F7}"/>
               </a:ext>
             </a:extLst>
           </p:cNvPr>
@@ -8115,12 +8292,21 @@
         </p:nvSpPr>
         <p:spPr>
           <a:xfrm>
-            <a:off x="5892797" y="1447011"/>
-            <a:ext cx="2641600" cy="914400"/>
-          </a:xfrm>
-          <a:prstGeom prst="cloud">
-            <a:avLst/>
-          </a:prstGeom>
+            <a:off x="508861" y="4326213"/>
+            <a:ext cx="190353" cy="174302"/>
+          </a:xfrm>
+          <a:prstGeom prst="flowChartConnector">
+            <a:avLst/>
+          </a:prstGeom>
+          <a:solidFill>
+            <a:schemeClr val="accent4">
+              <a:lumMod val="60000"/>
+              <a:lumOff val="40000"/>
+            </a:schemeClr>
+          </a:solidFill>
+          <a:ln>
+            <a:noFill/>
+          </a:ln>
         </p:spPr>
         <p:style>
           <a:lnRef idx="2">
@@ -8143,19 +8329,16 @@
           <a:lstStyle/>
           <a:p>
             <a:pPr algn="ctr"/>
-            <a:r>
-              <a:rPr lang="en-CA" dirty="0"/>
-              <a:t>Working Copy</a:t>
-            </a:r>
-          </a:p>
-        </p:txBody>
-      </p:sp>
-      <p:sp>
-        <p:nvSpPr>
-          <p:cNvPr id="18" name="Rectangle 17">
-            <a:extLst>
-              <a:ext uri="{FF2B5EF4-FFF2-40B4-BE49-F238E27FC236}">
-                <a16:creationId xmlns:a16="http://schemas.microsoft.com/office/drawing/2014/main" id="{E89076A5-162D-4B90-95CA-86C540537550}"/>
+            <a:endParaRPr lang="en-CA"/>
+          </a:p>
+        </p:txBody>
+      </p:sp>
+      <p:sp>
+        <p:nvSpPr>
+          <p:cNvPr id="39" name="Rectangle 38">
+            <a:extLst>
+              <a:ext uri="{FF2B5EF4-FFF2-40B4-BE49-F238E27FC236}">
+                <a16:creationId xmlns:a16="http://schemas.microsoft.com/office/drawing/2014/main" id="{E817FEE5-2B41-4D04-9D8C-AEE724A86E3C}"/>
               </a:ext>
             </a:extLst>
           </p:cNvPr>
@@ -8164,12 +8347,61 @@
         </p:nvSpPr>
         <p:spPr>
           <a:xfrm>
-            <a:off x="5292268" y="2864470"/>
-            <a:ext cx="3842657" cy="647700"/>
+            <a:off x="749071" y="2652548"/>
+            <a:ext cx="3111729" cy="523220"/>
           </a:xfrm>
           <a:prstGeom prst="rect">
             <a:avLst/>
           </a:prstGeom>
+        </p:spPr>
+        <p:txBody>
+          <a:bodyPr wrap="square">
+            <a:spAutoFit/>
+          </a:bodyPr>
+          <a:lstStyle/>
+          <a:p>
+            <a:r>
+              <a:rPr lang="en-CA" sz="2800" b="1" dirty="0">
+                <a:solidFill>
+                  <a:schemeClr val="accent1">
+                    <a:lumMod val="50000"/>
+                  </a:schemeClr>
+                </a:solidFill>
+              </a:rPr>
+              <a:t>Pull</a:t>
+            </a:r>
+          </a:p>
+        </p:txBody>
+      </p:sp>
+      <p:sp>
+        <p:nvSpPr>
+          <p:cNvPr id="40" name="Flowchart: Connector 39">
+            <a:extLst>
+              <a:ext uri="{FF2B5EF4-FFF2-40B4-BE49-F238E27FC236}">
+                <a16:creationId xmlns:a16="http://schemas.microsoft.com/office/drawing/2014/main" id="{86EBFED9-86F5-44A6-AAA1-196A7ED99DE0}"/>
+              </a:ext>
+            </a:extLst>
+          </p:cNvPr>
+          <p:cNvSpPr/>
+          <p:nvPr/>
+        </p:nvSpPr>
+        <p:spPr>
+          <a:xfrm>
+            <a:off x="508861" y="2838964"/>
+            <a:ext cx="190353" cy="174302"/>
+          </a:xfrm>
+          <a:prstGeom prst="flowChartConnector">
+            <a:avLst/>
+          </a:prstGeom>
+          <a:solidFill>
+            <a:schemeClr val="accent4">
+              <a:lumMod val="60000"/>
+              <a:lumOff val="40000"/>
+            </a:schemeClr>
+          </a:solidFill>
+          <a:ln>
+            <a:noFill/>
+          </a:ln>
         </p:spPr>
         <p:style>
           <a:lnRef idx="2">
@@ -8192,19 +8424,16 @@
           <a:lstStyle/>
           <a:p>
             <a:pPr algn="ctr"/>
-            <a:r>
-              <a:rPr lang="en-CA" dirty="0"/>
-              <a:t>Modify working copy</a:t>
-            </a:r>
-          </a:p>
-        </p:txBody>
-      </p:sp>
-      <p:sp>
-        <p:nvSpPr>
-          <p:cNvPr id="19" name="Rectangle 18">
-            <a:extLst>
-              <a:ext uri="{FF2B5EF4-FFF2-40B4-BE49-F238E27FC236}">
-                <a16:creationId xmlns:a16="http://schemas.microsoft.com/office/drawing/2014/main" id="{43BA4E97-D924-4888-BB6B-BBEB9423754E}"/>
+            <a:endParaRPr lang="en-CA"/>
+          </a:p>
+        </p:txBody>
+      </p:sp>
+      <p:sp>
+        <p:nvSpPr>
+          <p:cNvPr id="41" name="Rectangle 40">
+            <a:extLst>
+              <a:ext uri="{FF2B5EF4-FFF2-40B4-BE49-F238E27FC236}">
+                <a16:creationId xmlns:a16="http://schemas.microsoft.com/office/drawing/2014/main" id="{918D817C-6B2C-4BD5-A0E8-D96D5859C24B}"/>
               </a:ext>
             </a:extLst>
           </p:cNvPr>
@@ -8213,12 +8442,61 @@
         </p:nvSpPr>
         <p:spPr>
           <a:xfrm>
-            <a:off x="5292267" y="3960299"/>
-            <a:ext cx="3842657" cy="647700"/>
+            <a:off x="736371" y="3407620"/>
+            <a:ext cx="2527529" cy="523220"/>
           </a:xfrm>
           <a:prstGeom prst="rect">
             <a:avLst/>
           </a:prstGeom>
+        </p:spPr>
+        <p:txBody>
+          <a:bodyPr wrap="square">
+            <a:spAutoFit/>
+          </a:bodyPr>
+          <a:lstStyle/>
+          <a:p>
+            <a:r>
+              <a:rPr lang="en-CA" sz="2800" b="1" dirty="0">
+                <a:solidFill>
+                  <a:schemeClr val="accent1">
+                    <a:lumMod val="50000"/>
+                  </a:schemeClr>
+                </a:solidFill>
+              </a:rPr>
+              <a:t>Push</a:t>
+            </a:r>
+          </a:p>
+        </p:txBody>
+      </p:sp>
+      <p:sp>
+        <p:nvSpPr>
+          <p:cNvPr id="42" name="Flowchart: Connector 41">
+            <a:extLst>
+              <a:ext uri="{FF2B5EF4-FFF2-40B4-BE49-F238E27FC236}">
+                <a16:creationId xmlns:a16="http://schemas.microsoft.com/office/drawing/2014/main" id="{9695BDA1-B460-4DE4-B6E8-36A1DCDB432B}"/>
+              </a:ext>
+            </a:extLst>
+          </p:cNvPr>
+          <p:cNvSpPr/>
+          <p:nvPr/>
+        </p:nvSpPr>
+        <p:spPr>
+          <a:xfrm>
+            <a:off x="496161" y="3594036"/>
+            <a:ext cx="190353" cy="174302"/>
+          </a:xfrm>
+          <a:prstGeom prst="flowChartConnector">
+            <a:avLst/>
+          </a:prstGeom>
+          <a:solidFill>
+            <a:schemeClr val="accent4">
+              <a:lumMod val="60000"/>
+              <a:lumOff val="40000"/>
+            </a:schemeClr>
+          </a:solidFill>
+          <a:ln>
+            <a:noFill/>
+          </a:ln>
         </p:spPr>
         <p:style>
           <a:lnRef idx="2">
@@ -8241,663 +8519,14 @@
           <a:lstStyle/>
           <a:p>
             <a:pPr algn="ctr"/>
-            <a:r>
-              <a:rPr lang="en-CA" dirty="0"/>
-              <a:t>Review changes</a:t>
-            </a:r>
-          </a:p>
-        </p:txBody>
-      </p:sp>
-      <p:sp>
-        <p:nvSpPr>
-          <p:cNvPr id="20" name="Rectangle 19">
-            <a:extLst>
-              <a:ext uri="{FF2B5EF4-FFF2-40B4-BE49-F238E27FC236}">
-                <a16:creationId xmlns:a16="http://schemas.microsoft.com/office/drawing/2014/main" id="{C692086B-1D18-4B91-8863-22A7302DBBB6}"/>
-              </a:ext>
-            </a:extLst>
-          </p:cNvPr>
-          <p:cNvSpPr/>
-          <p:nvPr/>
-        </p:nvSpPr>
-        <p:spPr>
-          <a:xfrm>
-            <a:off x="5292266" y="5056128"/>
-            <a:ext cx="3842657" cy="647700"/>
-          </a:xfrm>
-          <a:prstGeom prst="rect">
-            <a:avLst/>
-          </a:prstGeom>
-        </p:spPr>
-        <p:style>
-          <a:lnRef idx="2">
-            <a:schemeClr val="accent1">
-              <a:shade val="50000"/>
-            </a:schemeClr>
-          </a:lnRef>
-          <a:fillRef idx="1">
-            <a:schemeClr val="accent1"/>
-          </a:fillRef>
-          <a:effectRef idx="0">
-            <a:schemeClr val="accent1"/>
-          </a:effectRef>
-          <a:fontRef idx="minor">
-            <a:schemeClr val="lt1"/>
-          </a:fontRef>
-        </p:style>
-        <p:txBody>
-          <a:bodyPr rtlCol="0" anchor="ctr"/>
-          <a:lstStyle/>
-          <a:p>
-            <a:pPr algn="ctr"/>
-            <a:r>
-              <a:rPr lang="en-CA" dirty="0"/>
-              <a:t>Modify working copy</a:t>
-            </a:r>
-          </a:p>
-        </p:txBody>
-      </p:sp>
-      <p:sp>
-        <p:nvSpPr>
-          <p:cNvPr id="25" name="Rectangle 24">
-            <a:extLst>
-              <a:ext uri="{FF2B5EF4-FFF2-40B4-BE49-F238E27FC236}">
-                <a16:creationId xmlns:a16="http://schemas.microsoft.com/office/drawing/2014/main" id="{ACA12A4D-91A7-4CD4-8E75-F592C5D79571}"/>
-              </a:ext>
-            </a:extLst>
-          </p:cNvPr>
-          <p:cNvSpPr/>
-          <p:nvPr/>
-        </p:nvSpPr>
-        <p:spPr>
-          <a:xfrm>
-            <a:off x="5292265" y="6151957"/>
-            <a:ext cx="3842657" cy="647700"/>
-          </a:xfrm>
-          <a:prstGeom prst="rect">
-            <a:avLst/>
-          </a:prstGeom>
-        </p:spPr>
-        <p:style>
-          <a:lnRef idx="2">
-            <a:schemeClr val="accent1">
-              <a:shade val="50000"/>
-            </a:schemeClr>
-          </a:lnRef>
-          <a:fillRef idx="1">
-            <a:schemeClr val="accent1"/>
-          </a:fillRef>
-          <a:effectRef idx="0">
-            <a:schemeClr val="accent1"/>
-          </a:effectRef>
-          <a:fontRef idx="minor">
-            <a:schemeClr val="lt1"/>
-          </a:fontRef>
-        </p:style>
-        <p:txBody>
-          <a:bodyPr rtlCol="0" anchor="ctr"/>
-          <a:lstStyle/>
-          <a:p>
-            <a:pPr algn="ctr"/>
-            <a:r>
-              <a:rPr lang="en-CA" dirty="0"/>
-              <a:t>Fix mistakes</a:t>
-            </a:r>
-          </a:p>
-        </p:txBody>
-      </p:sp>
-      <p:cxnSp>
-        <p:nvCxnSpPr>
-          <p:cNvPr id="28" name="Straight Arrow Connector 27">
-            <a:extLst>
-              <a:ext uri="{FF2B5EF4-FFF2-40B4-BE49-F238E27FC236}">
-                <a16:creationId xmlns:a16="http://schemas.microsoft.com/office/drawing/2014/main" id="{21FB0813-4394-47D4-BA1B-FBDD106D5FE0}"/>
-              </a:ext>
-            </a:extLst>
-          </p:cNvPr>
-          <p:cNvCxnSpPr>
-            <a:cxnSpLocks/>
-            <a:stCxn id="7" idx="3"/>
-            <a:endCxn id="8" idx="2"/>
-          </p:cNvCxnSpPr>
-          <p:nvPr/>
-        </p:nvCxnSpPr>
-        <p:spPr>
-          <a:xfrm flipV="1">
-            <a:off x="1699378" y="1904211"/>
-            <a:ext cx="4201613" cy="35742"/>
-          </a:xfrm>
-          <a:prstGeom prst="straightConnector1">
-            <a:avLst/>
-          </a:prstGeom>
-          <a:ln w="57150">
-            <a:tailEnd type="triangle"/>
-          </a:ln>
-        </p:spPr>
-        <p:style>
-          <a:lnRef idx="1">
-            <a:schemeClr val="accent1"/>
-          </a:lnRef>
-          <a:fillRef idx="0">
-            <a:schemeClr val="accent1"/>
-          </a:fillRef>
-          <a:effectRef idx="0">
-            <a:schemeClr val="accent1"/>
-          </a:effectRef>
-          <a:fontRef idx="minor">
-            <a:schemeClr val="tx1"/>
-          </a:fontRef>
-        </p:style>
-      </p:cxnSp>
-      <p:cxnSp>
-        <p:nvCxnSpPr>
-          <p:cNvPr id="30" name="Straight Arrow Connector 29">
-            <a:extLst>
-              <a:ext uri="{FF2B5EF4-FFF2-40B4-BE49-F238E27FC236}">
-                <a16:creationId xmlns:a16="http://schemas.microsoft.com/office/drawing/2014/main" id="{DB6A28ED-1292-4514-BE79-89D8B62DC6C7}"/>
-              </a:ext>
-            </a:extLst>
-          </p:cNvPr>
-          <p:cNvCxnSpPr>
-            <a:cxnSpLocks/>
-            <a:stCxn id="8" idx="1"/>
-            <a:endCxn id="18" idx="0"/>
-          </p:cNvCxnSpPr>
-          <p:nvPr/>
-        </p:nvCxnSpPr>
-        <p:spPr>
-          <a:xfrm>
-            <a:off x="7213597" y="2360437"/>
-            <a:ext cx="0" cy="504033"/>
-          </a:xfrm>
-          <a:prstGeom prst="straightConnector1">
-            <a:avLst/>
-          </a:prstGeom>
-          <a:ln w="57150">
-            <a:tailEnd type="triangle"/>
-          </a:ln>
-        </p:spPr>
-        <p:style>
-          <a:lnRef idx="1">
-            <a:schemeClr val="accent1"/>
-          </a:lnRef>
-          <a:fillRef idx="0">
-            <a:schemeClr val="accent1"/>
-          </a:fillRef>
-          <a:effectRef idx="0">
-            <a:schemeClr val="accent1"/>
-          </a:effectRef>
-          <a:fontRef idx="minor">
-            <a:schemeClr val="tx1"/>
-          </a:fontRef>
-        </p:style>
-      </p:cxnSp>
-      <p:cxnSp>
-        <p:nvCxnSpPr>
-          <p:cNvPr id="32" name="Straight Arrow Connector 31">
-            <a:extLst>
-              <a:ext uri="{FF2B5EF4-FFF2-40B4-BE49-F238E27FC236}">
-                <a16:creationId xmlns:a16="http://schemas.microsoft.com/office/drawing/2014/main" id="{F7C19B36-421E-4DDE-8828-C2AC35D3B3DF}"/>
-              </a:ext>
-            </a:extLst>
-          </p:cNvPr>
-          <p:cNvCxnSpPr>
-            <a:cxnSpLocks/>
-            <a:endCxn id="19" idx="0"/>
-          </p:cNvCxnSpPr>
-          <p:nvPr/>
-        </p:nvCxnSpPr>
-        <p:spPr>
-          <a:xfrm flipH="1">
-            <a:off x="7213596" y="3512170"/>
-            <a:ext cx="2" cy="448129"/>
-          </a:xfrm>
-          <a:prstGeom prst="straightConnector1">
-            <a:avLst/>
-          </a:prstGeom>
-          <a:ln w="57150">
-            <a:tailEnd type="triangle"/>
-          </a:ln>
-        </p:spPr>
-        <p:style>
-          <a:lnRef idx="1">
-            <a:schemeClr val="accent1"/>
-          </a:lnRef>
-          <a:fillRef idx="0">
-            <a:schemeClr val="accent1"/>
-          </a:fillRef>
-          <a:effectRef idx="0">
-            <a:schemeClr val="accent1"/>
-          </a:effectRef>
-          <a:fontRef idx="minor">
-            <a:schemeClr val="tx1"/>
-          </a:fontRef>
-        </p:style>
-      </p:cxnSp>
-      <p:cxnSp>
-        <p:nvCxnSpPr>
-          <p:cNvPr id="34" name="Straight Arrow Connector 33">
-            <a:extLst>
-              <a:ext uri="{FF2B5EF4-FFF2-40B4-BE49-F238E27FC236}">
-                <a16:creationId xmlns:a16="http://schemas.microsoft.com/office/drawing/2014/main" id="{D0849570-1C00-44F1-B5CB-B1B87ADC13A1}"/>
-              </a:ext>
-            </a:extLst>
-          </p:cNvPr>
-          <p:cNvCxnSpPr>
-            <a:cxnSpLocks/>
-            <a:endCxn id="20" idx="0"/>
-          </p:cNvCxnSpPr>
-          <p:nvPr/>
-        </p:nvCxnSpPr>
-        <p:spPr>
-          <a:xfrm flipH="1">
-            <a:off x="7213595" y="4607999"/>
-            <a:ext cx="16330" cy="448129"/>
-          </a:xfrm>
-          <a:prstGeom prst="straightConnector1">
-            <a:avLst/>
-          </a:prstGeom>
-          <a:ln w="57150">
-            <a:tailEnd type="triangle"/>
-          </a:ln>
-        </p:spPr>
-        <p:style>
-          <a:lnRef idx="1">
-            <a:schemeClr val="accent1"/>
-          </a:lnRef>
-          <a:fillRef idx="0">
-            <a:schemeClr val="accent1"/>
-          </a:fillRef>
-          <a:effectRef idx="0">
-            <a:schemeClr val="accent1"/>
-          </a:effectRef>
-          <a:fontRef idx="minor">
-            <a:schemeClr val="tx1"/>
-          </a:fontRef>
-        </p:style>
-      </p:cxnSp>
-      <p:cxnSp>
-        <p:nvCxnSpPr>
-          <p:cNvPr id="37" name="Straight Arrow Connector 36">
-            <a:extLst>
-              <a:ext uri="{FF2B5EF4-FFF2-40B4-BE49-F238E27FC236}">
-                <a16:creationId xmlns:a16="http://schemas.microsoft.com/office/drawing/2014/main" id="{C16E38F8-2794-4479-85F4-E4959D196016}"/>
-              </a:ext>
-            </a:extLst>
-          </p:cNvPr>
-          <p:cNvCxnSpPr>
-            <a:cxnSpLocks/>
-            <a:endCxn id="25" idx="0"/>
-          </p:cNvCxnSpPr>
-          <p:nvPr/>
-        </p:nvCxnSpPr>
-        <p:spPr>
-          <a:xfrm flipH="1">
-            <a:off x="7213594" y="5703828"/>
-            <a:ext cx="2" cy="448129"/>
-          </a:xfrm>
-          <a:prstGeom prst="straightConnector1">
-            <a:avLst/>
-          </a:prstGeom>
-          <a:ln w="57150">
-            <a:tailEnd type="triangle"/>
-          </a:ln>
-        </p:spPr>
-        <p:style>
-          <a:lnRef idx="1">
-            <a:schemeClr val="accent1"/>
-          </a:lnRef>
-          <a:fillRef idx="0">
-            <a:schemeClr val="accent1"/>
-          </a:fillRef>
-          <a:effectRef idx="0">
-            <a:schemeClr val="accent1"/>
-          </a:effectRef>
-          <a:fontRef idx="minor">
-            <a:schemeClr val="tx1"/>
-          </a:fontRef>
-        </p:style>
-      </p:cxnSp>
-      <p:cxnSp>
-        <p:nvCxnSpPr>
-          <p:cNvPr id="40" name="Connector: Elbow 39">
-            <a:extLst>
-              <a:ext uri="{FF2B5EF4-FFF2-40B4-BE49-F238E27FC236}">
-                <a16:creationId xmlns:a16="http://schemas.microsoft.com/office/drawing/2014/main" id="{EBEE9292-9817-4481-91F2-187523509033}"/>
-              </a:ext>
-            </a:extLst>
-          </p:cNvPr>
-          <p:cNvCxnSpPr>
-            <a:cxnSpLocks/>
-            <a:endCxn id="18" idx="1"/>
-          </p:cNvCxnSpPr>
-          <p:nvPr/>
-        </p:nvCxnSpPr>
-        <p:spPr>
-          <a:xfrm>
-            <a:off x="1699378" y="2061029"/>
-            <a:ext cx="3592890" cy="1127291"/>
-          </a:xfrm>
-          <a:prstGeom prst="bentConnector3">
-            <a:avLst/>
-          </a:prstGeom>
-          <a:ln w="53975">
-            <a:tailEnd type="triangle"/>
-          </a:ln>
-        </p:spPr>
-        <p:style>
-          <a:lnRef idx="1">
-            <a:schemeClr val="accent1"/>
-          </a:lnRef>
-          <a:fillRef idx="0">
-            <a:schemeClr val="accent1"/>
-          </a:fillRef>
-          <a:effectRef idx="0">
-            <a:schemeClr val="accent1"/>
-          </a:effectRef>
-          <a:fontRef idx="minor">
-            <a:schemeClr val="tx1"/>
-          </a:fontRef>
-        </p:style>
-      </p:cxnSp>
-      <p:cxnSp>
-        <p:nvCxnSpPr>
-          <p:cNvPr id="42" name="Connector: Elbow 41">
-            <a:extLst>
-              <a:ext uri="{FF2B5EF4-FFF2-40B4-BE49-F238E27FC236}">
-                <a16:creationId xmlns:a16="http://schemas.microsoft.com/office/drawing/2014/main" id="{C93D7DD4-B640-417B-996B-0A7F36CE3389}"/>
-              </a:ext>
-            </a:extLst>
-          </p:cNvPr>
-          <p:cNvCxnSpPr>
-            <a:cxnSpLocks/>
-          </p:cNvCxnSpPr>
-          <p:nvPr/>
-        </p:nvCxnSpPr>
-        <p:spPr>
-          <a:xfrm rot="10800000">
-            <a:off x="1638734" y="2231344"/>
-            <a:ext cx="3653531" cy="3148634"/>
-          </a:xfrm>
-          <a:prstGeom prst="bentConnector3">
-            <a:avLst/>
-          </a:prstGeom>
-          <a:ln w="53975">
-            <a:tailEnd type="triangle"/>
-          </a:ln>
-        </p:spPr>
-        <p:style>
-          <a:lnRef idx="1">
-            <a:schemeClr val="accent1"/>
-          </a:lnRef>
-          <a:fillRef idx="0">
-            <a:schemeClr val="accent1"/>
-          </a:fillRef>
-          <a:effectRef idx="0">
-            <a:schemeClr val="accent1"/>
-          </a:effectRef>
-          <a:fontRef idx="minor">
-            <a:schemeClr val="tx1"/>
-          </a:fontRef>
-        </p:style>
-      </p:cxnSp>
-      <p:cxnSp>
-        <p:nvCxnSpPr>
-          <p:cNvPr id="47" name="Connector: Elbow 46">
-            <a:extLst>
-              <a:ext uri="{FF2B5EF4-FFF2-40B4-BE49-F238E27FC236}">
-                <a16:creationId xmlns:a16="http://schemas.microsoft.com/office/drawing/2014/main" id="{A8BA622C-7987-4222-BF47-DD4D031A0EDC}"/>
-              </a:ext>
-            </a:extLst>
-          </p:cNvPr>
-          <p:cNvCxnSpPr>
-            <a:cxnSpLocks/>
-            <a:stCxn id="25" idx="3"/>
-          </p:cNvCxnSpPr>
-          <p:nvPr/>
-        </p:nvCxnSpPr>
-        <p:spPr>
-          <a:xfrm flipH="1" flipV="1">
-            <a:off x="9099908" y="3188321"/>
-            <a:ext cx="35014" cy="3287486"/>
-          </a:xfrm>
-          <a:prstGeom prst="bentConnector4">
-            <a:avLst>
-              <a:gd name="adj1" fmla="val -3612612"/>
-              <a:gd name="adj2" fmla="val 99428"/>
-            </a:avLst>
-          </a:prstGeom>
-          <a:ln w="53975">
-            <a:prstDash val="dash"/>
-            <a:tailEnd type="triangle"/>
-          </a:ln>
-        </p:spPr>
-        <p:style>
-          <a:lnRef idx="1">
-            <a:schemeClr val="accent1"/>
-          </a:lnRef>
-          <a:fillRef idx="0">
-            <a:schemeClr val="accent1"/>
-          </a:fillRef>
-          <a:effectRef idx="0">
-            <a:schemeClr val="accent1"/>
-          </a:effectRef>
-          <a:fontRef idx="minor">
-            <a:schemeClr val="tx1"/>
-          </a:fontRef>
-        </p:style>
-      </p:cxnSp>
-      <p:cxnSp>
-        <p:nvCxnSpPr>
-          <p:cNvPr id="51" name="Connector: Elbow 50">
-            <a:extLst>
-              <a:ext uri="{FF2B5EF4-FFF2-40B4-BE49-F238E27FC236}">
-                <a16:creationId xmlns:a16="http://schemas.microsoft.com/office/drawing/2014/main" id="{B3BCF225-3DD0-42E9-A9CA-B81200D64D5A}"/>
-              </a:ext>
-            </a:extLst>
-          </p:cNvPr>
-          <p:cNvCxnSpPr>
-            <a:cxnSpLocks/>
-            <a:stCxn id="25" idx="1"/>
-          </p:cNvCxnSpPr>
-          <p:nvPr/>
-        </p:nvCxnSpPr>
-        <p:spPr>
-          <a:xfrm rot="10800000">
-            <a:off x="1239327" y="2379965"/>
-            <a:ext cx="4052938" cy="4095843"/>
-          </a:xfrm>
-          <a:prstGeom prst="bentConnector2">
-            <a:avLst/>
-          </a:prstGeom>
-          <a:ln w="53975">
-            <a:prstDash val="dash"/>
-            <a:tailEnd type="triangle"/>
-          </a:ln>
-        </p:spPr>
-        <p:style>
-          <a:lnRef idx="1">
-            <a:schemeClr val="accent1"/>
-          </a:lnRef>
-          <a:fillRef idx="0">
-            <a:schemeClr val="accent1"/>
-          </a:fillRef>
-          <a:effectRef idx="0">
-            <a:schemeClr val="accent1"/>
-          </a:effectRef>
-          <a:fontRef idx="minor">
-            <a:schemeClr val="tx1"/>
-          </a:fontRef>
-        </p:style>
-      </p:cxnSp>
-      <p:sp>
-        <p:nvSpPr>
-          <p:cNvPr id="55" name="Rectangle 54">
-            <a:extLst>
-              <a:ext uri="{FF2B5EF4-FFF2-40B4-BE49-F238E27FC236}">
-                <a16:creationId xmlns:a16="http://schemas.microsoft.com/office/drawing/2014/main" id="{019FF62C-7239-4F74-9D2D-A11B22E88C28}"/>
-              </a:ext>
-            </a:extLst>
-          </p:cNvPr>
-          <p:cNvSpPr/>
-          <p:nvPr/>
-        </p:nvSpPr>
-        <p:spPr>
-          <a:xfrm>
-            <a:off x="1822847" y="1536192"/>
-            <a:ext cx="2809615" cy="369332"/>
-          </a:xfrm>
-          <a:prstGeom prst="rect">
-            <a:avLst/>
-          </a:prstGeom>
-        </p:spPr>
-        <p:txBody>
-          <a:bodyPr wrap="none">
-            <a:spAutoFit/>
-          </a:bodyPr>
-          <a:lstStyle/>
-          <a:p>
-            <a:r>
-              <a:rPr lang="en-CA" b="1" dirty="0">
-                <a:solidFill>
-                  <a:schemeClr val="accent1">
-                    <a:lumMod val="50000"/>
-                  </a:schemeClr>
-                </a:solidFill>
-              </a:rPr>
-              <a:t>Remote add (share) / Clone</a:t>
-            </a:r>
-            <a:endParaRPr lang="en-CA" dirty="0"/>
-          </a:p>
-        </p:txBody>
-      </p:sp>
-      <p:sp>
-        <p:nvSpPr>
-          <p:cNvPr id="56" name="Rectangle 55">
-            <a:extLst>
-              <a:ext uri="{FF2B5EF4-FFF2-40B4-BE49-F238E27FC236}">
-                <a16:creationId xmlns:a16="http://schemas.microsoft.com/office/drawing/2014/main" id="{796832AC-EDE0-46B9-A2A9-5C7C43126E89}"/>
-              </a:ext>
-            </a:extLst>
-          </p:cNvPr>
-          <p:cNvSpPr/>
-          <p:nvPr/>
-        </p:nvSpPr>
-        <p:spPr>
-          <a:xfrm>
-            <a:off x="3888277" y="2778622"/>
-            <a:ext cx="886653" cy="369332"/>
-          </a:xfrm>
-          <a:prstGeom prst="rect">
-            <a:avLst/>
-          </a:prstGeom>
-        </p:spPr>
-        <p:txBody>
-          <a:bodyPr wrap="none">
-            <a:spAutoFit/>
-          </a:bodyPr>
-          <a:lstStyle/>
-          <a:p>
-            <a:r>
-              <a:rPr lang="en-CA" b="1" dirty="0">
-                <a:solidFill>
-                  <a:schemeClr val="accent1">
-                    <a:lumMod val="50000"/>
-                  </a:schemeClr>
-                </a:solidFill>
-              </a:rPr>
-              <a:t>Update</a:t>
-            </a:r>
-            <a:endParaRPr lang="en-CA" dirty="0"/>
-          </a:p>
-        </p:txBody>
-      </p:sp>
-      <p:sp>
-        <p:nvSpPr>
-          <p:cNvPr id="57" name="Rectangle 56">
-            <a:extLst>
-              <a:ext uri="{FF2B5EF4-FFF2-40B4-BE49-F238E27FC236}">
-                <a16:creationId xmlns:a16="http://schemas.microsoft.com/office/drawing/2014/main" id="{70A89260-BD49-4FFF-BBFB-EC06C424F53F}"/>
-              </a:ext>
-            </a:extLst>
-          </p:cNvPr>
-          <p:cNvSpPr/>
-          <p:nvPr/>
-        </p:nvSpPr>
-        <p:spPr>
-          <a:xfrm>
-            <a:off x="3892536" y="5030829"/>
-            <a:ext cx="646331" cy="369332"/>
-          </a:xfrm>
-          <a:prstGeom prst="rect">
-            <a:avLst/>
-          </a:prstGeom>
-        </p:spPr>
-        <p:txBody>
-          <a:bodyPr wrap="none">
-            <a:spAutoFit/>
-          </a:bodyPr>
-          <a:lstStyle/>
-          <a:p>
-            <a:r>
-              <a:rPr lang="en-CA" b="1" dirty="0">
-                <a:solidFill>
-                  <a:schemeClr val="accent1">
-                    <a:lumMod val="50000"/>
-                  </a:schemeClr>
-                </a:solidFill>
-              </a:rPr>
-              <a:t>Push</a:t>
-            </a:r>
-            <a:endParaRPr lang="en-CA" dirty="0"/>
-          </a:p>
-        </p:txBody>
-      </p:sp>
-      <p:sp>
-        <p:nvSpPr>
-          <p:cNvPr id="58" name="Rectangle 57">
-            <a:extLst>
-              <a:ext uri="{FF2B5EF4-FFF2-40B4-BE49-F238E27FC236}">
-                <a16:creationId xmlns:a16="http://schemas.microsoft.com/office/drawing/2014/main" id="{32FCECD5-26DF-4517-AA6D-E2F030187663}"/>
-              </a:ext>
-            </a:extLst>
-          </p:cNvPr>
-          <p:cNvSpPr/>
-          <p:nvPr/>
-        </p:nvSpPr>
-        <p:spPr>
-          <a:xfrm>
-            <a:off x="2819168" y="6083735"/>
-            <a:ext cx="646331" cy="369332"/>
-          </a:xfrm>
-          <a:prstGeom prst="rect">
-            <a:avLst/>
-          </a:prstGeom>
-        </p:spPr>
-        <p:txBody>
-          <a:bodyPr wrap="none">
-            <a:spAutoFit/>
-          </a:bodyPr>
-          <a:lstStyle/>
-          <a:p>
-            <a:r>
-              <a:rPr lang="en-CA" b="1" dirty="0">
-                <a:solidFill>
-                  <a:schemeClr val="accent1">
-                    <a:lumMod val="50000"/>
-                  </a:schemeClr>
-                </a:solidFill>
-              </a:rPr>
-              <a:t>Push</a:t>
-            </a:r>
-            <a:endParaRPr lang="en-CA" dirty="0"/>
+            <a:endParaRPr lang="en-CA"/>
           </a:p>
         </p:txBody>
       </p:sp>
     </p:spTree>
     <p:extLst>
       <p:ext uri="{BB962C8B-B14F-4D97-AF65-F5344CB8AC3E}">
-        <p14:creationId xmlns:p14="http://schemas.microsoft.com/office/powerpoint/2010/main" val="1300866775"/>
+        <p14:creationId xmlns:p14="http://schemas.microsoft.com/office/powerpoint/2010/main" val="1029688720"/>
       </p:ext>
     </p:extLst>
   </p:cSld>
@@ -8933,7 +8562,7 @@
           <p:nvPr/>
         </p:nvPicPr>
         <p:blipFill>
-          <a:blip r:embed="rId2"/>
+          <a:blip r:embed="rId3"/>
           <a:stretch>
             <a:fillRect/>
           </a:stretch>
@@ -8994,12 +8623,55 @@
           </a:p>
         </p:txBody>
       </p:sp>
+      <p:sp>
+        <p:nvSpPr>
+          <p:cNvPr id="6" name="TextBox 5"/>
+          <p:cNvSpPr txBox="1"/>
+          <p:nvPr/>
+        </p:nvSpPr>
+        <p:spPr>
+          <a:xfrm>
+            <a:off x="147910" y="827226"/>
+            <a:ext cx="2117054" cy="584775"/>
+          </a:xfrm>
+          <a:prstGeom prst="rect">
+            <a:avLst/>
+          </a:prstGeom>
+          <a:noFill/>
+        </p:spPr>
+        <p:txBody>
+          <a:bodyPr wrap="none" rtlCol="0">
+            <a:spAutoFit/>
+          </a:bodyPr>
+          <a:lstStyle/>
+          <a:p>
+            <a:pPr algn="ctr"/>
+            <a:r>
+              <a:rPr lang="en-CA" sz="3200" b="1" dirty="0">
+                <a:solidFill>
+                  <a:schemeClr val="accent1">
+                    <a:lumMod val="50000"/>
+                  </a:schemeClr>
+                </a:solidFill>
+              </a:rPr>
+              <a:t>Git Routine</a:t>
+            </a:r>
+            <a:endParaRPr lang="en-CA" b="1" dirty="0">
+              <a:solidFill>
+                <a:schemeClr val="accent1">
+                  <a:lumMod val="50000"/>
+                </a:schemeClr>
+              </a:solidFill>
+            </a:endParaRPr>
+          </a:p>
+        </p:txBody>
+      </p:sp>
       <p:pic>
         <p:nvPicPr>
-          <p:cNvPr id="3" name="Picture 2">
-            <a:extLst>
-              <a:ext uri="{FF2B5EF4-FFF2-40B4-BE49-F238E27FC236}">
-                <a16:creationId xmlns:a16="http://schemas.microsoft.com/office/drawing/2014/main" id="{3E6D0F61-77E0-40CC-A48B-4B4E50728E61}"/>
+          <p:cNvPr id="9" name="Picture 8">
+            <a:extLst>
+              <a:ext uri="{FF2B5EF4-FFF2-40B4-BE49-F238E27FC236}">
+                <a16:creationId xmlns:a16="http://schemas.microsoft.com/office/drawing/2014/main" id="{0D40F1FB-7664-44D6-B653-2CF2EC4A3E57}"/>
               </a:ext>
             </a:extLst>
           </p:cNvPr>
@@ -9009,7 +8681,7 @@
           <p:nvPr/>
         </p:nvPicPr>
         <p:blipFill>
-          <a:blip r:embed="rId3">
+          <a:blip r:embed="rId4" cstate="print">
             <a:extLst>
               <a:ext uri="{28A0092B-C50C-407E-A947-70E740481C1C}">
                 <a14:useLocalDpi xmlns:a14="http://schemas.microsoft.com/office/drawing/2010/main" val="0"/>
@@ -9022,8 +8694,8 @@
         </p:blipFill>
         <p:spPr>
           <a:xfrm>
-            <a:off x="89807" y="708966"/>
-            <a:ext cx="5962650" cy="4219575"/>
+            <a:off x="10926673" y="5654104"/>
+            <a:ext cx="1098550" cy="1098550"/>
           </a:xfrm>
           <a:prstGeom prst="rect">
             <a:avLst/>
@@ -9035,7 +8707,7 @@
           <p:cNvPr id="7" name="Picture 6">
             <a:extLst>
               <a:ext uri="{FF2B5EF4-FFF2-40B4-BE49-F238E27FC236}">
-                <a16:creationId xmlns:a16="http://schemas.microsoft.com/office/drawing/2014/main" id="{5D6394EE-30CF-4C0E-B139-41BE75FCBFB3}"/>
+                <a16:creationId xmlns:a16="http://schemas.microsoft.com/office/drawing/2014/main" id="{35CAC8EE-1329-4511-BFC8-BA5CA964B296}"/>
               </a:ext>
             </a:extLst>
           </p:cNvPr>
@@ -9045,7 +8717,7 @@
           <p:nvPr/>
         </p:nvPicPr>
         <p:blipFill>
-          <a:blip r:embed="rId4">
+          <a:blip r:embed="rId5">
             <a:extLst>
               <a:ext uri="{28A0092B-C50C-407E-A947-70E740481C1C}">
                 <a14:useLocalDpi xmlns:a14="http://schemas.microsoft.com/office/drawing/2010/main" val="0"/>
@@ -9058,18 +8730,811 @@
         </p:blipFill>
         <p:spPr>
           <a:xfrm>
-            <a:off x="4596114" y="3400697"/>
-            <a:ext cx="7429109" cy="3417390"/>
+            <a:off x="713494" y="1447011"/>
+            <a:ext cx="985884" cy="985884"/>
           </a:xfrm>
           <a:prstGeom prst="rect">
             <a:avLst/>
           </a:prstGeom>
         </p:spPr>
       </p:pic>
+      <p:sp>
+        <p:nvSpPr>
+          <p:cNvPr id="8" name="Cloud 7">
+            <a:extLst>
+              <a:ext uri="{FF2B5EF4-FFF2-40B4-BE49-F238E27FC236}">
+                <a16:creationId xmlns:a16="http://schemas.microsoft.com/office/drawing/2014/main" id="{64FE69B9-757E-4775-845E-23455CF1F54C}"/>
+              </a:ext>
+            </a:extLst>
+          </p:cNvPr>
+          <p:cNvSpPr/>
+          <p:nvPr/>
+        </p:nvSpPr>
+        <p:spPr>
+          <a:xfrm>
+            <a:off x="5892797" y="1447011"/>
+            <a:ext cx="2641600" cy="914400"/>
+          </a:xfrm>
+          <a:prstGeom prst="cloud">
+            <a:avLst/>
+          </a:prstGeom>
+        </p:spPr>
+        <p:style>
+          <a:lnRef idx="2">
+            <a:schemeClr val="accent1">
+              <a:shade val="50000"/>
+            </a:schemeClr>
+          </a:lnRef>
+          <a:fillRef idx="1">
+            <a:schemeClr val="accent1"/>
+          </a:fillRef>
+          <a:effectRef idx="0">
+            <a:schemeClr val="accent1"/>
+          </a:effectRef>
+          <a:fontRef idx="minor">
+            <a:schemeClr val="lt1"/>
+          </a:fontRef>
+        </p:style>
+        <p:txBody>
+          <a:bodyPr rtlCol="0" anchor="ctr"/>
+          <a:lstStyle/>
+          <a:p>
+            <a:pPr algn="ctr"/>
+            <a:r>
+              <a:rPr lang="en-CA" dirty="0"/>
+              <a:t>Working Copy</a:t>
+            </a:r>
+          </a:p>
+        </p:txBody>
+      </p:sp>
+      <p:sp>
+        <p:nvSpPr>
+          <p:cNvPr id="18" name="Rectangle 17">
+            <a:extLst>
+              <a:ext uri="{FF2B5EF4-FFF2-40B4-BE49-F238E27FC236}">
+                <a16:creationId xmlns:a16="http://schemas.microsoft.com/office/drawing/2014/main" id="{E89076A5-162D-4B90-95CA-86C540537550}"/>
+              </a:ext>
+            </a:extLst>
+          </p:cNvPr>
+          <p:cNvSpPr/>
+          <p:nvPr/>
+        </p:nvSpPr>
+        <p:spPr>
+          <a:xfrm>
+            <a:off x="5292268" y="2864470"/>
+            <a:ext cx="3842657" cy="647700"/>
+          </a:xfrm>
+          <a:prstGeom prst="rect">
+            <a:avLst/>
+          </a:prstGeom>
+        </p:spPr>
+        <p:style>
+          <a:lnRef idx="2">
+            <a:schemeClr val="accent1">
+              <a:shade val="50000"/>
+            </a:schemeClr>
+          </a:lnRef>
+          <a:fillRef idx="1">
+            <a:schemeClr val="accent1"/>
+          </a:fillRef>
+          <a:effectRef idx="0">
+            <a:schemeClr val="accent1"/>
+          </a:effectRef>
+          <a:fontRef idx="minor">
+            <a:schemeClr val="lt1"/>
+          </a:fontRef>
+        </p:style>
+        <p:txBody>
+          <a:bodyPr rtlCol="0" anchor="ctr"/>
+          <a:lstStyle/>
+          <a:p>
+            <a:pPr algn="ctr"/>
+            <a:r>
+              <a:rPr lang="en-CA" dirty="0"/>
+              <a:t>Modify working copy</a:t>
+            </a:r>
+          </a:p>
+        </p:txBody>
+      </p:sp>
+      <p:sp>
+        <p:nvSpPr>
+          <p:cNvPr id="19" name="Rectangle 18">
+            <a:extLst>
+              <a:ext uri="{FF2B5EF4-FFF2-40B4-BE49-F238E27FC236}">
+                <a16:creationId xmlns:a16="http://schemas.microsoft.com/office/drawing/2014/main" id="{43BA4E97-D924-4888-BB6B-BBEB9423754E}"/>
+              </a:ext>
+            </a:extLst>
+          </p:cNvPr>
+          <p:cNvSpPr/>
+          <p:nvPr/>
+        </p:nvSpPr>
+        <p:spPr>
+          <a:xfrm>
+            <a:off x="5292267" y="3960299"/>
+            <a:ext cx="3842657" cy="647700"/>
+          </a:xfrm>
+          <a:prstGeom prst="rect">
+            <a:avLst/>
+          </a:prstGeom>
+        </p:spPr>
+        <p:style>
+          <a:lnRef idx="2">
+            <a:schemeClr val="accent1">
+              <a:shade val="50000"/>
+            </a:schemeClr>
+          </a:lnRef>
+          <a:fillRef idx="1">
+            <a:schemeClr val="accent1"/>
+          </a:fillRef>
+          <a:effectRef idx="0">
+            <a:schemeClr val="accent1"/>
+          </a:effectRef>
+          <a:fontRef idx="minor">
+            <a:schemeClr val="lt1"/>
+          </a:fontRef>
+        </p:style>
+        <p:txBody>
+          <a:bodyPr rtlCol="0" anchor="ctr"/>
+          <a:lstStyle/>
+          <a:p>
+            <a:pPr algn="ctr"/>
+            <a:r>
+              <a:rPr lang="en-CA" dirty="0"/>
+              <a:t>Review changes</a:t>
+            </a:r>
+          </a:p>
+        </p:txBody>
+      </p:sp>
+      <p:sp>
+        <p:nvSpPr>
+          <p:cNvPr id="20" name="Rectangle 19">
+            <a:extLst>
+              <a:ext uri="{FF2B5EF4-FFF2-40B4-BE49-F238E27FC236}">
+                <a16:creationId xmlns:a16="http://schemas.microsoft.com/office/drawing/2014/main" id="{C692086B-1D18-4B91-8863-22A7302DBBB6}"/>
+              </a:ext>
+            </a:extLst>
+          </p:cNvPr>
+          <p:cNvSpPr/>
+          <p:nvPr/>
+        </p:nvSpPr>
+        <p:spPr>
+          <a:xfrm>
+            <a:off x="5292266" y="5056128"/>
+            <a:ext cx="3842657" cy="647700"/>
+          </a:xfrm>
+          <a:prstGeom prst="rect">
+            <a:avLst/>
+          </a:prstGeom>
+        </p:spPr>
+        <p:style>
+          <a:lnRef idx="2">
+            <a:schemeClr val="accent1">
+              <a:shade val="50000"/>
+            </a:schemeClr>
+          </a:lnRef>
+          <a:fillRef idx="1">
+            <a:schemeClr val="accent1"/>
+          </a:fillRef>
+          <a:effectRef idx="0">
+            <a:schemeClr val="accent1"/>
+          </a:effectRef>
+          <a:fontRef idx="minor">
+            <a:schemeClr val="lt1"/>
+          </a:fontRef>
+        </p:style>
+        <p:txBody>
+          <a:bodyPr rtlCol="0" anchor="ctr"/>
+          <a:lstStyle/>
+          <a:p>
+            <a:pPr algn="ctr"/>
+            <a:r>
+              <a:rPr lang="en-CA" dirty="0"/>
+              <a:t>Modify working copy</a:t>
+            </a:r>
+          </a:p>
+        </p:txBody>
+      </p:sp>
+      <p:sp>
+        <p:nvSpPr>
+          <p:cNvPr id="25" name="Rectangle 24">
+            <a:extLst>
+              <a:ext uri="{FF2B5EF4-FFF2-40B4-BE49-F238E27FC236}">
+                <a16:creationId xmlns:a16="http://schemas.microsoft.com/office/drawing/2014/main" id="{ACA12A4D-91A7-4CD4-8E75-F592C5D79571}"/>
+              </a:ext>
+            </a:extLst>
+          </p:cNvPr>
+          <p:cNvSpPr/>
+          <p:nvPr/>
+        </p:nvSpPr>
+        <p:spPr>
+          <a:xfrm>
+            <a:off x="5292265" y="6151957"/>
+            <a:ext cx="3842657" cy="647700"/>
+          </a:xfrm>
+          <a:prstGeom prst="rect">
+            <a:avLst/>
+          </a:prstGeom>
+        </p:spPr>
+        <p:style>
+          <a:lnRef idx="2">
+            <a:schemeClr val="accent1">
+              <a:shade val="50000"/>
+            </a:schemeClr>
+          </a:lnRef>
+          <a:fillRef idx="1">
+            <a:schemeClr val="accent1"/>
+          </a:fillRef>
+          <a:effectRef idx="0">
+            <a:schemeClr val="accent1"/>
+          </a:effectRef>
+          <a:fontRef idx="minor">
+            <a:schemeClr val="lt1"/>
+          </a:fontRef>
+        </p:style>
+        <p:txBody>
+          <a:bodyPr rtlCol="0" anchor="ctr"/>
+          <a:lstStyle/>
+          <a:p>
+            <a:pPr algn="ctr"/>
+            <a:r>
+              <a:rPr lang="en-CA" dirty="0"/>
+              <a:t>Fix mistakes</a:t>
+            </a:r>
+          </a:p>
+        </p:txBody>
+      </p:sp>
+      <p:cxnSp>
+        <p:nvCxnSpPr>
+          <p:cNvPr id="28" name="Straight Arrow Connector 27">
+            <a:extLst>
+              <a:ext uri="{FF2B5EF4-FFF2-40B4-BE49-F238E27FC236}">
+                <a16:creationId xmlns:a16="http://schemas.microsoft.com/office/drawing/2014/main" id="{21FB0813-4394-47D4-BA1B-FBDD106D5FE0}"/>
+              </a:ext>
+            </a:extLst>
+          </p:cNvPr>
+          <p:cNvCxnSpPr>
+            <a:cxnSpLocks/>
+            <a:stCxn id="7" idx="3"/>
+            <a:endCxn id="8" idx="2"/>
+          </p:cNvCxnSpPr>
+          <p:nvPr/>
+        </p:nvCxnSpPr>
+        <p:spPr>
+          <a:xfrm flipV="1">
+            <a:off x="1699378" y="1904211"/>
+            <a:ext cx="4201613" cy="35742"/>
+          </a:xfrm>
+          <a:prstGeom prst="straightConnector1">
+            <a:avLst/>
+          </a:prstGeom>
+          <a:ln w="57150">
+            <a:tailEnd type="triangle"/>
+          </a:ln>
+        </p:spPr>
+        <p:style>
+          <a:lnRef idx="1">
+            <a:schemeClr val="accent1"/>
+          </a:lnRef>
+          <a:fillRef idx="0">
+            <a:schemeClr val="accent1"/>
+          </a:fillRef>
+          <a:effectRef idx="0">
+            <a:schemeClr val="accent1"/>
+          </a:effectRef>
+          <a:fontRef idx="minor">
+            <a:schemeClr val="tx1"/>
+          </a:fontRef>
+        </p:style>
+      </p:cxnSp>
+      <p:cxnSp>
+        <p:nvCxnSpPr>
+          <p:cNvPr id="30" name="Straight Arrow Connector 29">
+            <a:extLst>
+              <a:ext uri="{FF2B5EF4-FFF2-40B4-BE49-F238E27FC236}">
+                <a16:creationId xmlns:a16="http://schemas.microsoft.com/office/drawing/2014/main" id="{DB6A28ED-1292-4514-BE79-89D8B62DC6C7}"/>
+              </a:ext>
+            </a:extLst>
+          </p:cNvPr>
+          <p:cNvCxnSpPr>
+            <a:cxnSpLocks/>
+            <a:stCxn id="8" idx="1"/>
+            <a:endCxn id="18" idx="0"/>
+          </p:cNvCxnSpPr>
+          <p:nvPr/>
+        </p:nvCxnSpPr>
+        <p:spPr>
+          <a:xfrm>
+            <a:off x="7213597" y="2360437"/>
+            <a:ext cx="0" cy="504033"/>
+          </a:xfrm>
+          <a:prstGeom prst="straightConnector1">
+            <a:avLst/>
+          </a:prstGeom>
+          <a:ln w="57150">
+            <a:tailEnd type="triangle"/>
+          </a:ln>
+        </p:spPr>
+        <p:style>
+          <a:lnRef idx="1">
+            <a:schemeClr val="accent1"/>
+          </a:lnRef>
+          <a:fillRef idx="0">
+            <a:schemeClr val="accent1"/>
+          </a:fillRef>
+          <a:effectRef idx="0">
+            <a:schemeClr val="accent1"/>
+          </a:effectRef>
+          <a:fontRef idx="minor">
+            <a:schemeClr val="tx1"/>
+          </a:fontRef>
+        </p:style>
+      </p:cxnSp>
+      <p:cxnSp>
+        <p:nvCxnSpPr>
+          <p:cNvPr id="32" name="Straight Arrow Connector 31">
+            <a:extLst>
+              <a:ext uri="{FF2B5EF4-FFF2-40B4-BE49-F238E27FC236}">
+                <a16:creationId xmlns:a16="http://schemas.microsoft.com/office/drawing/2014/main" id="{F7C19B36-421E-4DDE-8828-C2AC35D3B3DF}"/>
+              </a:ext>
+            </a:extLst>
+          </p:cNvPr>
+          <p:cNvCxnSpPr>
+            <a:cxnSpLocks/>
+            <a:endCxn id="19" idx="0"/>
+          </p:cNvCxnSpPr>
+          <p:nvPr/>
+        </p:nvCxnSpPr>
+        <p:spPr>
+          <a:xfrm flipH="1">
+            <a:off x="7213596" y="3512170"/>
+            <a:ext cx="2" cy="448129"/>
+          </a:xfrm>
+          <a:prstGeom prst="straightConnector1">
+            <a:avLst/>
+          </a:prstGeom>
+          <a:ln w="57150">
+            <a:tailEnd type="triangle"/>
+          </a:ln>
+        </p:spPr>
+        <p:style>
+          <a:lnRef idx="1">
+            <a:schemeClr val="accent1"/>
+          </a:lnRef>
+          <a:fillRef idx="0">
+            <a:schemeClr val="accent1"/>
+          </a:fillRef>
+          <a:effectRef idx="0">
+            <a:schemeClr val="accent1"/>
+          </a:effectRef>
+          <a:fontRef idx="minor">
+            <a:schemeClr val="tx1"/>
+          </a:fontRef>
+        </p:style>
+      </p:cxnSp>
+      <p:cxnSp>
+        <p:nvCxnSpPr>
+          <p:cNvPr id="34" name="Straight Arrow Connector 33">
+            <a:extLst>
+              <a:ext uri="{FF2B5EF4-FFF2-40B4-BE49-F238E27FC236}">
+                <a16:creationId xmlns:a16="http://schemas.microsoft.com/office/drawing/2014/main" id="{D0849570-1C00-44F1-B5CB-B1B87ADC13A1}"/>
+              </a:ext>
+            </a:extLst>
+          </p:cNvPr>
+          <p:cNvCxnSpPr>
+            <a:cxnSpLocks/>
+            <a:endCxn id="20" idx="0"/>
+          </p:cNvCxnSpPr>
+          <p:nvPr/>
+        </p:nvCxnSpPr>
+        <p:spPr>
+          <a:xfrm flipH="1">
+            <a:off x="7213595" y="4607999"/>
+            <a:ext cx="16330" cy="448129"/>
+          </a:xfrm>
+          <a:prstGeom prst="straightConnector1">
+            <a:avLst/>
+          </a:prstGeom>
+          <a:ln w="57150">
+            <a:tailEnd type="triangle"/>
+          </a:ln>
+        </p:spPr>
+        <p:style>
+          <a:lnRef idx="1">
+            <a:schemeClr val="accent1"/>
+          </a:lnRef>
+          <a:fillRef idx="0">
+            <a:schemeClr val="accent1"/>
+          </a:fillRef>
+          <a:effectRef idx="0">
+            <a:schemeClr val="accent1"/>
+          </a:effectRef>
+          <a:fontRef idx="minor">
+            <a:schemeClr val="tx1"/>
+          </a:fontRef>
+        </p:style>
+      </p:cxnSp>
+      <p:cxnSp>
+        <p:nvCxnSpPr>
+          <p:cNvPr id="37" name="Straight Arrow Connector 36">
+            <a:extLst>
+              <a:ext uri="{FF2B5EF4-FFF2-40B4-BE49-F238E27FC236}">
+                <a16:creationId xmlns:a16="http://schemas.microsoft.com/office/drawing/2014/main" id="{C16E38F8-2794-4479-85F4-E4959D196016}"/>
+              </a:ext>
+            </a:extLst>
+          </p:cNvPr>
+          <p:cNvCxnSpPr>
+            <a:cxnSpLocks/>
+            <a:endCxn id="25" idx="0"/>
+          </p:cNvCxnSpPr>
+          <p:nvPr/>
+        </p:nvCxnSpPr>
+        <p:spPr>
+          <a:xfrm flipH="1">
+            <a:off x="7213594" y="5703828"/>
+            <a:ext cx="2" cy="448129"/>
+          </a:xfrm>
+          <a:prstGeom prst="straightConnector1">
+            <a:avLst/>
+          </a:prstGeom>
+          <a:ln w="57150">
+            <a:tailEnd type="triangle"/>
+          </a:ln>
+        </p:spPr>
+        <p:style>
+          <a:lnRef idx="1">
+            <a:schemeClr val="accent1"/>
+          </a:lnRef>
+          <a:fillRef idx="0">
+            <a:schemeClr val="accent1"/>
+          </a:fillRef>
+          <a:effectRef idx="0">
+            <a:schemeClr val="accent1"/>
+          </a:effectRef>
+          <a:fontRef idx="minor">
+            <a:schemeClr val="tx1"/>
+          </a:fontRef>
+        </p:style>
+      </p:cxnSp>
+      <p:cxnSp>
+        <p:nvCxnSpPr>
+          <p:cNvPr id="40" name="Connector: Elbow 39">
+            <a:extLst>
+              <a:ext uri="{FF2B5EF4-FFF2-40B4-BE49-F238E27FC236}">
+                <a16:creationId xmlns:a16="http://schemas.microsoft.com/office/drawing/2014/main" id="{EBEE9292-9817-4481-91F2-187523509033}"/>
+              </a:ext>
+            </a:extLst>
+          </p:cNvPr>
+          <p:cNvCxnSpPr>
+            <a:cxnSpLocks/>
+            <a:endCxn id="18" idx="1"/>
+          </p:cNvCxnSpPr>
+          <p:nvPr/>
+        </p:nvCxnSpPr>
+        <p:spPr>
+          <a:xfrm>
+            <a:off x="1699378" y="2061029"/>
+            <a:ext cx="3592890" cy="1127291"/>
+          </a:xfrm>
+          <a:prstGeom prst="bentConnector3">
+            <a:avLst/>
+          </a:prstGeom>
+          <a:ln w="53975">
+            <a:tailEnd type="triangle"/>
+          </a:ln>
+        </p:spPr>
+        <p:style>
+          <a:lnRef idx="1">
+            <a:schemeClr val="accent1"/>
+          </a:lnRef>
+          <a:fillRef idx="0">
+            <a:schemeClr val="accent1"/>
+          </a:fillRef>
+          <a:effectRef idx="0">
+            <a:schemeClr val="accent1"/>
+          </a:effectRef>
+          <a:fontRef idx="minor">
+            <a:schemeClr val="tx1"/>
+          </a:fontRef>
+        </p:style>
+      </p:cxnSp>
+      <p:cxnSp>
+        <p:nvCxnSpPr>
+          <p:cNvPr id="42" name="Connector: Elbow 41">
+            <a:extLst>
+              <a:ext uri="{FF2B5EF4-FFF2-40B4-BE49-F238E27FC236}">
+                <a16:creationId xmlns:a16="http://schemas.microsoft.com/office/drawing/2014/main" id="{C93D7DD4-B640-417B-996B-0A7F36CE3389}"/>
+              </a:ext>
+            </a:extLst>
+          </p:cNvPr>
+          <p:cNvCxnSpPr>
+            <a:cxnSpLocks/>
+          </p:cNvCxnSpPr>
+          <p:nvPr/>
+        </p:nvCxnSpPr>
+        <p:spPr>
+          <a:xfrm rot="10800000">
+            <a:off x="1638734" y="2231344"/>
+            <a:ext cx="3653531" cy="3148634"/>
+          </a:xfrm>
+          <a:prstGeom prst="bentConnector3">
+            <a:avLst/>
+          </a:prstGeom>
+          <a:ln w="53975">
+            <a:tailEnd type="triangle"/>
+          </a:ln>
+        </p:spPr>
+        <p:style>
+          <a:lnRef idx="1">
+            <a:schemeClr val="accent1"/>
+          </a:lnRef>
+          <a:fillRef idx="0">
+            <a:schemeClr val="accent1"/>
+          </a:fillRef>
+          <a:effectRef idx="0">
+            <a:schemeClr val="accent1"/>
+          </a:effectRef>
+          <a:fontRef idx="minor">
+            <a:schemeClr val="tx1"/>
+          </a:fontRef>
+        </p:style>
+      </p:cxnSp>
+      <p:cxnSp>
+        <p:nvCxnSpPr>
+          <p:cNvPr id="47" name="Connector: Elbow 46">
+            <a:extLst>
+              <a:ext uri="{FF2B5EF4-FFF2-40B4-BE49-F238E27FC236}">
+                <a16:creationId xmlns:a16="http://schemas.microsoft.com/office/drawing/2014/main" id="{A8BA622C-7987-4222-BF47-DD4D031A0EDC}"/>
+              </a:ext>
+            </a:extLst>
+          </p:cNvPr>
+          <p:cNvCxnSpPr>
+            <a:cxnSpLocks/>
+            <a:stCxn id="25" idx="3"/>
+          </p:cNvCxnSpPr>
+          <p:nvPr/>
+        </p:nvCxnSpPr>
+        <p:spPr>
+          <a:xfrm flipH="1" flipV="1">
+            <a:off x="9099908" y="3188321"/>
+            <a:ext cx="35014" cy="3287486"/>
+          </a:xfrm>
+          <a:prstGeom prst="bentConnector4">
+            <a:avLst>
+              <a:gd name="adj1" fmla="val -3612612"/>
+              <a:gd name="adj2" fmla="val 99428"/>
+            </a:avLst>
+          </a:prstGeom>
+          <a:ln w="53975">
+            <a:prstDash val="dash"/>
+            <a:tailEnd type="triangle"/>
+          </a:ln>
+        </p:spPr>
+        <p:style>
+          <a:lnRef idx="1">
+            <a:schemeClr val="accent1"/>
+          </a:lnRef>
+          <a:fillRef idx="0">
+            <a:schemeClr val="accent1"/>
+          </a:fillRef>
+          <a:effectRef idx="0">
+            <a:schemeClr val="accent1"/>
+          </a:effectRef>
+          <a:fontRef idx="minor">
+            <a:schemeClr val="tx1"/>
+          </a:fontRef>
+        </p:style>
+      </p:cxnSp>
+      <p:cxnSp>
+        <p:nvCxnSpPr>
+          <p:cNvPr id="51" name="Connector: Elbow 50">
+            <a:extLst>
+              <a:ext uri="{FF2B5EF4-FFF2-40B4-BE49-F238E27FC236}">
+                <a16:creationId xmlns:a16="http://schemas.microsoft.com/office/drawing/2014/main" id="{B3BCF225-3DD0-42E9-A9CA-B81200D64D5A}"/>
+              </a:ext>
+            </a:extLst>
+          </p:cNvPr>
+          <p:cNvCxnSpPr>
+            <a:cxnSpLocks/>
+            <a:stCxn id="25" idx="1"/>
+          </p:cNvCxnSpPr>
+          <p:nvPr/>
+        </p:nvCxnSpPr>
+        <p:spPr>
+          <a:xfrm rot="10800000">
+            <a:off x="1239327" y="2379965"/>
+            <a:ext cx="4052938" cy="4095843"/>
+          </a:xfrm>
+          <a:prstGeom prst="bentConnector2">
+            <a:avLst/>
+          </a:prstGeom>
+          <a:ln w="53975">
+            <a:prstDash val="dash"/>
+            <a:tailEnd type="triangle"/>
+          </a:ln>
+        </p:spPr>
+        <p:style>
+          <a:lnRef idx="1">
+            <a:schemeClr val="accent1"/>
+          </a:lnRef>
+          <a:fillRef idx="0">
+            <a:schemeClr val="accent1"/>
+          </a:fillRef>
+          <a:effectRef idx="0">
+            <a:schemeClr val="accent1"/>
+          </a:effectRef>
+          <a:fontRef idx="minor">
+            <a:schemeClr val="tx1"/>
+          </a:fontRef>
+        </p:style>
+      </p:cxnSp>
+      <p:sp>
+        <p:nvSpPr>
+          <p:cNvPr id="55" name="Rectangle 54">
+            <a:extLst>
+              <a:ext uri="{FF2B5EF4-FFF2-40B4-BE49-F238E27FC236}">
+                <a16:creationId xmlns:a16="http://schemas.microsoft.com/office/drawing/2014/main" id="{019FF62C-7239-4F74-9D2D-A11B22E88C28}"/>
+              </a:ext>
+            </a:extLst>
+          </p:cNvPr>
+          <p:cNvSpPr/>
+          <p:nvPr/>
+        </p:nvSpPr>
+        <p:spPr>
+          <a:xfrm>
+            <a:off x="1822847" y="1536192"/>
+            <a:ext cx="2809615" cy="369332"/>
+          </a:xfrm>
+          <a:prstGeom prst="rect">
+            <a:avLst/>
+          </a:prstGeom>
+        </p:spPr>
+        <p:txBody>
+          <a:bodyPr wrap="none">
+            <a:spAutoFit/>
+          </a:bodyPr>
+          <a:lstStyle/>
+          <a:p>
+            <a:r>
+              <a:rPr lang="en-CA" b="1" dirty="0">
+                <a:solidFill>
+                  <a:schemeClr val="accent1">
+                    <a:lumMod val="50000"/>
+                  </a:schemeClr>
+                </a:solidFill>
+              </a:rPr>
+              <a:t>Remote add (share) / Clone</a:t>
+            </a:r>
+            <a:endParaRPr lang="en-CA" dirty="0"/>
+          </a:p>
+        </p:txBody>
+      </p:sp>
+      <p:sp>
+        <p:nvSpPr>
+          <p:cNvPr id="56" name="Rectangle 55">
+            <a:extLst>
+              <a:ext uri="{FF2B5EF4-FFF2-40B4-BE49-F238E27FC236}">
+                <a16:creationId xmlns:a16="http://schemas.microsoft.com/office/drawing/2014/main" id="{796832AC-EDE0-46B9-A2A9-5C7C43126E89}"/>
+              </a:ext>
+            </a:extLst>
+          </p:cNvPr>
+          <p:cNvSpPr/>
+          <p:nvPr/>
+        </p:nvSpPr>
+        <p:spPr>
+          <a:xfrm>
+            <a:off x="3888277" y="2778622"/>
+            <a:ext cx="886653" cy="369332"/>
+          </a:xfrm>
+          <a:prstGeom prst="rect">
+            <a:avLst/>
+          </a:prstGeom>
+        </p:spPr>
+        <p:txBody>
+          <a:bodyPr wrap="none">
+            <a:spAutoFit/>
+          </a:bodyPr>
+          <a:lstStyle/>
+          <a:p>
+            <a:r>
+              <a:rPr lang="en-CA" b="1" dirty="0">
+                <a:solidFill>
+                  <a:schemeClr val="accent1">
+                    <a:lumMod val="50000"/>
+                  </a:schemeClr>
+                </a:solidFill>
+              </a:rPr>
+              <a:t>Update</a:t>
+            </a:r>
+            <a:endParaRPr lang="en-CA" dirty="0"/>
+          </a:p>
+        </p:txBody>
+      </p:sp>
+      <p:sp>
+        <p:nvSpPr>
+          <p:cNvPr id="57" name="Rectangle 56">
+            <a:extLst>
+              <a:ext uri="{FF2B5EF4-FFF2-40B4-BE49-F238E27FC236}">
+                <a16:creationId xmlns:a16="http://schemas.microsoft.com/office/drawing/2014/main" id="{70A89260-BD49-4FFF-BBFB-EC06C424F53F}"/>
+              </a:ext>
+            </a:extLst>
+          </p:cNvPr>
+          <p:cNvSpPr/>
+          <p:nvPr/>
+        </p:nvSpPr>
+        <p:spPr>
+          <a:xfrm>
+            <a:off x="3892536" y="5030829"/>
+            <a:ext cx="646331" cy="369332"/>
+          </a:xfrm>
+          <a:prstGeom prst="rect">
+            <a:avLst/>
+          </a:prstGeom>
+        </p:spPr>
+        <p:txBody>
+          <a:bodyPr wrap="none">
+            <a:spAutoFit/>
+          </a:bodyPr>
+          <a:lstStyle/>
+          <a:p>
+            <a:r>
+              <a:rPr lang="en-CA" b="1" dirty="0">
+                <a:solidFill>
+                  <a:schemeClr val="accent1">
+                    <a:lumMod val="50000"/>
+                  </a:schemeClr>
+                </a:solidFill>
+              </a:rPr>
+              <a:t>Push</a:t>
+            </a:r>
+            <a:endParaRPr lang="en-CA" dirty="0"/>
+          </a:p>
+        </p:txBody>
+      </p:sp>
+      <p:sp>
+        <p:nvSpPr>
+          <p:cNvPr id="58" name="Rectangle 57">
+            <a:extLst>
+              <a:ext uri="{FF2B5EF4-FFF2-40B4-BE49-F238E27FC236}">
+                <a16:creationId xmlns:a16="http://schemas.microsoft.com/office/drawing/2014/main" id="{32FCECD5-26DF-4517-AA6D-E2F030187663}"/>
+              </a:ext>
+            </a:extLst>
+          </p:cNvPr>
+          <p:cNvSpPr/>
+          <p:nvPr/>
+        </p:nvSpPr>
+        <p:spPr>
+          <a:xfrm>
+            <a:off x="2819168" y="6083735"/>
+            <a:ext cx="646331" cy="369332"/>
+          </a:xfrm>
+          <a:prstGeom prst="rect">
+            <a:avLst/>
+          </a:prstGeom>
+        </p:spPr>
+        <p:txBody>
+          <a:bodyPr wrap="none">
+            <a:spAutoFit/>
+          </a:bodyPr>
+          <a:lstStyle/>
+          <a:p>
+            <a:r>
+              <a:rPr lang="en-CA" b="1" dirty="0">
+                <a:solidFill>
+                  <a:schemeClr val="accent1">
+                    <a:lumMod val="50000"/>
+                  </a:schemeClr>
+                </a:solidFill>
+              </a:rPr>
+              <a:t>Push</a:t>
+            </a:r>
+            <a:endParaRPr lang="en-CA" dirty="0"/>
+          </a:p>
+        </p:txBody>
+      </p:sp>
     </p:spTree>
     <p:extLst>
       <p:ext uri="{BB962C8B-B14F-4D97-AF65-F5344CB8AC3E}">
-        <p14:creationId xmlns:p14="http://schemas.microsoft.com/office/powerpoint/2010/main" val="631797340"/>
+        <p14:creationId xmlns:p14="http://schemas.microsoft.com/office/powerpoint/2010/main" val="1300866775"/>
       </p:ext>
     </p:extLst>
   </p:cSld>
@@ -9105,7 +9570,7 @@
           <p:nvPr/>
         </p:nvPicPr>
         <p:blipFill>
-          <a:blip r:embed="rId3"/>
+          <a:blip r:embed="rId2"/>
           <a:stretch>
             <a:fillRect/>
           </a:stretch>
@@ -9166,103 +9631,82 @@
           </a:p>
         </p:txBody>
       </p:sp>
-      <p:sp>
-        <p:nvSpPr>
-          <p:cNvPr id="6" name="TextBox 5"/>
-          <p:cNvSpPr txBox="1"/>
-          <p:nvPr/>
-        </p:nvSpPr>
-        <p:spPr>
-          <a:xfrm>
-            <a:off x="3854339" y="2820837"/>
-            <a:ext cx="4488985" cy="2062103"/>
+      <p:pic>
+        <p:nvPicPr>
+          <p:cNvPr id="3" name="Picture 2">
+            <a:extLst>
+              <a:ext uri="{FF2B5EF4-FFF2-40B4-BE49-F238E27FC236}">
+                <a16:creationId xmlns:a16="http://schemas.microsoft.com/office/drawing/2014/main" id="{3E6D0F61-77E0-40CC-A48B-4B4E50728E61}"/>
+              </a:ext>
+            </a:extLst>
+          </p:cNvPr>
+          <p:cNvPicPr>
+            <a:picLocks noChangeAspect="1"/>
+          </p:cNvPicPr>
+          <p:nvPr/>
+        </p:nvPicPr>
+        <p:blipFill>
+          <a:blip r:embed="rId3">
+            <a:extLst>
+              <a:ext uri="{28A0092B-C50C-407E-A947-70E740481C1C}">
+                <a14:useLocalDpi xmlns:a14="http://schemas.microsoft.com/office/drawing/2010/main" val="0"/>
+              </a:ext>
+            </a:extLst>
+          </a:blip>
+          <a:stretch>
+            <a:fillRect/>
+          </a:stretch>
+        </p:blipFill>
+        <p:spPr>
+          <a:xfrm>
+            <a:off x="89807" y="708966"/>
+            <a:ext cx="5962650" cy="4219575"/>
           </a:xfrm>
           <a:prstGeom prst="rect">
             <a:avLst/>
           </a:prstGeom>
-          <a:noFill/>
-        </p:spPr>
-        <p:txBody>
-          <a:bodyPr wrap="none" rtlCol="0">
-            <a:spAutoFit/>
-          </a:bodyPr>
-          <a:lstStyle/>
-          <a:p>
-            <a:pPr algn="ctr"/>
-            <a:r>
-              <a:rPr lang="en-CA" sz="3200" b="1" dirty="0">
-                <a:solidFill>
-                  <a:schemeClr val="accent1">
-                    <a:lumMod val="50000"/>
-                  </a:schemeClr>
-                </a:solidFill>
-              </a:rPr>
-              <a:t>Integration with Box.com</a:t>
-            </a:r>
-            <a:endParaRPr lang="en-CA" b="1" dirty="0">
-              <a:solidFill>
-                <a:schemeClr val="accent1">
-                  <a:lumMod val="50000"/>
-                </a:schemeClr>
-              </a:solidFill>
-            </a:endParaRPr>
-          </a:p>
-          <a:p>
-            <a:pPr algn="ctr"/>
-            <a:endParaRPr lang="en-CA" sz="2000" dirty="0">
-              <a:solidFill>
-                <a:srgbClr val="FFC000"/>
-              </a:solidFill>
-            </a:endParaRPr>
-          </a:p>
-          <a:p>
-            <a:pPr algn="ctr"/>
-            <a:endParaRPr lang="en-CA" sz="2000" dirty="0">
-              <a:solidFill>
-                <a:srgbClr val="FFC000"/>
-              </a:solidFill>
-            </a:endParaRPr>
-          </a:p>
-          <a:p>
-            <a:pPr algn="ctr"/>
-            <a:endParaRPr lang="en-CA" sz="2000" dirty="0">
-              <a:solidFill>
-                <a:srgbClr val="FFC000"/>
-              </a:solidFill>
-            </a:endParaRPr>
-          </a:p>
-          <a:p>
-            <a:pPr algn="ctr"/>
-            <a:r>
-              <a:rPr lang="en-CA" dirty="0">
-                <a:solidFill>
-                  <a:schemeClr val="accent1">
-                    <a:lumMod val="50000"/>
-                  </a:schemeClr>
-                </a:solidFill>
-              </a:rPr>
-              <a:t>Olga Agady</a:t>
-            </a:r>
-          </a:p>
-          <a:p>
-            <a:pPr algn="ctr"/>
-            <a:r>
-              <a:rPr lang="en-CA" dirty="0">
-                <a:solidFill>
-                  <a:schemeClr val="accent1">
-                    <a:lumMod val="50000"/>
-                  </a:schemeClr>
-                </a:solidFill>
-              </a:rPr>
-              <a:t>olga.agady@tarion.com</a:t>
-            </a:r>
-          </a:p>
-        </p:txBody>
-      </p:sp>
+        </p:spPr>
+      </p:pic>
+      <p:pic>
+        <p:nvPicPr>
+          <p:cNvPr id="7" name="Picture 6">
+            <a:extLst>
+              <a:ext uri="{FF2B5EF4-FFF2-40B4-BE49-F238E27FC236}">
+                <a16:creationId xmlns:a16="http://schemas.microsoft.com/office/drawing/2014/main" id="{5D6394EE-30CF-4C0E-B139-41BE75FCBFB3}"/>
+              </a:ext>
+            </a:extLst>
+          </p:cNvPr>
+          <p:cNvPicPr>
+            <a:picLocks noChangeAspect="1"/>
+          </p:cNvPicPr>
+          <p:nvPr/>
+        </p:nvPicPr>
+        <p:blipFill>
+          <a:blip r:embed="rId4">
+            <a:extLst>
+              <a:ext uri="{28A0092B-C50C-407E-A947-70E740481C1C}">
+                <a14:useLocalDpi xmlns:a14="http://schemas.microsoft.com/office/drawing/2010/main" val="0"/>
+              </a:ext>
+            </a:extLst>
+          </a:blip>
+          <a:stretch>
+            <a:fillRect/>
+          </a:stretch>
+        </p:blipFill>
+        <p:spPr>
+          <a:xfrm>
+            <a:off x="4596114" y="3400697"/>
+            <a:ext cx="7429109" cy="3417390"/>
+          </a:xfrm>
+          <a:prstGeom prst="rect">
+            <a:avLst/>
+          </a:prstGeom>
+        </p:spPr>
+      </p:pic>
     </p:spTree>
     <p:extLst>
       <p:ext uri="{BB962C8B-B14F-4D97-AF65-F5344CB8AC3E}">
-        <p14:creationId xmlns:p14="http://schemas.microsoft.com/office/powerpoint/2010/main" val="745846458"/>
+        <p14:creationId xmlns:p14="http://schemas.microsoft.com/office/powerpoint/2010/main" val="631797340"/>
       </p:ext>
     </p:extLst>
   </p:cSld>
@@ -9291,6 +9735,199 @@
       </p:grpSpPr>
       <p:pic>
         <p:nvPicPr>
+          <p:cNvPr id="4" name="Picture 3"/>
+          <p:cNvPicPr>
+            <a:picLocks noChangeAspect="1"/>
+          </p:cNvPicPr>
+          <p:nvPr/>
+        </p:nvPicPr>
+        <p:blipFill>
+          <a:blip r:embed="rId3"/>
+          <a:stretch>
+            <a:fillRect/>
+          </a:stretch>
+        </p:blipFill>
+        <p:spPr>
+          <a:xfrm>
+            <a:off x="172435" y="173514"/>
+            <a:ext cx="2133785" cy="472481"/>
+          </a:xfrm>
+          <a:prstGeom prst="rect">
+            <a:avLst/>
+          </a:prstGeom>
+        </p:spPr>
+      </p:pic>
+      <p:sp>
+        <p:nvSpPr>
+          <p:cNvPr id="5" name="Rectangle 4"/>
+          <p:cNvSpPr/>
+          <p:nvPr/>
+        </p:nvSpPr>
+        <p:spPr>
+          <a:xfrm>
+            <a:off x="172435" y="654621"/>
+            <a:ext cx="11852788" cy="45719"/>
+          </a:xfrm>
+          <a:prstGeom prst="rect">
+            <a:avLst/>
+          </a:prstGeom>
+          <a:solidFill>
+            <a:srgbClr val="0070C0"/>
+          </a:solidFill>
+          <a:ln>
+            <a:noFill/>
+          </a:ln>
+        </p:spPr>
+        <p:style>
+          <a:lnRef idx="2">
+            <a:schemeClr val="accent1">
+              <a:shade val="50000"/>
+            </a:schemeClr>
+          </a:lnRef>
+          <a:fillRef idx="1">
+            <a:schemeClr val="accent1"/>
+          </a:fillRef>
+          <a:effectRef idx="0">
+            <a:schemeClr val="accent1"/>
+          </a:effectRef>
+          <a:fontRef idx="minor">
+            <a:schemeClr val="lt1"/>
+          </a:fontRef>
+        </p:style>
+        <p:txBody>
+          <a:bodyPr rtlCol="0" anchor="ctr"/>
+          <a:lstStyle/>
+          <a:p>
+            <a:pPr algn="ctr"/>
+            <a:endParaRPr lang="en-CA"/>
+          </a:p>
+        </p:txBody>
+      </p:sp>
+      <p:sp>
+        <p:nvSpPr>
+          <p:cNvPr id="6" name="TextBox 5"/>
+          <p:cNvSpPr txBox="1"/>
+          <p:nvPr/>
+        </p:nvSpPr>
+        <p:spPr>
+          <a:xfrm>
+            <a:off x="3854339" y="2820837"/>
+            <a:ext cx="4488985" cy="2062103"/>
+          </a:xfrm>
+          <a:prstGeom prst="rect">
+            <a:avLst/>
+          </a:prstGeom>
+          <a:noFill/>
+        </p:spPr>
+        <p:txBody>
+          <a:bodyPr wrap="none" rtlCol="0">
+            <a:spAutoFit/>
+          </a:bodyPr>
+          <a:lstStyle/>
+          <a:p>
+            <a:pPr algn="ctr"/>
+            <a:r>
+              <a:rPr lang="en-CA" sz="3200" b="1" dirty="0">
+                <a:solidFill>
+                  <a:schemeClr val="accent1">
+                    <a:lumMod val="50000"/>
+                  </a:schemeClr>
+                </a:solidFill>
+              </a:rPr>
+              <a:t>Integration with Box.com</a:t>
+            </a:r>
+            <a:endParaRPr lang="en-CA" b="1" dirty="0">
+              <a:solidFill>
+                <a:schemeClr val="accent1">
+                  <a:lumMod val="50000"/>
+                </a:schemeClr>
+              </a:solidFill>
+            </a:endParaRPr>
+          </a:p>
+          <a:p>
+            <a:pPr algn="ctr"/>
+            <a:endParaRPr lang="en-CA" sz="2000" dirty="0">
+              <a:solidFill>
+                <a:srgbClr val="FFC000"/>
+              </a:solidFill>
+            </a:endParaRPr>
+          </a:p>
+          <a:p>
+            <a:pPr algn="ctr"/>
+            <a:endParaRPr lang="en-CA" sz="2000" dirty="0">
+              <a:solidFill>
+                <a:srgbClr val="FFC000"/>
+              </a:solidFill>
+            </a:endParaRPr>
+          </a:p>
+          <a:p>
+            <a:pPr algn="ctr"/>
+            <a:endParaRPr lang="en-CA" sz="2000" dirty="0">
+              <a:solidFill>
+                <a:srgbClr val="FFC000"/>
+              </a:solidFill>
+            </a:endParaRPr>
+          </a:p>
+          <a:p>
+            <a:pPr algn="ctr"/>
+            <a:r>
+              <a:rPr lang="en-CA" dirty="0">
+                <a:solidFill>
+                  <a:schemeClr val="accent1">
+                    <a:lumMod val="50000"/>
+                  </a:schemeClr>
+                </a:solidFill>
+              </a:rPr>
+              <a:t>Olga Agady</a:t>
+            </a:r>
+          </a:p>
+          <a:p>
+            <a:pPr algn="ctr"/>
+            <a:r>
+              <a:rPr lang="en-CA" dirty="0">
+                <a:solidFill>
+                  <a:schemeClr val="accent1">
+                    <a:lumMod val="50000"/>
+                  </a:schemeClr>
+                </a:solidFill>
+              </a:rPr>
+              <a:t>olga.agady@tarion.com</a:t>
+            </a:r>
+          </a:p>
+        </p:txBody>
+      </p:sp>
+    </p:spTree>
+    <p:extLst>
+      <p:ext uri="{BB962C8B-B14F-4D97-AF65-F5344CB8AC3E}">
+        <p14:creationId xmlns:p14="http://schemas.microsoft.com/office/powerpoint/2010/main" val="745846458"/>
+      </p:ext>
+    </p:extLst>
+  </p:cSld>
+  <p:clrMapOvr>
+    <a:masterClrMapping/>
+  </p:clrMapOvr>
+</p:sld>
+</file>
+
+<file path=ppt/slides/slide18.xml><?xml version="1.0" encoding="utf-8"?>
+<p:sld xmlns:a="http://schemas.openxmlformats.org/drawingml/2006/main" xmlns:r="http://schemas.openxmlformats.org/officeDocument/2006/relationships" xmlns:p="http://schemas.openxmlformats.org/presentationml/2006/main">
+  <p:cSld>
+    <p:spTree>
+      <p:nvGrpSpPr>
+        <p:cNvPr id="1" name=""/>
+        <p:cNvGrpSpPr/>
+        <p:nvPr/>
+      </p:nvGrpSpPr>
+      <p:grpSpPr>
+        <a:xfrm>
+          <a:off x="0" y="0"/>
+          <a:ext cx="0" cy="0"/>
+          <a:chOff x="0" y="0"/>
+          <a:chExt cx="0" cy="0"/>
+        </a:xfrm>
+      </p:grpSpPr>
+      <p:pic>
+        <p:nvPicPr>
           <p:cNvPr id="5" name="Graphic 4" descr="Man">
             <a:extLst>
               <a:ext uri="{FF2B5EF4-FFF2-40B4-BE49-F238E27FC236}">
@@ -10381,7 +11018,7 @@
 </p:sld>
 </file>
 
-<file path=ppt/slides/slide18.xml><?xml version="1.0" encoding="utf-8"?>
+<file path=ppt/slides/slide19.xml><?xml version="1.0" encoding="utf-8"?>
 <p:sld xmlns:a="http://schemas.openxmlformats.org/drawingml/2006/main" xmlns:r="http://schemas.openxmlformats.org/officeDocument/2006/relationships" xmlns:p="http://schemas.openxmlformats.org/presentationml/2006/main">
   <p:cSld>
     <p:spTree>
@@ -11985,108 +12622,196 @@
           </a:p>
         </p:txBody>
       </p:sp>
-      <p:sp>
-        <p:nvSpPr>
-          <p:cNvPr id="6" name="TextBox 5"/>
-          <p:cNvSpPr txBox="1"/>
-          <p:nvPr/>
-        </p:nvSpPr>
-        <p:spPr>
-          <a:xfrm>
-            <a:off x="3545664" y="2820837"/>
-            <a:ext cx="5106334" cy="2123658"/>
+      <p:pic>
+        <p:nvPicPr>
+          <p:cNvPr id="2" name="Picture 1">
+            <a:extLst>
+              <a:ext uri="{FF2B5EF4-FFF2-40B4-BE49-F238E27FC236}">
+                <a16:creationId xmlns:a16="http://schemas.microsoft.com/office/drawing/2014/main" id="{6D2F7E1E-2E8C-4F09-8877-9B82606AF573}"/>
+              </a:ext>
+            </a:extLst>
+          </p:cNvPr>
+          <p:cNvPicPr>
+            <a:picLocks noChangeAspect="1"/>
+          </p:cNvPicPr>
+          <p:nvPr/>
+        </p:nvPicPr>
+        <p:blipFill>
+          <a:blip r:embed="rId4"/>
+          <a:stretch>
+            <a:fillRect/>
+          </a:stretch>
+        </p:blipFill>
+        <p:spPr>
+          <a:xfrm>
+            <a:off x="0" y="1241751"/>
+            <a:ext cx="3638095" cy="1876190"/>
           </a:xfrm>
           <a:prstGeom prst="rect">
             <a:avLst/>
           </a:prstGeom>
-          <a:noFill/>
-        </p:spPr>
-        <p:txBody>
-          <a:bodyPr wrap="none" rtlCol="0">
-            <a:spAutoFit/>
-          </a:bodyPr>
-          <a:lstStyle/>
-          <a:p>
-            <a:pPr algn="ctr"/>
-            <a:r>
-              <a:rPr lang="en-CA" sz="3200" b="1" dirty="0">
-                <a:solidFill>
-                  <a:schemeClr val="accent1">
-                    <a:lumMod val="50000"/>
-                  </a:schemeClr>
-                </a:solidFill>
-              </a:rPr>
-              <a:t>Basic Version Control and Git</a:t>
-            </a:r>
-            <a:endParaRPr lang="en-CA" b="1" dirty="0">
-              <a:solidFill>
-                <a:schemeClr val="accent1">
-                  <a:lumMod val="50000"/>
-                </a:schemeClr>
-              </a:solidFill>
-            </a:endParaRPr>
-          </a:p>
-          <a:p>
-            <a:pPr algn="ctr"/>
-            <a:r>
-              <a:rPr lang="en-CA" sz="2400" dirty="0">
-                <a:solidFill>
-                  <a:schemeClr val="accent1">
-                    <a:lumMod val="50000"/>
-                  </a:schemeClr>
-                </a:solidFill>
-              </a:rPr>
-              <a:t>General Idea</a:t>
-            </a:r>
-          </a:p>
-          <a:p>
-            <a:pPr algn="ctr"/>
-            <a:endParaRPr lang="en-CA" sz="2000" dirty="0">
-              <a:solidFill>
-                <a:srgbClr val="FFC000"/>
-              </a:solidFill>
-            </a:endParaRPr>
-          </a:p>
-          <a:p>
-            <a:pPr algn="ctr"/>
-            <a:endParaRPr lang="en-CA" sz="2000" dirty="0">
-              <a:solidFill>
-                <a:srgbClr val="FFC000"/>
-              </a:solidFill>
-            </a:endParaRPr>
-          </a:p>
-          <a:p>
-            <a:pPr algn="ctr"/>
-            <a:r>
-              <a:rPr lang="en-CA" dirty="0">
-                <a:solidFill>
-                  <a:schemeClr val="accent1">
-                    <a:lumMod val="50000"/>
-                  </a:schemeClr>
-                </a:solidFill>
-              </a:rPr>
-              <a:t>Alan Hummel</a:t>
-            </a:r>
-          </a:p>
-          <a:p>
-            <a:pPr algn="ctr"/>
-            <a:r>
-              <a:rPr lang="en-CA" dirty="0">
-                <a:solidFill>
-                  <a:schemeClr val="accent1">
-                    <a:lumMod val="50000"/>
-                  </a:schemeClr>
-                </a:solidFill>
-              </a:rPr>
-              <a:t>alan.hummel@tarion.com</a:t>
-            </a:r>
-          </a:p>
-        </p:txBody>
-      </p:sp>
+        </p:spPr>
+      </p:pic>
+      <p:pic>
+        <p:nvPicPr>
+          <p:cNvPr id="3" name="Picture 2">
+            <a:extLst>
+              <a:ext uri="{FF2B5EF4-FFF2-40B4-BE49-F238E27FC236}">
+                <a16:creationId xmlns:a16="http://schemas.microsoft.com/office/drawing/2014/main" id="{376369B8-40E0-4A0B-A782-A91FA2742E0B}"/>
+              </a:ext>
+            </a:extLst>
+          </p:cNvPr>
+          <p:cNvPicPr>
+            <a:picLocks noChangeAspect="1"/>
+          </p:cNvPicPr>
+          <p:nvPr/>
+        </p:nvPicPr>
+        <p:blipFill>
+          <a:blip r:embed="rId5"/>
+          <a:stretch>
+            <a:fillRect/>
+          </a:stretch>
+        </p:blipFill>
+        <p:spPr>
+          <a:xfrm>
+            <a:off x="4091264" y="1204274"/>
+            <a:ext cx="3638095" cy="2019048"/>
+          </a:xfrm>
+          <a:prstGeom prst="rect">
+            <a:avLst/>
+          </a:prstGeom>
+        </p:spPr>
+      </p:pic>
+      <p:pic>
+        <p:nvPicPr>
+          <p:cNvPr id="6" name="Picture 5">
+            <a:extLst>
+              <a:ext uri="{FF2B5EF4-FFF2-40B4-BE49-F238E27FC236}">
+                <a16:creationId xmlns:a16="http://schemas.microsoft.com/office/drawing/2014/main" id="{063E9E8B-7D21-4F7F-AA4D-0EF9B0B2367A}"/>
+              </a:ext>
+            </a:extLst>
+          </p:cNvPr>
+          <p:cNvPicPr>
+            <a:picLocks noChangeAspect="1"/>
+          </p:cNvPicPr>
+          <p:nvPr/>
+        </p:nvPicPr>
+        <p:blipFill>
+          <a:blip r:embed="rId6"/>
+          <a:stretch>
+            <a:fillRect/>
+          </a:stretch>
+        </p:blipFill>
+        <p:spPr>
+          <a:xfrm>
+            <a:off x="371379" y="3172286"/>
+            <a:ext cx="3638095" cy="3685714"/>
+          </a:xfrm>
+          <a:prstGeom prst="rect">
+            <a:avLst/>
+          </a:prstGeom>
+        </p:spPr>
+      </p:pic>
+      <p:pic>
+        <p:nvPicPr>
+          <p:cNvPr id="7" name="Picture 6">
+            <a:extLst>
+              <a:ext uri="{FF2B5EF4-FFF2-40B4-BE49-F238E27FC236}">
+                <a16:creationId xmlns:a16="http://schemas.microsoft.com/office/drawing/2014/main" id="{0431DF66-1777-4D3C-86B7-BDB812FBBBAF}"/>
+              </a:ext>
+            </a:extLst>
+          </p:cNvPr>
+          <p:cNvPicPr>
+            <a:picLocks noChangeAspect="1"/>
+          </p:cNvPicPr>
+          <p:nvPr/>
+        </p:nvPicPr>
+        <p:blipFill>
+          <a:blip r:embed="rId7"/>
+          <a:stretch>
+            <a:fillRect/>
+          </a:stretch>
+        </p:blipFill>
+        <p:spPr>
+          <a:xfrm>
+            <a:off x="8182528" y="1322703"/>
+            <a:ext cx="3638095" cy="3590476"/>
+          </a:xfrm>
+          <a:prstGeom prst="rect">
+            <a:avLst/>
+          </a:prstGeom>
+        </p:spPr>
+      </p:pic>
+      <p:pic>
+        <p:nvPicPr>
+          <p:cNvPr id="8" name="Picture 7">
+            <a:extLst>
+              <a:ext uri="{FF2B5EF4-FFF2-40B4-BE49-F238E27FC236}">
+                <a16:creationId xmlns:a16="http://schemas.microsoft.com/office/drawing/2014/main" id="{0C86A741-43A9-4449-A03F-79774B240785}"/>
+              </a:ext>
+            </a:extLst>
+          </p:cNvPr>
+          <p:cNvPicPr>
+            <a:picLocks noChangeAspect="1"/>
+          </p:cNvPicPr>
+          <p:nvPr/>
+        </p:nvPicPr>
+        <p:blipFill>
+          <a:blip r:embed="rId8"/>
+          <a:stretch>
+            <a:fillRect/>
+          </a:stretch>
+        </p:blipFill>
+        <p:spPr>
+          <a:xfrm>
+            <a:off x="4229650" y="4508738"/>
+            <a:ext cx="3619048" cy="1809524"/>
+          </a:xfrm>
+          <a:prstGeom prst="rect">
+            <a:avLst/>
+          </a:prstGeom>
+        </p:spPr>
+      </p:pic>
+      <p:pic>
+        <p:nvPicPr>
+          <p:cNvPr id="10" name="Picture 9">
+            <a:extLst>
+              <a:ext uri="{FF2B5EF4-FFF2-40B4-BE49-F238E27FC236}">
+                <a16:creationId xmlns:a16="http://schemas.microsoft.com/office/drawing/2014/main" id="{9693D101-56C5-40A4-9000-CFF00638F610}"/>
+              </a:ext>
+            </a:extLst>
+          </p:cNvPr>
+          <p:cNvPicPr>
+            <a:picLocks noChangeAspect="1"/>
+          </p:cNvPicPr>
+          <p:nvPr/>
+        </p:nvPicPr>
+        <p:blipFill>
+          <a:blip r:embed="rId9">
+            <a:extLst>
+              <a:ext uri="{28A0092B-C50C-407E-A947-70E740481C1C}">
+                <a14:useLocalDpi xmlns:a14="http://schemas.microsoft.com/office/drawing/2010/main" val="0"/>
+              </a:ext>
+            </a:extLst>
+          </a:blip>
+          <a:stretch>
+            <a:fillRect/>
+          </a:stretch>
+        </p:blipFill>
+        <p:spPr>
+          <a:xfrm>
+            <a:off x="9392877" y="5378420"/>
+            <a:ext cx="2324424" cy="933580"/>
+          </a:xfrm>
+          <a:prstGeom prst="rect">
+            <a:avLst/>
+          </a:prstGeom>
+        </p:spPr>
+      </p:pic>
     </p:spTree>
     <p:extLst>
       <p:ext uri="{BB962C8B-B14F-4D97-AF65-F5344CB8AC3E}">
-        <p14:creationId xmlns:p14="http://schemas.microsoft.com/office/powerpoint/2010/main" val="761151789"/>
+        <p14:creationId xmlns:p14="http://schemas.microsoft.com/office/powerpoint/2010/main" val="1871332000"/>
       </p:ext>
     </p:extLst>
   </p:cSld>
@@ -12191,8 +12916,8 @@
         </p:nvSpPr>
         <p:spPr>
           <a:xfrm>
-            <a:off x="175992" y="824861"/>
-            <a:ext cx="7066551" cy="707886"/>
+            <a:off x="3545664" y="2820837"/>
+            <a:ext cx="5106334" cy="2123658"/>
           </a:xfrm>
           <a:prstGeom prst="rect">
             <a:avLst/>
@@ -12207,130 +12932,84 @@
           <a:p>
             <a:pPr algn="ctr"/>
             <a:r>
-              <a:rPr lang="en-CA" sz="4000" b="1" dirty="0">
+              <a:rPr lang="en-CA" sz="3200" b="1" dirty="0">
                 <a:solidFill>
                   <a:schemeClr val="accent1">
                     <a:lumMod val="50000"/>
                   </a:schemeClr>
                 </a:solidFill>
               </a:rPr>
-              <a:t>Sharing Documents and Projects</a:t>
-            </a:r>
-          </a:p>
-        </p:txBody>
-      </p:sp>
-      <p:pic>
-        <p:nvPicPr>
-          <p:cNvPr id="7" name="Picture 6">
-            <a:extLst>
-              <a:ext uri="{FF2B5EF4-FFF2-40B4-BE49-F238E27FC236}">
-                <a16:creationId xmlns:a16="http://schemas.microsoft.com/office/drawing/2014/main" id="{9D29AAF5-0724-4E31-9F9D-679012A90F0B}"/>
-              </a:ext>
-            </a:extLst>
-          </p:cNvPr>
-          <p:cNvPicPr>
-            <a:picLocks noChangeAspect="1"/>
-          </p:cNvPicPr>
-          <p:nvPr/>
-        </p:nvPicPr>
-        <p:blipFill>
-          <a:blip r:embed="rId4">
-            <a:extLst>
-              <a:ext uri="{28A0092B-C50C-407E-A947-70E740481C1C}">
-                <a14:useLocalDpi xmlns:a14="http://schemas.microsoft.com/office/drawing/2010/main" val="0"/>
-              </a:ext>
-            </a:extLst>
-          </a:blip>
-          <a:stretch>
-            <a:fillRect/>
-          </a:stretch>
-        </p:blipFill>
-        <p:spPr>
-          <a:xfrm>
-            <a:off x="877470" y="2714397"/>
-            <a:ext cx="2857500" cy="2009775"/>
-          </a:xfrm>
-          <a:prstGeom prst="rect">
-            <a:avLst/>
-          </a:prstGeom>
-        </p:spPr>
-      </p:pic>
-      <p:pic>
-        <p:nvPicPr>
-          <p:cNvPr id="9" name="Picture 8">
-            <a:extLst>
-              <a:ext uri="{FF2B5EF4-FFF2-40B4-BE49-F238E27FC236}">
-                <a16:creationId xmlns:a16="http://schemas.microsoft.com/office/drawing/2014/main" id="{86A14C09-9618-42F3-81B6-BAE648BBCD18}"/>
-              </a:ext>
-            </a:extLst>
-          </p:cNvPr>
-          <p:cNvPicPr>
-            <a:picLocks noChangeAspect="1"/>
-          </p:cNvPicPr>
-          <p:nvPr/>
-        </p:nvPicPr>
-        <p:blipFill>
-          <a:blip r:embed="rId5">
-            <a:extLst>
-              <a:ext uri="{28A0092B-C50C-407E-A947-70E740481C1C}">
-                <a14:useLocalDpi xmlns:a14="http://schemas.microsoft.com/office/drawing/2010/main" val="0"/>
-              </a:ext>
-            </a:extLst>
-          </a:blip>
-          <a:stretch>
-            <a:fillRect/>
-          </a:stretch>
-        </p:blipFill>
-        <p:spPr>
-          <a:xfrm>
-            <a:off x="6088482" y="4053338"/>
-            <a:ext cx="4737100" cy="2597150"/>
-          </a:xfrm>
-          <a:prstGeom prst="rect">
-            <a:avLst/>
-          </a:prstGeom>
-        </p:spPr>
-      </p:pic>
-      <p:pic>
-        <p:nvPicPr>
-          <p:cNvPr id="11" name="Picture 10">
-            <a:extLst>
-              <a:ext uri="{FF2B5EF4-FFF2-40B4-BE49-F238E27FC236}">
-                <a16:creationId xmlns:a16="http://schemas.microsoft.com/office/drawing/2014/main" id="{0ED3C609-99B8-4F48-9365-6F27C3E55869}"/>
-              </a:ext>
-            </a:extLst>
-          </p:cNvPr>
-          <p:cNvPicPr>
-            <a:picLocks noChangeAspect="1"/>
-          </p:cNvPicPr>
-          <p:nvPr/>
-        </p:nvPicPr>
-        <p:blipFill>
-          <a:blip r:embed="rId6">
-            <a:extLst>
-              <a:ext uri="{28A0092B-C50C-407E-A947-70E740481C1C}">
-                <a14:useLocalDpi xmlns:a14="http://schemas.microsoft.com/office/drawing/2010/main" val="0"/>
-              </a:ext>
-            </a:extLst>
-          </a:blip>
-          <a:stretch>
-            <a:fillRect/>
-          </a:stretch>
-        </p:blipFill>
-        <p:spPr>
-          <a:xfrm>
-            <a:off x="7385469" y="1576160"/>
-            <a:ext cx="2143125" cy="2143125"/>
-          </a:xfrm>
-          <a:prstGeom prst="rect">
-            <a:avLst/>
-          </a:prstGeom>
-        </p:spPr>
-      </p:pic>
+              <a:t>Basic Version Control and Git</a:t>
+            </a:r>
+            <a:endParaRPr lang="en-CA" b="1" dirty="0">
+              <a:solidFill>
+                <a:schemeClr val="accent1">
+                  <a:lumMod val="50000"/>
+                </a:schemeClr>
+              </a:solidFill>
+            </a:endParaRPr>
+          </a:p>
+          <a:p>
+            <a:pPr algn="ctr"/>
+            <a:r>
+              <a:rPr lang="en-CA" sz="2400" dirty="0">
+                <a:solidFill>
+                  <a:schemeClr val="accent1">
+                    <a:lumMod val="50000"/>
+                  </a:schemeClr>
+                </a:solidFill>
+              </a:rPr>
+              <a:t>General Idea</a:t>
+            </a:r>
+          </a:p>
+          <a:p>
+            <a:pPr algn="ctr"/>
+            <a:endParaRPr lang="en-CA" sz="2000" dirty="0">
+              <a:solidFill>
+                <a:srgbClr val="FFC000"/>
+              </a:solidFill>
+            </a:endParaRPr>
+          </a:p>
+          <a:p>
+            <a:pPr algn="ctr"/>
+            <a:endParaRPr lang="en-CA" sz="2000" dirty="0">
+              <a:solidFill>
+                <a:srgbClr val="FFC000"/>
+              </a:solidFill>
+            </a:endParaRPr>
+          </a:p>
+          <a:p>
+            <a:pPr algn="ctr"/>
+            <a:r>
+              <a:rPr lang="en-CA" dirty="0">
+                <a:solidFill>
+                  <a:schemeClr val="accent1">
+                    <a:lumMod val="50000"/>
+                  </a:schemeClr>
+                </a:solidFill>
+              </a:rPr>
+              <a:t>Alan Hummel</a:t>
+            </a:r>
+          </a:p>
+          <a:p>
+            <a:pPr algn="ctr"/>
+            <a:r>
+              <a:rPr lang="en-CA" dirty="0">
+                <a:solidFill>
+                  <a:schemeClr val="accent1">
+                    <a:lumMod val="50000"/>
+                  </a:schemeClr>
+                </a:solidFill>
+              </a:rPr>
+              <a:t>alan.hummel@tarion.com</a:t>
+            </a:r>
+          </a:p>
+        </p:txBody>
+      </p:sp>
     </p:spTree>
     <p:extLst>
       <p:ext uri="{BB962C8B-B14F-4D97-AF65-F5344CB8AC3E}">
-        <p14:creationId xmlns:p14="http://schemas.microsoft.com/office/powerpoint/2010/main" val="64604201"/>
+        <p14:creationId xmlns:p14="http://schemas.microsoft.com/office/powerpoint/2010/main" val="761151789"/>
       </p:ext>
     </p:extLst>
   </p:cSld>
@@ -12435,8 +13114,8 @@
         </p:nvSpPr>
         <p:spPr>
           <a:xfrm>
-            <a:off x="172435" y="824861"/>
-            <a:ext cx="7305719" cy="707886"/>
+            <a:off x="175992" y="824861"/>
+            <a:ext cx="7066551" cy="707886"/>
           </a:xfrm>
           <a:prstGeom prst="rect">
             <a:avLst/>
@@ -12458,444 +13137,123 @@
                   </a:schemeClr>
                 </a:solidFill>
               </a:rPr>
-              <a:t>What is a version control system?</a:t>
-            </a:r>
-          </a:p>
-        </p:txBody>
-      </p:sp>
-      <p:sp>
-        <p:nvSpPr>
-          <p:cNvPr id="2" name="Rectangle 1"/>
-          <p:cNvSpPr/>
-          <p:nvPr/>
-        </p:nvSpPr>
-        <p:spPr>
-          <a:xfrm>
-            <a:off x="736371" y="1571700"/>
-            <a:ext cx="11288852" cy="954107"/>
+              <a:t>Sharing Documents and Projects</a:t>
+            </a:r>
+          </a:p>
+        </p:txBody>
+      </p:sp>
+      <p:pic>
+        <p:nvPicPr>
+          <p:cNvPr id="7" name="Picture 6">
+            <a:extLst>
+              <a:ext uri="{FF2B5EF4-FFF2-40B4-BE49-F238E27FC236}">
+                <a16:creationId xmlns:a16="http://schemas.microsoft.com/office/drawing/2014/main" id="{9D29AAF5-0724-4E31-9F9D-679012A90F0B}"/>
+              </a:ext>
+            </a:extLst>
+          </p:cNvPr>
+          <p:cNvPicPr>
+            <a:picLocks noChangeAspect="1"/>
+          </p:cNvPicPr>
+          <p:nvPr/>
+        </p:nvPicPr>
+        <p:blipFill>
+          <a:blip r:embed="rId4">
+            <a:extLst>
+              <a:ext uri="{28A0092B-C50C-407E-A947-70E740481C1C}">
+                <a14:useLocalDpi xmlns:a14="http://schemas.microsoft.com/office/drawing/2010/main" val="0"/>
+              </a:ext>
+            </a:extLst>
+          </a:blip>
+          <a:stretch>
+            <a:fillRect/>
+          </a:stretch>
+        </p:blipFill>
+        <p:spPr>
+          <a:xfrm>
+            <a:off x="877470" y="2714397"/>
+            <a:ext cx="2857500" cy="2009775"/>
           </a:xfrm>
           <a:prstGeom prst="rect">
             <a:avLst/>
           </a:prstGeom>
         </p:spPr>
-        <p:txBody>
-          <a:bodyPr wrap="square">
-            <a:spAutoFit/>
-          </a:bodyPr>
-          <a:lstStyle/>
-          <a:p>
-            <a:r>
-              <a:rPr lang="en-CA" sz="2800" b="1" dirty="0">
-                <a:solidFill>
-                  <a:schemeClr val="accent1">
-                    <a:lumMod val="50000"/>
-                  </a:schemeClr>
-                </a:solidFill>
-              </a:rPr>
-              <a:t>Is a software that helps software developers to work together and maintain a complete history of their work.</a:t>
-            </a:r>
-          </a:p>
-        </p:txBody>
-      </p:sp>
-      <p:sp>
-        <p:nvSpPr>
-          <p:cNvPr id="22" name="Rectangle 21">
-            <a:extLst>
-              <a:ext uri="{FF2B5EF4-FFF2-40B4-BE49-F238E27FC236}">
-                <a16:creationId xmlns:a16="http://schemas.microsoft.com/office/drawing/2014/main" id="{B8F6639E-850D-46B2-9712-D749ABF48E92}"/>
-              </a:ext>
-            </a:extLst>
-          </p:cNvPr>
-          <p:cNvSpPr/>
-          <p:nvPr/>
-        </p:nvSpPr>
-        <p:spPr>
-          <a:xfrm>
-            <a:off x="749071" y="3311600"/>
-            <a:ext cx="11288852" cy="523220"/>
+      </p:pic>
+      <p:pic>
+        <p:nvPicPr>
+          <p:cNvPr id="9" name="Picture 8">
+            <a:extLst>
+              <a:ext uri="{FF2B5EF4-FFF2-40B4-BE49-F238E27FC236}">
+                <a16:creationId xmlns:a16="http://schemas.microsoft.com/office/drawing/2014/main" id="{86A14C09-9618-42F3-81B6-BAE648BBCD18}"/>
+              </a:ext>
+            </a:extLst>
+          </p:cNvPr>
+          <p:cNvPicPr>
+            <a:picLocks noChangeAspect="1"/>
+          </p:cNvPicPr>
+          <p:nvPr/>
+        </p:nvPicPr>
+        <p:blipFill>
+          <a:blip r:embed="rId5">
+            <a:extLst>
+              <a:ext uri="{28A0092B-C50C-407E-A947-70E740481C1C}">
+                <a14:useLocalDpi xmlns:a14="http://schemas.microsoft.com/office/drawing/2010/main" val="0"/>
+              </a:ext>
+            </a:extLst>
+          </a:blip>
+          <a:stretch>
+            <a:fillRect/>
+          </a:stretch>
+        </p:blipFill>
+        <p:spPr>
+          <a:xfrm>
+            <a:off x="6088482" y="4053338"/>
+            <a:ext cx="4737100" cy="2597150"/>
           </a:xfrm>
           <a:prstGeom prst="rect">
             <a:avLst/>
           </a:prstGeom>
         </p:spPr>
-        <p:txBody>
-          <a:bodyPr wrap="square">
-            <a:spAutoFit/>
-          </a:bodyPr>
-          <a:lstStyle/>
-          <a:p>
-            <a:r>
-              <a:rPr lang="en-CA" sz="2800" b="1" dirty="0">
-                <a:solidFill>
-                  <a:schemeClr val="accent1">
-                    <a:lumMod val="50000"/>
-                  </a:schemeClr>
-                </a:solidFill>
-              </a:rPr>
-              <a:t>It is useful for:</a:t>
-            </a:r>
-          </a:p>
-        </p:txBody>
-      </p:sp>
-      <p:sp>
-        <p:nvSpPr>
-          <p:cNvPr id="23" name="Rectangle 22">
-            <a:extLst>
-              <a:ext uri="{FF2B5EF4-FFF2-40B4-BE49-F238E27FC236}">
-                <a16:creationId xmlns:a16="http://schemas.microsoft.com/office/drawing/2014/main" id="{B315550A-AD90-4CE8-A041-B89D1A8F6933}"/>
-              </a:ext>
-            </a:extLst>
-          </p:cNvPr>
-          <p:cNvSpPr/>
-          <p:nvPr/>
-        </p:nvSpPr>
-        <p:spPr>
-          <a:xfrm>
-            <a:off x="736371" y="3845001"/>
-            <a:ext cx="5288820" cy="523220"/>
+      </p:pic>
+      <p:pic>
+        <p:nvPicPr>
+          <p:cNvPr id="11" name="Picture 10">
+            <a:extLst>
+              <a:ext uri="{FF2B5EF4-FFF2-40B4-BE49-F238E27FC236}">
+                <a16:creationId xmlns:a16="http://schemas.microsoft.com/office/drawing/2014/main" id="{0ED3C609-99B8-4F48-9365-6F27C3E55869}"/>
+              </a:ext>
+            </a:extLst>
+          </p:cNvPr>
+          <p:cNvPicPr>
+            <a:picLocks noChangeAspect="1"/>
+          </p:cNvPicPr>
+          <p:nvPr/>
+        </p:nvPicPr>
+        <p:blipFill>
+          <a:blip r:embed="rId6">
+            <a:extLst>
+              <a:ext uri="{28A0092B-C50C-407E-A947-70E740481C1C}">
+                <a14:useLocalDpi xmlns:a14="http://schemas.microsoft.com/office/drawing/2010/main" val="0"/>
+              </a:ext>
+            </a:extLst>
+          </a:blip>
+          <a:stretch>
+            <a:fillRect/>
+          </a:stretch>
+        </p:blipFill>
+        <p:spPr>
+          <a:xfrm>
+            <a:off x="7385469" y="1576160"/>
+            <a:ext cx="2143125" cy="2143125"/>
           </a:xfrm>
           <a:prstGeom prst="rect">
             <a:avLst/>
           </a:prstGeom>
         </p:spPr>
-        <p:txBody>
-          <a:bodyPr wrap="none">
-            <a:spAutoFit/>
-          </a:bodyPr>
-          <a:lstStyle/>
-          <a:p>
-            <a:r>
-              <a:rPr lang="en-CA" b="1" dirty="0">
-                <a:solidFill>
-                  <a:schemeClr val="accent1">
-                    <a:lumMod val="50000"/>
-                  </a:schemeClr>
-                </a:solidFill>
-              </a:rPr>
-              <a:t>Allowing developers to work </a:t>
-            </a:r>
-            <a:r>
-              <a:rPr lang="en-CA" sz="2800" b="1" dirty="0">
-                <a:solidFill>
-                  <a:schemeClr val="accent1">
-                    <a:lumMod val="50000"/>
-                  </a:schemeClr>
-                </a:solidFill>
-              </a:rPr>
-              <a:t>simultaneously</a:t>
-            </a:r>
-            <a:r>
-              <a:rPr lang="en-CA" b="1" dirty="0">
-                <a:solidFill>
-                  <a:schemeClr val="accent1">
-                    <a:lumMod val="50000"/>
-                  </a:schemeClr>
-                </a:solidFill>
-              </a:rPr>
-              <a:t>.</a:t>
-            </a:r>
-          </a:p>
-        </p:txBody>
-      </p:sp>
-      <p:sp>
-        <p:nvSpPr>
-          <p:cNvPr id="24" name="Rectangle 23">
-            <a:extLst>
-              <a:ext uri="{FF2B5EF4-FFF2-40B4-BE49-F238E27FC236}">
-                <a16:creationId xmlns:a16="http://schemas.microsoft.com/office/drawing/2014/main" id="{71F58AB0-6D47-459E-8032-89D8BC446F54}"/>
-              </a:ext>
-            </a:extLst>
-          </p:cNvPr>
-          <p:cNvSpPr/>
-          <p:nvPr/>
-        </p:nvSpPr>
-        <p:spPr>
-          <a:xfrm>
-            <a:off x="736371" y="4355473"/>
-            <a:ext cx="5945795" cy="523220"/>
-          </a:xfrm>
-          <a:prstGeom prst="rect">
-            <a:avLst/>
-          </a:prstGeom>
-        </p:spPr>
-        <p:txBody>
-          <a:bodyPr wrap="none">
-            <a:spAutoFit/>
-          </a:bodyPr>
-          <a:lstStyle/>
-          <a:p>
-            <a:r>
-              <a:rPr lang="en-CA" sz="2800" b="1" dirty="0">
-                <a:solidFill>
-                  <a:schemeClr val="accent1">
-                    <a:lumMod val="50000"/>
-                  </a:schemeClr>
-                </a:solidFill>
-              </a:rPr>
-              <a:t>Not</a:t>
-            </a:r>
-            <a:r>
-              <a:rPr lang="en-CA" b="1" dirty="0">
-                <a:solidFill>
-                  <a:schemeClr val="accent1">
-                    <a:lumMod val="50000"/>
-                  </a:schemeClr>
-                </a:solidFill>
-              </a:rPr>
-              <a:t> allowing </a:t>
-            </a:r>
-            <a:r>
-              <a:rPr lang="en-CA" sz="2800" b="1" dirty="0">
-                <a:solidFill>
-                  <a:schemeClr val="accent1">
-                    <a:lumMod val="50000"/>
-                  </a:schemeClr>
-                </a:solidFill>
-              </a:rPr>
-              <a:t>overwriting</a:t>
-            </a:r>
-            <a:r>
-              <a:rPr lang="en-CA" b="1" dirty="0">
-                <a:solidFill>
-                  <a:schemeClr val="accent1">
-                    <a:lumMod val="50000"/>
-                  </a:schemeClr>
-                </a:solidFill>
-              </a:rPr>
-              <a:t> other developers changes.</a:t>
-            </a:r>
-          </a:p>
-        </p:txBody>
-      </p:sp>
-      <p:sp>
-        <p:nvSpPr>
-          <p:cNvPr id="25" name="Flowchart: Connector 24">
-            <a:extLst>
-              <a:ext uri="{FF2B5EF4-FFF2-40B4-BE49-F238E27FC236}">
-                <a16:creationId xmlns:a16="http://schemas.microsoft.com/office/drawing/2014/main" id="{9E6F3D3F-C03A-44B7-83BA-454C7BF64B21}"/>
-              </a:ext>
-            </a:extLst>
-          </p:cNvPr>
-          <p:cNvSpPr/>
-          <p:nvPr/>
-        </p:nvSpPr>
-        <p:spPr>
-          <a:xfrm>
-            <a:off x="534261" y="4056816"/>
-            <a:ext cx="190353" cy="174302"/>
-          </a:xfrm>
-          <a:prstGeom prst="flowChartConnector">
-            <a:avLst/>
-          </a:prstGeom>
-          <a:solidFill>
-            <a:schemeClr val="accent4">
-              <a:lumMod val="60000"/>
-              <a:lumOff val="40000"/>
-            </a:schemeClr>
-          </a:solidFill>
-          <a:ln>
-            <a:noFill/>
-          </a:ln>
-        </p:spPr>
-        <p:style>
-          <a:lnRef idx="2">
-            <a:schemeClr val="accent1">
-              <a:shade val="50000"/>
-            </a:schemeClr>
-          </a:lnRef>
-          <a:fillRef idx="1">
-            <a:schemeClr val="accent1"/>
-          </a:fillRef>
-          <a:effectRef idx="0">
-            <a:schemeClr val="accent1"/>
-          </a:effectRef>
-          <a:fontRef idx="minor">
-            <a:schemeClr val="lt1"/>
-          </a:fontRef>
-        </p:style>
-        <p:txBody>
-          <a:bodyPr rtlCol="0" anchor="ctr"/>
-          <a:lstStyle/>
-          <a:p>
-            <a:pPr algn="ctr"/>
-            <a:endParaRPr lang="en-CA"/>
-          </a:p>
-        </p:txBody>
-      </p:sp>
-      <p:sp>
-        <p:nvSpPr>
-          <p:cNvPr id="31" name="Flowchart: Connector 30">
-            <a:extLst>
-              <a:ext uri="{FF2B5EF4-FFF2-40B4-BE49-F238E27FC236}">
-                <a16:creationId xmlns:a16="http://schemas.microsoft.com/office/drawing/2014/main" id="{0DD881D2-4B30-4553-86D9-CE0AABD0960F}"/>
-              </a:ext>
-            </a:extLst>
-          </p:cNvPr>
-          <p:cNvSpPr/>
-          <p:nvPr/>
-        </p:nvSpPr>
-        <p:spPr>
-          <a:xfrm>
-            <a:off x="534261" y="4592688"/>
-            <a:ext cx="190353" cy="174302"/>
-          </a:xfrm>
-          <a:prstGeom prst="flowChartConnector">
-            <a:avLst/>
-          </a:prstGeom>
-          <a:solidFill>
-            <a:schemeClr val="accent4">
-              <a:lumMod val="60000"/>
-              <a:lumOff val="40000"/>
-            </a:schemeClr>
-          </a:solidFill>
-          <a:ln>
-            <a:noFill/>
-          </a:ln>
-        </p:spPr>
-        <p:style>
-          <a:lnRef idx="2">
-            <a:schemeClr val="accent1">
-              <a:shade val="50000"/>
-            </a:schemeClr>
-          </a:lnRef>
-          <a:fillRef idx="1">
-            <a:schemeClr val="accent1"/>
-          </a:fillRef>
-          <a:effectRef idx="0">
-            <a:schemeClr val="accent1"/>
-          </a:effectRef>
-          <a:fontRef idx="minor">
-            <a:schemeClr val="lt1"/>
-          </a:fontRef>
-        </p:style>
-        <p:txBody>
-          <a:bodyPr rtlCol="0" anchor="ctr"/>
-          <a:lstStyle/>
-          <a:p>
-            <a:pPr algn="ctr"/>
-            <a:endParaRPr lang="en-CA"/>
-          </a:p>
-        </p:txBody>
-      </p:sp>
-      <p:sp>
-        <p:nvSpPr>
-          <p:cNvPr id="32" name="Flowchart: Connector 31">
-            <a:extLst>
-              <a:ext uri="{FF2B5EF4-FFF2-40B4-BE49-F238E27FC236}">
-                <a16:creationId xmlns:a16="http://schemas.microsoft.com/office/drawing/2014/main" id="{F07D3ED6-FBC3-46D0-AC2A-400975B69C0C}"/>
-              </a:ext>
-            </a:extLst>
-          </p:cNvPr>
-          <p:cNvSpPr/>
-          <p:nvPr/>
-        </p:nvSpPr>
-        <p:spPr>
-          <a:xfrm>
-            <a:off x="534261" y="5163155"/>
-            <a:ext cx="190353" cy="174302"/>
-          </a:xfrm>
-          <a:prstGeom prst="flowChartConnector">
-            <a:avLst/>
-          </a:prstGeom>
-          <a:solidFill>
-            <a:schemeClr val="accent4">
-              <a:lumMod val="60000"/>
-              <a:lumOff val="40000"/>
-            </a:schemeClr>
-          </a:solidFill>
-          <a:ln>
-            <a:noFill/>
-          </a:ln>
-        </p:spPr>
-        <p:style>
-          <a:lnRef idx="2">
-            <a:schemeClr val="accent1">
-              <a:shade val="50000"/>
-            </a:schemeClr>
-          </a:lnRef>
-          <a:fillRef idx="1">
-            <a:schemeClr val="accent1"/>
-          </a:fillRef>
-          <a:effectRef idx="0">
-            <a:schemeClr val="accent1"/>
-          </a:effectRef>
-          <a:fontRef idx="minor">
-            <a:schemeClr val="lt1"/>
-          </a:fontRef>
-        </p:style>
-        <p:txBody>
-          <a:bodyPr rtlCol="0" anchor="ctr"/>
-          <a:lstStyle/>
-          <a:p>
-            <a:pPr algn="ctr"/>
-            <a:endParaRPr lang="en-CA"/>
-          </a:p>
-        </p:txBody>
-      </p:sp>
-      <p:sp>
-        <p:nvSpPr>
-          <p:cNvPr id="33" name="Rectangle 32">
-            <a:extLst>
-              <a:ext uri="{FF2B5EF4-FFF2-40B4-BE49-F238E27FC236}">
-                <a16:creationId xmlns:a16="http://schemas.microsoft.com/office/drawing/2014/main" id="{21FC7723-F9DA-45BF-B22A-C08CF3EBB65B}"/>
-              </a:ext>
-            </a:extLst>
-          </p:cNvPr>
-          <p:cNvSpPr/>
-          <p:nvPr/>
-        </p:nvSpPr>
-        <p:spPr>
-          <a:xfrm>
-            <a:off x="736371" y="4925940"/>
-            <a:ext cx="4230774" cy="523220"/>
-          </a:xfrm>
-          <a:prstGeom prst="rect">
-            <a:avLst/>
-          </a:prstGeom>
-        </p:spPr>
-        <p:txBody>
-          <a:bodyPr wrap="none">
-            <a:spAutoFit/>
-          </a:bodyPr>
-          <a:lstStyle/>
-          <a:p>
-            <a:r>
-              <a:rPr lang="en-CA" b="1" dirty="0">
-                <a:solidFill>
-                  <a:schemeClr val="accent1">
-                    <a:lumMod val="50000"/>
-                  </a:schemeClr>
-                </a:solidFill>
-              </a:rPr>
-              <a:t>Maintaining a </a:t>
-            </a:r>
-            <a:r>
-              <a:rPr lang="en-CA" sz="2800" b="1" dirty="0">
-                <a:solidFill>
-                  <a:schemeClr val="accent1">
-                    <a:lumMod val="50000"/>
-                  </a:schemeClr>
-                </a:solidFill>
-              </a:rPr>
-              <a:t>history</a:t>
-            </a:r>
-            <a:r>
-              <a:rPr lang="en-CA" b="1" dirty="0">
-                <a:solidFill>
-                  <a:schemeClr val="accent1">
-                    <a:lumMod val="50000"/>
-                  </a:schemeClr>
-                </a:solidFill>
-              </a:rPr>
-              <a:t> of every version.</a:t>
-            </a:r>
-          </a:p>
-        </p:txBody>
-      </p:sp>
+      </p:pic>
     </p:spTree>
     <p:extLst>
       <p:ext uri="{BB962C8B-B14F-4D97-AF65-F5344CB8AC3E}">
-        <p14:creationId xmlns:p14="http://schemas.microsoft.com/office/powerpoint/2010/main" val="1852934168"/>
+        <p14:creationId xmlns:p14="http://schemas.microsoft.com/office/powerpoint/2010/main" val="64604201"/>
       </p:ext>
     </p:extLst>
   </p:cSld>
@@ -13000,8 +13358,8 @@
         </p:nvSpPr>
         <p:spPr>
           <a:xfrm>
-            <a:off x="172435" y="797920"/>
-            <a:ext cx="5105437" cy="707886"/>
+            <a:off x="172435" y="824861"/>
+            <a:ext cx="7305719" cy="707886"/>
           </a:xfrm>
           <a:prstGeom prst="rect">
             <a:avLst/>
@@ -13023,27 +13381,21 @@
                   </a:schemeClr>
                 </a:solidFill>
               </a:rPr>
-              <a:t>Version Control System</a:t>
-            </a:r>
-          </a:p>
-        </p:txBody>
-      </p:sp>
-      <p:sp>
-        <p:nvSpPr>
-          <p:cNvPr id="22" name="Rectangle 21">
-            <a:extLst>
-              <a:ext uri="{FF2B5EF4-FFF2-40B4-BE49-F238E27FC236}">
-                <a16:creationId xmlns:a16="http://schemas.microsoft.com/office/drawing/2014/main" id="{488775EB-0491-4A3B-A212-1569FC1770D3}"/>
-              </a:ext>
-            </a:extLst>
-          </p:cNvPr>
+              <a:t>What is a version control system?</a:t>
+            </a:r>
+          </a:p>
+        </p:txBody>
+      </p:sp>
+      <p:sp>
+        <p:nvSpPr>
+          <p:cNvPr id="2" name="Rectangle 1"/>
           <p:cNvSpPr/>
           <p:nvPr/>
         </p:nvSpPr>
         <p:spPr>
           <a:xfrm>
-            <a:off x="926871" y="2587700"/>
-            <a:ext cx="3873729" cy="523220"/>
+            <a:off x="736371" y="1571700"/>
+            <a:ext cx="11288852" cy="954107"/>
           </a:xfrm>
           <a:prstGeom prst="rect">
             <a:avLst/>
@@ -13063,17 +13415,17 @@
                   </a:schemeClr>
                 </a:solidFill>
               </a:rPr>
-              <a:t>Based on repositories</a:t>
-            </a:r>
-          </a:p>
-        </p:txBody>
-      </p:sp>
-      <p:sp>
-        <p:nvSpPr>
-          <p:cNvPr id="7" name="Flowchart: Connector 6">
-            <a:extLst>
-              <a:ext uri="{FF2B5EF4-FFF2-40B4-BE49-F238E27FC236}">
-                <a16:creationId xmlns:a16="http://schemas.microsoft.com/office/drawing/2014/main" id="{45E51739-31D3-4149-8194-60550DBD7276}"/>
+              <a:t>Is a software that helps software developers to work together and maintain a complete history of their work.</a:t>
+            </a:r>
+          </a:p>
+        </p:txBody>
+      </p:sp>
+      <p:sp>
+        <p:nvSpPr>
+          <p:cNvPr id="22" name="Rectangle 21">
+            <a:extLst>
+              <a:ext uri="{FF2B5EF4-FFF2-40B4-BE49-F238E27FC236}">
+                <a16:creationId xmlns:a16="http://schemas.microsoft.com/office/drawing/2014/main" id="{B8F6639E-850D-46B2-9712-D749ABF48E92}"/>
               </a:ext>
             </a:extLst>
           </p:cNvPr>
@@ -13082,7 +13434,177 @@
         </p:nvSpPr>
         <p:spPr>
           <a:xfrm>
-            <a:off x="686661" y="2774116"/>
+            <a:off x="749071" y="3311600"/>
+            <a:ext cx="11288852" cy="523220"/>
+          </a:xfrm>
+          <a:prstGeom prst="rect">
+            <a:avLst/>
+          </a:prstGeom>
+        </p:spPr>
+        <p:txBody>
+          <a:bodyPr wrap="square">
+            <a:spAutoFit/>
+          </a:bodyPr>
+          <a:lstStyle/>
+          <a:p>
+            <a:r>
+              <a:rPr lang="en-CA" sz="2800" b="1" dirty="0">
+                <a:solidFill>
+                  <a:schemeClr val="accent1">
+                    <a:lumMod val="50000"/>
+                  </a:schemeClr>
+                </a:solidFill>
+              </a:rPr>
+              <a:t>It is useful for:</a:t>
+            </a:r>
+          </a:p>
+        </p:txBody>
+      </p:sp>
+      <p:sp>
+        <p:nvSpPr>
+          <p:cNvPr id="23" name="Rectangle 22">
+            <a:extLst>
+              <a:ext uri="{FF2B5EF4-FFF2-40B4-BE49-F238E27FC236}">
+                <a16:creationId xmlns:a16="http://schemas.microsoft.com/office/drawing/2014/main" id="{B315550A-AD90-4CE8-A041-B89D1A8F6933}"/>
+              </a:ext>
+            </a:extLst>
+          </p:cNvPr>
+          <p:cNvSpPr/>
+          <p:nvPr/>
+        </p:nvSpPr>
+        <p:spPr>
+          <a:xfrm>
+            <a:off x="736371" y="3845001"/>
+            <a:ext cx="5288820" cy="523220"/>
+          </a:xfrm>
+          <a:prstGeom prst="rect">
+            <a:avLst/>
+          </a:prstGeom>
+        </p:spPr>
+        <p:txBody>
+          <a:bodyPr wrap="none">
+            <a:spAutoFit/>
+          </a:bodyPr>
+          <a:lstStyle/>
+          <a:p>
+            <a:r>
+              <a:rPr lang="en-CA" b="1" dirty="0">
+                <a:solidFill>
+                  <a:schemeClr val="accent1">
+                    <a:lumMod val="50000"/>
+                  </a:schemeClr>
+                </a:solidFill>
+              </a:rPr>
+              <a:t>Allowing developers to work </a:t>
+            </a:r>
+            <a:r>
+              <a:rPr lang="en-CA" sz="2800" b="1" dirty="0">
+                <a:solidFill>
+                  <a:schemeClr val="accent1">
+                    <a:lumMod val="50000"/>
+                  </a:schemeClr>
+                </a:solidFill>
+              </a:rPr>
+              <a:t>simultaneously</a:t>
+            </a:r>
+            <a:r>
+              <a:rPr lang="en-CA" b="1" dirty="0">
+                <a:solidFill>
+                  <a:schemeClr val="accent1">
+                    <a:lumMod val="50000"/>
+                  </a:schemeClr>
+                </a:solidFill>
+              </a:rPr>
+              <a:t>.</a:t>
+            </a:r>
+          </a:p>
+        </p:txBody>
+      </p:sp>
+      <p:sp>
+        <p:nvSpPr>
+          <p:cNvPr id="24" name="Rectangle 23">
+            <a:extLst>
+              <a:ext uri="{FF2B5EF4-FFF2-40B4-BE49-F238E27FC236}">
+                <a16:creationId xmlns:a16="http://schemas.microsoft.com/office/drawing/2014/main" id="{71F58AB0-6D47-459E-8032-89D8BC446F54}"/>
+              </a:ext>
+            </a:extLst>
+          </p:cNvPr>
+          <p:cNvSpPr/>
+          <p:nvPr/>
+        </p:nvSpPr>
+        <p:spPr>
+          <a:xfrm>
+            <a:off x="736371" y="4355473"/>
+            <a:ext cx="5945795" cy="523220"/>
+          </a:xfrm>
+          <a:prstGeom prst="rect">
+            <a:avLst/>
+          </a:prstGeom>
+        </p:spPr>
+        <p:txBody>
+          <a:bodyPr wrap="none">
+            <a:spAutoFit/>
+          </a:bodyPr>
+          <a:lstStyle/>
+          <a:p>
+            <a:r>
+              <a:rPr lang="en-CA" sz="2800" b="1" dirty="0">
+                <a:solidFill>
+                  <a:schemeClr val="accent1">
+                    <a:lumMod val="50000"/>
+                  </a:schemeClr>
+                </a:solidFill>
+              </a:rPr>
+              <a:t>Not</a:t>
+            </a:r>
+            <a:r>
+              <a:rPr lang="en-CA" b="1" dirty="0">
+                <a:solidFill>
+                  <a:schemeClr val="accent1">
+                    <a:lumMod val="50000"/>
+                  </a:schemeClr>
+                </a:solidFill>
+              </a:rPr>
+              <a:t> allowing </a:t>
+            </a:r>
+            <a:r>
+              <a:rPr lang="en-CA" sz="2800" b="1" dirty="0">
+                <a:solidFill>
+                  <a:schemeClr val="accent1">
+                    <a:lumMod val="50000"/>
+                  </a:schemeClr>
+                </a:solidFill>
+              </a:rPr>
+              <a:t>overwriting</a:t>
+            </a:r>
+            <a:r>
+              <a:rPr lang="en-CA" b="1" dirty="0">
+                <a:solidFill>
+                  <a:schemeClr val="accent1">
+                    <a:lumMod val="50000"/>
+                  </a:schemeClr>
+                </a:solidFill>
+              </a:rPr>
+              <a:t> other developers changes.</a:t>
+            </a:r>
+          </a:p>
+        </p:txBody>
+      </p:sp>
+      <p:sp>
+        <p:nvSpPr>
+          <p:cNvPr id="25" name="Flowchart: Connector 24">
+            <a:extLst>
+              <a:ext uri="{FF2B5EF4-FFF2-40B4-BE49-F238E27FC236}">
+                <a16:creationId xmlns:a16="http://schemas.microsoft.com/office/drawing/2014/main" id="{9E6F3D3F-C03A-44B7-83BA-454C7BF64B21}"/>
+              </a:ext>
+            </a:extLst>
+          </p:cNvPr>
+          <p:cNvSpPr/>
+          <p:nvPr/>
+        </p:nvSpPr>
+        <p:spPr>
+          <a:xfrm>
+            <a:off x="534261" y="4056816"/>
             <a:ext cx="190353" cy="174302"/>
           </a:xfrm>
           <a:prstGeom prst="flowChartConnector">
@@ -13125,10 +13647,10 @@
       </p:sp>
       <p:sp>
         <p:nvSpPr>
-          <p:cNvPr id="8" name="Rectangle 7">
-            <a:extLst>
-              <a:ext uri="{FF2B5EF4-FFF2-40B4-BE49-F238E27FC236}">
-                <a16:creationId xmlns:a16="http://schemas.microsoft.com/office/drawing/2014/main" id="{9C53C7AA-85C6-4777-9089-96ECBD7D8059}"/>
+          <p:cNvPr id="31" name="Flowchart: Connector 30">
+            <a:extLst>
+              <a:ext uri="{FF2B5EF4-FFF2-40B4-BE49-F238E27FC236}">
+                <a16:creationId xmlns:a16="http://schemas.microsoft.com/office/drawing/2014/main" id="{0DD881D2-4B30-4553-86D9-CE0AABD0960F}"/>
               </a:ext>
             </a:extLst>
           </p:cNvPr>
@@ -13137,47 +13659,7 @@
         </p:nvSpPr>
         <p:spPr>
           <a:xfrm>
-            <a:off x="7137171" y="2602418"/>
-            <a:ext cx="4089629" cy="523220"/>
-          </a:xfrm>
-          <a:prstGeom prst="rect">
-            <a:avLst/>
-          </a:prstGeom>
-        </p:spPr>
-        <p:txBody>
-          <a:bodyPr wrap="square">
-            <a:spAutoFit/>
-          </a:bodyPr>
-          <a:lstStyle/>
-          <a:p>
-            <a:r>
-              <a:rPr lang="en-CA" sz="2800" b="1" dirty="0">
-                <a:solidFill>
-                  <a:schemeClr val="accent1">
-                    <a:lumMod val="50000"/>
-                  </a:schemeClr>
-                </a:solidFill>
-              </a:rPr>
-              <a:t>It is a multi-user system</a:t>
-            </a:r>
-          </a:p>
-        </p:txBody>
-      </p:sp>
-      <p:sp>
-        <p:nvSpPr>
-          <p:cNvPr id="9" name="Flowchart: Connector 8">
-            <a:extLst>
-              <a:ext uri="{FF2B5EF4-FFF2-40B4-BE49-F238E27FC236}">
-                <a16:creationId xmlns:a16="http://schemas.microsoft.com/office/drawing/2014/main" id="{B08D2BB1-1CF5-49AF-A485-ADE22CD20CEF}"/>
-              </a:ext>
-            </a:extLst>
-          </p:cNvPr>
-          <p:cNvSpPr/>
-          <p:nvPr/>
-        </p:nvSpPr>
-        <p:spPr>
-          <a:xfrm>
-            <a:off x="6896961" y="2788834"/>
+            <a:off x="534261" y="4592688"/>
             <a:ext cx="190353" cy="174302"/>
           </a:xfrm>
           <a:prstGeom prst="flowChartConnector">
@@ -13218,82 +13700,125 @@
           </a:p>
         </p:txBody>
       </p:sp>
-      <p:pic>
-        <p:nvPicPr>
-          <p:cNvPr id="3" name="Picture 2">
-            <a:extLst>
-              <a:ext uri="{FF2B5EF4-FFF2-40B4-BE49-F238E27FC236}">
-                <a16:creationId xmlns:a16="http://schemas.microsoft.com/office/drawing/2014/main" id="{775EF171-864A-4BCD-AE40-F4669C91B4B9}"/>
-              </a:ext>
-            </a:extLst>
-          </p:cNvPr>
-          <p:cNvPicPr>
-            <a:picLocks noChangeAspect="1"/>
-          </p:cNvPicPr>
-          <p:nvPr/>
-        </p:nvPicPr>
-        <p:blipFill>
-          <a:blip r:embed="rId4">
-            <a:extLst>
-              <a:ext uri="{28A0092B-C50C-407E-A947-70E740481C1C}">
-                <a14:useLocalDpi xmlns:a14="http://schemas.microsoft.com/office/drawing/2010/main" val="0"/>
-              </a:ext>
-            </a:extLst>
-          </a:blip>
-          <a:stretch>
-            <a:fillRect/>
-          </a:stretch>
-        </p:blipFill>
-        <p:spPr>
-          <a:xfrm>
-            <a:off x="7587733" y="3125638"/>
-            <a:ext cx="2800868" cy="2199419"/>
+      <p:sp>
+        <p:nvSpPr>
+          <p:cNvPr id="32" name="Flowchart: Connector 31">
+            <a:extLst>
+              <a:ext uri="{FF2B5EF4-FFF2-40B4-BE49-F238E27FC236}">
+                <a16:creationId xmlns:a16="http://schemas.microsoft.com/office/drawing/2014/main" id="{F07D3ED6-FBC3-46D0-AC2A-400975B69C0C}"/>
+              </a:ext>
+            </a:extLst>
+          </p:cNvPr>
+          <p:cNvSpPr/>
+          <p:nvPr/>
+        </p:nvSpPr>
+        <p:spPr>
+          <a:xfrm>
+            <a:off x="534261" y="5163155"/>
+            <a:ext cx="190353" cy="174302"/>
+          </a:xfrm>
+          <a:prstGeom prst="flowChartConnector">
+            <a:avLst/>
+          </a:prstGeom>
+          <a:solidFill>
+            <a:schemeClr val="accent4">
+              <a:lumMod val="60000"/>
+              <a:lumOff val="40000"/>
+            </a:schemeClr>
+          </a:solidFill>
+          <a:ln>
+            <a:noFill/>
+          </a:ln>
+        </p:spPr>
+        <p:style>
+          <a:lnRef idx="2">
+            <a:schemeClr val="accent1">
+              <a:shade val="50000"/>
+            </a:schemeClr>
+          </a:lnRef>
+          <a:fillRef idx="1">
+            <a:schemeClr val="accent1"/>
+          </a:fillRef>
+          <a:effectRef idx="0">
+            <a:schemeClr val="accent1"/>
+          </a:effectRef>
+          <a:fontRef idx="minor">
+            <a:schemeClr val="lt1"/>
+          </a:fontRef>
+        </p:style>
+        <p:txBody>
+          <a:bodyPr rtlCol="0" anchor="ctr"/>
+          <a:lstStyle/>
+          <a:p>
+            <a:pPr algn="ctr"/>
+            <a:endParaRPr lang="en-CA"/>
+          </a:p>
+        </p:txBody>
+      </p:sp>
+      <p:sp>
+        <p:nvSpPr>
+          <p:cNvPr id="33" name="Rectangle 32">
+            <a:extLst>
+              <a:ext uri="{FF2B5EF4-FFF2-40B4-BE49-F238E27FC236}">
+                <a16:creationId xmlns:a16="http://schemas.microsoft.com/office/drawing/2014/main" id="{21FC7723-F9DA-45BF-B22A-C08CF3EBB65B}"/>
+              </a:ext>
+            </a:extLst>
+          </p:cNvPr>
+          <p:cNvSpPr/>
+          <p:nvPr/>
+        </p:nvSpPr>
+        <p:spPr>
+          <a:xfrm>
+            <a:off x="736371" y="4925940"/>
+            <a:ext cx="4230774" cy="523220"/>
           </a:xfrm>
           <a:prstGeom prst="rect">
             <a:avLst/>
           </a:prstGeom>
         </p:spPr>
-      </p:pic>
-      <p:pic>
-        <p:nvPicPr>
-          <p:cNvPr id="11" name="Picture 10">
-            <a:extLst>
-              <a:ext uri="{FF2B5EF4-FFF2-40B4-BE49-F238E27FC236}">
-                <a16:creationId xmlns:a16="http://schemas.microsoft.com/office/drawing/2014/main" id="{C855032E-0895-43E6-8F93-D6A9612656A4}"/>
-              </a:ext>
-            </a:extLst>
-          </p:cNvPr>
-          <p:cNvPicPr>
-            <a:picLocks noChangeAspect="1"/>
-          </p:cNvPicPr>
-          <p:nvPr/>
-        </p:nvPicPr>
-        <p:blipFill>
-          <a:blip r:embed="rId5">
-            <a:extLst>
-              <a:ext uri="{28A0092B-C50C-407E-A947-70E740481C1C}">
-                <a14:useLocalDpi xmlns:a14="http://schemas.microsoft.com/office/drawing/2010/main" val="0"/>
-              </a:ext>
-            </a:extLst>
-          </a:blip>
-          <a:stretch>
-            <a:fillRect/>
-          </a:stretch>
-        </p:blipFill>
-        <p:spPr>
-          <a:xfrm>
-            <a:off x="1474516" y="3125638"/>
-            <a:ext cx="2143125" cy="2143125"/>
-          </a:xfrm>
-          <a:prstGeom prst="rect">
-            <a:avLst/>
-          </a:prstGeom>
-        </p:spPr>
-      </p:pic>
+        <p:txBody>
+          <a:bodyPr wrap="none">
+            <a:spAutoFit/>
+          </a:bodyPr>
+          <a:lstStyle/>
+          <a:p>
+            <a:r>
+              <a:rPr lang="en-CA" b="1" dirty="0">
+                <a:solidFill>
+                  <a:schemeClr val="accent1">
+                    <a:lumMod val="50000"/>
+                  </a:schemeClr>
+                </a:solidFill>
+              </a:rPr>
+              <a:t>Maintaining a </a:t>
+            </a:r>
+            <a:r>
+              <a:rPr lang="en-CA" sz="2800" b="1" dirty="0">
+                <a:solidFill>
+                  <a:schemeClr val="accent1">
+                    <a:lumMod val="50000"/>
+                  </a:schemeClr>
+                </a:solidFill>
+              </a:rPr>
+              <a:t>history</a:t>
+            </a:r>
+            <a:r>
+              <a:rPr lang="en-CA" b="1" dirty="0">
+                <a:solidFill>
+                  <a:schemeClr val="accent1">
+                    <a:lumMod val="50000"/>
+                  </a:schemeClr>
+                </a:solidFill>
+              </a:rPr>
+              <a:t> of every version.</a:t>
+            </a:r>
+          </a:p>
+        </p:txBody>
+      </p:sp>
     </p:spTree>
     <p:extLst>
       <p:ext uri="{BB962C8B-B14F-4D97-AF65-F5344CB8AC3E}">
-        <p14:creationId xmlns:p14="http://schemas.microsoft.com/office/powerpoint/2010/main" val="580685471"/>
+        <p14:creationId xmlns:p14="http://schemas.microsoft.com/office/powerpoint/2010/main" val="1852934168"/>
       </p:ext>
     </p:extLst>
   </p:cSld>
@@ -13390,12 +13915,238 @@
           </a:p>
         </p:txBody>
       </p:sp>
+      <p:sp>
+        <p:nvSpPr>
+          <p:cNvPr id="6" name="TextBox 5"/>
+          <p:cNvSpPr txBox="1"/>
+          <p:nvPr/>
+        </p:nvSpPr>
+        <p:spPr>
+          <a:xfrm>
+            <a:off x="172435" y="797920"/>
+            <a:ext cx="5105437" cy="707886"/>
+          </a:xfrm>
+          <a:prstGeom prst="rect">
+            <a:avLst/>
+          </a:prstGeom>
+          <a:noFill/>
+        </p:spPr>
+        <p:txBody>
+          <a:bodyPr wrap="none" rtlCol="0">
+            <a:spAutoFit/>
+          </a:bodyPr>
+          <a:lstStyle/>
+          <a:p>
+            <a:pPr algn="ctr"/>
+            <a:r>
+              <a:rPr lang="en-CA" sz="4000" b="1" dirty="0">
+                <a:solidFill>
+                  <a:schemeClr val="accent1">
+                    <a:lumMod val="50000"/>
+                  </a:schemeClr>
+                </a:solidFill>
+              </a:rPr>
+              <a:t>Version Control System</a:t>
+            </a:r>
+          </a:p>
+        </p:txBody>
+      </p:sp>
+      <p:sp>
+        <p:nvSpPr>
+          <p:cNvPr id="22" name="Rectangle 21">
+            <a:extLst>
+              <a:ext uri="{FF2B5EF4-FFF2-40B4-BE49-F238E27FC236}">
+                <a16:creationId xmlns:a16="http://schemas.microsoft.com/office/drawing/2014/main" id="{488775EB-0491-4A3B-A212-1569FC1770D3}"/>
+              </a:ext>
+            </a:extLst>
+          </p:cNvPr>
+          <p:cNvSpPr/>
+          <p:nvPr/>
+        </p:nvSpPr>
+        <p:spPr>
+          <a:xfrm>
+            <a:off x="926871" y="2587700"/>
+            <a:ext cx="3873729" cy="523220"/>
+          </a:xfrm>
+          <a:prstGeom prst="rect">
+            <a:avLst/>
+          </a:prstGeom>
+        </p:spPr>
+        <p:txBody>
+          <a:bodyPr wrap="square">
+            <a:spAutoFit/>
+          </a:bodyPr>
+          <a:lstStyle/>
+          <a:p>
+            <a:r>
+              <a:rPr lang="en-CA" sz="2800" b="1" dirty="0">
+                <a:solidFill>
+                  <a:schemeClr val="accent1">
+                    <a:lumMod val="50000"/>
+                  </a:schemeClr>
+                </a:solidFill>
+              </a:rPr>
+              <a:t>Based on repositories</a:t>
+            </a:r>
+          </a:p>
+        </p:txBody>
+      </p:sp>
+      <p:sp>
+        <p:nvSpPr>
+          <p:cNvPr id="7" name="Flowchart: Connector 6">
+            <a:extLst>
+              <a:ext uri="{FF2B5EF4-FFF2-40B4-BE49-F238E27FC236}">
+                <a16:creationId xmlns:a16="http://schemas.microsoft.com/office/drawing/2014/main" id="{45E51739-31D3-4149-8194-60550DBD7276}"/>
+              </a:ext>
+            </a:extLst>
+          </p:cNvPr>
+          <p:cNvSpPr/>
+          <p:nvPr/>
+        </p:nvSpPr>
+        <p:spPr>
+          <a:xfrm>
+            <a:off x="686661" y="2774116"/>
+            <a:ext cx="190353" cy="174302"/>
+          </a:xfrm>
+          <a:prstGeom prst="flowChartConnector">
+            <a:avLst/>
+          </a:prstGeom>
+          <a:solidFill>
+            <a:schemeClr val="accent4">
+              <a:lumMod val="60000"/>
+              <a:lumOff val="40000"/>
+            </a:schemeClr>
+          </a:solidFill>
+          <a:ln>
+            <a:noFill/>
+          </a:ln>
+        </p:spPr>
+        <p:style>
+          <a:lnRef idx="2">
+            <a:schemeClr val="accent1">
+              <a:shade val="50000"/>
+            </a:schemeClr>
+          </a:lnRef>
+          <a:fillRef idx="1">
+            <a:schemeClr val="accent1"/>
+          </a:fillRef>
+          <a:effectRef idx="0">
+            <a:schemeClr val="accent1"/>
+          </a:effectRef>
+          <a:fontRef idx="minor">
+            <a:schemeClr val="lt1"/>
+          </a:fontRef>
+        </p:style>
+        <p:txBody>
+          <a:bodyPr rtlCol="0" anchor="ctr"/>
+          <a:lstStyle/>
+          <a:p>
+            <a:pPr algn="ctr"/>
+            <a:endParaRPr lang="en-CA"/>
+          </a:p>
+        </p:txBody>
+      </p:sp>
+      <p:sp>
+        <p:nvSpPr>
+          <p:cNvPr id="8" name="Rectangle 7">
+            <a:extLst>
+              <a:ext uri="{FF2B5EF4-FFF2-40B4-BE49-F238E27FC236}">
+                <a16:creationId xmlns:a16="http://schemas.microsoft.com/office/drawing/2014/main" id="{9C53C7AA-85C6-4777-9089-96ECBD7D8059}"/>
+              </a:ext>
+            </a:extLst>
+          </p:cNvPr>
+          <p:cNvSpPr/>
+          <p:nvPr/>
+        </p:nvSpPr>
+        <p:spPr>
+          <a:xfrm>
+            <a:off x="7137171" y="2602418"/>
+            <a:ext cx="4089629" cy="523220"/>
+          </a:xfrm>
+          <a:prstGeom prst="rect">
+            <a:avLst/>
+          </a:prstGeom>
+        </p:spPr>
+        <p:txBody>
+          <a:bodyPr wrap="square">
+            <a:spAutoFit/>
+          </a:bodyPr>
+          <a:lstStyle/>
+          <a:p>
+            <a:r>
+              <a:rPr lang="en-CA" sz="2800" b="1" dirty="0">
+                <a:solidFill>
+                  <a:schemeClr val="accent1">
+                    <a:lumMod val="50000"/>
+                  </a:schemeClr>
+                </a:solidFill>
+              </a:rPr>
+              <a:t>It is a multi-user system</a:t>
+            </a:r>
+          </a:p>
+        </p:txBody>
+      </p:sp>
+      <p:sp>
+        <p:nvSpPr>
+          <p:cNvPr id="9" name="Flowchart: Connector 8">
+            <a:extLst>
+              <a:ext uri="{FF2B5EF4-FFF2-40B4-BE49-F238E27FC236}">
+                <a16:creationId xmlns:a16="http://schemas.microsoft.com/office/drawing/2014/main" id="{B08D2BB1-1CF5-49AF-A485-ADE22CD20CEF}"/>
+              </a:ext>
+            </a:extLst>
+          </p:cNvPr>
+          <p:cNvSpPr/>
+          <p:nvPr/>
+        </p:nvSpPr>
+        <p:spPr>
+          <a:xfrm>
+            <a:off x="6896961" y="2788834"/>
+            <a:ext cx="190353" cy="174302"/>
+          </a:xfrm>
+          <a:prstGeom prst="flowChartConnector">
+            <a:avLst/>
+          </a:prstGeom>
+          <a:solidFill>
+            <a:schemeClr val="accent4">
+              <a:lumMod val="60000"/>
+              <a:lumOff val="40000"/>
+            </a:schemeClr>
+          </a:solidFill>
+          <a:ln>
+            <a:noFill/>
+          </a:ln>
+        </p:spPr>
+        <p:style>
+          <a:lnRef idx="2">
+            <a:schemeClr val="accent1">
+              <a:shade val="50000"/>
+            </a:schemeClr>
+          </a:lnRef>
+          <a:fillRef idx="1">
+            <a:schemeClr val="accent1"/>
+          </a:fillRef>
+          <a:effectRef idx="0">
+            <a:schemeClr val="accent1"/>
+          </a:effectRef>
+          <a:fontRef idx="minor">
+            <a:schemeClr val="lt1"/>
+          </a:fontRef>
+        </p:style>
+        <p:txBody>
+          <a:bodyPr rtlCol="0" anchor="ctr"/>
+          <a:lstStyle/>
+          <a:p>
+            <a:pPr algn="ctr"/>
+            <a:endParaRPr lang="en-CA"/>
+          </a:p>
+        </p:txBody>
+      </p:sp>
       <p:pic>
         <p:nvPicPr>
-          <p:cNvPr id="9" name="Picture 8">
-            <a:extLst>
-              <a:ext uri="{FF2B5EF4-FFF2-40B4-BE49-F238E27FC236}">
-                <a16:creationId xmlns:a16="http://schemas.microsoft.com/office/drawing/2014/main" id="{4FFF7D92-C6E9-4663-8E45-933A676AF5F7}"/>
+          <p:cNvPr id="3" name="Picture 2">
+            <a:extLst>
+              <a:ext uri="{FF2B5EF4-FFF2-40B4-BE49-F238E27FC236}">
+                <a16:creationId xmlns:a16="http://schemas.microsoft.com/office/drawing/2014/main" id="{775EF171-864A-4BCD-AE40-F4669C91B4B9}"/>
               </a:ext>
             </a:extLst>
           </p:cNvPr>
@@ -13418,8 +14169,8 @@
         </p:blipFill>
         <p:spPr>
           <a:xfrm>
-            <a:off x="3018995" y="901312"/>
-            <a:ext cx="6154009" cy="5563376"/>
+            <a:off x="7587733" y="3125638"/>
+            <a:ext cx="2800868" cy="2199419"/>
           </a:xfrm>
           <a:prstGeom prst="rect">
             <a:avLst/>
@@ -13431,7 +14182,7 @@
           <p:cNvPr id="11" name="Picture 10">
             <a:extLst>
               <a:ext uri="{FF2B5EF4-FFF2-40B4-BE49-F238E27FC236}">
-                <a16:creationId xmlns:a16="http://schemas.microsoft.com/office/drawing/2014/main" id="{BAA7C73D-B178-46C8-9E17-67D6940A4410}"/>
+                <a16:creationId xmlns:a16="http://schemas.microsoft.com/office/drawing/2014/main" id="{C855032E-0895-43E6-8F93-D6A9612656A4}"/>
               </a:ext>
             </a:extLst>
           </p:cNvPr>
@@ -13441,7 +14192,7 @@
           <p:nvPr/>
         </p:nvPicPr>
         <p:blipFill>
-          <a:blip r:embed="rId5" cstate="print">
+          <a:blip r:embed="rId5">
             <a:extLst>
               <a:ext uri="{28A0092B-C50C-407E-A947-70E740481C1C}">
                 <a14:useLocalDpi xmlns:a14="http://schemas.microsoft.com/office/drawing/2010/main" val="0"/>
@@ -13454,8 +14205,8 @@
         </p:blipFill>
         <p:spPr>
           <a:xfrm>
-            <a:off x="172435" y="901312"/>
-            <a:ext cx="1187450" cy="1187450"/>
+            <a:off x="1474516" y="3125638"/>
+            <a:ext cx="2143125" cy="2143125"/>
           </a:xfrm>
           <a:prstGeom prst="rect">
             <a:avLst/>
@@ -13465,7 +14216,7 @@
     </p:spTree>
     <p:extLst>
       <p:ext uri="{BB962C8B-B14F-4D97-AF65-F5344CB8AC3E}">
-        <p14:creationId xmlns:p14="http://schemas.microsoft.com/office/powerpoint/2010/main" val="2009458582"/>
+        <p14:creationId xmlns:p14="http://schemas.microsoft.com/office/powerpoint/2010/main" val="580685471"/>
       </p:ext>
     </p:extLst>
   </p:cSld>
@@ -13501,7 +14252,7 @@
           <p:nvPr/>
         </p:nvPicPr>
         <p:blipFill>
-          <a:blip r:embed="rId2"/>
+          <a:blip r:embed="rId3"/>
           <a:stretch>
             <a:fillRect/>
           </a:stretch>
@@ -13562,238 +14313,12 @@
           </a:p>
         </p:txBody>
       </p:sp>
-      <p:sp>
-        <p:nvSpPr>
-          <p:cNvPr id="6" name="TextBox 5"/>
-          <p:cNvSpPr txBox="1"/>
-          <p:nvPr/>
-        </p:nvSpPr>
-        <p:spPr>
-          <a:xfrm>
-            <a:off x="172435" y="865993"/>
-            <a:ext cx="7614905" cy="707886"/>
-          </a:xfrm>
-          <a:prstGeom prst="rect">
-            <a:avLst/>
-          </a:prstGeom>
-          <a:noFill/>
-        </p:spPr>
-        <p:txBody>
-          <a:bodyPr wrap="none" rtlCol="0">
-            <a:spAutoFit/>
-          </a:bodyPr>
-          <a:lstStyle/>
-          <a:p>
-            <a:pPr algn="ctr"/>
-            <a:r>
-              <a:rPr lang="en-CA" sz="4000" b="1" dirty="0">
-                <a:solidFill>
-                  <a:schemeClr val="accent1">
-                    <a:lumMod val="50000"/>
-                  </a:schemeClr>
-                </a:solidFill>
-              </a:rPr>
-              <a:t>Distributed Version Control System</a:t>
-            </a:r>
-          </a:p>
-        </p:txBody>
-      </p:sp>
-      <p:sp>
-        <p:nvSpPr>
-          <p:cNvPr id="22" name="Rectangle 21">
-            <a:extLst>
-              <a:ext uri="{FF2B5EF4-FFF2-40B4-BE49-F238E27FC236}">
-                <a16:creationId xmlns:a16="http://schemas.microsoft.com/office/drawing/2014/main" id="{488775EB-0491-4A3B-A212-1569FC1770D3}"/>
-              </a:ext>
-            </a:extLst>
-          </p:cNvPr>
-          <p:cNvSpPr/>
-          <p:nvPr/>
-        </p:nvSpPr>
-        <p:spPr>
-          <a:xfrm>
-            <a:off x="736371" y="2155896"/>
-            <a:ext cx="9200109" cy="523220"/>
-          </a:xfrm>
-          <a:prstGeom prst="rect">
-            <a:avLst/>
-          </a:prstGeom>
-        </p:spPr>
-        <p:txBody>
-          <a:bodyPr wrap="square">
-            <a:spAutoFit/>
-          </a:bodyPr>
-          <a:lstStyle/>
-          <a:p>
-            <a:r>
-              <a:rPr lang="en-CA" sz="2800" b="1" dirty="0">
-                <a:solidFill>
-                  <a:schemeClr val="accent1">
-                    <a:lumMod val="50000"/>
-                  </a:schemeClr>
-                </a:solidFill>
-              </a:rPr>
-              <a:t>Local fully mirrors a Remote repository.</a:t>
-            </a:r>
-          </a:p>
-        </p:txBody>
-      </p:sp>
-      <p:sp>
-        <p:nvSpPr>
-          <p:cNvPr id="7" name="Flowchart: Connector 6">
-            <a:extLst>
-              <a:ext uri="{FF2B5EF4-FFF2-40B4-BE49-F238E27FC236}">
-                <a16:creationId xmlns:a16="http://schemas.microsoft.com/office/drawing/2014/main" id="{45E51739-31D3-4149-8194-60550DBD7276}"/>
-              </a:ext>
-            </a:extLst>
-          </p:cNvPr>
-          <p:cNvSpPr/>
-          <p:nvPr/>
-        </p:nvSpPr>
-        <p:spPr>
-          <a:xfrm>
-            <a:off x="496161" y="2342312"/>
-            <a:ext cx="190353" cy="174302"/>
-          </a:xfrm>
-          <a:prstGeom prst="flowChartConnector">
-            <a:avLst/>
-          </a:prstGeom>
-          <a:solidFill>
-            <a:schemeClr val="accent4">
-              <a:lumMod val="60000"/>
-              <a:lumOff val="40000"/>
-            </a:schemeClr>
-          </a:solidFill>
-          <a:ln>
-            <a:noFill/>
-          </a:ln>
-        </p:spPr>
-        <p:style>
-          <a:lnRef idx="2">
-            <a:schemeClr val="accent1">
-              <a:shade val="50000"/>
-            </a:schemeClr>
-          </a:lnRef>
-          <a:fillRef idx="1">
-            <a:schemeClr val="accent1"/>
-          </a:fillRef>
-          <a:effectRef idx="0">
-            <a:schemeClr val="accent1"/>
-          </a:effectRef>
-          <a:fontRef idx="minor">
-            <a:schemeClr val="lt1"/>
-          </a:fontRef>
-        </p:style>
-        <p:txBody>
-          <a:bodyPr rtlCol="0" anchor="ctr"/>
-          <a:lstStyle/>
-          <a:p>
-            <a:pPr algn="ctr"/>
-            <a:endParaRPr lang="en-CA"/>
-          </a:p>
-        </p:txBody>
-      </p:sp>
-      <p:sp>
-        <p:nvSpPr>
-          <p:cNvPr id="8" name="Rectangle 7">
-            <a:extLst>
-              <a:ext uri="{FF2B5EF4-FFF2-40B4-BE49-F238E27FC236}">
-                <a16:creationId xmlns:a16="http://schemas.microsoft.com/office/drawing/2014/main" id="{4DA529B9-FE02-4125-82CC-55AB2AA28897}"/>
-              </a:ext>
-            </a:extLst>
-          </p:cNvPr>
-          <p:cNvSpPr/>
-          <p:nvPr/>
-        </p:nvSpPr>
-        <p:spPr>
-          <a:xfrm>
-            <a:off x="736371" y="2842165"/>
-            <a:ext cx="4369029" cy="523220"/>
-          </a:xfrm>
-          <a:prstGeom prst="rect">
-            <a:avLst/>
-          </a:prstGeom>
-        </p:spPr>
-        <p:txBody>
-          <a:bodyPr wrap="square">
-            <a:spAutoFit/>
-          </a:bodyPr>
-          <a:lstStyle/>
-          <a:p>
-            <a:r>
-              <a:rPr lang="en-CA" sz="2800" b="1" dirty="0">
-                <a:solidFill>
-                  <a:schemeClr val="accent1">
-                    <a:lumMod val="50000"/>
-                  </a:schemeClr>
-                </a:solidFill>
-              </a:rPr>
-              <a:t>Can work off-line.</a:t>
-            </a:r>
-          </a:p>
-        </p:txBody>
-      </p:sp>
-      <p:sp>
-        <p:nvSpPr>
-          <p:cNvPr id="10" name="Flowchart: Connector 9">
-            <a:extLst>
-              <a:ext uri="{FF2B5EF4-FFF2-40B4-BE49-F238E27FC236}">
-                <a16:creationId xmlns:a16="http://schemas.microsoft.com/office/drawing/2014/main" id="{823D2660-DAEE-4933-A1F7-D02DC4983DE9}"/>
-              </a:ext>
-            </a:extLst>
-          </p:cNvPr>
-          <p:cNvSpPr/>
-          <p:nvPr/>
-        </p:nvSpPr>
-        <p:spPr>
-          <a:xfrm>
-            <a:off x="496161" y="3028581"/>
-            <a:ext cx="190353" cy="174302"/>
-          </a:xfrm>
-          <a:prstGeom prst="flowChartConnector">
-            <a:avLst/>
-          </a:prstGeom>
-          <a:solidFill>
-            <a:schemeClr val="accent4">
-              <a:lumMod val="60000"/>
-              <a:lumOff val="40000"/>
-            </a:schemeClr>
-          </a:solidFill>
-          <a:ln>
-            <a:noFill/>
-          </a:ln>
-        </p:spPr>
-        <p:style>
-          <a:lnRef idx="2">
-            <a:schemeClr val="accent1">
-              <a:shade val="50000"/>
-            </a:schemeClr>
-          </a:lnRef>
-          <a:fillRef idx="1">
-            <a:schemeClr val="accent1"/>
-          </a:fillRef>
-          <a:effectRef idx="0">
-            <a:schemeClr val="accent1"/>
-          </a:effectRef>
-          <a:fontRef idx="minor">
-            <a:schemeClr val="lt1"/>
-          </a:fontRef>
-        </p:style>
-        <p:txBody>
-          <a:bodyPr rtlCol="0" anchor="ctr"/>
-          <a:lstStyle/>
-          <a:p>
-            <a:pPr algn="ctr"/>
-            <a:endParaRPr lang="en-CA"/>
-          </a:p>
-        </p:txBody>
-      </p:sp>
       <p:pic>
         <p:nvPicPr>
-          <p:cNvPr id="3" name="Picture 2">
-            <a:extLst>
-              <a:ext uri="{FF2B5EF4-FFF2-40B4-BE49-F238E27FC236}">
-                <a16:creationId xmlns:a16="http://schemas.microsoft.com/office/drawing/2014/main" id="{3DDFEA45-52B7-4A45-92EE-07CB56384673}"/>
+          <p:cNvPr id="9" name="Picture 8">
+            <a:extLst>
+              <a:ext uri="{FF2B5EF4-FFF2-40B4-BE49-F238E27FC236}">
+                <a16:creationId xmlns:a16="http://schemas.microsoft.com/office/drawing/2014/main" id="{4FFF7D92-C6E9-4663-8E45-933A676AF5F7}"/>
               </a:ext>
             </a:extLst>
           </p:cNvPr>
@@ -13803,7 +14328,7 @@
           <p:nvPr/>
         </p:nvPicPr>
         <p:blipFill>
-          <a:blip r:embed="rId3">
+          <a:blip r:embed="rId4">
             <a:extLst>
               <a:ext uri="{28A0092B-C50C-407E-A947-70E740481C1C}">
                 <a14:useLocalDpi xmlns:a14="http://schemas.microsoft.com/office/drawing/2010/main" val="0"/>
@@ -13816,208 +14341,54 @@
         </p:blipFill>
         <p:spPr>
           <a:xfrm>
-            <a:off x="10515600" y="824882"/>
-            <a:ext cx="1265922" cy="1265922"/>
+            <a:off x="3018995" y="901312"/>
+            <a:ext cx="6154009" cy="5563376"/>
           </a:xfrm>
           <a:prstGeom prst="rect">
             <a:avLst/>
           </a:prstGeom>
         </p:spPr>
       </p:pic>
-      <p:sp>
-        <p:nvSpPr>
-          <p:cNvPr id="12" name="Rectangle 11">
-            <a:extLst>
-              <a:ext uri="{FF2B5EF4-FFF2-40B4-BE49-F238E27FC236}">
-                <a16:creationId xmlns:a16="http://schemas.microsoft.com/office/drawing/2014/main" id="{18591DC3-080F-4E3A-B03A-817AA824DC47}"/>
-              </a:ext>
-            </a:extLst>
-          </p:cNvPr>
-          <p:cNvSpPr/>
-          <p:nvPr/>
-        </p:nvSpPr>
-        <p:spPr>
-          <a:xfrm>
-            <a:off x="736371" y="3564204"/>
-            <a:ext cx="8026629" cy="523220"/>
+      <p:pic>
+        <p:nvPicPr>
+          <p:cNvPr id="11" name="Picture 10">
+            <a:extLst>
+              <a:ext uri="{FF2B5EF4-FFF2-40B4-BE49-F238E27FC236}">
+                <a16:creationId xmlns:a16="http://schemas.microsoft.com/office/drawing/2014/main" id="{BAA7C73D-B178-46C8-9E17-67D6940A4410}"/>
+              </a:ext>
+            </a:extLst>
+          </p:cNvPr>
+          <p:cNvPicPr>
+            <a:picLocks noChangeAspect="1"/>
+          </p:cNvPicPr>
+          <p:nvPr/>
+        </p:nvPicPr>
+        <p:blipFill>
+          <a:blip r:embed="rId5" cstate="print">
+            <a:extLst>
+              <a:ext uri="{28A0092B-C50C-407E-A947-70E740481C1C}">
+                <a14:useLocalDpi xmlns:a14="http://schemas.microsoft.com/office/drawing/2010/main" val="0"/>
+              </a:ext>
+            </a:extLst>
+          </a:blip>
+          <a:stretch>
+            <a:fillRect/>
+          </a:stretch>
+        </p:blipFill>
+        <p:spPr>
+          <a:xfrm>
+            <a:off x="172435" y="901312"/>
+            <a:ext cx="1187450" cy="1187450"/>
           </a:xfrm>
           <a:prstGeom prst="rect">
             <a:avLst/>
           </a:prstGeom>
         </p:spPr>
-        <p:txBody>
-          <a:bodyPr wrap="square">
-            <a:spAutoFit/>
-          </a:bodyPr>
-          <a:lstStyle/>
-          <a:p>
-            <a:r>
-              <a:rPr lang="en-CA" sz="2800" b="1" dirty="0">
-                <a:solidFill>
-                  <a:schemeClr val="accent1">
-                    <a:lumMod val="50000"/>
-                  </a:schemeClr>
-                </a:solidFill>
-              </a:rPr>
-              <a:t>Allow the creation of branches (On-line or Off-line). </a:t>
-            </a:r>
-          </a:p>
-        </p:txBody>
-      </p:sp>
-      <p:sp>
-        <p:nvSpPr>
-          <p:cNvPr id="13" name="Flowchart: Connector 12">
-            <a:extLst>
-              <a:ext uri="{FF2B5EF4-FFF2-40B4-BE49-F238E27FC236}">
-                <a16:creationId xmlns:a16="http://schemas.microsoft.com/office/drawing/2014/main" id="{B663E216-DBE2-4F0E-9590-C45F82D3D7F2}"/>
-              </a:ext>
-            </a:extLst>
-          </p:cNvPr>
-          <p:cNvSpPr/>
-          <p:nvPr/>
-        </p:nvSpPr>
-        <p:spPr>
-          <a:xfrm>
-            <a:off x="496161" y="3750620"/>
-            <a:ext cx="190353" cy="174302"/>
-          </a:xfrm>
-          <a:prstGeom prst="flowChartConnector">
-            <a:avLst/>
-          </a:prstGeom>
-          <a:solidFill>
-            <a:schemeClr val="accent4">
-              <a:lumMod val="60000"/>
-              <a:lumOff val="40000"/>
-            </a:schemeClr>
-          </a:solidFill>
-          <a:ln>
-            <a:noFill/>
-          </a:ln>
-        </p:spPr>
-        <p:style>
-          <a:lnRef idx="2">
-            <a:schemeClr val="accent1">
-              <a:shade val="50000"/>
-            </a:schemeClr>
-          </a:lnRef>
-          <a:fillRef idx="1">
-            <a:schemeClr val="accent1"/>
-          </a:fillRef>
-          <a:effectRef idx="0">
-            <a:schemeClr val="accent1"/>
-          </a:effectRef>
-          <a:fontRef idx="minor">
-            <a:schemeClr val="lt1"/>
-          </a:fontRef>
-        </p:style>
-        <p:txBody>
-          <a:bodyPr rtlCol="0" anchor="ctr"/>
-          <a:lstStyle/>
-          <a:p>
-            <a:pPr algn="ctr"/>
-            <a:endParaRPr lang="en-CA"/>
-          </a:p>
-        </p:txBody>
-      </p:sp>
-      <p:sp>
-        <p:nvSpPr>
-          <p:cNvPr id="14" name="Rectangle 13">
-            <a:extLst>
-              <a:ext uri="{FF2B5EF4-FFF2-40B4-BE49-F238E27FC236}">
-                <a16:creationId xmlns:a16="http://schemas.microsoft.com/office/drawing/2014/main" id="{42CF9A82-BF3C-4430-9317-F7D624149545}"/>
-              </a:ext>
-            </a:extLst>
-          </p:cNvPr>
-          <p:cNvSpPr/>
-          <p:nvPr/>
-        </p:nvSpPr>
-        <p:spPr>
-          <a:xfrm>
-            <a:off x="736371" y="4326214"/>
-            <a:ext cx="6261329" cy="523220"/>
-          </a:xfrm>
-          <a:prstGeom prst="rect">
-            <a:avLst/>
-          </a:prstGeom>
-        </p:spPr>
-        <p:txBody>
-          <a:bodyPr wrap="square">
-            <a:spAutoFit/>
-          </a:bodyPr>
-          <a:lstStyle/>
-          <a:p>
-            <a:r>
-              <a:rPr lang="en-CA" sz="2800" b="1" dirty="0">
-                <a:solidFill>
-                  <a:schemeClr val="accent1">
-                    <a:lumMod val="50000"/>
-                  </a:schemeClr>
-                </a:solidFill>
-              </a:rPr>
-              <a:t>Allow checking logs (On-line or Off-line).</a:t>
-            </a:r>
-          </a:p>
-        </p:txBody>
-      </p:sp>
-      <p:sp>
-        <p:nvSpPr>
-          <p:cNvPr id="15" name="Flowchart: Connector 14">
-            <a:extLst>
-              <a:ext uri="{FF2B5EF4-FFF2-40B4-BE49-F238E27FC236}">
-                <a16:creationId xmlns:a16="http://schemas.microsoft.com/office/drawing/2014/main" id="{1F32BEBC-1D5B-472D-8D8A-1A647756CED4}"/>
-              </a:ext>
-            </a:extLst>
-          </p:cNvPr>
-          <p:cNvSpPr/>
-          <p:nvPr/>
-        </p:nvSpPr>
-        <p:spPr>
-          <a:xfrm>
-            <a:off x="496161" y="4512630"/>
-            <a:ext cx="190353" cy="174302"/>
-          </a:xfrm>
-          <a:prstGeom prst="flowChartConnector">
-            <a:avLst/>
-          </a:prstGeom>
-          <a:solidFill>
-            <a:schemeClr val="accent4">
-              <a:lumMod val="60000"/>
-              <a:lumOff val="40000"/>
-            </a:schemeClr>
-          </a:solidFill>
-          <a:ln>
-            <a:noFill/>
-          </a:ln>
-        </p:spPr>
-        <p:style>
-          <a:lnRef idx="2">
-            <a:schemeClr val="accent1">
-              <a:shade val="50000"/>
-            </a:schemeClr>
-          </a:lnRef>
-          <a:fillRef idx="1">
-            <a:schemeClr val="accent1"/>
-          </a:fillRef>
-          <a:effectRef idx="0">
-            <a:schemeClr val="accent1"/>
-          </a:effectRef>
-          <a:fontRef idx="minor">
-            <a:schemeClr val="lt1"/>
-          </a:fontRef>
-        </p:style>
-        <p:txBody>
-          <a:bodyPr rtlCol="0" anchor="ctr"/>
-          <a:lstStyle/>
-          <a:p>
-            <a:pPr algn="ctr"/>
-            <a:endParaRPr lang="en-CA"/>
-          </a:p>
-        </p:txBody>
-      </p:sp>
+      </p:pic>
     </p:spTree>
     <p:extLst>
       <p:ext uri="{BB962C8B-B14F-4D97-AF65-F5344CB8AC3E}">
-        <p14:creationId xmlns:p14="http://schemas.microsoft.com/office/powerpoint/2010/main" val="3379171089"/>
+        <p14:creationId xmlns:p14="http://schemas.microsoft.com/office/powerpoint/2010/main" val="2009458582"/>
       </p:ext>
     </p:extLst>
   </p:cSld>

--- a/IS Team Updates - November 22.pptx
+++ b/IS Team Updates - November 22.pptx
@@ -241,7 +241,7 @@
           <a:p>
             <a:fld id="{4598C197-9706-4ECE-AEF4-B03F4297B35D}" type="datetimeFigureOut">
               <a:rPr lang="en-CA" smtClean="0"/>
-              <a:t>2018-11-19</a:t>
+              <a:t>2018-11-20</a:t>
             </a:fld>
             <a:endParaRPr lang="en-CA"/>
           </a:p>
@@ -2087,7 +2087,7 @@
           <a:p>
             <a:fld id="{37103718-E62E-477D-833E-2DE6F13C3277}" type="datetimeFigureOut">
               <a:rPr lang="en-CA" smtClean="0"/>
-              <a:t>2018-11-19</a:t>
+              <a:t>2018-11-20</a:t>
             </a:fld>
             <a:endParaRPr lang="en-CA"/>
           </a:p>
@@ -2287,7 +2287,7 @@
           <a:p>
             <a:fld id="{37103718-E62E-477D-833E-2DE6F13C3277}" type="datetimeFigureOut">
               <a:rPr lang="en-CA" smtClean="0"/>
-              <a:t>2018-11-19</a:t>
+              <a:t>2018-11-20</a:t>
             </a:fld>
             <a:endParaRPr lang="en-CA"/>
           </a:p>
@@ -2497,7 +2497,7 @@
           <a:p>
             <a:fld id="{37103718-E62E-477D-833E-2DE6F13C3277}" type="datetimeFigureOut">
               <a:rPr lang="en-CA" smtClean="0"/>
-              <a:t>2018-11-19</a:t>
+              <a:t>2018-11-20</a:t>
             </a:fld>
             <a:endParaRPr lang="en-CA"/>
           </a:p>
@@ -2697,7 +2697,7 @@
           <a:p>
             <a:fld id="{37103718-E62E-477D-833E-2DE6F13C3277}" type="datetimeFigureOut">
               <a:rPr lang="en-CA" smtClean="0"/>
-              <a:t>2018-11-19</a:t>
+              <a:t>2018-11-20</a:t>
             </a:fld>
             <a:endParaRPr lang="en-CA"/>
           </a:p>
@@ -2973,7 +2973,7 @@
           <a:p>
             <a:fld id="{37103718-E62E-477D-833E-2DE6F13C3277}" type="datetimeFigureOut">
               <a:rPr lang="en-CA" smtClean="0"/>
-              <a:t>2018-11-19</a:t>
+              <a:t>2018-11-20</a:t>
             </a:fld>
             <a:endParaRPr lang="en-CA"/>
           </a:p>
@@ -3241,7 +3241,7 @@
           <a:p>
             <a:fld id="{37103718-E62E-477D-833E-2DE6F13C3277}" type="datetimeFigureOut">
               <a:rPr lang="en-CA" smtClean="0"/>
-              <a:t>2018-11-19</a:t>
+              <a:t>2018-11-20</a:t>
             </a:fld>
             <a:endParaRPr lang="en-CA"/>
           </a:p>
@@ -3656,7 +3656,7 @@
           <a:p>
             <a:fld id="{37103718-E62E-477D-833E-2DE6F13C3277}" type="datetimeFigureOut">
               <a:rPr lang="en-CA" smtClean="0"/>
-              <a:t>2018-11-19</a:t>
+              <a:t>2018-11-20</a:t>
             </a:fld>
             <a:endParaRPr lang="en-CA"/>
           </a:p>
@@ -3798,7 +3798,7 @@
           <a:p>
             <a:fld id="{37103718-E62E-477D-833E-2DE6F13C3277}" type="datetimeFigureOut">
               <a:rPr lang="en-CA" smtClean="0"/>
-              <a:t>2018-11-19</a:t>
+              <a:t>2018-11-20</a:t>
             </a:fld>
             <a:endParaRPr lang="en-CA"/>
           </a:p>
@@ -3911,7 +3911,7 @@
           <a:p>
             <a:fld id="{37103718-E62E-477D-833E-2DE6F13C3277}" type="datetimeFigureOut">
               <a:rPr lang="en-CA" smtClean="0"/>
-              <a:t>2018-11-19</a:t>
+              <a:t>2018-11-20</a:t>
             </a:fld>
             <a:endParaRPr lang="en-CA"/>
           </a:p>
@@ -4224,7 +4224,7 @@
           <a:p>
             <a:fld id="{37103718-E62E-477D-833E-2DE6F13C3277}" type="datetimeFigureOut">
               <a:rPr lang="en-CA" smtClean="0"/>
-              <a:t>2018-11-19</a:t>
+              <a:t>2018-11-20</a:t>
             </a:fld>
             <a:endParaRPr lang="en-CA"/>
           </a:p>
@@ -4513,7 +4513,7 @@
           <a:p>
             <a:fld id="{37103718-E62E-477D-833E-2DE6F13C3277}" type="datetimeFigureOut">
               <a:rPr lang="en-CA" smtClean="0"/>
-              <a:t>2018-11-19</a:t>
+              <a:t>2018-11-20</a:t>
             </a:fld>
             <a:endParaRPr lang="en-CA"/>
           </a:p>
@@ -4756,7 +4756,7 @@
           <a:p>
             <a:fld id="{37103718-E62E-477D-833E-2DE6F13C3277}" type="datetimeFigureOut">
               <a:rPr lang="en-CA" smtClean="0"/>
-              <a:t>2018-11-19</a:t>
+              <a:t>2018-11-20</a:t>
             </a:fld>
             <a:endParaRPr lang="en-CA"/>
           </a:p>
@@ -11343,10 +11343,10 @@
       </p:sp>
       <p:graphicFrame>
         <p:nvGraphicFramePr>
-          <p:cNvPr id="2" name="Table 1">
-            <a:extLst>
-              <a:ext uri="{FF2B5EF4-FFF2-40B4-BE49-F238E27FC236}">
-                <a16:creationId xmlns:a16="http://schemas.microsoft.com/office/drawing/2014/main" id="{57E50C45-DEF3-42E9-95DC-D64B380ADC60}"/>
+          <p:cNvPr id="6" name="Table 5">
+            <a:extLst>
+              <a:ext uri="{FF2B5EF4-FFF2-40B4-BE49-F238E27FC236}">
+                <a16:creationId xmlns:a16="http://schemas.microsoft.com/office/drawing/2014/main" id="{C5A84925-4075-4CCF-A47D-4632A4689D0E}"/>
               </a:ext>
             </a:extLst>
           </p:cNvPr>
@@ -11356,14 +11356,14 @@
           <p:nvPr>
             <p:extLst>
               <p:ext uri="{D42A27DB-BD31-4B8C-83A1-F6EECF244321}">
-                <p14:modId xmlns:p14="http://schemas.microsoft.com/office/powerpoint/2010/main" val="2174448850"/>
+                <p14:modId xmlns:p14="http://schemas.microsoft.com/office/powerpoint/2010/main" val="1952491442"/>
               </p:ext>
             </p:extLst>
           </p:nvPr>
         </p:nvGraphicFramePr>
         <p:xfrm>
-          <a:off x="172435" y="1403781"/>
-          <a:ext cx="11847131" cy="5293684"/>
+          <a:off x="172434" y="1445054"/>
+          <a:ext cx="11852787" cy="5314317"/>
         </p:xfrm>
         <a:graphic>
           <a:graphicData uri="http://schemas.openxmlformats.org/drawingml/2006/table">
@@ -11372,29 +11372,29 @@
                 <a:tableStyleId>{5C22544A-7EE6-4342-B048-85BDC9FD1C3A}</a:tableStyleId>
               </a:tblPr>
               <a:tblGrid>
-                <a:gridCol w="2587026">
+                <a:gridCol w="2588261">
                   <a:extLst>
                     <a:ext uri="{9D8B030D-6E8A-4147-A177-3AD203B41FA5}">
-                      <a16:colId xmlns:a16="http://schemas.microsoft.com/office/drawing/2014/main" val="3245525028"/>
+                      <a16:colId xmlns:a16="http://schemas.microsoft.com/office/drawing/2014/main" val="888479627"/>
                     </a:ext>
                   </a:extLst>
                 </a:gridCol>
-                <a:gridCol w="7156633">
+                <a:gridCol w="7160050">
                   <a:extLst>
                     <a:ext uri="{9D8B030D-6E8A-4147-A177-3AD203B41FA5}">
-                      <a16:colId xmlns:a16="http://schemas.microsoft.com/office/drawing/2014/main" val="1986696097"/>
+                      <a16:colId xmlns:a16="http://schemas.microsoft.com/office/drawing/2014/main" val="517209163"/>
                     </a:ext>
                   </a:extLst>
                 </a:gridCol>
-                <a:gridCol w="2103472">
+                <a:gridCol w="2104476">
                   <a:extLst>
                     <a:ext uri="{9D8B030D-6E8A-4147-A177-3AD203B41FA5}">
-                      <a16:colId xmlns:a16="http://schemas.microsoft.com/office/drawing/2014/main" val="1222380910"/>
+                      <a16:colId xmlns:a16="http://schemas.microsoft.com/office/drawing/2014/main" val="2821674882"/>
                     </a:ext>
                   </a:extLst>
                 </a:gridCol>
               </a:tblGrid>
-              <a:tr h="423262">
+              <a:tr h="454662">
                 <a:tc>
                   <a:txBody>
                     <a:bodyPr/>
@@ -11402,12 +11402,12 @@
                     <a:p>
                       <a:pPr algn="l" fontAlgn="b"/>
                       <a:r>
-                        <a:rPr lang="en-CA" sz="2800" b="1" u="none" strike="noStrike" dirty="0">
+                        <a:rPr lang="en-CA" sz="3200" b="1" u="none" strike="noStrike" dirty="0">
                           <a:effectLst/>
                         </a:rPr>
                         <a:t>Speaker</a:t>
                       </a:r>
-                      <a:endParaRPr lang="en-CA" sz="2800" b="1" i="0" u="none" strike="noStrike" dirty="0">
+                      <a:endParaRPr lang="en-CA" sz="3200" b="1" i="0" u="none" strike="noStrike" dirty="0">
                         <a:solidFill>
                           <a:srgbClr val="000000"/>
                         </a:solidFill>
@@ -11425,12 +11425,12 @@
                     <a:p>
                       <a:pPr algn="l" fontAlgn="b"/>
                       <a:r>
-                        <a:rPr lang="en-CA" sz="2800" b="1" u="none" strike="noStrike" dirty="0">
+                        <a:rPr lang="en-CA" sz="3200" b="1" u="none" strike="noStrike">
                           <a:effectLst/>
                         </a:rPr>
                         <a:t>Subject</a:t>
                       </a:r>
-                      <a:endParaRPr lang="en-CA" sz="2800" b="1" i="0" u="none" strike="noStrike" dirty="0">
+                      <a:endParaRPr lang="en-CA" sz="3200" b="1" i="0" u="none" strike="noStrike">
                         <a:solidFill>
                           <a:srgbClr val="000000"/>
                         </a:solidFill>
@@ -11448,12 +11448,12 @@
                     <a:p>
                       <a:pPr algn="l" fontAlgn="b"/>
                       <a:r>
-                        <a:rPr lang="en-CA" sz="2800" b="1" u="none" strike="noStrike" dirty="0">
+                        <a:rPr lang="en-CA" sz="3200" b="1" u="none" strike="noStrike" dirty="0">
                           <a:effectLst/>
                         </a:rPr>
                         <a:t>Time</a:t>
                       </a:r>
-                      <a:endParaRPr lang="en-CA" sz="2800" b="1" i="0" u="none" strike="noStrike" dirty="0">
+                      <a:endParaRPr lang="en-CA" sz="3200" b="1" i="0" u="none" strike="noStrike" dirty="0">
                         <a:solidFill>
                           <a:srgbClr val="000000"/>
                         </a:solidFill>
@@ -11466,11 +11466,11 @@
                 </a:tc>
                 <a:extLst>
                   <a:ext uri="{0D108BD9-81ED-4DB2-BD59-A6C34878D82A}">
-                    <a16:rowId xmlns:a16="http://schemas.microsoft.com/office/drawing/2014/main" val="4048046795"/>
+                    <a16:rowId xmlns:a16="http://schemas.microsoft.com/office/drawing/2014/main" val="3341601229"/>
                   </a:ext>
                 </a:extLst>
               </a:tr>
-              <a:tr h="403107">
+              <a:tr h="433011">
                 <a:tc>
                   <a:txBody>
                     <a:bodyPr/>
@@ -11478,12 +11478,12 @@
                     <a:p>
                       <a:pPr algn="l" fontAlgn="b"/>
                       <a:r>
-                        <a:rPr lang="en-CA" sz="2400" u="none" strike="noStrike" dirty="0">
+                        <a:rPr lang="en-CA" sz="2800" u="none" strike="noStrike" dirty="0">
                           <a:effectLst/>
                         </a:rPr>
                         <a:t>Java member</a:t>
                       </a:r>
-                      <a:endParaRPr lang="en-CA" sz="2400" b="0" i="0" u="none" strike="noStrike" dirty="0">
+                      <a:endParaRPr lang="en-CA" sz="2800" b="0" i="0" u="none" strike="noStrike" dirty="0">
                         <a:solidFill>
                           <a:srgbClr val="000000"/>
                         </a:solidFill>
@@ -11501,12 +11501,12 @@
                     <a:p>
                       <a:pPr algn="l" fontAlgn="b"/>
                       <a:r>
-                        <a:rPr lang="en-CA" sz="2400" u="none" strike="noStrike">
+                        <a:rPr lang="en-CA" sz="2800" u="none" strike="noStrike">
                           <a:effectLst/>
                         </a:rPr>
                         <a:t>Welcome</a:t>
                       </a:r>
-                      <a:endParaRPr lang="en-CA" sz="2400" b="0" i="0" u="none" strike="noStrike">
+                      <a:endParaRPr lang="en-CA" sz="2800" b="0" i="0" u="none" strike="noStrike">
                         <a:solidFill>
                           <a:srgbClr val="000000"/>
                         </a:solidFill>
@@ -11524,12 +11524,12 @@
                     <a:p>
                       <a:pPr algn="l" fontAlgn="b"/>
                       <a:r>
-                        <a:rPr lang="en-CA" sz="2400" u="none" strike="noStrike" dirty="0">
+                        <a:rPr lang="en-CA" sz="2800" u="none" strike="noStrike">
                           <a:effectLst/>
                         </a:rPr>
                         <a:t>5 minutes</a:t>
                       </a:r>
-                      <a:endParaRPr lang="en-CA" sz="2400" b="0" i="0" u="none" strike="noStrike" dirty="0">
+                      <a:endParaRPr lang="en-CA" sz="2800" b="0" i="0" u="none" strike="noStrike">
                         <a:solidFill>
                           <a:srgbClr val="000000"/>
                         </a:solidFill>
@@ -11542,11 +11542,11 @@
                 </a:tc>
                 <a:extLst>
                   <a:ext uri="{0D108BD9-81ED-4DB2-BD59-A6C34878D82A}">
-                    <a16:rowId xmlns:a16="http://schemas.microsoft.com/office/drawing/2014/main" val="4018454307"/>
+                    <a16:rowId xmlns:a16="http://schemas.microsoft.com/office/drawing/2014/main" val="3431262778"/>
                   </a:ext>
                 </a:extLst>
               </a:tr>
-              <a:tr h="403107">
+              <a:tr h="433011">
                 <a:tc>
                   <a:txBody>
                     <a:bodyPr/>
@@ -11554,12 +11554,12 @@
                     <a:p>
                       <a:pPr algn="l" fontAlgn="b"/>
                       <a:r>
-                        <a:rPr lang="en-CA" sz="2400" u="none" strike="noStrike">
+                        <a:rPr lang="en-CA" sz="2800" u="none" strike="noStrike" dirty="0">
                           <a:effectLst/>
                         </a:rPr>
                         <a:t>John Hynes</a:t>
                       </a:r>
-                      <a:endParaRPr lang="en-CA" sz="2400" b="0" i="0" u="none" strike="noStrike">
+                      <a:endParaRPr lang="en-CA" sz="2800" b="0" i="0" u="none" strike="noStrike" dirty="0">
                         <a:solidFill>
                           <a:srgbClr val="000000"/>
                         </a:solidFill>
@@ -11577,12 +11577,12 @@
                     <a:p>
                       <a:pPr algn="l" fontAlgn="b"/>
                       <a:r>
-                        <a:rPr lang="en-CA" sz="2400" u="none" strike="noStrike">
+                        <a:rPr lang="en-CA" sz="2800" u="none" strike="noStrike" dirty="0">
                           <a:effectLst/>
                         </a:rPr>
                         <a:t>Welcome, team</a:t>
                       </a:r>
-                      <a:endParaRPr lang="en-CA" sz="2400" b="0" i="0" u="none" strike="noStrike">
+                      <a:endParaRPr lang="en-CA" sz="2800" b="0" i="0" u="none" strike="noStrike" dirty="0">
                         <a:solidFill>
                           <a:srgbClr val="000000"/>
                         </a:solidFill>
@@ -11600,12 +11600,12 @@
                     <a:p>
                       <a:pPr algn="l" fontAlgn="b"/>
                       <a:r>
-                        <a:rPr lang="en-CA" sz="2400" u="none" strike="noStrike" dirty="0">
+                        <a:rPr lang="en-CA" sz="2800" u="none" strike="noStrike" dirty="0">
                           <a:effectLst/>
                         </a:rPr>
-                        <a:t>5 minutes</a:t>
+                        <a:t>10 minutes</a:t>
                       </a:r>
-                      <a:endParaRPr lang="en-CA" sz="2400" b="0" i="0" u="none" strike="noStrike" dirty="0">
+                      <a:endParaRPr lang="en-CA" sz="2800" b="0" i="0" u="none" strike="noStrike" dirty="0">
                         <a:solidFill>
                           <a:srgbClr val="000000"/>
                         </a:solidFill>
@@ -11618,11 +11618,11 @@
                 </a:tc>
                 <a:extLst>
                   <a:ext uri="{0D108BD9-81ED-4DB2-BD59-A6C34878D82A}">
-                    <a16:rowId xmlns:a16="http://schemas.microsoft.com/office/drawing/2014/main" val="4067125838"/>
+                    <a16:rowId xmlns:a16="http://schemas.microsoft.com/office/drawing/2014/main" val="1025212486"/>
                   </a:ext>
                 </a:extLst>
               </a:tr>
-              <a:tr h="403107">
+              <a:tr h="433011">
                 <a:tc>
                   <a:txBody>
                     <a:bodyPr/>
@@ -11630,12 +11630,12 @@
                     <a:p>
                       <a:pPr algn="l" fontAlgn="b"/>
                       <a:r>
-                        <a:rPr lang="en-CA" sz="2400" u="none" strike="noStrike">
+                        <a:rPr lang="en-CA" sz="2800" u="none" strike="noStrike">
                           <a:effectLst/>
                         </a:rPr>
                         <a:t>Connie Liu</a:t>
                       </a:r>
-                      <a:endParaRPr lang="en-CA" sz="2400" b="0" i="0" u="none" strike="noStrike">
+                      <a:endParaRPr lang="en-CA" sz="2800" b="0" i="0" u="none" strike="noStrike">
                         <a:solidFill>
                           <a:srgbClr val="000000"/>
                         </a:solidFill>
@@ -11653,12 +11653,12 @@
                     <a:p>
                       <a:pPr algn="l" fontAlgn="b"/>
                       <a:r>
-                        <a:rPr lang="en-CA" sz="2400" u="none" strike="noStrike">
+                        <a:rPr lang="en-CA" sz="2800" u="none" strike="noStrike">
                           <a:effectLst/>
                         </a:rPr>
                         <a:t>Presenting new team member</a:t>
                       </a:r>
-                      <a:endParaRPr lang="en-CA" sz="2400" b="0" i="0" u="none" strike="noStrike">
+                      <a:endParaRPr lang="en-CA" sz="2800" b="0" i="0" u="none" strike="noStrike">
                         <a:solidFill>
                           <a:srgbClr val="000000"/>
                         </a:solidFill>
@@ -11676,12 +11676,12 @@
                     <a:p>
                       <a:pPr algn="l" fontAlgn="b"/>
                       <a:r>
-                        <a:rPr lang="en-CA" sz="2400" u="none" strike="noStrike" dirty="0">
+                        <a:rPr lang="en-CA" sz="2800" u="none" strike="noStrike" dirty="0">
                           <a:effectLst/>
                         </a:rPr>
                         <a:t>1 minute</a:t>
                       </a:r>
-                      <a:endParaRPr lang="en-CA" sz="2400" b="0" i="0" u="none" strike="noStrike" dirty="0">
+                      <a:endParaRPr lang="en-CA" sz="2800" b="0" i="0" u="none" strike="noStrike" dirty="0">
                         <a:solidFill>
                           <a:srgbClr val="000000"/>
                         </a:solidFill>
@@ -11694,11 +11694,11 @@
                 </a:tc>
                 <a:extLst>
                   <a:ext uri="{0D108BD9-81ED-4DB2-BD59-A6C34878D82A}">
-                    <a16:rowId xmlns:a16="http://schemas.microsoft.com/office/drawing/2014/main" val="2163537643"/>
+                    <a16:rowId xmlns:a16="http://schemas.microsoft.com/office/drawing/2014/main" val="3175394110"/>
                   </a:ext>
                 </a:extLst>
               </a:tr>
-              <a:tr h="403107">
+              <a:tr h="433011">
                 <a:tc>
                   <a:txBody>
                     <a:bodyPr/>
@@ -11706,12 +11706,12 @@
                     <a:p>
                       <a:pPr algn="l" fontAlgn="b"/>
                       <a:r>
-                        <a:rPr lang="en-CA" sz="2400" u="none" strike="noStrike">
+                        <a:rPr lang="en-CA" sz="2800" u="none" strike="noStrike">
                           <a:effectLst/>
                         </a:rPr>
                         <a:t>Alan Hummel</a:t>
                       </a:r>
-                      <a:endParaRPr lang="en-CA" sz="2400" b="0" i="0" u="none" strike="noStrike">
+                      <a:endParaRPr lang="en-CA" sz="2800" b="0" i="0" u="none" strike="noStrike">
                         <a:solidFill>
                           <a:srgbClr val="000000"/>
                         </a:solidFill>
@@ -11729,12 +11729,12 @@
                     <a:p>
                       <a:pPr algn="l" fontAlgn="b"/>
                       <a:r>
-                        <a:rPr lang="en-CA" sz="2400" u="none" strike="noStrike">
+                        <a:rPr lang="en-CA" sz="2800" u="none" strike="noStrike">
                           <a:effectLst/>
                         </a:rPr>
                         <a:t>Using Git</a:t>
                       </a:r>
-                      <a:endParaRPr lang="en-CA" sz="2400" b="0" i="0" u="none" strike="noStrike">
+                      <a:endParaRPr lang="en-CA" sz="2800" b="0" i="0" u="none" strike="noStrike">
                         <a:solidFill>
                           <a:srgbClr val="000000"/>
                         </a:solidFill>
@@ -11752,12 +11752,12 @@
                     <a:p>
                       <a:pPr algn="l" fontAlgn="b"/>
                       <a:r>
-                        <a:rPr lang="en-CA" sz="2400" u="none" strike="noStrike" dirty="0">
+                        <a:rPr lang="en-CA" sz="2800" u="none" strike="noStrike" dirty="0">
                           <a:effectLst/>
                         </a:rPr>
                         <a:t>10 minutes</a:t>
                       </a:r>
-                      <a:endParaRPr lang="en-CA" sz="2400" b="0" i="0" u="none" strike="noStrike" dirty="0">
+                      <a:endParaRPr lang="en-CA" sz="2800" b="0" i="0" u="none" strike="noStrike" dirty="0">
                         <a:solidFill>
                           <a:srgbClr val="000000"/>
                         </a:solidFill>
@@ -11770,11 +11770,11 @@
                 </a:tc>
                 <a:extLst>
                   <a:ext uri="{0D108BD9-81ED-4DB2-BD59-A6C34878D82A}">
-                    <a16:rowId xmlns:a16="http://schemas.microsoft.com/office/drawing/2014/main" val="3050259546"/>
+                    <a16:rowId xmlns:a16="http://schemas.microsoft.com/office/drawing/2014/main" val="2313646441"/>
                   </a:ext>
                 </a:extLst>
               </a:tr>
-              <a:tr h="403107">
+              <a:tr h="433011">
                 <a:tc>
                   <a:txBody>
                     <a:bodyPr/>
@@ -11782,12 +11782,12 @@
                     <a:p>
                       <a:pPr algn="l" fontAlgn="b"/>
                       <a:r>
-                        <a:rPr lang="en-CA" sz="2400" u="none" strike="noStrike">
+                        <a:rPr lang="en-CA" sz="2800" u="none" strike="noStrike">
                           <a:effectLst/>
                         </a:rPr>
                         <a:t>Olga Agady</a:t>
                       </a:r>
-                      <a:endParaRPr lang="en-CA" sz="2400" b="0" i="0" u="none" strike="noStrike">
+                      <a:endParaRPr lang="en-CA" sz="2800" b="0" i="0" u="none" strike="noStrike">
                         <a:solidFill>
                           <a:srgbClr val="000000"/>
                         </a:solidFill>
@@ -11805,12 +11805,12 @@
                     <a:p>
                       <a:pPr algn="l" fontAlgn="b"/>
                       <a:r>
-                        <a:rPr lang="en-CA" sz="2400" u="none" strike="noStrike">
+                        <a:rPr lang="en-CA" sz="2800" u="none" strike="noStrike">
                           <a:effectLst/>
                         </a:rPr>
                         <a:t>Integration with Box.com</a:t>
                       </a:r>
-                      <a:endParaRPr lang="en-CA" sz="2400" b="0" i="0" u="none" strike="noStrike">
+                      <a:endParaRPr lang="en-CA" sz="2800" b="0" i="0" u="none" strike="noStrike">
                         <a:solidFill>
                           <a:srgbClr val="000000"/>
                         </a:solidFill>
@@ -11828,12 +11828,12 @@
                     <a:p>
                       <a:pPr algn="l" fontAlgn="b"/>
                       <a:r>
-                        <a:rPr lang="en-CA" sz="2400" u="none" strike="noStrike" dirty="0">
+                        <a:rPr lang="en-CA" sz="2800" u="none" strike="noStrike" dirty="0">
                           <a:effectLst/>
                         </a:rPr>
                         <a:t>5 minutes</a:t>
                       </a:r>
-                      <a:endParaRPr lang="en-CA" sz="2400" b="0" i="0" u="none" strike="noStrike" dirty="0">
+                      <a:endParaRPr lang="en-CA" sz="2800" b="0" i="0" u="none" strike="noStrike" dirty="0">
                         <a:solidFill>
                           <a:srgbClr val="000000"/>
                         </a:solidFill>
@@ -11846,11 +11846,11 @@
                 </a:tc>
                 <a:extLst>
                   <a:ext uri="{0D108BD9-81ED-4DB2-BD59-A6C34878D82A}">
-                    <a16:rowId xmlns:a16="http://schemas.microsoft.com/office/drawing/2014/main" val="4007857119"/>
+                    <a16:rowId xmlns:a16="http://schemas.microsoft.com/office/drawing/2014/main" val="517327394"/>
                   </a:ext>
                 </a:extLst>
               </a:tr>
-              <a:tr h="403107">
+              <a:tr h="433011">
                 <a:tc>
                   <a:txBody>
                     <a:bodyPr/>
@@ -11858,12 +11858,12 @@
                     <a:p>
                       <a:pPr algn="l" fontAlgn="b"/>
                       <a:r>
-                        <a:rPr lang="en-CA" sz="2400" u="none" strike="noStrike">
+                        <a:rPr lang="en-CA" sz="2800" u="none" strike="noStrike">
                           <a:effectLst/>
                         </a:rPr>
                         <a:t>Anita Wong</a:t>
                       </a:r>
-                      <a:endParaRPr lang="en-CA" sz="2400" b="0" i="0" u="none" strike="noStrike">
+                      <a:endParaRPr lang="en-CA" sz="2800" b="0" i="0" u="none" strike="noStrike">
                         <a:solidFill>
                           <a:srgbClr val="000000"/>
                         </a:solidFill>
@@ -11881,12 +11881,12 @@
                     <a:p>
                       <a:pPr algn="l" fontAlgn="b"/>
                       <a:r>
-                        <a:rPr lang="en-CA" sz="2400" u="none" strike="noStrike">
+                        <a:rPr lang="en-CA" sz="2800" u="none" strike="noStrike">
                           <a:effectLst/>
                         </a:rPr>
                         <a:t>FMS Upgrade Update</a:t>
                       </a:r>
-                      <a:endParaRPr lang="en-CA" sz="2400" b="0" i="0" u="none" strike="noStrike">
+                      <a:endParaRPr lang="en-CA" sz="2800" b="0" i="0" u="none" strike="noStrike">
                         <a:solidFill>
                           <a:srgbClr val="000000"/>
                         </a:solidFill>
@@ -11904,12 +11904,12 @@
                     <a:p>
                       <a:pPr algn="l" fontAlgn="b"/>
                       <a:r>
-                        <a:rPr lang="en-CA" sz="2400" u="none" strike="noStrike" dirty="0">
+                        <a:rPr lang="en-CA" sz="2800" u="none" strike="noStrike" dirty="0">
                           <a:effectLst/>
                         </a:rPr>
                         <a:t>5 minutes</a:t>
                       </a:r>
-                      <a:endParaRPr lang="en-CA" sz="2400" b="0" i="0" u="none" strike="noStrike" dirty="0">
+                      <a:endParaRPr lang="en-CA" sz="2800" b="0" i="0" u="none" strike="noStrike" dirty="0">
                         <a:solidFill>
                           <a:srgbClr val="000000"/>
                         </a:solidFill>
@@ -11922,11 +11922,11 @@
                 </a:tc>
                 <a:extLst>
                   <a:ext uri="{0D108BD9-81ED-4DB2-BD59-A6C34878D82A}">
-                    <a16:rowId xmlns:a16="http://schemas.microsoft.com/office/drawing/2014/main" val="836891386"/>
+                    <a16:rowId xmlns:a16="http://schemas.microsoft.com/office/drawing/2014/main" val="105221796"/>
                   </a:ext>
                 </a:extLst>
               </a:tr>
-              <a:tr h="403107">
+              <a:tr h="433011">
                 <a:tc>
                   <a:txBody>
                     <a:bodyPr/>
@@ -11934,12 +11934,12 @@
                     <a:p>
                       <a:pPr algn="l" fontAlgn="b"/>
                       <a:r>
-                        <a:rPr lang="en-CA" sz="2400" u="none" strike="noStrike">
+                        <a:rPr lang="en-CA" sz="2800" u="none" strike="noStrike">
                           <a:effectLst/>
                         </a:rPr>
                         <a:t>Senthil/Melissa</a:t>
                       </a:r>
-                      <a:endParaRPr lang="en-CA" sz="2400" b="0" i="0" u="none" strike="noStrike">
+                      <a:endParaRPr lang="en-CA" sz="2800" b="0" i="0" u="none" strike="noStrike">
                         <a:solidFill>
                           <a:srgbClr val="000000"/>
                         </a:solidFill>
@@ -11957,12 +11957,12 @@
                     <a:p>
                       <a:pPr algn="l" fontAlgn="b"/>
                       <a:r>
-                        <a:rPr lang="en-CA" sz="2400" u="none" strike="noStrike">
+                        <a:rPr lang="en-CA" sz="2800" u="none" strike="noStrike">
                           <a:effectLst/>
                         </a:rPr>
                         <a:t>Digitalization Team Update</a:t>
                       </a:r>
-                      <a:endParaRPr lang="en-CA" sz="2400" b="0" i="0" u="none" strike="noStrike">
+                      <a:endParaRPr lang="en-CA" sz="2800" b="0" i="0" u="none" strike="noStrike">
                         <a:solidFill>
                           <a:srgbClr val="000000"/>
                         </a:solidFill>
@@ -11980,12 +11980,12 @@
                     <a:p>
                       <a:pPr algn="l" fontAlgn="b"/>
                       <a:r>
-                        <a:rPr lang="en-CA" sz="2400" u="none" strike="noStrike" dirty="0">
+                        <a:rPr lang="en-CA" sz="2800" u="none" strike="noStrike" dirty="0">
                           <a:effectLst/>
                         </a:rPr>
                         <a:t>10 minutes</a:t>
                       </a:r>
-                      <a:endParaRPr lang="en-CA" sz="2400" b="0" i="0" u="none" strike="noStrike" dirty="0">
+                      <a:endParaRPr lang="en-CA" sz="2800" b="0" i="0" u="none" strike="noStrike" dirty="0">
                         <a:solidFill>
                           <a:srgbClr val="000000"/>
                         </a:solidFill>
@@ -11998,11 +11998,11 @@
                 </a:tc>
                 <a:extLst>
                   <a:ext uri="{0D108BD9-81ED-4DB2-BD59-A6C34878D82A}">
-                    <a16:rowId xmlns:a16="http://schemas.microsoft.com/office/drawing/2014/main" val="1071817805"/>
+                    <a16:rowId xmlns:a16="http://schemas.microsoft.com/office/drawing/2014/main" val="3561059377"/>
                   </a:ext>
                 </a:extLst>
               </a:tr>
-              <a:tr h="403107">
+              <a:tr h="433011">
                 <a:tc>
                   <a:txBody>
                     <a:bodyPr/>
@@ -12010,12 +12010,12 @@
                     <a:p>
                       <a:pPr algn="l" fontAlgn="b"/>
                       <a:r>
-                        <a:rPr lang="en-CA" sz="2400" u="none" strike="noStrike">
+                        <a:rPr lang="en-CA" sz="2800" u="none" strike="noStrike">
                           <a:effectLst/>
                         </a:rPr>
                         <a:t>Patrick</a:t>
                       </a:r>
-                      <a:endParaRPr lang="en-CA" sz="2400" b="0" i="0" u="none" strike="noStrike">
+                      <a:endParaRPr lang="en-CA" sz="2800" b="0" i="0" u="none" strike="noStrike">
                         <a:solidFill>
                           <a:srgbClr val="000000"/>
                         </a:solidFill>
@@ -12033,12 +12033,12 @@
                     <a:p>
                       <a:pPr algn="l" fontAlgn="b"/>
                       <a:r>
-                        <a:rPr lang="en-CA" sz="2400" u="none" strike="noStrike">
+                        <a:rPr lang="en-CA" sz="2800" u="none" strike="noStrike">
                           <a:effectLst/>
                         </a:rPr>
                         <a:t>UCS</a:t>
                       </a:r>
-                      <a:endParaRPr lang="en-CA" sz="2400" b="0" i="0" u="none" strike="noStrike">
+                      <a:endParaRPr lang="en-CA" sz="2800" b="0" i="0" u="none" strike="noStrike">
                         <a:solidFill>
                           <a:srgbClr val="000000"/>
                         </a:solidFill>
@@ -12056,12 +12056,12 @@
                     <a:p>
                       <a:pPr algn="l" fontAlgn="b"/>
                       <a:r>
-                        <a:rPr lang="en-CA" sz="2400" u="none" strike="noStrike" dirty="0">
+                        <a:rPr lang="en-CA" sz="2800" u="none" strike="noStrike" dirty="0">
                           <a:effectLst/>
                         </a:rPr>
                         <a:t>5 minutes</a:t>
                       </a:r>
-                      <a:endParaRPr lang="en-CA" sz="2400" b="0" i="0" u="none" strike="noStrike" dirty="0">
+                      <a:endParaRPr lang="en-CA" sz="2800" b="0" i="0" u="none" strike="noStrike" dirty="0">
                         <a:solidFill>
                           <a:srgbClr val="000000"/>
                         </a:solidFill>
@@ -12074,11 +12074,11 @@
                 </a:tc>
                 <a:extLst>
                   <a:ext uri="{0D108BD9-81ED-4DB2-BD59-A6C34878D82A}">
-                    <a16:rowId xmlns:a16="http://schemas.microsoft.com/office/drawing/2014/main" val="417754245"/>
+                    <a16:rowId xmlns:a16="http://schemas.microsoft.com/office/drawing/2014/main" val="3787813346"/>
                   </a:ext>
                 </a:extLst>
               </a:tr>
-              <a:tr h="403107">
+              <a:tr h="433011">
                 <a:tc>
                   <a:txBody>
                     <a:bodyPr/>
@@ -12086,12 +12086,12 @@
                     <a:p>
                       <a:pPr algn="l" fontAlgn="b"/>
                       <a:r>
-                        <a:rPr lang="en-CA" sz="2400" u="none" strike="noStrike">
+                        <a:rPr lang="en-CA" sz="2800" u="none" strike="noStrike">
                           <a:effectLst/>
                         </a:rPr>
                         <a:t>Donovan</a:t>
                       </a:r>
-                      <a:endParaRPr lang="en-CA" sz="2400" b="0" i="0" u="none" strike="noStrike">
+                      <a:endParaRPr lang="en-CA" sz="2800" b="0" i="0" u="none" strike="noStrike">
                         <a:solidFill>
                           <a:srgbClr val="000000"/>
                         </a:solidFill>
@@ -12109,12 +12109,12 @@
                     <a:p>
                       <a:pPr algn="l" fontAlgn="b"/>
                       <a:r>
-                        <a:rPr lang="en-CA" sz="2400" u="none" strike="noStrike">
+                        <a:rPr lang="en-CA" sz="2800" u="none" strike="noStrike">
                           <a:effectLst/>
                         </a:rPr>
                         <a:t>MFA</a:t>
                       </a:r>
-                      <a:endParaRPr lang="en-CA" sz="2400" b="0" i="0" u="none" strike="noStrike">
+                      <a:endParaRPr lang="en-CA" sz="2800" b="0" i="0" u="none" strike="noStrike">
                         <a:solidFill>
                           <a:srgbClr val="000000"/>
                         </a:solidFill>
@@ -12132,12 +12132,12 @@
                     <a:p>
                       <a:pPr algn="l" fontAlgn="b"/>
                       <a:r>
-                        <a:rPr lang="en-CA" sz="2400" u="none" strike="noStrike" dirty="0">
+                        <a:rPr lang="en-CA" sz="2800" u="none" strike="noStrike" dirty="0">
                           <a:effectLst/>
                         </a:rPr>
                         <a:t>5 minutes</a:t>
                       </a:r>
-                      <a:endParaRPr lang="en-CA" sz="2400" b="0" i="0" u="none" strike="noStrike" dirty="0">
+                      <a:endParaRPr lang="en-CA" sz="2800" b="0" i="0" u="none" strike="noStrike" dirty="0">
                         <a:solidFill>
                           <a:srgbClr val="000000"/>
                         </a:solidFill>
@@ -12150,11 +12150,11 @@
                 </a:tc>
                 <a:extLst>
                   <a:ext uri="{0D108BD9-81ED-4DB2-BD59-A6C34878D82A}">
-                    <a16:rowId xmlns:a16="http://schemas.microsoft.com/office/drawing/2014/main" val="2806043297"/>
+                    <a16:rowId xmlns:a16="http://schemas.microsoft.com/office/drawing/2014/main" val="2818208793"/>
                   </a:ext>
                 </a:extLst>
               </a:tr>
-              <a:tr h="403107">
+              <a:tr h="433011">
                 <a:tc>
                   <a:txBody>
                     <a:bodyPr/>
@@ -12162,12 +12162,12 @@
                     <a:p>
                       <a:pPr algn="l" fontAlgn="b"/>
                       <a:r>
-                        <a:rPr lang="en-CA" sz="2400" u="none" strike="noStrike">
+                        <a:rPr lang="en-CA" sz="2800" u="none" strike="noStrike">
                           <a:effectLst/>
                         </a:rPr>
                         <a:t>Andrew</a:t>
                       </a:r>
-                      <a:endParaRPr lang="en-CA" sz="2400" b="0" i="0" u="none" strike="noStrike">
+                      <a:endParaRPr lang="en-CA" sz="2800" b="0" i="0" u="none" strike="noStrike">
                         <a:solidFill>
                           <a:srgbClr val="000000"/>
                         </a:solidFill>
@@ -12185,12 +12185,12 @@
                     <a:p>
                       <a:pPr algn="l" fontAlgn="b"/>
                       <a:r>
-                        <a:rPr lang="en-CA" sz="2400" u="none" strike="noStrike">
+                        <a:rPr lang="en-CA" sz="2800" u="none" strike="noStrike">
                           <a:effectLst/>
                         </a:rPr>
                         <a:t>RA</a:t>
                       </a:r>
-                      <a:endParaRPr lang="en-CA" sz="2400" b="0" i="0" u="none" strike="noStrike">
+                      <a:endParaRPr lang="en-CA" sz="2800" b="0" i="0" u="none" strike="noStrike">
                         <a:solidFill>
                           <a:srgbClr val="000000"/>
                         </a:solidFill>
@@ -12208,12 +12208,12 @@
                     <a:p>
                       <a:pPr algn="l" fontAlgn="b"/>
                       <a:r>
-                        <a:rPr lang="en-CA" sz="2400" u="none" strike="noStrike" dirty="0">
+                        <a:rPr lang="en-CA" sz="2800" u="none" strike="noStrike" dirty="0">
                           <a:effectLst/>
                         </a:rPr>
                         <a:t>5 minutes</a:t>
                       </a:r>
-                      <a:endParaRPr lang="en-CA" sz="2400" b="0" i="0" u="none" strike="noStrike" dirty="0">
+                      <a:endParaRPr lang="en-CA" sz="2800" b="0" i="0" u="none" strike="noStrike" dirty="0">
                         <a:solidFill>
                           <a:srgbClr val="000000"/>
                         </a:solidFill>
@@ -12226,11 +12226,11 @@
                 </a:tc>
                 <a:extLst>
                   <a:ext uri="{0D108BD9-81ED-4DB2-BD59-A6C34878D82A}">
-                    <a16:rowId xmlns:a16="http://schemas.microsoft.com/office/drawing/2014/main" val="681002610"/>
+                    <a16:rowId xmlns:a16="http://schemas.microsoft.com/office/drawing/2014/main" val="1912912417"/>
                   </a:ext>
                 </a:extLst>
               </a:tr>
-              <a:tr h="403107">
+              <a:tr h="454662">
                 <a:tc>
                   <a:txBody>
                     <a:bodyPr/>
@@ -12238,12 +12238,12 @@
                     <a:p>
                       <a:pPr algn="l" fontAlgn="b"/>
                       <a:r>
-                        <a:rPr lang="en-CA" sz="2400" u="none" strike="noStrike">
+                        <a:rPr lang="en-CA" sz="2800" u="none" strike="noStrike">
                           <a:effectLst/>
                         </a:rPr>
-                        <a:t>Laura</a:t>
+                        <a:t>Shazi</a:t>
                       </a:r>
-                      <a:endParaRPr lang="en-CA" sz="2400" b="0" i="0" u="none" strike="noStrike">
+                      <a:endParaRPr lang="en-CA" sz="2800" b="0" i="0" u="none" strike="noStrike">
                         <a:solidFill>
                           <a:srgbClr val="000000"/>
                         </a:solidFill>
@@ -12261,12 +12261,12 @@
                     <a:p>
                       <a:pPr algn="l" fontAlgn="b"/>
                       <a:r>
-                        <a:rPr lang="en-CA" sz="2400" u="none" strike="noStrike">
+                        <a:rPr lang="en-CA" sz="2800" u="none" strike="noStrike">
                           <a:effectLst/>
                         </a:rPr>
-                        <a:t>VBS</a:t>
+                        <a:t>UCS Migration Tech Team</a:t>
                       </a:r>
-                      <a:endParaRPr lang="en-CA" sz="2400" b="0" i="0" u="none" strike="noStrike">
+                      <a:endParaRPr lang="en-CA" sz="2800" b="0" i="0" u="none" strike="noStrike">
                         <a:solidFill>
                           <a:srgbClr val="000000"/>
                         </a:solidFill>
@@ -12284,12 +12284,12 @@
                     <a:p>
                       <a:pPr algn="l" fontAlgn="b"/>
                       <a:r>
-                        <a:rPr lang="en-CA" sz="2400" u="none" strike="noStrike" dirty="0">
+                        <a:rPr lang="en-CA" sz="2800" u="none" strike="noStrike" dirty="0">
                           <a:effectLst/>
                         </a:rPr>
                         <a:t>5 minutes</a:t>
                       </a:r>
-                      <a:endParaRPr lang="en-CA" sz="2400" b="0" i="0" u="none" strike="noStrike" dirty="0">
+                      <a:endParaRPr lang="en-CA" sz="2800" b="0" i="0" u="none" strike="noStrike" dirty="0">
                         <a:solidFill>
                           <a:srgbClr val="000000"/>
                         </a:solidFill>
@@ -12302,83 +12302,7 @@
                 </a:tc>
                 <a:extLst>
                   <a:ext uri="{0D108BD9-81ED-4DB2-BD59-A6C34878D82A}">
-                    <a16:rowId xmlns:a16="http://schemas.microsoft.com/office/drawing/2014/main" val="2914325176"/>
-                  </a:ext>
-                </a:extLst>
-              </a:tr>
-              <a:tr h="423262">
-                <a:tc>
-                  <a:txBody>
-                    <a:bodyPr/>
-                    <a:lstStyle/>
-                    <a:p>
-                      <a:pPr algn="l" fontAlgn="b"/>
-                      <a:r>
-                        <a:rPr lang="en-CA" sz="2400" u="none" strike="noStrike">
-                          <a:effectLst/>
-                        </a:rPr>
-                        <a:t>Shazi</a:t>
-                      </a:r>
-                      <a:endParaRPr lang="en-CA" sz="2400" b="0" i="0" u="none" strike="noStrike">
-                        <a:solidFill>
-                          <a:srgbClr val="000000"/>
-                        </a:solidFill>
-                        <a:effectLst/>
-                        <a:latin typeface="Calibri" panose="020F0502020204030204" pitchFamily="34" charset="0"/>
-                      </a:endParaRPr>
-                    </a:p>
-                  </a:txBody>
-                  <a:tcPr marL="9525" marR="9525" marT="9525" marB="0" anchor="b"/>
-                </a:tc>
-                <a:tc>
-                  <a:txBody>
-                    <a:bodyPr/>
-                    <a:lstStyle/>
-                    <a:p>
-                      <a:pPr algn="l" fontAlgn="b"/>
-                      <a:r>
-                        <a:rPr lang="en-CA" sz="2400" u="none" strike="noStrike">
-                          <a:effectLst/>
-                        </a:rPr>
-                        <a:t>UCS Migration Tech Team</a:t>
-                      </a:r>
-                      <a:endParaRPr lang="en-CA" sz="2400" b="0" i="0" u="none" strike="noStrike">
-                        <a:solidFill>
-                          <a:srgbClr val="000000"/>
-                        </a:solidFill>
-                        <a:effectLst/>
-                        <a:latin typeface="Calibri" panose="020F0502020204030204" pitchFamily="34" charset="0"/>
-                      </a:endParaRPr>
-                    </a:p>
-                  </a:txBody>
-                  <a:tcPr marL="9525" marR="9525" marT="9525" marB="0" anchor="b"/>
-                </a:tc>
-                <a:tc>
-                  <a:txBody>
-                    <a:bodyPr/>
-                    <a:lstStyle/>
-                    <a:p>
-                      <a:pPr algn="l" fontAlgn="b"/>
-                      <a:r>
-                        <a:rPr lang="en-CA" sz="2400" u="none" strike="noStrike" dirty="0">
-                          <a:effectLst/>
-                        </a:rPr>
-                        <a:t>5 minutes</a:t>
-                      </a:r>
-                      <a:endParaRPr lang="en-CA" sz="2400" b="0" i="0" u="none" strike="noStrike" dirty="0">
-                        <a:solidFill>
-                          <a:srgbClr val="000000"/>
-                        </a:solidFill>
-                        <a:effectLst/>
-                        <a:latin typeface="Calibri" panose="020F0502020204030204" pitchFamily="34" charset="0"/>
-                      </a:endParaRPr>
-                    </a:p>
-                  </a:txBody>
-                  <a:tcPr marL="9525" marR="9525" marT="9525" marB="0" anchor="b"/>
-                </a:tc>
-                <a:extLst>
-                  <a:ext uri="{0D108BD9-81ED-4DB2-BD59-A6C34878D82A}">
-                    <a16:rowId xmlns:a16="http://schemas.microsoft.com/office/drawing/2014/main" val="3187770290"/>
+                    <a16:rowId xmlns:a16="http://schemas.microsoft.com/office/drawing/2014/main" val="2235741292"/>
                   </a:ext>
                 </a:extLst>
               </a:tr>

--- a/IS Team Updates - November 22.pptx
+++ b/IS Team Updates - November 22.pptx
@@ -11343,10 +11343,10 @@
       </p:sp>
       <p:graphicFrame>
         <p:nvGraphicFramePr>
-          <p:cNvPr id="6" name="Table 5">
-            <a:extLst>
-              <a:ext uri="{FF2B5EF4-FFF2-40B4-BE49-F238E27FC236}">
-                <a16:creationId xmlns:a16="http://schemas.microsoft.com/office/drawing/2014/main" id="{C5A84925-4075-4CCF-A47D-4632A4689D0E}"/>
+          <p:cNvPr id="2" name="Table 1">
+            <a:extLst>
+              <a:ext uri="{FF2B5EF4-FFF2-40B4-BE49-F238E27FC236}">
+                <a16:creationId xmlns:a16="http://schemas.microsoft.com/office/drawing/2014/main" id="{42B27CC4-9D1B-4B11-A60F-5F4EC6C45516}"/>
               </a:ext>
             </a:extLst>
           </p:cNvPr>
@@ -11356,14 +11356,14 @@
           <p:nvPr>
             <p:extLst>
               <p:ext uri="{D42A27DB-BD31-4B8C-83A1-F6EECF244321}">
-                <p14:modId xmlns:p14="http://schemas.microsoft.com/office/powerpoint/2010/main" val="1952491442"/>
+                <p14:modId xmlns:p14="http://schemas.microsoft.com/office/powerpoint/2010/main" val="2076926999"/>
               </p:ext>
             </p:extLst>
           </p:nvPr>
         </p:nvGraphicFramePr>
         <p:xfrm>
           <a:off x="172434" y="1445054"/>
-          <a:ext cx="11852787" cy="5314317"/>
+          <a:ext cx="11852787" cy="5241016"/>
         </p:xfrm>
         <a:graphic>
           <a:graphicData uri="http://schemas.openxmlformats.org/drawingml/2006/table">
@@ -11375,26 +11375,26 @@
                 <a:gridCol w="2588261">
                   <a:extLst>
                     <a:ext uri="{9D8B030D-6E8A-4147-A177-3AD203B41FA5}">
-                      <a16:colId xmlns:a16="http://schemas.microsoft.com/office/drawing/2014/main" val="888479627"/>
+                      <a16:colId xmlns:a16="http://schemas.microsoft.com/office/drawing/2014/main" val="1964498945"/>
                     </a:ext>
                   </a:extLst>
                 </a:gridCol>
                 <a:gridCol w="7160050">
                   <a:extLst>
                     <a:ext uri="{9D8B030D-6E8A-4147-A177-3AD203B41FA5}">
-                      <a16:colId xmlns:a16="http://schemas.microsoft.com/office/drawing/2014/main" val="517209163"/>
+                      <a16:colId xmlns:a16="http://schemas.microsoft.com/office/drawing/2014/main" val="3661957111"/>
                     </a:ext>
                   </a:extLst>
                 </a:gridCol>
                 <a:gridCol w="2104476">
                   <a:extLst>
                     <a:ext uri="{9D8B030D-6E8A-4147-A177-3AD203B41FA5}">
-                      <a16:colId xmlns:a16="http://schemas.microsoft.com/office/drawing/2014/main" val="2821674882"/>
+                      <a16:colId xmlns:a16="http://schemas.microsoft.com/office/drawing/2014/main" val="2698733019"/>
                     </a:ext>
                   </a:extLst>
                 </a:gridCol>
               </a:tblGrid>
-              <a:tr h="454662">
+              <a:tr h="495622">
                 <a:tc>
                   <a:txBody>
                     <a:bodyPr/>
@@ -11466,11 +11466,11 @@
                 </a:tc>
                 <a:extLst>
                   <a:ext uri="{0D108BD9-81ED-4DB2-BD59-A6C34878D82A}">
-                    <a16:rowId xmlns:a16="http://schemas.microsoft.com/office/drawing/2014/main" val="3341601229"/>
+                    <a16:rowId xmlns:a16="http://schemas.microsoft.com/office/drawing/2014/main" val="3757428655"/>
                   </a:ext>
                 </a:extLst>
               </a:tr>
-              <a:tr h="433011">
+              <a:tr h="472021">
                 <a:tc>
                   <a:txBody>
                     <a:bodyPr/>
@@ -11478,12 +11478,12 @@
                     <a:p>
                       <a:pPr algn="l" fontAlgn="b"/>
                       <a:r>
-                        <a:rPr lang="en-CA" sz="2800" u="none" strike="noStrike" dirty="0">
+                        <a:rPr lang="en-CA" sz="2800" u="none" strike="noStrike">
                           <a:effectLst/>
                         </a:rPr>
                         <a:t>Java member</a:t>
                       </a:r>
-                      <a:endParaRPr lang="en-CA" sz="2800" b="0" i="0" u="none" strike="noStrike" dirty="0">
+                      <a:endParaRPr lang="en-CA" sz="2800" b="0" i="0" u="none" strike="noStrike">
                         <a:solidFill>
                           <a:srgbClr val="000000"/>
                         </a:solidFill>
@@ -11524,12 +11524,12 @@
                     <a:p>
                       <a:pPr algn="l" fontAlgn="b"/>
                       <a:r>
-                        <a:rPr lang="en-CA" sz="2800" u="none" strike="noStrike">
+                        <a:rPr lang="en-CA" sz="2800" u="none" strike="noStrike" dirty="0">
                           <a:effectLst/>
                         </a:rPr>
                         <a:t>5 minutes</a:t>
                       </a:r>
-                      <a:endParaRPr lang="en-CA" sz="2800" b="0" i="0" u="none" strike="noStrike">
+                      <a:endParaRPr lang="en-CA" sz="2800" b="0" i="0" u="none" strike="noStrike" dirty="0">
                         <a:solidFill>
                           <a:srgbClr val="000000"/>
                         </a:solidFill>
@@ -11542,11 +11542,11 @@
                 </a:tc>
                 <a:extLst>
                   <a:ext uri="{0D108BD9-81ED-4DB2-BD59-A6C34878D82A}">
-                    <a16:rowId xmlns:a16="http://schemas.microsoft.com/office/drawing/2014/main" val="3431262778"/>
+                    <a16:rowId xmlns:a16="http://schemas.microsoft.com/office/drawing/2014/main" val="156583843"/>
                   </a:ext>
                 </a:extLst>
               </a:tr>
-              <a:tr h="433011">
+              <a:tr h="472021">
                 <a:tc>
                   <a:txBody>
                     <a:bodyPr/>
@@ -11554,12 +11554,12 @@
                     <a:p>
                       <a:pPr algn="l" fontAlgn="b"/>
                       <a:r>
-                        <a:rPr lang="en-CA" sz="2800" u="none" strike="noStrike" dirty="0">
+                        <a:rPr lang="en-CA" sz="2800" u="none" strike="noStrike">
                           <a:effectLst/>
                         </a:rPr>
                         <a:t>John Hynes</a:t>
                       </a:r>
-                      <a:endParaRPr lang="en-CA" sz="2800" b="0" i="0" u="none" strike="noStrike" dirty="0">
+                      <a:endParaRPr lang="en-CA" sz="2800" b="0" i="0" u="none" strike="noStrike">
                         <a:solidFill>
                           <a:srgbClr val="000000"/>
                         </a:solidFill>
@@ -11577,12 +11577,12 @@
                     <a:p>
                       <a:pPr algn="l" fontAlgn="b"/>
                       <a:r>
-                        <a:rPr lang="en-CA" sz="2800" u="none" strike="noStrike" dirty="0">
+                        <a:rPr lang="en-CA" sz="2800" u="none" strike="noStrike">
                           <a:effectLst/>
                         </a:rPr>
                         <a:t>Welcome, team</a:t>
                       </a:r>
-                      <a:endParaRPr lang="en-CA" sz="2800" b="0" i="0" u="none" strike="noStrike" dirty="0">
+                      <a:endParaRPr lang="en-CA" sz="2800" b="0" i="0" u="none" strike="noStrike">
                         <a:solidFill>
                           <a:srgbClr val="000000"/>
                         </a:solidFill>
@@ -11618,11 +11618,11 @@
                 </a:tc>
                 <a:extLst>
                   <a:ext uri="{0D108BD9-81ED-4DB2-BD59-A6C34878D82A}">
-                    <a16:rowId xmlns:a16="http://schemas.microsoft.com/office/drawing/2014/main" val="1025212486"/>
+                    <a16:rowId xmlns:a16="http://schemas.microsoft.com/office/drawing/2014/main" val="462608159"/>
                   </a:ext>
                 </a:extLst>
               </a:tr>
-              <a:tr h="433011">
+              <a:tr h="472021">
                 <a:tc>
                   <a:txBody>
                     <a:bodyPr/>
@@ -11694,11 +11694,11 @@
                 </a:tc>
                 <a:extLst>
                   <a:ext uri="{0D108BD9-81ED-4DB2-BD59-A6C34878D82A}">
-                    <a16:rowId xmlns:a16="http://schemas.microsoft.com/office/drawing/2014/main" val="3175394110"/>
+                    <a16:rowId xmlns:a16="http://schemas.microsoft.com/office/drawing/2014/main" val="2634361015"/>
                   </a:ext>
                 </a:extLst>
               </a:tr>
-              <a:tr h="433011">
+              <a:tr h="472021">
                 <a:tc>
                   <a:txBody>
                     <a:bodyPr/>
@@ -11770,11 +11770,11 @@
                 </a:tc>
                 <a:extLst>
                   <a:ext uri="{0D108BD9-81ED-4DB2-BD59-A6C34878D82A}">
-                    <a16:rowId xmlns:a16="http://schemas.microsoft.com/office/drawing/2014/main" val="2313646441"/>
+                    <a16:rowId xmlns:a16="http://schemas.microsoft.com/office/drawing/2014/main" val="249236893"/>
                   </a:ext>
                 </a:extLst>
               </a:tr>
-              <a:tr h="433011">
+              <a:tr h="472021">
                 <a:tc>
                   <a:txBody>
                     <a:bodyPr/>
@@ -11846,11 +11846,11 @@
                 </a:tc>
                 <a:extLst>
                   <a:ext uri="{0D108BD9-81ED-4DB2-BD59-A6C34878D82A}">
-                    <a16:rowId xmlns:a16="http://schemas.microsoft.com/office/drawing/2014/main" val="517327394"/>
+                    <a16:rowId xmlns:a16="http://schemas.microsoft.com/office/drawing/2014/main" val="64394208"/>
                   </a:ext>
                 </a:extLst>
               </a:tr>
-              <a:tr h="433011">
+              <a:tr h="472021">
                 <a:tc>
                   <a:txBody>
                     <a:bodyPr/>
@@ -11922,11 +11922,11 @@
                 </a:tc>
                 <a:extLst>
                   <a:ext uri="{0D108BD9-81ED-4DB2-BD59-A6C34878D82A}">
-                    <a16:rowId xmlns:a16="http://schemas.microsoft.com/office/drawing/2014/main" val="105221796"/>
+                    <a16:rowId xmlns:a16="http://schemas.microsoft.com/office/drawing/2014/main" val="2842465129"/>
                   </a:ext>
                 </a:extLst>
               </a:tr>
-              <a:tr h="433011">
+              <a:tr h="472021">
                 <a:tc>
                   <a:txBody>
                     <a:bodyPr/>
@@ -11998,11 +11998,11 @@
                 </a:tc>
                 <a:extLst>
                   <a:ext uri="{0D108BD9-81ED-4DB2-BD59-A6C34878D82A}">
-                    <a16:rowId xmlns:a16="http://schemas.microsoft.com/office/drawing/2014/main" val="3561059377"/>
+                    <a16:rowId xmlns:a16="http://schemas.microsoft.com/office/drawing/2014/main" val="1345028718"/>
                   </a:ext>
                 </a:extLst>
               </a:tr>
-              <a:tr h="433011">
+              <a:tr h="472021">
                 <a:tc>
                   <a:txBody>
                     <a:bodyPr/>
@@ -12074,11 +12074,11 @@
                 </a:tc>
                 <a:extLst>
                   <a:ext uri="{0D108BD9-81ED-4DB2-BD59-A6C34878D82A}">
-                    <a16:rowId xmlns:a16="http://schemas.microsoft.com/office/drawing/2014/main" val="3787813346"/>
+                    <a16:rowId xmlns:a16="http://schemas.microsoft.com/office/drawing/2014/main" val="2672306002"/>
                   </a:ext>
                 </a:extLst>
               </a:tr>
-              <a:tr h="433011">
+              <a:tr h="472021">
                 <a:tc>
                   <a:txBody>
                     <a:bodyPr/>
@@ -12150,11 +12150,11 @@
                 </a:tc>
                 <a:extLst>
                   <a:ext uri="{0D108BD9-81ED-4DB2-BD59-A6C34878D82A}">
-                    <a16:rowId xmlns:a16="http://schemas.microsoft.com/office/drawing/2014/main" val="2818208793"/>
+                    <a16:rowId xmlns:a16="http://schemas.microsoft.com/office/drawing/2014/main" val="263738726"/>
                   </a:ext>
                 </a:extLst>
               </a:tr>
-              <a:tr h="433011">
+              <a:tr h="495622">
                 <a:tc>
                   <a:txBody>
                     <a:bodyPr/>
@@ -12226,83 +12226,7 @@
                 </a:tc>
                 <a:extLst>
                   <a:ext uri="{0D108BD9-81ED-4DB2-BD59-A6C34878D82A}">
-                    <a16:rowId xmlns:a16="http://schemas.microsoft.com/office/drawing/2014/main" val="1912912417"/>
-                  </a:ext>
-                </a:extLst>
-              </a:tr>
-              <a:tr h="454662">
-                <a:tc>
-                  <a:txBody>
-                    <a:bodyPr/>
-                    <a:lstStyle/>
-                    <a:p>
-                      <a:pPr algn="l" fontAlgn="b"/>
-                      <a:r>
-                        <a:rPr lang="en-CA" sz="2800" u="none" strike="noStrike">
-                          <a:effectLst/>
-                        </a:rPr>
-                        <a:t>Shazi</a:t>
-                      </a:r>
-                      <a:endParaRPr lang="en-CA" sz="2800" b="0" i="0" u="none" strike="noStrike">
-                        <a:solidFill>
-                          <a:srgbClr val="000000"/>
-                        </a:solidFill>
-                        <a:effectLst/>
-                        <a:latin typeface="Calibri" panose="020F0502020204030204" pitchFamily="34" charset="0"/>
-                      </a:endParaRPr>
-                    </a:p>
-                  </a:txBody>
-                  <a:tcPr marL="9525" marR="9525" marT="9525" marB="0" anchor="b"/>
-                </a:tc>
-                <a:tc>
-                  <a:txBody>
-                    <a:bodyPr/>
-                    <a:lstStyle/>
-                    <a:p>
-                      <a:pPr algn="l" fontAlgn="b"/>
-                      <a:r>
-                        <a:rPr lang="en-CA" sz="2800" u="none" strike="noStrike">
-                          <a:effectLst/>
-                        </a:rPr>
-                        <a:t>UCS Migration Tech Team</a:t>
-                      </a:r>
-                      <a:endParaRPr lang="en-CA" sz="2800" b="0" i="0" u="none" strike="noStrike">
-                        <a:solidFill>
-                          <a:srgbClr val="000000"/>
-                        </a:solidFill>
-                        <a:effectLst/>
-                        <a:latin typeface="Calibri" panose="020F0502020204030204" pitchFamily="34" charset="0"/>
-                      </a:endParaRPr>
-                    </a:p>
-                  </a:txBody>
-                  <a:tcPr marL="9525" marR="9525" marT="9525" marB="0" anchor="b"/>
-                </a:tc>
-                <a:tc>
-                  <a:txBody>
-                    <a:bodyPr/>
-                    <a:lstStyle/>
-                    <a:p>
-                      <a:pPr algn="l" fontAlgn="b"/>
-                      <a:r>
-                        <a:rPr lang="en-CA" sz="2800" u="none" strike="noStrike" dirty="0">
-                          <a:effectLst/>
-                        </a:rPr>
-                        <a:t>5 minutes</a:t>
-                      </a:r>
-                      <a:endParaRPr lang="en-CA" sz="2800" b="0" i="0" u="none" strike="noStrike" dirty="0">
-                        <a:solidFill>
-                          <a:srgbClr val="000000"/>
-                        </a:solidFill>
-                        <a:effectLst/>
-                        <a:latin typeface="Calibri" panose="020F0502020204030204" pitchFamily="34" charset="0"/>
-                      </a:endParaRPr>
-                    </a:p>
-                  </a:txBody>
-                  <a:tcPr marL="9525" marR="9525" marT="9525" marB="0" anchor="b"/>
-                </a:tc>
-                <a:extLst>
-                  <a:ext uri="{0D108BD9-81ED-4DB2-BD59-A6C34878D82A}">
-                    <a16:rowId xmlns:a16="http://schemas.microsoft.com/office/drawing/2014/main" val="2235741292"/>
+                    <a16:rowId xmlns:a16="http://schemas.microsoft.com/office/drawing/2014/main" val="359657952"/>
                   </a:ext>
                 </a:extLst>
               </a:tr>

--- a/IS Team Updates - November 22.pptx
+++ b/IS Team Updates - November 22.pptx
@@ -11343,10 +11343,10 @@
       </p:sp>
       <p:graphicFrame>
         <p:nvGraphicFramePr>
-          <p:cNvPr id="2" name="Table 1">
-            <a:extLst>
-              <a:ext uri="{FF2B5EF4-FFF2-40B4-BE49-F238E27FC236}">
-                <a16:creationId xmlns:a16="http://schemas.microsoft.com/office/drawing/2014/main" id="{42B27CC4-9D1B-4B11-A60F-5F4EC6C45516}"/>
+          <p:cNvPr id="6" name="Table 5">
+            <a:extLst>
+              <a:ext uri="{FF2B5EF4-FFF2-40B4-BE49-F238E27FC236}">
+                <a16:creationId xmlns:a16="http://schemas.microsoft.com/office/drawing/2014/main" id="{9693EDA5-F099-43AB-B93E-72C3BAB48E16}"/>
               </a:ext>
             </a:extLst>
           </p:cNvPr>
@@ -11356,14 +11356,14 @@
           <p:nvPr>
             <p:extLst>
               <p:ext uri="{D42A27DB-BD31-4B8C-83A1-F6EECF244321}">
-                <p14:modId xmlns:p14="http://schemas.microsoft.com/office/powerpoint/2010/main" val="2076926999"/>
+                <p14:modId xmlns:p14="http://schemas.microsoft.com/office/powerpoint/2010/main" val="4256420135"/>
               </p:ext>
             </p:extLst>
           </p:nvPr>
         </p:nvGraphicFramePr>
         <p:xfrm>
-          <a:off x="172434" y="1445054"/>
-          <a:ext cx="11852787" cy="5241016"/>
+          <a:off x="172435" y="1445054"/>
+          <a:ext cx="11852788" cy="5314317"/>
         </p:xfrm>
         <a:graphic>
           <a:graphicData uri="http://schemas.openxmlformats.org/drawingml/2006/table">
@@ -11375,26 +11375,26 @@
                 <a:gridCol w="2588261">
                   <a:extLst>
                     <a:ext uri="{9D8B030D-6E8A-4147-A177-3AD203B41FA5}">
-                      <a16:colId xmlns:a16="http://schemas.microsoft.com/office/drawing/2014/main" val="1964498945"/>
+                      <a16:colId xmlns:a16="http://schemas.microsoft.com/office/drawing/2014/main" val="1576377441"/>
                     </a:ext>
                   </a:extLst>
                 </a:gridCol>
-                <a:gridCol w="7160050">
+                <a:gridCol w="7160051">
                   <a:extLst>
                     <a:ext uri="{9D8B030D-6E8A-4147-A177-3AD203B41FA5}">
-                      <a16:colId xmlns:a16="http://schemas.microsoft.com/office/drawing/2014/main" val="3661957111"/>
+                      <a16:colId xmlns:a16="http://schemas.microsoft.com/office/drawing/2014/main" val="1081823371"/>
                     </a:ext>
                   </a:extLst>
                 </a:gridCol>
                 <a:gridCol w="2104476">
                   <a:extLst>
                     <a:ext uri="{9D8B030D-6E8A-4147-A177-3AD203B41FA5}">
-                      <a16:colId xmlns:a16="http://schemas.microsoft.com/office/drawing/2014/main" val="2698733019"/>
+                      <a16:colId xmlns:a16="http://schemas.microsoft.com/office/drawing/2014/main" val="220116113"/>
                     </a:ext>
                   </a:extLst>
                 </a:gridCol>
               </a:tblGrid>
-              <a:tr h="495622">
+              <a:tr h="454662">
                 <a:tc>
                   <a:txBody>
                     <a:bodyPr/>
@@ -11402,12 +11402,12 @@
                     <a:p>
                       <a:pPr algn="l" fontAlgn="b"/>
                       <a:r>
-                        <a:rPr lang="en-CA" sz="3200" b="1" u="none" strike="noStrike" dirty="0">
+                        <a:rPr lang="en-CA" sz="3200" b="1" u="none" strike="noStrike">
                           <a:effectLst/>
                         </a:rPr>
                         <a:t>Speaker</a:t>
                       </a:r>
-                      <a:endParaRPr lang="en-CA" sz="3200" b="1" i="0" u="none" strike="noStrike" dirty="0">
+                      <a:endParaRPr lang="en-CA" sz="3200" b="1" i="0" u="none" strike="noStrike">
                         <a:solidFill>
                           <a:srgbClr val="000000"/>
                         </a:solidFill>
@@ -11466,11 +11466,11 @@
                 </a:tc>
                 <a:extLst>
                   <a:ext uri="{0D108BD9-81ED-4DB2-BD59-A6C34878D82A}">
-                    <a16:rowId xmlns:a16="http://schemas.microsoft.com/office/drawing/2014/main" val="3757428655"/>
+                    <a16:rowId xmlns:a16="http://schemas.microsoft.com/office/drawing/2014/main" val="1715856308"/>
                   </a:ext>
                 </a:extLst>
               </a:tr>
-              <a:tr h="472021">
+              <a:tr h="433011">
                 <a:tc>
                   <a:txBody>
                     <a:bodyPr/>
@@ -11542,11 +11542,11 @@
                 </a:tc>
                 <a:extLst>
                   <a:ext uri="{0D108BD9-81ED-4DB2-BD59-A6C34878D82A}">
-                    <a16:rowId xmlns:a16="http://schemas.microsoft.com/office/drawing/2014/main" val="156583843"/>
+                    <a16:rowId xmlns:a16="http://schemas.microsoft.com/office/drawing/2014/main" val="909335479"/>
                   </a:ext>
                 </a:extLst>
               </a:tr>
-              <a:tr h="472021">
+              <a:tr h="433011">
                 <a:tc>
                   <a:txBody>
                     <a:bodyPr/>
@@ -11618,11 +11618,11 @@
                 </a:tc>
                 <a:extLst>
                   <a:ext uri="{0D108BD9-81ED-4DB2-BD59-A6C34878D82A}">
-                    <a16:rowId xmlns:a16="http://schemas.microsoft.com/office/drawing/2014/main" val="462608159"/>
+                    <a16:rowId xmlns:a16="http://schemas.microsoft.com/office/drawing/2014/main" val="1296476536"/>
                   </a:ext>
                 </a:extLst>
               </a:tr>
-              <a:tr h="472021">
+              <a:tr h="433011">
                 <a:tc>
                   <a:txBody>
                     <a:bodyPr/>
@@ -11694,11 +11694,11 @@
                 </a:tc>
                 <a:extLst>
                   <a:ext uri="{0D108BD9-81ED-4DB2-BD59-A6C34878D82A}">
-                    <a16:rowId xmlns:a16="http://schemas.microsoft.com/office/drawing/2014/main" val="2634361015"/>
+                    <a16:rowId xmlns:a16="http://schemas.microsoft.com/office/drawing/2014/main" val="2289789206"/>
                   </a:ext>
                 </a:extLst>
               </a:tr>
-              <a:tr h="472021">
+              <a:tr h="433011">
                 <a:tc>
                   <a:txBody>
                     <a:bodyPr/>
@@ -11770,11 +11770,11 @@
                 </a:tc>
                 <a:extLst>
                   <a:ext uri="{0D108BD9-81ED-4DB2-BD59-A6C34878D82A}">
-                    <a16:rowId xmlns:a16="http://schemas.microsoft.com/office/drawing/2014/main" val="249236893"/>
+                    <a16:rowId xmlns:a16="http://schemas.microsoft.com/office/drawing/2014/main" val="2280644566"/>
                   </a:ext>
                 </a:extLst>
               </a:tr>
-              <a:tr h="472021">
+              <a:tr h="433011">
                 <a:tc>
                   <a:txBody>
                     <a:bodyPr/>
@@ -11846,11 +11846,11 @@
                 </a:tc>
                 <a:extLst>
                   <a:ext uri="{0D108BD9-81ED-4DB2-BD59-A6C34878D82A}">
-                    <a16:rowId xmlns:a16="http://schemas.microsoft.com/office/drawing/2014/main" val="64394208"/>
+                    <a16:rowId xmlns:a16="http://schemas.microsoft.com/office/drawing/2014/main" val="3760461788"/>
                   </a:ext>
                 </a:extLst>
               </a:tr>
-              <a:tr h="472021">
+              <a:tr h="433011">
                 <a:tc>
                   <a:txBody>
                     <a:bodyPr/>
@@ -11922,11 +11922,11 @@
                 </a:tc>
                 <a:extLst>
                   <a:ext uri="{0D108BD9-81ED-4DB2-BD59-A6C34878D82A}">
-                    <a16:rowId xmlns:a16="http://schemas.microsoft.com/office/drawing/2014/main" val="2842465129"/>
+                    <a16:rowId xmlns:a16="http://schemas.microsoft.com/office/drawing/2014/main" val="2247761089"/>
                   </a:ext>
                 </a:extLst>
               </a:tr>
-              <a:tr h="472021">
+              <a:tr h="433011">
                 <a:tc>
                   <a:txBody>
                     <a:bodyPr/>
@@ -11998,11 +11998,11 @@
                 </a:tc>
                 <a:extLst>
                   <a:ext uri="{0D108BD9-81ED-4DB2-BD59-A6C34878D82A}">
-                    <a16:rowId xmlns:a16="http://schemas.microsoft.com/office/drawing/2014/main" val="1345028718"/>
+                    <a16:rowId xmlns:a16="http://schemas.microsoft.com/office/drawing/2014/main" val="4045697416"/>
                   </a:ext>
                 </a:extLst>
               </a:tr>
-              <a:tr h="472021">
+              <a:tr h="433011">
                 <a:tc>
                   <a:txBody>
                     <a:bodyPr/>
@@ -12074,11 +12074,11 @@
                 </a:tc>
                 <a:extLst>
                   <a:ext uri="{0D108BD9-81ED-4DB2-BD59-A6C34878D82A}">
-                    <a16:rowId xmlns:a16="http://schemas.microsoft.com/office/drawing/2014/main" val="2672306002"/>
+                    <a16:rowId xmlns:a16="http://schemas.microsoft.com/office/drawing/2014/main" val="1768039374"/>
                   </a:ext>
                 </a:extLst>
               </a:tr>
-              <a:tr h="472021">
+              <a:tr h="433011">
                 <a:tc>
                   <a:txBody>
                     <a:bodyPr/>
@@ -12150,11 +12150,87 @@
                 </a:tc>
                 <a:extLst>
                   <a:ext uri="{0D108BD9-81ED-4DB2-BD59-A6C34878D82A}">
-                    <a16:rowId xmlns:a16="http://schemas.microsoft.com/office/drawing/2014/main" val="263738726"/>
+                    <a16:rowId xmlns:a16="http://schemas.microsoft.com/office/drawing/2014/main" val="2831765500"/>
                   </a:ext>
                 </a:extLst>
               </a:tr>
-              <a:tr h="495622">
+              <a:tr h="433011">
+                <a:tc>
+                  <a:txBody>
+                    <a:bodyPr/>
+                    <a:lstStyle/>
+                    <a:p>
+                      <a:pPr algn="l" fontAlgn="b"/>
+                      <a:r>
+                        <a:rPr lang="en-CA" sz="2800" u="none" strike="noStrike">
+                          <a:effectLst/>
+                        </a:rPr>
+                        <a:t>Sanjay</a:t>
+                      </a:r>
+                      <a:endParaRPr lang="en-CA" sz="2800" b="0" i="0" u="none" strike="noStrike">
+                        <a:solidFill>
+                          <a:srgbClr val="000000"/>
+                        </a:solidFill>
+                        <a:effectLst/>
+                        <a:latin typeface="Calibri" panose="020F0502020204030204" pitchFamily="34" charset="0"/>
+                      </a:endParaRPr>
+                    </a:p>
+                  </a:txBody>
+                  <a:tcPr marL="9525" marR="9525" marT="9525" marB="0" anchor="b"/>
+                </a:tc>
+                <a:tc>
+                  <a:txBody>
+                    <a:bodyPr/>
+                    <a:lstStyle/>
+                    <a:p>
+                      <a:pPr algn="l" fontAlgn="b"/>
+                      <a:r>
+                        <a:rPr lang="en-CA" sz="2800" u="none" strike="noStrike">
+                          <a:effectLst/>
+                        </a:rPr>
+                        <a:t>TBD</a:t>
+                      </a:r>
+                      <a:endParaRPr lang="en-CA" sz="2800" b="0" i="0" u="none" strike="noStrike">
+                        <a:solidFill>
+                          <a:srgbClr val="000000"/>
+                        </a:solidFill>
+                        <a:effectLst/>
+                        <a:latin typeface="Calibri" panose="020F0502020204030204" pitchFamily="34" charset="0"/>
+                      </a:endParaRPr>
+                    </a:p>
+                  </a:txBody>
+                  <a:tcPr marL="9525" marR="9525" marT="9525" marB="0" anchor="b"/>
+                </a:tc>
+                <a:tc>
+                  <a:txBody>
+                    <a:bodyPr/>
+                    <a:lstStyle/>
+                    <a:p>
+                      <a:pPr algn="l" fontAlgn="b"/>
+                      <a:r>
+                        <a:rPr lang="en-CA" sz="2800" u="none" strike="noStrike" dirty="0">
+                          <a:effectLst/>
+                        </a:rPr>
+                        <a:t>10 minutes</a:t>
+                      </a:r>
+                      <a:endParaRPr lang="en-CA" sz="2800" b="0" i="0" u="none" strike="noStrike" dirty="0">
+                        <a:solidFill>
+                          <a:srgbClr val="000000"/>
+                        </a:solidFill>
+                        <a:effectLst/>
+                        <a:latin typeface="Calibri" panose="020F0502020204030204" pitchFamily="34" charset="0"/>
+                      </a:endParaRPr>
+                    </a:p>
+                  </a:txBody>
+                  <a:tcPr marL="9525" marR="9525" marT="9525" marB="0" anchor="b"/>
+                </a:tc>
+                <a:extLst>
+                  <a:ext uri="{0D108BD9-81ED-4DB2-BD59-A6C34878D82A}">
+                    <a16:rowId xmlns:a16="http://schemas.microsoft.com/office/drawing/2014/main" val="2542471200"/>
+                  </a:ext>
+                </a:extLst>
+              </a:tr>
+              <a:tr h="454662">
                 <a:tc>
                   <a:txBody>
                     <a:bodyPr/>
@@ -12226,7 +12302,7 @@
                 </a:tc>
                 <a:extLst>
                   <a:ext uri="{0D108BD9-81ED-4DB2-BD59-A6C34878D82A}">
-                    <a16:rowId xmlns:a16="http://schemas.microsoft.com/office/drawing/2014/main" val="359657952"/>
+                    <a16:rowId xmlns:a16="http://schemas.microsoft.com/office/drawing/2014/main" val="2285177520"/>
                   </a:ext>
                 </a:extLst>
               </a:tr>

--- a/IS Team Updates - November 22.pptx
+++ b/IS Team Updates - November 22.pptx
@@ -241,7 +241,7 @@
           <a:p>
             <a:fld id="{4598C197-9706-4ECE-AEF4-B03F4297B35D}" type="datetimeFigureOut">
               <a:rPr lang="en-CA" smtClean="0"/>
-              <a:t>2018-11-20</a:t>
+              <a:t>2018-11-21</a:t>
             </a:fld>
             <a:endParaRPr lang="en-CA"/>
           </a:p>
@@ -2087,7 +2087,7 @@
           <a:p>
             <a:fld id="{37103718-E62E-477D-833E-2DE6F13C3277}" type="datetimeFigureOut">
               <a:rPr lang="en-CA" smtClean="0"/>
-              <a:t>2018-11-20</a:t>
+              <a:t>2018-11-21</a:t>
             </a:fld>
             <a:endParaRPr lang="en-CA"/>
           </a:p>
@@ -2287,7 +2287,7 @@
           <a:p>
             <a:fld id="{37103718-E62E-477D-833E-2DE6F13C3277}" type="datetimeFigureOut">
               <a:rPr lang="en-CA" smtClean="0"/>
-              <a:t>2018-11-20</a:t>
+              <a:t>2018-11-21</a:t>
             </a:fld>
             <a:endParaRPr lang="en-CA"/>
           </a:p>
@@ -2497,7 +2497,7 @@
           <a:p>
             <a:fld id="{37103718-E62E-477D-833E-2DE6F13C3277}" type="datetimeFigureOut">
               <a:rPr lang="en-CA" smtClean="0"/>
-              <a:t>2018-11-20</a:t>
+              <a:t>2018-11-21</a:t>
             </a:fld>
             <a:endParaRPr lang="en-CA"/>
           </a:p>
@@ -2697,7 +2697,7 @@
           <a:p>
             <a:fld id="{37103718-E62E-477D-833E-2DE6F13C3277}" type="datetimeFigureOut">
               <a:rPr lang="en-CA" smtClean="0"/>
-              <a:t>2018-11-20</a:t>
+              <a:t>2018-11-21</a:t>
             </a:fld>
             <a:endParaRPr lang="en-CA"/>
           </a:p>
@@ -2973,7 +2973,7 @@
           <a:p>
             <a:fld id="{37103718-E62E-477D-833E-2DE6F13C3277}" type="datetimeFigureOut">
               <a:rPr lang="en-CA" smtClean="0"/>
-              <a:t>2018-11-20</a:t>
+              <a:t>2018-11-21</a:t>
             </a:fld>
             <a:endParaRPr lang="en-CA"/>
           </a:p>
@@ -3241,7 +3241,7 @@
           <a:p>
             <a:fld id="{37103718-E62E-477D-833E-2DE6F13C3277}" type="datetimeFigureOut">
               <a:rPr lang="en-CA" smtClean="0"/>
-              <a:t>2018-11-20</a:t>
+              <a:t>2018-11-21</a:t>
             </a:fld>
             <a:endParaRPr lang="en-CA"/>
           </a:p>
@@ -3656,7 +3656,7 @@
           <a:p>
             <a:fld id="{37103718-E62E-477D-833E-2DE6F13C3277}" type="datetimeFigureOut">
               <a:rPr lang="en-CA" smtClean="0"/>
-              <a:t>2018-11-20</a:t>
+              <a:t>2018-11-21</a:t>
             </a:fld>
             <a:endParaRPr lang="en-CA"/>
           </a:p>
@@ -3798,7 +3798,7 @@
           <a:p>
             <a:fld id="{37103718-E62E-477D-833E-2DE6F13C3277}" type="datetimeFigureOut">
               <a:rPr lang="en-CA" smtClean="0"/>
-              <a:t>2018-11-20</a:t>
+              <a:t>2018-11-21</a:t>
             </a:fld>
             <a:endParaRPr lang="en-CA"/>
           </a:p>
@@ -3911,7 +3911,7 @@
           <a:p>
             <a:fld id="{37103718-E62E-477D-833E-2DE6F13C3277}" type="datetimeFigureOut">
               <a:rPr lang="en-CA" smtClean="0"/>
-              <a:t>2018-11-20</a:t>
+              <a:t>2018-11-21</a:t>
             </a:fld>
             <a:endParaRPr lang="en-CA"/>
           </a:p>
@@ -4224,7 +4224,7 @@
           <a:p>
             <a:fld id="{37103718-E62E-477D-833E-2DE6F13C3277}" type="datetimeFigureOut">
               <a:rPr lang="en-CA" smtClean="0"/>
-              <a:t>2018-11-20</a:t>
+              <a:t>2018-11-21</a:t>
             </a:fld>
             <a:endParaRPr lang="en-CA"/>
           </a:p>
@@ -4513,7 +4513,7 @@
           <a:p>
             <a:fld id="{37103718-E62E-477D-833E-2DE6F13C3277}" type="datetimeFigureOut">
               <a:rPr lang="en-CA" smtClean="0"/>
-              <a:t>2018-11-20</a:t>
+              <a:t>2018-11-21</a:t>
             </a:fld>
             <a:endParaRPr lang="en-CA"/>
           </a:p>
@@ -4756,7 +4756,7 @@
           <a:p>
             <a:fld id="{37103718-E62E-477D-833E-2DE6F13C3277}" type="datetimeFigureOut">
               <a:rPr lang="en-CA" smtClean="0"/>
-              <a:t>2018-11-20</a:t>
+              <a:t>2018-11-21</a:t>
             </a:fld>
             <a:endParaRPr lang="en-CA"/>
           </a:p>
@@ -9811,8 +9811,8 @@
         </p:nvSpPr>
         <p:spPr>
           <a:xfrm>
-            <a:off x="3854339" y="2820837"/>
-            <a:ext cx="4488985" cy="2062103"/>
+            <a:off x="3680167" y="677480"/>
+            <a:ext cx="4488985" cy="1446550"/>
           </a:xfrm>
           <a:prstGeom prst="rect">
             <a:avLst/>
@@ -9854,22 +9854,6 @@
           </a:p>
           <a:p>
             <a:pPr algn="ctr"/>
-            <a:endParaRPr lang="en-CA" sz="2000" dirty="0">
-              <a:solidFill>
-                <a:srgbClr val="FFC000"/>
-              </a:solidFill>
-            </a:endParaRPr>
-          </a:p>
-          <a:p>
-            <a:pPr algn="ctr"/>
-            <a:endParaRPr lang="en-CA" sz="2000" dirty="0">
-              <a:solidFill>
-                <a:srgbClr val="FFC000"/>
-              </a:solidFill>
-            </a:endParaRPr>
-          </a:p>
-          <a:p>
-            <a:pPr algn="ctr"/>
             <a:r>
               <a:rPr lang="en-CA" dirty="0">
                 <a:solidFill>
@@ -9893,6 +9877,112 @@
               </a:rPr>
               <a:t>olga.agady@tarion.com</a:t>
             </a:r>
+          </a:p>
+        </p:txBody>
+      </p:sp>
+      <p:sp>
+        <p:nvSpPr>
+          <p:cNvPr id="2" name="TextBox 1">
+            <a:extLst>
+              <a:ext uri="{FF2B5EF4-FFF2-40B4-BE49-F238E27FC236}">
+                <a16:creationId xmlns:a16="http://schemas.microsoft.com/office/drawing/2014/main" id="{EE3554F7-E557-42C3-9162-362EF1FC9AC8}"/>
+              </a:ext>
+            </a:extLst>
+          </p:cNvPr>
+          <p:cNvSpPr txBox="1"/>
+          <p:nvPr/>
+        </p:nvSpPr>
+        <p:spPr>
+          <a:xfrm>
+            <a:off x="1018903" y="3463609"/>
+            <a:ext cx="7063163" cy="1754326"/>
+          </a:xfrm>
+          <a:prstGeom prst="rect">
+            <a:avLst/>
+          </a:prstGeom>
+          <a:noFill/>
+        </p:spPr>
+        <p:txBody>
+          <a:bodyPr wrap="square" rtlCol="0">
+            <a:spAutoFit/>
+          </a:bodyPr>
+          <a:lstStyle/>
+          <a:p>
+            <a:pPr marL="285750" indent="-285750">
+              <a:buFont typeface="Arial" panose="020B0604020202020204" pitchFamily="34" charset="0"/>
+              <a:buChar char="•"/>
+            </a:pPr>
+            <a:r>
+              <a:rPr lang="en-CA" dirty="0">
+                <a:solidFill>
+                  <a:schemeClr val="accent1">
+                    <a:lumMod val="50000"/>
+                  </a:schemeClr>
+                </a:solidFill>
+              </a:rPr>
+              <a:t>My Home doesn’t allow to upload documents over 25MB</a:t>
+            </a:r>
+          </a:p>
+          <a:p>
+            <a:pPr marL="285750" indent="-285750">
+              <a:buFont typeface="Arial" panose="020B0604020202020204" pitchFamily="34" charset="0"/>
+              <a:buChar char="•"/>
+            </a:pPr>
+            <a:endParaRPr lang="en-CA" dirty="0">
+              <a:solidFill>
+                <a:schemeClr val="accent1">
+                  <a:lumMod val="50000"/>
+                </a:schemeClr>
+              </a:solidFill>
+            </a:endParaRPr>
+          </a:p>
+          <a:p>
+            <a:pPr marL="285750" indent="-285750">
+              <a:buFont typeface="Arial" panose="020B0604020202020204" pitchFamily="34" charset="0"/>
+              <a:buChar char="•"/>
+            </a:pPr>
+            <a:r>
+              <a:rPr lang="en-CA" dirty="0">
+                <a:solidFill>
+                  <a:schemeClr val="accent1">
+                    <a:lumMod val="50000"/>
+                  </a:schemeClr>
+                </a:solidFill>
+              </a:rPr>
+              <a:t>Large documents need to be approved before being uploaded to CN</a:t>
+            </a:r>
+          </a:p>
+          <a:p>
+            <a:pPr marL="285750" indent="-285750">
+              <a:buFont typeface="Arial" panose="020B0604020202020204" pitchFamily="34" charset="0"/>
+              <a:buChar char="•"/>
+            </a:pPr>
+            <a:endParaRPr lang="en-CA" dirty="0">
+              <a:solidFill>
+                <a:schemeClr val="accent1">
+                  <a:lumMod val="50000"/>
+                </a:schemeClr>
+              </a:solidFill>
+            </a:endParaRPr>
+          </a:p>
+          <a:p>
+            <a:pPr marL="285750" indent="-285750">
+              <a:buFont typeface="Arial" panose="020B0604020202020204" pitchFamily="34" charset="0"/>
+              <a:buChar char="•"/>
+            </a:pPr>
+            <a:r>
+              <a:rPr lang="en-CA" dirty="0">
+                <a:solidFill>
+                  <a:schemeClr val="accent1">
+                    <a:lumMod val="50000"/>
+                  </a:schemeClr>
+                </a:solidFill>
+              </a:rPr>
+              <a:t>Approvals and uploading to CN need to be automated</a:t>
+            </a:r>
+          </a:p>
+          <a:p>
+            <a:endParaRPr lang="en-CA" dirty="0"/>
           </a:p>
         </p:txBody>
       </p:sp>
@@ -10587,10 +10677,10 @@
       </p:sp>
       <p:sp>
         <p:nvSpPr>
-          <p:cNvPr id="40" name="TextBox 39">
-            <a:extLst>
-              <a:ext uri="{FF2B5EF4-FFF2-40B4-BE49-F238E27FC236}">
-                <a16:creationId xmlns:a16="http://schemas.microsoft.com/office/drawing/2014/main" id="{686DED4A-B7A4-4C7D-B33C-6D716406D195}"/>
+          <p:cNvPr id="41" name="TextBox 40">
+            <a:extLst>
+              <a:ext uri="{FF2B5EF4-FFF2-40B4-BE49-F238E27FC236}">
+                <a16:creationId xmlns:a16="http://schemas.microsoft.com/office/drawing/2014/main" id="{359823A6-6F61-4B07-8E11-2EA93B8B8792}"/>
               </a:ext>
             </a:extLst>
           </p:cNvPr>
@@ -10599,8 +10689,8 @@
         </p:nvSpPr>
         <p:spPr>
           <a:xfrm>
-            <a:off x="551048" y="3570305"/>
-            <a:ext cx="2428198" cy="307777"/>
+            <a:off x="2543970" y="1614008"/>
+            <a:ext cx="2428198" cy="523220"/>
           </a:xfrm>
           <a:prstGeom prst="rect">
             <a:avLst/>
@@ -10615,17 +10705,23 @@
           <a:p>
             <a:r>
               <a:rPr lang="en-CA" sz="1400" dirty="0"/>
-              <a:t>1. Upload large file</a:t>
-            </a:r>
-          </a:p>
-        </p:txBody>
-      </p:sp>
-      <p:sp>
-        <p:nvSpPr>
-          <p:cNvPr id="41" name="TextBox 40">
-            <a:extLst>
-              <a:ext uri="{FF2B5EF4-FFF2-40B4-BE49-F238E27FC236}">
-                <a16:creationId xmlns:a16="http://schemas.microsoft.com/office/drawing/2014/main" id="{359823A6-6F61-4B07-8E11-2EA93B8B8792}"/>
+              <a:t>2. My Home uploads </a:t>
+            </a:r>
+          </a:p>
+          <a:p>
+            <a:r>
+              <a:rPr lang="en-CA" sz="1400" dirty="0"/>
+              <a:t>the file to Box</a:t>
+            </a:r>
+          </a:p>
+        </p:txBody>
+      </p:sp>
+      <p:sp>
+        <p:nvSpPr>
+          <p:cNvPr id="42" name="TextBox 41">
+            <a:extLst>
+              <a:ext uri="{FF2B5EF4-FFF2-40B4-BE49-F238E27FC236}">
+                <a16:creationId xmlns:a16="http://schemas.microsoft.com/office/drawing/2014/main" id="{9C77BB43-5E86-4ADA-B042-554AD5A7FA1B}"/>
               </a:ext>
             </a:extLst>
           </p:cNvPr>
@@ -10634,8 +10730,8 @@
         </p:nvSpPr>
         <p:spPr>
           <a:xfrm>
-            <a:off x="2543970" y="1614008"/>
-            <a:ext cx="2428198" cy="523220"/>
+            <a:off x="7356783" y="1227463"/>
+            <a:ext cx="2428198" cy="738664"/>
           </a:xfrm>
           <a:prstGeom prst="rect">
             <a:avLst/>
@@ -10650,23 +10746,23 @@
           <a:p>
             <a:r>
               <a:rPr lang="en-CA" sz="1400" dirty="0"/>
-              <a:t>2. My Home uploads </a:t>
+              <a:t>3. Box sends notification to </a:t>
             </a:r>
           </a:p>
           <a:p>
             <a:r>
               <a:rPr lang="en-CA" sz="1400" dirty="0"/>
-              <a:t>file to Box</a:t>
-            </a:r>
-          </a:p>
-        </p:txBody>
-      </p:sp>
-      <p:sp>
-        <p:nvSpPr>
-          <p:cNvPr id="42" name="TextBox 41">
-            <a:extLst>
-              <a:ext uri="{FF2B5EF4-FFF2-40B4-BE49-F238E27FC236}">
-                <a16:creationId xmlns:a16="http://schemas.microsoft.com/office/drawing/2014/main" id="{9C77BB43-5E86-4ADA-B042-554AD5A7FA1B}"/>
+              <a:t>a Tarion user that the file is waiting for approval</a:t>
+            </a:r>
+          </a:p>
+        </p:txBody>
+      </p:sp>
+      <p:sp>
+        <p:nvSpPr>
+          <p:cNvPr id="43" name="TextBox 42">
+            <a:extLst>
+              <a:ext uri="{FF2B5EF4-FFF2-40B4-BE49-F238E27FC236}">
+                <a16:creationId xmlns:a16="http://schemas.microsoft.com/office/drawing/2014/main" id="{E7EC7240-978C-45D3-827E-63535DBF5D18}"/>
               </a:ext>
             </a:extLst>
           </p:cNvPr>
@@ -10675,8 +10771,8 @@
         </p:nvSpPr>
         <p:spPr>
           <a:xfrm>
-            <a:off x="7356783" y="1227463"/>
-            <a:ext cx="2428198" cy="738664"/>
+            <a:off x="7731639" y="2966275"/>
+            <a:ext cx="2428198" cy="523220"/>
           </a:xfrm>
           <a:prstGeom prst="rect">
             <a:avLst/>
@@ -10691,54 +10787,13 @@
           <a:p>
             <a:r>
               <a:rPr lang="en-CA" sz="1400" dirty="0"/>
-              <a:t>3. Box sends notification to </a:t>
+              <a:t>4. Tarion user </a:t>
             </a:r>
           </a:p>
           <a:p>
             <a:r>
               <a:rPr lang="en-CA" sz="1400" dirty="0"/>
-              <a:t>Tarion user that file is waiting for approval</a:t>
-            </a:r>
-          </a:p>
-        </p:txBody>
-      </p:sp>
-      <p:sp>
-        <p:nvSpPr>
-          <p:cNvPr id="43" name="TextBox 42">
-            <a:extLst>
-              <a:ext uri="{FF2B5EF4-FFF2-40B4-BE49-F238E27FC236}">
-                <a16:creationId xmlns:a16="http://schemas.microsoft.com/office/drawing/2014/main" id="{E7EC7240-978C-45D3-827E-63535DBF5D18}"/>
-              </a:ext>
-            </a:extLst>
-          </p:cNvPr>
-          <p:cNvSpPr txBox="1"/>
-          <p:nvPr/>
-        </p:nvSpPr>
-        <p:spPr>
-          <a:xfrm>
-            <a:off x="7731639" y="2966275"/>
-            <a:ext cx="2428198" cy="523220"/>
-          </a:xfrm>
-          <a:prstGeom prst="rect">
-            <a:avLst/>
-          </a:prstGeom>
-          <a:noFill/>
-        </p:spPr>
-        <p:txBody>
-          <a:bodyPr wrap="square" rtlCol="0">
-            <a:spAutoFit/>
-          </a:bodyPr>
-          <a:lstStyle/>
-          <a:p>
-            <a:r>
-              <a:rPr lang="en-CA" sz="1400" dirty="0"/>
-              <a:t>4. Tarion user </a:t>
-            </a:r>
-          </a:p>
-          <a:p>
-            <a:r>
-              <a:rPr lang="en-CA" sz="1400" dirty="0"/>
-              <a:t>approves file</a:t>
+              <a:t>approves the file</a:t>
             </a:r>
           </a:p>
         </p:txBody>
@@ -10885,8 +10940,8 @@
         </p:nvSpPr>
         <p:spPr>
           <a:xfrm>
-            <a:off x="5037893" y="3181706"/>
-            <a:ext cx="2428198" cy="738664"/>
+            <a:off x="5310076" y="3201559"/>
+            <a:ext cx="2428198" cy="523220"/>
           </a:xfrm>
           <a:prstGeom prst="rect">
             <a:avLst/>
@@ -10901,7 +10956,7 @@
           <a:p>
             <a:r>
               <a:rPr lang="en-CA" sz="1400" dirty="0"/>
-              <a:t>5. Tip is running a job which every few minutes checks for approved files. </a:t>
+              <a:t>5. Tip is running a job which checks for approved files. </a:t>
             </a:r>
           </a:p>
         </p:txBody>
@@ -11001,6 +11056,41 @@
                 </a:solidFill>
               </a:rPr>
               <a:t>Integration with Box.com      </a:t>
+            </a:r>
+          </a:p>
+        </p:txBody>
+      </p:sp>
+      <p:sp>
+        <p:nvSpPr>
+          <p:cNvPr id="29" name="TextBox 28">
+            <a:extLst>
+              <a:ext uri="{FF2B5EF4-FFF2-40B4-BE49-F238E27FC236}">
+                <a16:creationId xmlns:a16="http://schemas.microsoft.com/office/drawing/2014/main" id="{5A7E6F8C-CBFB-4A63-8C8E-C1392A158761}"/>
+              </a:ext>
+            </a:extLst>
+          </p:cNvPr>
+          <p:cNvSpPr txBox="1"/>
+          <p:nvPr/>
+        </p:nvSpPr>
+        <p:spPr>
+          <a:xfrm>
+            <a:off x="519242" y="3247420"/>
+            <a:ext cx="1605624" cy="738664"/>
+          </a:xfrm>
+          <a:prstGeom prst="rect">
+            <a:avLst/>
+          </a:prstGeom>
+          <a:noFill/>
+        </p:spPr>
+        <p:txBody>
+          <a:bodyPr wrap="square" rtlCol="0">
+            <a:spAutoFit/>
+          </a:bodyPr>
+          <a:lstStyle/>
+          <a:p>
+            <a:r>
+              <a:rPr lang="en-CA" sz="1400" dirty="0"/>
+              <a:t>1. Home owner uploads a large file to My Home</a:t>
             </a:r>
           </a:p>
         </p:txBody>

--- a/IS Team Updates - November 22.pptx
+++ b/IS Team Updates - November 22.pptx
@@ -11433,10 +11433,10 @@
       </p:sp>
       <p:graphicFrame>
         <p:nvGraphicFramePr>
-          <p:cNvPr id="6" name="Table 5">
-            <a:extLst>
-              <a:ext uri="{FF2B5EF4-FFF2-40B4-BE49-F238E27FC236}">
-                <a16:creationId xmlns:a16="http://schemas.microsoft.com/office/drawing/2014/main" id="{9693EDA5-F099-43AB-B93E-72C3BAB48E16}"/>
+          <p:cNvPr id="3" name="Table 2">
+            <a:extLst>
+              <a:ext uri="{FF2B5EF4-FFF2-40B4-BE49-F238E27FC236}">
+                <a16:creationId xmlns:a16="http://schemas.microsoft.com/office/drawing/2014/main" id="{DC388E3D-33AE-47AB-A433-DD21F5605880}"/>
               </a:ext>
             </a:extLst>
           </p:cNvPr>
@@ -11446,14 +11446,14 @@
           <p:nvPr>
             <p:extLst>
               <p:ext uri="{D42A27DB-BD31-4B8C-83A1-F6EECF244321}">
-                <p14:modId xmlns:p14="http://schemas.microsoft.com/office/powerpoint/2010/main" val="4256420135"/>
+                <p14:modId xmlns:p14="http://schemas.microsoft.com/office/powerpoint/2010/main" val="783581433"/>
               </p:ext>
             </p:extLst>
           </p:nvPr>
         </p:nvGraphicFramePr>
         <p:xfrm>
-          <a:off x="172435" y="1445054"/>
-          <a:ext cx="11852788" cy="5314317"/>
+          <a:off x="172435" y="1403780"/>
+          <a:ext cx="11847129" cy="5293685"/>
         </p:xfrm>
         <a:graphic>
           <a:graphicData uri="http://schemas.openxmlformats.org/drawingml/2006/table">
@@ -11462,29 +11462,29 @@
                 <a:tableStyleId>{5C22544A-7EE6-4342-B048-85BDC9FD1C3A}</a:tableStyleId>
               </a:tblPr>
               <a:tblGrid>
-                <a:gridCol w="2588261">
+                <a:gridCol w="2587025">
                   <a:extLst>
                     <a:ext uri="{9D8B030D-6E8A-4147-A177-3AD203B41FA5}">
-                      <a16:colId xmlns:a16="http://schemas.microsoft.com/office/drawing/2014/main" val="1576377441"/>
+                      <a16:colId xmlns:a16="http://schemas.microsoft.com/office/drawing/2014/main" val="3988172087"/>
                     </a:ext>
                   </a:extLst>
                 </a:gridCol>
-                <a:gridCol w="7160051">
+                <a:gridCol w="7156633">
                   <a:extLst>
                     <a:ext uri="{9D8B030D-6E8A-4147-A177-3AD203B41FA5}">
-                      <a16:colId xmlns:a16="http://schemas.microsoft.com/office/drawing/2014/main" val="1081823371"/>
+                      <a16:colId xmlns:a16="http://schemas.microsoft.com/office/drawing/2014/main" val="124294340"/>
                     </a:ext>
                   </a:extLst>
                 </a:gridCol>
-                <a:gridCol w="2104476">
+                <a:gridCol w="2103471">
                   <a:extLst>
                     <a:ext uri="{9D8B030D-6E8A-4147-A177-3AD203B41FA5}">
-                      <a16:colId xmlns:a16="http://schemas.microsoft.com/office/drawing/2014/main" val="220116113"/>
+                      <a16:colId xmlns:a16="http://schemas.microsoft.com/office/drawing/2014/main" val="1335370676"/>
                     </a:ext>
                   </a:extLst>
                 </a:gridCol>
               </a:tblGrid>
-              <a:tr h="454662">
+              <a:tr h="423263">
                 <a:tc>
                   <a:txBody>
                     <a:bodyPr/>
@@ -11492,12 +11492,12 @@
                     <a:p>
                       <a:pPr algn="l" fontAlgn="b"/>
                       <a:r>
-                        <a:rPr lang="en-CA" sz="3200" b="1" u="none" strike="noStrike">
+                        <a:rPr lang="en-CA" sz="2800" b="1" u="none" strike="noStrike">
                           <a:effectLst/>
                         </a:rPr>
                         <a:t>Speaker</a:t>
                       </a:r>
-                      <a:endParaRPr lang="en-CA" sz="3200" b="1" i="0" u="none" strike="noStrike">
+                      <a:endParaRPr lang="en-CA" sz="2800" b="1" i="0" u="none" strike="noStrike">
                         <a:solidFill>
                           <a:srgbClr val="000000"/>
                         </a:solidFill>
@@ -11515,12 +11515,12 @@
                     <a:p>
                       <a:pPr algn="l" fontAlgn="b"/>
                       <a:r>
-                        <a:rPr lang="en-CA" sz="3200" b="1" u="none" strike="noStrike">
+                        <a:rPr lang="en-CA" sz="2800" b="1" u="none" strike="noStrike">
                           <a:effectLst/>
                         </a:rPr>
                         <a:t>Subject</a:t>
                       </a:r>
-                      <a:endParaRPr lang="en-CA" sz="3200" b="1" i="0" u="none" strike="noStrike">
+                      <a:endParaRPr lang="en-CA" sz="2800" b="1" i="0" u="none" strike="noStrike">
                         <a:solidFill>
                           <a:srgbClr val="000000"/>
                         </a:solidFill>
@@ -11538,12 +11538,12 @@
                     <a:p>
                       <a:pPr algn="l" fontAlgn="b"/>
                       <a:r>
-                        <a:rPr lang="en-CA" sz="3200" b="1" u="none" strike="noStrike" dirty="0">
+                        <a:rPr lang="en-CA" sz="2800" b="1" u="none" strike="noStrike" dirty="0">
                           <a:effectLst/>
                         </a:rPr>
                         <a:t>Time</a:t>
                       </a:r>
-                      <a:endParaRPr lang="en-CA" sz="3200" b="1" i="0" u="none" strike="noStrike" dirty="0">
+                      <a:endParaRPr lang="en-CA" sz="2800" b="1" i="0" u="none" strike="noStrike" dirty="0">
                         <a:solidFill>
                           <a:srgbClr val="000000"/>
                         </a:solidFill>
@@ -11556,11 +11556,11 @@
                 </a:tc>
                 <a:extLst>
                   <a:ext uri="{0D108BD9-81ED-4DB2-BD59-A6C34878D82A}">
-                    <a16:rowId xmlns:a16="http://schemas.microsoft.com/office/drawing/2014/main" val="1715856308"/>
+                    <a16:rowId xmlns:a16="http://schemas.microsoft.com/office/drawing/2014/main" val="583618280"/>
                   </a:ext>
                 </a:extLst>
               </a:tr>
-              <a:tr h="433011">
+              <a:tr h="403107">
                 <a:tc>
                   <a:txBody>
                     <a:bodyPr/>
@@ -11568,12 +11568,12 @@
                     <a:p>
                       <a:pPr algn="l" fontAlgn="b"/>
                       <a:r>
-                        <a:rPr lang="en-CA" sz="2800" u="none" strike="noStrike">
+                        <a:rPr lang="en-CA" sz="2400" u="none" strike="noStrike">
                           <a:effectLst/>
                         </a:rPr>
                         <a:t>Java member</a:t>
                       </a:r>
-                      <a:endParaRPr lang="en-CA" sz="2800" b="0" i="0" u="none" strike="noStrike">
+                      <a:endParaRPr lang="en-CA" sz="2400" b="0" i="0" u="none" strike="noStrike">
                         <a:solidFill>
                           <a:srgbClr val="000000"/>
                         </a:solidFill>
@@ -11591,12 +11591,12 @@
                     <a:p>
                       <a:pPr algn="l" fontAlgn="b"/>
                       <a:r>
-                        <a:rPr lang="en-CA" sz="2800" u="none" strike="noStrike">
+                        <a:rPr lang="en-CA" sz="2400" u="none" strike="noStrike">
                           <a:effectLst/>
                         </a:rPr>
                         <a:t>Welcome</a:t>
                       </a:r>
-                      <a:endParaRPr lang="en-CA" sz="2800" b="0" i="0" u="none" strike="noStrike">
+                      <a:endParaRPr lang="en-CA" sz="2400" b="0" i="0" u="none" strike="noStrike">
                         <a:solidFill>
                           <a:srgbClr val="000000"/>
                         </a:solidFill>
@@ -11614,12 +11614,12 @@
                     <a:p>
                       <a:pPr algn="l" fontAlgn="b"/>
                       <a:r>
-                        <a:rPr lang="en-CA" sz="2800" u="none" strike="noStrike" dirty="0">
+                        <a:rPr lang="en-CA" sz="2400" u="none" strike="noStrike" dirty="0">
                           <a:effectLst/>
                         </a:rPr>
                         <a:t>5 minutes</a:t>
                       </a:r>
-                      <a:endParaRPr lang="en-CA" sz="2800" b="0" i="0" u="none" strike="noStrike" dirty="0">
+                      <a:endParaRPr lang="en-CA" sz="2400" b="0" i="0" u="none" strike="noStrike" dirty="0">
                         <a:solidFill>
                           <a:srgbClr val="000000"/>
                         </a:solidFill>
@@ -11632,11 +11632,11 @@
                 </a:tc>
                 <a:extLst>
                   <a:ext uri="{0D108BD9-81ED-4DB2-BD59-A6C34878D82A}">
-                    <a16:rowId xmlns:a16="http://schemas.microsoft.com/office/drawing/2014/main" val="909335479"/>
+                    <a16:rowId xmlns:a16="http://schemas.microsoft.com/office/drawing/2014/main" val="3152524329"/>
                   </a:ext>
                 </a:extLst>
               </a:tr>
-              <a:tr h="433011">
+              <a:tr h="403107">
                 <a:tc>
                   <a:txBody>
                     <a:bodyPr/>
@@ -11644,12 +11644,12 @@
                     <a:p>
                       <a:pPr algn="l" fontAlgn="b"/>
                       <a:r>
-                        <a:rPr lang="en-CA" sz="2800" u="none" strike="noStrike">
+                        <a:rPr lang="en-CA" sz="2400" u="none" strike="noStrike">
                           <a:effectLst/>
                         </a:rPr>
                         <a:t>John Hynes</a:t>
                       </a:r>
-                      <a:endParaRPr lang="en-CA" sz="2800" b="0" i="0" u="none" strike="noStrike">
+                      <a:endParaRPr lang="en-CA" sz="2400" b="0" i="0" u="none" strike="noStrike">
                         <a:solidFill>
                           <a:srgbClr val="000000"/>
                         </a:solidFill>
@@ -11667,12 +11667,12 @@
                     <a:p>
                       <a:pPr algn="l" fontAlgn="b"/>
                       <a:r>
-                        <a:rPr lang="en-CA" sz="2800" u="none" strike="noStrike">
+                        <a:rPr lang="en-CA" sz="2400" u="none" strike="noStrike">
                           <a:effectLst/>
                         </a:rPr>
                         <a:t>Welcome, team</a:t>
                       </a:r>
-                      <a:endParaRPr lang="en-CA" sz="2800" b="0" i="0" u="none" strike="noStrike">
+                      <a:endParaRPr lang="en-CA" sz="2400" b="0" i="0" u="none" strike="noStrike">
                         <a:solidFill>
                           <a:srgbClr val="000000"/>
                         </a:solidFill>
@@ -11690,12 +11690,12 @@
                     <a:p>
                       <a:pPr algn="l" fontAlgn="b"/>
                       <a:r>
-                        <a:rPr lang="en-CA" sz="2800" u="none" strike="noStrike" dirty="0">
+                        <a:rPr lang="en-CA" sz="2400" u="none" strike="noStrike" dirty="0">
                           <a:effectLst/>
                         </a:rPr>
                         <a:t>10 minutes</a:t>
                       </a:r>
-                      <a:endParaRPr lang="en-CA" sz="2800" b="0" i="0" u="none" strike="noStrike" dirty="0">
+                      <a:endParaRPr lang="en-CA" sz="2400" b="0" i="0" u="none" strike="noStrike" dirty="0">
                         <a:solidFill>
                           <a:srgbClr val="000000"/>
                         </a:solidFill>
@@ -11708,11 +11708,11 @@
                 </a:tc>
                 <a:extLst>
                   <a:ext uri="{0D108BD9-81ED-4DB2-BD59-A6C34878D82A}">
-                    <a16:rowId xmlns:a16="http://schemas.microsoft.com/office/drawing/2014/main" val="1296476536"/>
+                    <a16:rowId xmlns:a16="http://schemas.microsoft.com/office/drawing/2014/main" val="1376550890"/>
                   </a:ext>
                 </a:extLst>
               </a:tr>
-              <a:tr h="433011">
+              <a:tr h="403107">
                 <a:tc>
                   <a:txBody>
                     <a:bodyPr/>
@@ -11720,12 +11720,12 @@
                     <a:p>
                       <a:pPr algn="l" fontAlgn="b"/>
                       <a:r>
-                        <a:rPr lang="en-CA" sz="2800" u="none" strike="noStrike">
+                        <a:rPr lang="en-CA" sz="2400" u="none" strike="noStrike">
                           <a:effectLst/>
                         </a:rPr>
                         <a:t>Connie Liu</a:t>
                       </a:r>
-                      <a:endParaRPr lang="en-CA" sz="2800" b="0" i="0" u="none" strike="noStrike">
+                      <a:endParaRPr lang="en-CA" sz="2400" b="0" i="0" u="none" strike="noStrike">
                         <a:solidFill>
                           <a:srgbClr val="000000"/>
                         </a:solidFill>
@@ -11743,12 +11743,12 @@
                     <a:p>
                       <a:pPr algn="l" fontAlgn="b"/>
                       <a:r>
-                        <a:rPr lang="en-CA" sz="2800" u="none" strike="noStrike">
+                        <a:rPr lang="en-CA" sz="2400" u="none" strike="noStrike">
                           <a:effectLst/>
                         </a:rPr>
                         <a:t>Presenting new team member</a:t>
                       </a:r>
-                      <a:endParaRPr lang="en-CA" sz="2800" b="0" i="0" u="none" strike="noStrike">
+                      <a:endParaRPr lang="en-CA" sz="2400" b="0" i="0" u="none" strike="noStrike">
                         <a:solidFill>
                           <a:srgbClr val="000000"/>
                         </a:solidFill>
@@ -11766,12 +11766,12 @@
                     <a:p>
                       <a:pPr algn="l" fontAlgn="b"/>
                       <a:r>
-                        <a:rPr lang="en-CA" sz="2800" u="none" strike="noStrike" dirty="0">
+                        <a:rPr lang="en-CA" sz="2400" u="none" strike="noStrike" dirty="0">
                           <a:effectLst/>
                         </a:rPr>
                         <a:t>1 minute</a:t>
                       </a:r>
-                      <a:endParaRPr lang="en-CA" sz="2800" b="0" i="0" u="none" strike="noStrike" dirty="0">
+                      <a:endParaRPr lang="en-CA" sz="2400" b="0" i="0" u="none" strike="noStrike" dirty="0">
                         <a:solidFill>
                           <a:srgbClr val="000000"/>
                         </a:solidFill>
@@ -11784,11 +11784,11 @@
                 </a:tc>
                 <a:extLst>
                   <a:ext uri="{0D108BD9-81ED-4DB2-BD59-A6C34878D82A}">
-                    <a16:rowId xmlns:a16="http://schemas.microsoft.com/office/drawing/2014/main" val="2289789206"/>
+                    <a16:rowId xmlns:a16="http://schemas.microsoft.com/office/drawing/2014/main" val="3666075625"/>
                   </a:ext>
                 </a:extLst>
               </a:tr>
-              <a:tr h="433011">
+              <a:tr h="403107">
                 <a:tc>
                   <a:txBody>
                     <a:bodyPr/>
@@ -11796,12 +11796,12 @@
                     <a:p>
                       <a:pPr algn="l" fontAlgn="b"/>
                       <a:r>
-                        <a:rPr lang="en-CA" sz="2800" u="none" strike="noStrike">
+                        <a:rPr lang="en-CA" sz="2400" u="none" strike="noStrike">
                           <a:effectLst/>
                         </a:rPr>
                         <a:t>Alan Hummel</a:t>
                       </a:r>
-                      <a:endParaRPr lang="en-CA" sz="2800" b="0" i="0" u="none" strike="noStrike">
+                      <a:endParaRPr lang="en-CA" sz="2400" b="0" i="0" u="none" strike="noStrike">
                         <a:solidFill>
                           <a:srgbClr val="000000"/>
                         </a:solidFill>
@@ -11819,12 +11819,12 @@
                     <a:p>
                       <a:pPr algn="l" fontAlgn="b"/>
                       <a:r>
-                        <a:rPr lang="en-CA" sz="2800" u="none" strike="noStrike">
+                        <a:rPr lang="en-CA" sz="2400" u="none" strike="noStrike">
                           <a:effectLst/>
                         </a:rPr>
                         <a:t>Using Git</a:t>
                       </a:r>
-                      <a:endParaRPr lang="en-CA" sz="2800" b="0" i="0" u="none" strike="noStrike">
+                      <a:endParaRPr lang="en-CA" sz="2400" b="0" i="0" u="none" strike="noStrike">
                         <a:solidFill>
                           <a:srgbClr val="000000"/>
                         </a:solidFill>
@@ -11842,12 +11842,12 @@
                     <a:p>
                       <a:pPr algn="l" fontAlgn="b"/>
                       <a:r>
-                        <a:rPr lang="en-CA" sz="2800" u="none" strike="noStrike" dirty="0">
+                        <a:rPr lang="en-CA" sz="2400" u="none" strike="noStrike" dirty="0">
                           <a:effectLst/>
                         </a:rPr>
                         <a:t>10 minutes</a:t>
                       </a:r>
-                      <a:endParaRPr lang="en-CA" sz="2800" b="0" i="0" u="none" strike="noStrike" dirty="0">
+                      <a:endParaRPr lang="en-CA" sz="2400" b="0" i="0" u="none" strike="noStrike" dirty="0">
                         <a:solidFill>
                           <a:srgbClr val="000000"/>
                         </a:solidFill>
@@ -11860,11 +11860,11 @@
                 </a:tc>
                 <a:extLst>
                   <a:ext uri="{0D108BD9-81ED-4DB2-BD59-A6C34878D82A}">
-                    <a16:rowId xmlns:a16="http://schemas.microsoft.com/office/drawing/2014/main" val="2280644566"/>
+                    <a16:rowId xmlns:a16="http://schemas.microsoft.com/office/drawing/2014/main" val="2211667258"/>
                   </a:ext>
                 </a:extLst>
               </a:tr>
-              <a:tr h="433011">
+              <a:tr h="403107">
                 <a:tc>
                   <a:txBody>
                     <a:bodyPr/>
@@ -11872,12 +11872,12 @@
                     <a:p>
                       <a:pPr algn="l" fontAlgn="b"/>
                       <a:r>
-                        <a:rPr lang="en-CA" sz="2800" u="none" strike="noStrike">
+                        <a:rPr lang="en-CA" sz="2400" u="none" strike="noStrike">
                           <a:effectLst/>
                         </a:rPr>
                         <a:t>Olga Agady</a:t>
                       </a:r>
-                      <a:endParaRPr lang="en-CA" sz="2800" b="0" i="0" u="none" strike="noStrike">
+                      <a:endParaRPr lang="en-CA" sz="2400" b="0" i="0" u="none" strike="noStrike">
                         <a:solidFill>
                           <a:srgbClr val="000000"/>
                         </a:solidFill>
@@ -11895,12 +11895,12 @@
                     <a:p>
                       <a:pPr algn="l" fontAlgn="b"/>
                       <a:r>
-                        <a:rPr lang="en-CA" sz="2800" u="none" strike="noStrike">
+                        <a:rPr lang="en-CA" sz="2400" u="none" strike="noStrike">
                           <a:effectLst/>
                         </a:rPr>
                         <a:t>Integration with Box.com</a:t>
                       </a:r>
-                      <a:endParaRPr lang="en-CA" sz="2800" b="0" i="0" u="none" strike="noStrike">
+                      <a:endParaRPr lang="en-CA" sz="2400" b="0" i="0" u="none" strike="noStrike">
                         <a:solidFill>
                           <a:srgbClr val="000000"/>
                         </a:solidFill>
@@ -11918,12 +11918,12 @@
                     <a:p>
                       <a:pPr algn="l" fontAlgn="b"/>
                       <a:r>
-                        <a:rPr lang="en-CA" sz="2800" u="none" strike="noStrike" dirty="0">
+                        <a:rPr lang="en-CA" sz="2400" u="none" strike="noStrike" dirty="0">
                           <a:effectLst/>
                         </a:rPr>
                         <a:t>5 minutes</a:t>
                       </a:r>
-                      <a:endParaRPr lang="en-CA" sz="2800" b="0" i="0" u="none" strike="noStrike" dirty="0">
+                      <a:endParaRPr lang="en-CA" sz="2400" b="0" i="0" u="none" strike="noStrike" dirty="0">
                         <a:solidFill>
                           <a:srgbClr val="000000"/>
                         </a:solidFill>
@@ -11936,11 +11936,11 @@
                 </a:tc>
                 <a:extLst>
                   <a:ext uri="{0D108BD9-81ED-4DB2-BD59-A6C34878D82A}">
-                    <a16:rowId xmlns:a16="http://schemas.microsoft.com/office/drawing/2014/main" val="3760461788"/>
+                    <a16:rowId xmlns:a16="http://schemas.microsoft.com/office/drawing/2014/main" val="4289447091"/>
                   </a:ext>
                 </a:extLst>
               </a:tr>
-              <a:tr h="433011">
+              <a:tr h="403107">
                 <a:tc>
                   <a:txBody>
                     <a:bodyPr/>
@@ -11948,12 +11948,12 @@
                     <a:p>
                       <a:pPr algn="l" fontAlgn="b"/>
                       <a:r>
-                        <a:rPr lang="en-CA" sz="2800" u="none" strike="noStrike">
+                        <a:rPr lang="en-CA" sz="2400" u="none" strike="noStrike">
                           <a:effectLst/>
                         </a:rPr>
                         <a:t>Anita Wong</a:t>
                       </a:r>
-                      <a:endParaRPr lang="en-CA" sz="2800" b="0" i="0" u="none" strike="noStrike">
+                      <a:endParaRPr lang="en-CA" sz="2400" b="0" i="0" u="none" strike="noStrike">
                         <a:solidFill>
                           <a:srgbClr val="000000"/>
                         </a:solidFill>
@@ -11971,12 +11971,12 @@
                     <a:p>
                       <a:pPr algn="l" fontAlgn="b"/>
                       <a:r>
-                        <a:rPr lang="en-CA" sz="2800" u="none" strike="noStrike">
+                        <a:rPr lang="en-CA" sz="2400" u="none" strike="noStrike">
                           <a:effectLst/>
                         </a:rPr>
                         <a:t>FMS Upgrade Update</a:t>
                       </a:r>
-                      <a:endParaRPr lang="en-CA" sz="2800" b="0" i="0" u="none" strike="noStrike">
+                      <a:endParaRPr lang="en-CA" sz="2400" b="0" i="0" u="none" strike="noStrike">
                         <a:solidFill>
                           <a:srgbClr val="000000"/>
                         </a:solidFill>
@@ -11994,12 +11994,12 @@
                     <a:p>
                       <a:pPr algn="l" fontAlgn="b"/>
                       <a:r>
-                        <a:rPr lang="en-CA" sz="2800" u="none" strike="noStrike" dirty="0">
+                        <a:rPr lang="en-CA" sz="2400" u="none" strike="noStrike" dirty="0">
                           <a:effectLst/>
                         </a:rPr>
                         <a:t>5 minutes</a:t>
                       </a:r>
-                      <a:endParaRPr lang="en-CA" sz="2800" b="0" i="0" u="none" strike="noStrike" dirty="0">
+                      <a:endParaRPr lang="en-CA" sz="2400" b="0" i="0" u="none" strike="noStrike" dirty="0">
                         <a:solidFill>
                           <a:srgbClr val="000000"/>
                         </a:solidFill>
@@ -12012,11 +12012,11 @@
                 </a:tc>
                 <a:extLst>
                   <a:ext uri="{0D108BD9-81ED-4DB2-BD59-A6C34878D82A}">
-                    <a16:rowId xmlns:a16="http://schemas.microsoft.com/office/drawing/2014/main" val="2247761089"/>
+                    <a16:rowId xmlns:a16="http://schemas.microsoft.com/office/drawing/2014/main" val="3060202064"/>
                   </a:ext>
                 </a:extLst>
               </a:tr>
-              <a:tr h="433011">
+              <a:tr h="403107">
                 <a:tc>
                   <a:txBody>
                     <a:bodyPr/>
@@ -12024,12 +12024,12 @@
                     <a:p>
                       <a:pPr algn="l" fontAlgn="b"/>
                       <a:r>
-                        <a:rPr lang="en-CA" sz="2800" u="none" strike="noStrike">
+                        <a:rPr lang="en-CA" sz="2400" u="none" strike="noStrike">
                           <a:effectLst/>
                         </a:rPr>
-                        <a:t>Senthil/Melissa</a:t>
+                        <a:t>Sammy Douglas</a:t>
                       </a:r>
-                      <a:endParaRPr lang="en-CA" sz="2800" b="0" i="0" u="none" strike="noStrike">
+                      <a:endParaRPr lang="en-CA" sz="2400" b="0" i="0" u="none" strike="noStrike">
                         <a:solidFill>
                           <a:srgbClr val="000000"/>
                         </a:solidFill>
@@ -12047,12 +12047,12 @@
                     <a:p>
                       <a:pPr algn="l" fontAlgn="b"/>
                       <a:r>
-                        <a:rPr lang="en-CA" sz="2800" u="none" strike="noStrike">
+                        <a:rPr lang="en-CA" sz="2400" u="none" strike="noStrike">
                           <a:effectLst/>
                         </a:rPr>
-                        <a:t>Digitalization Team Update</a:t>
+                        <a:t>Destruction Update</a:t>
                       </a:r>
-                      <a:endParaRPr lang="en-CA" sz="2800" b="0" i="0" u="none" strike="noStrike">
+                      <a:endParaRPr lang="en-CA" sz="2400" b="0" i="0" u="none" strike="noStrike">
                         <a:solidFill>
                           <a:srgbClr val="000000"/>
                         </a:solidFill>
@@ -12070,12 +12070,12 @@
                     <a:p>
                       <a:pPr algn="l" fontAlgn="b"/>
                       <a:r>
-                        <a:rPr lang="en-CA" sz="2800" u="none" strike="noStrike" dirty="0">
+                        <a:rPr lang="en-CA" sz="2400" u="none" strike="noStrike" dirty="0">
                           <a:effectLst/>
                         </a:rPr>
-                        <a:t>10 minutes</a:t>
+                        <a:t>5 minutes</a:t>
                       </a:r>
-                      <a:endParaRPr lang="en-CA" sz="2800" b="0" i="0" u="none" strike="noStrike" dirty="0">
+                      <a:endParaRPr lang="en-CA" sz="2400" b="0" i="0" u="none" strike="noStrike" dirty="0">
                         <a:solidFill>
                           <a:srgbClr val="000000"/>
                         </a:solidFill>
@@ -12088,11 +12088,11 @@
                 </a:tc>
                 <a:extLst>
                   <a:ext uri="{0D108BD9-81ED-4DB2-BD59-A6C34878D82A}">
-                    <a16:rowId xmlns:a16="http://schemas.microsoft.com/office/drawing/2014/main" val="4045697416"/>
+                    <a16:rowId xmlns:a16="http://schemas.microsoft.com/office/drawing/2014/main" val="1234078770"/>
                   </a:ext>
                 </a:extLst>
               </a:tr>
-              <a:tr h="433011">
+              <a:tr h="403107">
                 <a:tc>
                   <a:txBody>
                     <a:bodyPr/>
@@ -12100,12 +12100,12 @@
                     <a:p>
                       <a:pPr algn="l" fontAlgn="b"/>
                       <a:r>
-                        <a:rPr lang="en-CA" sz="2800" u="none" strike="noStrike">
+                        <a:rPr lang="en-CA" sz="2400" u="none" strike="noStrike">
                           <a:effectLst/>
                         </a:rPr>
-                        <a:t>Patrick</a:t>
+                        <a:t>Senthil/Melissa</a:t>
                       </a:r>
-                      <a:endParaRPr lang="en-CA" sz="2800" b="0" i="0" u="none" strike="noStrike">
+                      <a:endParaRPr lang="en-CA" sz="2400" b="0" i="0" u="none" strike="noStrike">
                         <a:solidFill>
                           <a:srgbClr val="000000"/>
                         </a:solidFill>
@@ -12123,12 +12123,12 @@
                     <a:p>
                       <a:pPr algn="l" fontAlgn="b"/>
                       <a:r>
-                        <a:rPr lang="en-CA" sz="2800" u="none" strike="noStrike">
+                        <a:rPr lang="en-CA" sz="2400" u="none" strike="noStrike">
                           <a:effectLst/>
                         </a:rPr>
-                        <a:t>UCS</a:t>
+                        <a:t>Digitalization Team Update</a:t>
                       </a:r>
-                      <a:endParaRPr lang="en-CA" sz="2800" b="0" i="0" u="none" strike="noStrike">
+                      <a:endParaRPr lang="en-CA" sz="2400" b="0" i="0" u="none" strike="noStrike">
                         <a:solidFill>
                           <a:srgbClr val="000000"/>
                         </a:solidFill>
@@ -12146,12 +12146,12 @@
                     <a:p>
                       <a:pPr algn="l" fontAlgn="b"/>
                       <a:r>
-                        <a:rPr lang="en-CA" sz="2800" u="none" strike="noStrike" dirty="0">
+                        <a:rPr lang="en-CA" sz="2400" u="none" strike="noStrike" dirty="0">
                           <a:effectLst/>
                         </a:rPr>
-                        <a:t>5 minutes</a:t>
+                        <a:t>10 minutes</a:t>
                       </a:r>
-                      <a:endParaRPr lang="en-CA" sz="2800" b="0" i="0" u="none" strike="noStrike" dirty="0">
+                      <a:endParaRPr lang="en-CA" sz="2400" b="0" i="0" u="none" strike="noStrike" dirty="0">
                         <a:solidFill>
                           <a:srgbClr val="000000"/>
                         </a:solidFill>
@@ -12164,11 +12164,11 @@
                 </a:tc>
                 <a:extLst>
                   <a:ext uri="{0D108BD9-81ED-4DB2-BD59-A6C34878D82A}">
-                    <a16:rowId xmlns:a16="http://schemas.microsoft.com/office/drawing/2014/main" val="1768039374"/>
+                    <a16:rowId xmlns:a16="http://schemas.microsoft.com/office/drawing/2014/main" val="3532755892"/>
                   </a:ext>
                 </a:extLst>
               </a:tr>
-              <a:tr h="433011">
+              <a:tr h="403107">
                 <a:tc>
                   <a:txBody>
                     <a:bodyPr/>
@@ -12176,12 +12176,12 @@
                     <a:p>
                       <a:pPr algn="l" fontAlgn="b"/>
                       <a:r>
-                        <a:rPr lang="en-CA" sz="2800" u="none" strike="noStrike">
+                        <a:rPr lang="en-CA" sz="2400" u="none" strike="noStrike">
                           <a:effectLst/>
                         </a:rPr>
-                        <a:t>Donovan</a:t>
+                        <a:t>Patrick</a:t>
                       </a:r>
-                      <a:endParaRPr lang="en-CA" sz="2800" b="0" i="0" u="none" strike="noStrike">
+                      <a:endParaRPr lang="en-CA" sz="2400" b="0" i="0" u="none" strike="noStrike">
                         <a:solidFill>
                           <a:srgbClr val="000000"/>
                         </a:solidFill>
@@ -12199,12 +12199,12 @@
                     <a:p>
                       <a:pPr algn="l" fontAlgn="b"/>
                       <a:r>
-                        <a:rPr lang="en-CA" sz="2800" u="none" strike="noStrike">
+                        <a:rPr lang="en-CA" sz="2400" u="none" strike="noStrike">
                           <a:effectLst/>
                         </a:rPr>
-                        <a:t>MFA</a:t>
+                        <a:t>UCS</a:t>
                       </a:r>
-                      <a:endParaRPr lang="en-CA" sz="2800" b="0" i="0" u="none" strike="noStrike">
+                      <a:endParaRPr lang="en-CA" sz="2400" b="0" i="0" u="none" strike="noStrike">
                         <a:solidFill>
                           <a:srgbClr val="000000"/>
                         </a:solidFill>
@@ -12222,12 +12222,12 @@
                     <a:p>
                       <a:pPr algn="l" fontAlgn="b"/>
                       <a:r>
-                        <a:rPr lang="en-CA" sz="2800" u="none" strike="noStrike" dirty="0">
+                        <a:rPr lang="en-CA" sz="2400" u="none" strike="noStrike" dirty="0">
                           <a:effectLst/>
                         </a:rPr>
                         <a:t>5 minutes</a:t>
                       </a:r>
-                      <a:endParaRPr lang="en-CA" sz="2800" b="0" i="0" u="none" strike="noStrike" dirty="0">
+                      <a:endParaRPr lang="en-CA" sz="2400" b="0" i="0" u="none" strike="noStrike" dirty="0">
                         <a:solidFill>
                           <a:srgbClr val="000000"/>
                         </a:solidFill>
@@ -12240,11 +12240,11 @@
                 </a:tc>
                 <a:extLst>
                   <a:ext uri="{0D108BD9-81ED-4DB2-BD59-A6C34878D82A}">
-                    <a16:rowId xmlns:a16="http://schemas.microsoft.com/office/drawing/2014/main" val="2831765500"/>
+                    <a16:rowId xmlns:a16="http://schemas.microsoft.com/office/drawing/2014/main" val="373231893"/>
                   </a:ext>
                 </a:extLst>
               </a:tr>
-              <a:tr h="433011">
+              <a:tr h="403107">
                 <a:tc>
                   <a:txBody>
                     <a:bodyPr/>
@@ -12252,12 +12252,12 @@
                     <a:p>
                       <a:pPr algn="l" fontAlgn="b"/>
                       <a:r>
-                        <a:rPr lang="en-CA" sz="2800" u="none" strike="noStrike">
+                        <a:rPr lang="en-CA" sz="2400" u="none" strike="noStrike">
                           <a:effectLst/>
                         </a:rPr>
-                        <a:t>Sanjay</a:t>
+                        <a:t>Donovan</a:t>
                       </a:r>
-                      <a:endParaRPr lang="en-CA" sz="2800" b="0" i="0" u="none" strike="noStrike">
+                      <a:endParaRPr lang="en-CA" sz="2400" b="0" i="0" u="none" strike="noStrike">
                         <a:solidFill>
                           <a:srgbClr val="000000"/>
                         </a:solidFill>
@@ -12275,12 +12275,12 @@
                     <a:p>
                       <a:pPr algn="l" fontAlgn="b"/>
                       <a:r>
-                        <a:rPr lang="en-CA" sz="2800" u="none" strike="noStrike">
+                        <a:rPr lang="en-CA" sz="2400" u="none" strike="noStrike">
                           <a:effectLst/>
                         </a:rPr>
-                        <a:t>TBD</a:t>
+                        <a:t>MFA</a:t>
                       </a:r>
-                      <a:endParaRPr lang="en-CA" sz="2800" b="0" i="0" u="none" strike="noStrike">
+                      <a:endParaRPr lang="en-CA" sz="2400" b="0" i="0" u="none" strike="noStrike">
                         <a:solidFill>
                           <a:srgbClr val="000000"/>
                         </a:solidFill>
@@ -12298,12 +12298,12 @@
                     <a:p>
                       <a:pPr algn="l" fontAlgn="b"/>
                       <a:r>
-                        <a:rPr lang="en-CA" sz="2800" u="none" strike="noStrike" dirty="0">
+                        <a:rPr lang="en-CA" sz="2400" u="none" strike="noStrike" dirty="0">
                           <a:effectLst/>
                         </a:rPr>
-                        <a:t>10 minutes</a:t>
+                        <a:t>5 minutes</a:t>
                       </a:r>
-                      <a:endParaRPr lang="en-CA" sz="2800" b="0" i="0" u="none" strike="noStrike" dirty="0">
+                      <a:endParaRPr lang="en-CA" sz="2400" b="0" i="0" u="none" strike="noStrike" dirty="0">
                         <a:solidFill>
                           <a:srgbClr val="000000"/>
                         </a:solidFill>
@@ -12316,11 +12316,11 @@
                 </a:tc>
                 <a:extLst>
                   <a:ext uri="{0D108BD9-81ED-4DB2-BD59-A6C34878D82A}">
-                    <a16:rowId xmlns:a16="http://schemas.microsoft.com/office/drawing/2014/main" val="2542471200"/>
+                    <a16:rowId xmlns:a16="http://schemas.microsoft.com/office/drawing/2014/main" val="1067833003"/>
                   </a:ext>
                 </a:extLst>
               </a:tr>
-              <a:tr h="454662">
+              <a:tr h="403107">
                 <a:tc>
                   <a:txBody>
                     <a:bodyPr/>
@@ -12328,12 +12328,12 @@
                     <a:p>
                       <a:pPr algn="l" fontAlgn="b"/>
                       <a:r>
-                        <a:rPr lang="en-CA" sz="2800" u="none" strike="noStrike">
+                        <a:rPr lang="en-CA" sz="2400" u="none" strike="noStrike">
                           <a:effectLst/>
                         </a:rPr>
-                        <a:t>Andrew</a:t>
+                        <a:t>Sanjay</a:t>
                       </a:r>
-                      <a:endParaRPr lang="en-CA" sz="2800" b="0" i="0" u="none" strike="noStrike">
+                      <a:endParaRPr lang="en-CA" sz="2400" b="0" i="0" u="none" strike="noStrike">
                         <a:solidFill>
                           <a:srgbClr val="000000"/>
                         </a:solidFill>
@@ -12351,12 +12351,12 @@
                     <a:p>
                       <a:pPr algn="l" fontAlgn="b"/>
                       <a:r>
-                        <a:rPr lang="en-CA" sz="2800" u="none" strike="noStrike">
+                        <a:rPr lang="en-CA" sz="2400" u="none" strike="noStrike">
                           <a:effectLst/>
                         </a:rPr>
-                        <a:t>RA</a:t>
+                        <a:t>TBD</a:t>
                       </a:r>
-                      <a:endParaRPr lang="en-CA" sz="2800" b="0" i="0" u="none" strike="noStrike">
+                      <a:endParaRPr lang="en-CA" sz="2400" b="0" i="0" u="none" strike="noStrike">
                         <a:solidFill>
                           <a:srgbClr val="000000"/>
                         </a:solidFill>
@@ -12374,12 +12374,12 @@
                     <a:p>
                       <a:pPr algn="l" fontAlgn="b"/>
                       <a:r>
-                        <a:rPr lang="en-CA" sz="2800" u="none" strike="noStrike" dirty="0">
+                        <a:rPr lang="en-CA" sz="2400" u="none" strike="noStrike" dirty="0">
                           <a:effectLst/>
                         </a:rPr>
-                        <a:t>5 minutes</a:t>
+                        <a:t>10 minutes</a:t>
                       </a:r>
-                      <a:endParaRPr lang="en-CA" sz="2800" b="0" i="0" u="none" strike="noStrike" dirty="0">
+                      <a:endParaRPr lang="en-CA" sz="2400" b="0" i="0" u="none" strike="noStrike" dirty="0">
                         <a:solidFill>
                           <a:srgbClr val="000000"/>
                         </a:solidFill>
@@ -12392,7 +12392,83 @@
                 </a:tc>
                 <a:extLst>
                   <a:ext uri="{0D108BD9-81ED-4DB2-BD59-A6C34878D82A}">
-                    <a16:rowId xmlns:a16="http://schemas.microsoft.com/office/drawing/2014/main" val="2285177520"/>
+                    <a16:rowId xmlns:a16="http://schemas.microsoft.com/office/drawing/2014/main" val="934908366"/>
+                  </a:ext>
+                </a:extLst>
+              </a:tr>
+              <a:tr h="423263">
+                <a:tc>
+                  <a:txBody>
+                    <a:bodyPr/>
+                    <a:lstStyle/>
+                    <a:p>
+                      <a:pPr algn="l" fontAlgn="b"/>
+                      <a:r>
+                        <a:rPr lang="en-CA" sz="2400" u="none" strike="noStrike">
+                          <a:effectLst/>
+                        </a:rPr>
+                        <a:t>Andrew</a:t>
+                      </a:r>
+                      <a:endParaRPr lang="en-CA" sz="2400" b="0" i="0" u="none" strike="noStrike">
+                        <a:solidFill>
+                          <a:srgbClr val="000000"/>
+                        </a:solidFill>
+                        <a:effectLst/>
+                        <a:latin typeface="Calibri" panose="020F0502020204030204" pitchFamily="34" charset="0"/>
+                      </a:endParaRPr>
+                    </a:p>
+                  </a:txBody>
+                  <a:tcPr marL="9525" marR="9525" marT="9525" marB="0" anchor="b"/>
+                </a:tc>
+                <a:tc>
+                  <a:txBody>
+                    <a:bodyPr/>
+                    <a:lstStyle/>
+                    <a:p>
+                      <a:pPr algn="l" fontAlgn="b"/>
+                      <a:r>
+                        <a:rPr lang="en-CA" sz="2400" u="none" strike="noStrike">
+                          <a:effectLst/>
+                        </a:rPr>
+                        <a:t>RA</a:t>
+                      </a:r>
+                      <a:endParaRPr lang="en-CA" sz="2400" b="0" i="0" u="none" strike="noStrike">
+                        <a:solidFill>
+                          <a:srgbClr val="000000"/>
+                        </a:solidFill>
+                        <a:effectLst/>
+                        <a:latin typeface="Calibri" panose="020F0502020204030204" pitchFamily="34" charset="0"/>
+                      </a:endParaRPr>
+                    </a:p>
+                  </a:txBody>
+                  <a:tcPr marL="9525" marR="9525" marT="9525" marB="0" anchor="b"/>
+                </a:tc>
+                <a:tc>
+                  <a:txBody>
+                    <a:bodyPr/>
+                    <a:lstStyle/>
+                    <a:p>
+                      <a:pPr algn="l" fontAlgn="b"/>
+                      <a:r>
+                        <a:rPr lang="en-CA" sz="2400" u="none" strike="noStrike" dirty="0">
+                          <a:effectLst/>
+                        </a:rPr>
+                        <a:t>5 minutes</a:t>
+                      </a:r>
+                      <a:endParaRPr lang="en-CA" sz="2400" b="0" i="0" u="none" strike="noStrike" dirty="0">
+                        <a:solidFill>
+                          <a:srgbClr val="000000"/>
+                        </a:solidFill>
+                        <a:effectLst/>
+                        <a:latin typeface="Calibri" panose="020F0502020204030204" pitchFamily="34" charset="0"/>
+                      </a:endParaRPr>
+                    </a:p>
+                  </a:txBody>
+                  <a:tcPr marL="9525" marR="9525" marT="9525" marB="0" anchor="b"/>
+                </a:tc>
+                <a:extLst>
+                  <a:ext uri="{0D108BD9-81ED-4DB2-BD59-A6C34878D82A}">
+                    <a16:rowId xmlns:a16="http://schemas.microsoft.com/office/drawing/2014/main" val="548014738"/>
                   </a:ext>
                 </a:extLst>
               </a:tr>
